--- a/apresentacao-sbg-2020.pptx
+++ b/apresentacao-sbg-2020.pptx
@@ -6,50 +6,34 @@
   </p:sldMasterIdLst>
   <p:sldIdLst>
     <p:sldId id="270" r:id="rId2"/>
-    <p:sldId id="257" r:id="rId3"/>
-    <p:sldId id="271" r:id="rId4"/>
-    <p:sldId id="273" r:id="rId5"/>
-    <p:sldId id="272" r:id="rId6"/>
-    <p:sldId id="260" r:id="rId7"/>
-    <p:sldId id="261" r:id="rId8"/>
-    <p:sldId id="262" r:id="rId9"/>
-    <p:sldId id="263" r:id="rId10"/>
-    <p:sldId id="264" r:id="rId11"/>
-    <p:sldId id="265" r:id="rId12"/>
-    <p:sldId id="266" r:id="rId13"/>
-    <p:sldId id="267" r:id="rId14"/>
-    <p:sldId id="268" r:id="rId15"/>
-    <p:sldId id="269" r:id="rId16"/>
+    <p:sldId id="271" r:id="rId3"/>
+    <p:sldId id="273" r:id="rId4"/>
+    <p:sldId id="272" r:id="rId5"/>
+    <p:sldId id="279" r:id="rId6"/>
+    <p:sldId id="274" r:id="rId7"/>
+    <p:sldId id="275" r:id="rId8"/>
+    <p:sldId id="276" r:id="rId9"/>
+    <p:sldId id="277" r:id="rId10"/>
+    <p:sldId id="278" r:id="rId11"/>
   </p:sldIdLst>
   <p:sldSz cx="9753600" cy="7315200"/>
   <p:notesSz cx="6858000" cy="9144000"/>
   <p:embeddedFontLst>
     <p:embeddedFont>
-      <p:font typeface="Calibri" panose="020F0502020204030204" pitchFamily="34" charset="0"/>
-      <p:regular r:id="rId17"/>
-      <p:bold r:id="rId18"/>
-      <p:italic r:id="rId19"/>
-      <p:boldItalic r:id="rId20"/>
-    </p:embeddedFont>
-    <p:embeddedFont>
       <p:font typeface="Josefin Sans Regular Bold" panose="020B0604020202020204" charset="0"/>
-      <p:regular r:id="rId21"/>
+      <p:regular r:id="rId12"/>
     </p:embeddedFont>
     <p:embeddedFont>
       <p:font typeface="Poppins" panose="00000500000000000000" pitchFamily="2" charset="0"/>
-      <p:regular r:id="rId22"/>
-      <p:bold r:id="rId23"/>
-      <p:italic r:id="rId24"/>
-      <p:boldItalic r:id="rId25"/>
+      <p:regular r:id="rId13"/>
+      <p:bold r:id="rId14"/>
+      <p:italic r:id="rId15"/>
+      <p:boldItalic r:id="rId16"/>
     </p:embeddedFont>
     <p:embeddedFont>
       <p:font typeface="Poppins Light" panose="00000400000000000000" pitchFamily="2" charset="0"/>
-      <p:regular r:id="rId26"/>
-      <p:italic r:id="rId27"/>
-    </p:embeddedFont>
-    <p:embeddedFont>
-      <p:font typeface="Poppins Light Bold" panose="020B0604020202020204" charset="0"/>
-      <p:regular r:id="rId28"/>
+      <p:regular r:id="rId17"/>
+      <p:italic r:id="rId18"/>
     </p:embeddedFont>
   </p:embeddedFontLst>
   <p:defaultTextStyle>
@@ -702,7 +686,7 @@
               </a:lnSpc>
             </a:pPr>
             <a:r>
-              <a:rPr lang="en-US" sz="2400">
+              <a:rPr lang="en-US" sz="2400" dirty="0">
                 <a:solidFill>
                   <a:srgbClr val="545454"/>
                 </a:solidFill>
@@ -1276,8 +1260,8 @@
           <a:lstStyle>
             <a:lvl1pPr algn="ctr">
               <a:defRPr>
-                <a:latin typeface="Poppins Light" panose="00000400000000000000" pitchFamily="2" charset="0"/>
-                <a:cs typeface="Poppins Light" panose="00000400000000000000" pitchFamily="2" charset="0"/>
+                <a:latin typeface="Poppins" panose="00000500000000000000" pitchFamily="2" charset="0"/>
+                <a:cs typeface="Poppins" panose="00000500000000000000" pitchFamily="2" charset="0"/>
               </a:defRPr>
             </a:lvl1pPr>
           </a:lstStyle>
@@ -1307,6 +1291,14 @@
 <file path=ppt/slideLayouts/slideLayout11.xml><?xml version="1.0" encoding="utf-8"?>
 <p:sldLayout xmlns:a="http://schemas.openxmlformats.org/drawingml/2006/main" xmlns:r="http://schemas.openxmlformats.org/officeDocument/2006/relationships" xmlns:p="http://schemas.openxmlformats.org/presentationml/2006/main" preserve="1" userDrawn="1">
   <p:cSld name="4 conteúdos curtos">
+    <p:bg>
+      <p:bgPr>
+        <a:solidFill>
+          <a:srgbClr val="F8F8F8"/>
+        </a:solidFill>
+        <a:effectLst/>
+      </p:bgPr>
+    </p:bg>
     <p:spTree>
       <p:nvGrpSpPr>
         <p:cNvPr id="1" name=""/>
@@ -2547,8 +2539,8 @@
           <a:lstStyle>
             <a:lvl1pPr algn="ctr">
               <a:defRPr>
-                <a:latin typeface="Poppins Light" panose="00000400000000000000" pitchFamily="2" charset="0"/>
-                <a:cs typeface="Poppins Light" panose="00000400000000000000" pitchFamily="2" charset="0"/>
+                <a:latin typeface="Poppins" panose="00000500000000000000" pitchFamily="2" charset="0"/>
+                <a:cs typeface="Poppins" panose="00000500000000000000" pitchFamily="2" charset="0"/>
               </a:defRPr>
             </a:lvl1pPr>
           </a:lstStyle>
@@ -2558,7 +2550,7 @@
               <a:pPr/>
               <a:t>‹nº›</a:t>
             </a:fld>
-            <a:endParaRPr lang="en-US"/>
+            <a:endParaRPr lang="en-US" dirty="0"/>
           </a:p>
         </p:txBody>
       </p:sp>
@@ -3117,8 +3109,8 @@
                 <a:solidFill>
                   <a:srgbClr val="DBEFE1"/>
                 </a:solidFill>
-                <a:latin typeface="Poppins Light" panose="00000400000000000000" pitchFamily="2" charset="0"/>
-                <a:cs typeface="Poppins Light" panose="00000400000000000000" pitchFamily="2" charset="0"/>
+                <a:latin typeface="Poppins" panose="00000500000000000000" pitchFamily="2" charset="0"/>
+                <a:cs typeface="Poppins" panose="00000500000000000000" pitchFamily="2" charset="0"/>
               </a:defRPr>
             </a:lvl1pPr>
           </a:lstStyle>
@@ -3148,6 +3140,14 @@
 <file path=ppt/slideLayouts/slideLayout13.xml><?xml version="1.0" encoding="utf-8"?>
 <p:sldLayout xmlns:a="http://schemas.openxmlformats.org/drawingml/2006/main" xmlns:r="http://schemas.openxmlformats.org/officeDocument/2006/relationships" xmlns:p="http://schemas.openxmlformats.org/presentationml/2006/main" preserve="1" userDrawn="1">
   <p:cSld name="Em branco 2">
+    <p:bg>
+      <p:bgPr>
+        <a:solidFill>
+          <a:srgbClr val="F8F8F8"/>
+        </a:solidFill>
+        <a:effectLst/>
+      </p:bgPr>
+    </p:bg>
     <p:spTree>
       <p:nvGrpSpPr>
         <p:cNvPr id="1" name=""/>
@@ -3835,8 +3835,8 @@
           <a:lstStyle>
             <a:lvl1pPr algn="ctr">
               <a:defRPr>
-                <a:latin typeface="Poppins Light" panose="00000400000000000000" pitchFamily="2" charset="0"/>
-                <a:cs typeface="Poppins Light" panose="00000400000000000000" pitchFamily="2" charset="0"/>
+                <a:latin typeface="Poppins" panose="00000500000000000000" pitchFamily="2" charset="0"/>
+                <a:cs typeface="Poppins" panose="00000500000000000000" pitchFamily="2" charset="0"/>
               </a:defRPr>
             </a:lvl1pPr>
           </a:lstStyle>
@@ -3846,7 +3846,7 @@
               <a:pPr/>
               <a:t>‹nº›</a:t>
             </a:fld>
-            <a:endParaRPr lang="en-US"/>
+            <a:endParaRPr lang="en-US" dirty="0"/>
           </a:p>
         </p:txBody>
       </p:sp>
@@ -4699,8 +4699,8 @@
           <a:lstStyle>
             <a:lvl1pPr algn="r">
               <a:defRPr>
-                <a:latin typeface="Poppins Light" panose="00000400000000000000" pitchFamily="2" charset="0"/>
-                <a:cs typeface="Poppins Light" panose="00000400000000000000" pitchFamily="2" charset="0"/>
+                <a:latin typeface="Poppins" panose="00000500000000000000" pitchFamily="2" charset="0"/>
+                <a:cs typeface="Poppins" panose="00000500000000000000" pitchFamily="2" charset="0"/>
               </a:defRPr>
             </a:lvl1pPr>
           </a:lstStyle>
@@ -4771,8 +4771,8 @@
           <a:lstStyle>
             <a:lvl1pPr algn="ctr">
               <a:defRPr>
-                <a:latin typeface="Poppins Light" panose="00000400000000000000" pitchFamily="2" charset="0"/>
-                <a:cs typeface="Poppins Light" panose="00000400000000000000" pitchFamily="2" charset="0"/>
+                <a:latin typeface="Poppins" panose="00000500000000000000" pitchFamily="2" charset="0"/>
+                <a:cs typeface="Poppins" panose="00000500000000000000" pitchFamily="2" charset="0"/>
               </a:defRPr>
             </a:lvl1pPr>
           </a:lstStyle>
@@ -4987,8 +4987,8 @@
           <a:lstStyle>
             <a:lvl1pPr algn="ctr">
               <a:defRPr>
-                <a:latin typeface="Poppins Light" panose="00000400000000000000" pitchFamily="2" charset="0"/>
-                <a:cs typeface="Poppins Light" panose="00000400000000000000" pitchFamily="2" charset="0"/>
+                <a:latin typeface="Poppins" panose="00000500000000000000" pitchFamily="2" charset="0"/>
+                <a:cs typeface="Poppins" panose="00000500000000000000" pitchFamily="2" charset="0"/>
               </a:defRPr>
             </a:lvl1pPr>
           </a:lstStyle>
@@ -5694,8 +5694,8 @@
                 <a:solidFill>
                   <a:srgbClr val="DBEFE1"/>
                 </a:solidFill>
-                <a:latin typeface="Poppins Light" panose="00000400000000000000" pitchFamily="2" charset="0"/>
-                <a:cs typeface="Poppins Light" panose="00000400000000000000" pitchFamily="2" charset="0"/>
+                <a:latin typeface="Poppins" panose="00000500000000000000" pitchFamily="2" charset="0"/>
+                <a:cs typeface="Poppins" panose="00000500000000000000" pitchFamily="2" charset="0"/>
               </a:defRPr>
             </a:lvl1pPr>
           </a:lstStyle>
@@ -6894,8 +6894,8 @@
           <a:lstStyle>
             <a:lvl1pPr algn="r">
               <a:defRPr>
-                <a:latin typeface="Poppins Light" panose="00000400000000000000" pitchFamily="2" charset="0"/>
-                <a:cs typeface="Poppins Light" panose="00000400000000000000" pitchFamily="2" charset="0"/>
+                <a:latin typeface="Poppins" panose="00000500000000000000" pitchFamily="2" charset="0"/>
+                <a:cs typeface="Poppins" panose="00000500000000000000" pitchFamily="2" charset="0"/>
               </a:defRPr>
             </a:lvl1pPr>
           </a:lstStyle>
@@ -6905,7 +6905,7 @@
               <a:pPr/>
               <a:t>‹nº›</a:t>
             </a:fld>
-            <a:endParaRPr lang="en-US"/>
+            <a:endParaRPr lang="en-US" dirty="0"/>
           </a:p>
         </p:txBody>
       </p:sp>
@@ -7410,8 +7410,8 @@
           <a:lstStyle>
             <a:lvl1pPr algn="ctr">
               <a:defRPr>
-                <a:latin typeface="Poppins Light" panose="00000400000000000000" pitchFamily="2" charset="0"/>
-                <a:cs typeface="Poppins Light" panose="00000400000000000000" pitchFamily="2" charset="0"/>
+                <a:latin typeface="Poppins" panose="00000500000000000000" pitchFamily="2" charset="0"/>
+                <a:cs typeface="Poppins" panose="00000500000000000000" pitchFamily="2" charset="0"/>
               </a:defRPr>
             </a:lvl1pPr>
           </a:lstStyle>
@@ -7421,7 +7421,7 @@
               <a:pPr/>
               <a:t>‹nº›</a:t>
             </a:fld>
-            <a:endParaRPr lang="en-US"/>
+            <a:endParaRPr lang="en-US" dirty="0"/>
           </a:p>
         </p:txBody>
       </p:sp>
@@ -8021,8 +8021,8 @@
         </p:nvSpPr>
         <p:spPr>
           <a:xfrm>
-            <a:off x="2678554" y="2335503"/>
-            <a:ext cx="5334213" cy="771434"/>
+            <a:off x="2667009" y="2335503"/>
+            <a:ext cx="5345758" cy="771434"/>
           </a:xfrm>
         </p:spPr>
         <p:txBody>
@@ -8133,8 +8133,8 @@
         </p:nvSpPr>
         <p:spPr>
           <a:xfrm>
-            <a:off x="2678554" y="3687987"/>
-            <a:ext cx="5334213" cy="771434"/>
+            <a:off x="2667009" y="3687987"/>
+            <a:ext cx="5345758" cy="771434"/>
           </a:xfrm>
         </p:spPr>
         <p:txBody>
@@ -8189,7 +8189,7 @@
         </p:nvSpPr>
         <p:spPr>
           <a:xfrm>
-            <a:off x="2671626" y="4545249"/>
+            <a:off x="2667009" y="4545249"/>
             <a:ext cx="5348068" cy="416092"/>
           </a:xfrm>
         </p:spPr>
@@ -8245,8 +8245,8 @@
         </p:nvSpPr>
         <p:spPr>
           <a:xfrm>
-            <a:off x="2683171" y="5025517"/>
-            <a:ext cx="5334213" cy="771434"/>
+            <a:off x="2667009" y="5025517"/>
+            <a:ext cx="5345758" cy="771434"/>
           </a:xfrm>
         </p:spPr>
         <p:txBody>
@@ -8310,8 +8310,8 @@
           <a:lstStyle>
             <a:lvl1pPr algn="r">
               <a:defRPr>
-                <a:latin typeface="Poppins Light" panose="00000400000000000000" pitchFamily="2" charset="0"/>
-                <a:cs typeface="Poppins Light" panose="00000400000000000000" pitchFamily="2" charset="0"/>
+                <a:latin typeface="Poppins" panose="00000500000000000000" pitchFamily="2" charset="0"/>
+                <a:cs typeface="Poppins" panose="00000500000000000000" pitchFamily="2" charset="0"/>
               </a:defRPr>
             </a:lvl1pPr>
           </a:lstStyle>
@@ -8373,8 +8373,8 @@
         </p:nvSpPr>
         <p:spPr>
           <a:xfrm>
-            <a:off x="4881880" y="1219200"/>
-            <a:ext cx="4155653" cy="1920601"/>
+            <a:off x="4871722" y="1219200"/>
+            <a:ext cx="4165812" cy="1920601"/>
           </a:xfrm>
         </p:spPr>
         <p:txBody>
@@ -8741,8 +8741,8 @@
         </p:nvSpPr>
         <p:spPr>
           <a:xfrm>
-            <a:off x="4881880" y="4279991"/>
-            <a:ext cx="4155653" cy="925586"/>
+            <a:off x="4871722" y="4279991"/>
+            <a:ext cx="4165812" cy="925586"/>
           </a:xfrm>
         </p:spPr>
         <p:txBody>
@@ -8838,8 +8838,8 @@
           <a:lstStyle>
             <a:lvl1pPr algn="ctr">
               <a:defRPr>
-                <a:latin typeface="Poppins Light" panose="00000400000000000000" pitchFamily="2" charset="0"/>
-                <a:cs typeface="Poppins Light" panose="00000400000000000000" pitchFamily="2" charset="0"/>
+                <a:latin typeface="Poppins" panose="00000500000000000000" pitchFamily="2" charset="0"/>
+                <a:cs typeface="Poppins" panose="00000500000000000000" pitchFamily="2" charset="0"/>
               </a:defRPr>
             </a:lvl1pPr>
           </a:lstStyle>
@@ -9528,8 +9528,8 @@
           <a:lstStyle>
             <a:lvl1pPr algn="ctr">
               <a:defRPr>
-                <a:latin typeface="Poppins Light" panose="00000400000000000000" pitchFamily="2" charset="0"/>
-                <a:cs typeface="Poppins Light" panose="00000400000000000000" pitchFamily="2" charset="0"/>
+                <a:latin typeface="Poppins" panose="00000500000000000000" pitchFamily="2" charset="0"/>
+                <a:cs typeface="Poppins" panose="00000500000000000000" pitchFamily="2" charset="0"/>
               </a:defRPr>
             </a:lvl1pPr>
           </a:lstStyle>
@@ -10133,8 +10133,8 @@
           <a:lstStyle>
             <a:lvl1pPr algn="ctr">
               <a:defRPr>
-                <a:latin typeface="Poppins Light" panose="00000400000000000000" pitchFamily="2" charset="0"/>
-                <a:cs typeface="Poppins Light" panose="00000400000000000000" pitchFamily="2" charset="0"/>
+                <a:latin typeface="Poppins" panose="00000500000000000000" pitchFamily="2" charset="0"/>
+                <a:cs typeface="Poppins" panose="00000500000000000000" pitchFamily="2" charset="0"/>
               </a:defRPr>
             </a:lvl1pPr>
           </a:lstStyle>
@@ -10245,35 +10245,35 @@
           <a:p>
             <a:pPr lvl="0"/>
             <a:r>
-              <a:rPr lang="en-US"/>
+              <a:rPr lang="en-US" dirty="0"/>
               <a:t>Click to edit Master text styles</a:t>
             </a:r>
           </a:p>
           <a:p>
             <a:pPr lvl="1"/>
             <a:r>
-              <a:rPr lang="en-US"/>
+              <a:rPr lang="en-US" dirty="0"/>
               <a:t>Second level</a:t>
             </a:r>
           </a:p>
           <a:p>
             <a:pPr lvl="2"/>
             <a:r>
-              <a:rPr lang="en-US"/>
+              <a:rPr lang="en-US" dirty="0"/>
               <a:t>Third level</a:t>
             </a:r>
           </a:p>
           <a:p>
             <a:pPr lvl="3"/>
             <a:r>
-              <a:rPr lang="en-US"/>
+              <a:rPr lang="en-US" dirty="0"/>
               <a:t>Fourth level</a:t>
             </a:r>
           </a:p>
           <a:p>
             <a:pPr lvl="4"/>
             <a:r>
-              <a:rPr lang="en-US"/>
+              <a:rPr lang="en-US" dirty="0"/>
               <a:t>Fifth level</a:t>
             </a:r>
           </a:p>
@@ -10308,6 +10308,8 @@
                     <a:tint val="75000"/>
                   </a:schemeClr>
                 </a:solidFill>
+                <a:latin typeface="Poppins" panose="00000500000000000000" pitchFamily="2" charset="0"/>
+                <a:cs typeface="Poppins" panose="00000500000000000000" pitchFamily="2" charset="0"/>
               </a:defRPr>
             </a:lvl1pPr>
           </a:lstStyle>
@@ -10315,9 +10317,9 @@
             <a:fld id="{1D8BD707-D9CF-40AE-B4C6-C98DA3205C09}" type="datetimeFigureOut">
               <a:rPr lang="en-US" smtClean="0"/>
               <a:pPr/>
-              <a:t>8/26/2020</a:t>
+              <a:t>8/27/2020</a:t>
             </a:fld>
-            <a:endParaRPr lang="en-US"/>
+            <a:endParaRPr lang="en-US" dirty="0"/>
           </a:p>
         </p:txBody>
       </p:sp>
@@ -10350,11 +10352,13 @@
                     <a:tint val="75000"/>
                   </a:schemeClr>
                 </a:solidFill>
+                <a:latin typeface="Poppins" panose="00000500000000000000" pitchFamily="2" charset="0"/>
+                <a:cs typeface="Poppins" panose="00000500000000000000" pitchFamily="2" charset="0"/>
               </a:defRPr>
             </a:lvl1pPr>
           </a:lstStyle>
           <a:p>
-            <a:endParaRPr lang="en-US"/>
+            <a:endParaRPr lang="en-US" dirty="0"/>
           </a:p>
         </p:txBody>
       </p:sp>
@@ -10387,6 +10391,8 @@
                     <a:tint val="75000"/>
                   </a:schemeClr>
                 </a:solidFill>
+                <a:latin typeface="Poppins" panose="00000500000000000000" pitchFamily="2" charset="0"/>
+                <a:cs typeface="Poppins" panose="00000500000000000000" pitchFamily="2" charset="0"/>
               </a:defRPr>
             </a:lvl1pPr>
           </a:lstStyle>
@@ -10396,7 +10402,7 @@
               <a:pPr/>
               <a:t>‹nº›</a:t>
             </a:fld>
-            <a:endParaRPr lang="en-US"/>
+            <a:endParaRPr lang="en-US" dirty="0"/>
           </a:p>
         </p:txBody>
       </p:sp>
@@ -10837,14 +10843,6 @@
 <file path=ppt/slides/slide10.xml><?xml version="1.0" encoding="utf-8"?>
 <p:sld xmlns:a="http://schemas.openxmlformats.org/drawingml/2006/main" xmlns:r="http://schemas.openxmlformats.org/officeDocument/2006/relationships" xmlns:p="http://schemas.openxmlformats.org/presentationml/2006/main">
   <p:cSld>
-    <p:bg>
-      <p:bgPr>
-        <a:solidFill>
-          <a:srgbClr val="F8F8F8"/>
-        </a:solidFill>
-        <a:effectLst/>
-      </p:bgPr>
-    </p:bg>
     <p:spTree>
       <p:nvGrpSpPr>
         <p:cNvPr id="1" name=""/>
@@ -10859,997 +10857,15 @@
           <a:chExt cx="0" cy="0"/>
         </a:xfrm>
       </p:grpSpPr>
-      <p:grpSp>
-        <p:nvGrpSpPr>
-          <p:cNvPr id="2" name="Group 2"/>
-          <p:cNvGrpSpPr/>
-          <p:nvPr/>
-        </p:nvGrpSpPr>
-        <p:grpSpPr>
-          <a:xfrm>
-            <a:off x="-626597" y="2104480"/>
-            <a:ext cx="1518401" cy="644397"/>
-            <a:chOff x="0" y="0"/>
-            <a:chExt cx="957606" cy="406400"/>
-          </a:xfrm>
-        </p:grpSpPr>
-        <p:sp>
-          <p:nvSpPr>
-            <p:cNvPr id="3" name="Freeform 3"/>
-            <p:cNvSpPr/>
-            <p:nvPr/>
-          </p:nvSpPr>
-          <p:spPr>
-            <a:xfrm>
-              <a:off x="17780" y="22860"/>
-              <a:ext cx="932206" cy="360680"/>
-            </a:xfrm>
-            <a:custGeom>
-              <a:avLst/>
-              <a:gdLst/>
-              <a:ahLst/>
-              <a:cxnLst/>
-              <a:rect l="l" t="t" r="r" b="b"/>
-              <a:pathLst>
-                <a:path w="932206" h="360680">
-                  <a:moveTo>
-                    <a:pt x="932206" y="180340"/>
-                  </a:moveTo>
-                  <a:cubicBezTo>
-                    <a:pt x="932206" y="81280"/>
-                    <a:pt x="852196" y="0"/>
-                    <a:pt x="751866" y="0"/>
-                  </a:cubicBezTo>
-                  <a:lnTo>
-                    <a:pt x="172720" y="0"/>
-                  </a:lnTo>
-                  <a:lnTo>
-                    <a:pt x="172720" y="1270"/>
-                  </a:lnTo>
-                  <a:cubicBezTo>
-                    <a:pt x="76200" y="5080"/>
-                    <a:pt x="0" y="83820"/>
-                    <a:pt x="0" y="180340"/>
-                  </a:cubicBezTo>
-                  <a:cubicBezTo>
-                    <a:pt x="0" y="276860"/>
-                    <a:pt x="77470" y="355600"/>
-                    <a:pt x="172720" y="359410"/>
-                  </a:cubicBezTo>
-                  <a:lnTo>
-                    <a:pt x="172720" y="360680"/>
-                  </a:lnTo>
-                  <a:lnTo>
-                    <a:pt x="751866" y="360680"/>
-                  </a:lnTo>
-                  <a:cubicBezTo>
-                    <a:pt x="850926" y="360680"/>
-                    <a:pt x="932206" y="279400"/>
-                    <a:pt x="932206" y="180340"/>
-                  </a:cubicBezTo>
-                  <a:close/>
-                </a:path>
-              </a:pathLst>
-            </a:custGeom>
-            <a:solidFill>
-              <a:srgbClr val="45AF53"/>
-            </a:solidFill>
-          </p:spPr>
-        </p:sp>
-      </p:grpSp>
-      <p:grpSp>
-        <p:nvGrpSpPr>
-          <p:cNvPr id="4" name="Group 4"/>
-          <p:cNvGrpSpPr/>
-          <p:nvPr/>
-        </p:nvGrpSpPr>
-        <p:grpSpPr>
-          <a:xfrm>
-            <a:off x="-626597" y="4610434"/>
-            <a:ext cx="1518401" cy="644397"/>
-            <a:chOff x="0" y="0"/>
-            <a:chExt cx="957606" cy="406400"/>
-          </a:xfrm>
-        </p:grpSpPr>
-        <p:sp>
-          <p:nvSpPr>
-            <p:cNvPr id="5" name="Freeform 5"/>
-            <p:cNvSpPr/>
-            <p:nvPr/>
-          </p:nvSpPr>
-          <p:spPr>
-            <a:xfrm>
-              <a:off x="17780" y="22860"/>
-              <a:ext cx="932206" cy="360680"/>
-            </a:xfrm>
-            <a:custGeom>
-              <a:avLst/>
-              <a:gdLst/>
-              <a:ahLst/>
-              <a:cxnLst/>
-              <a:rect l="l" t="t" r="r" b="b"/>
-              <a:pathLst>
-                <a:path w="932206" h="360680">
-                  <a:moveTo>
-                    <a:pt x="932206" y="180340"/>
-                  </a:moveTo>
-                  <a:cubicBezTo>
-                    <a:pt x="932206" y="81280"/>
-                    <a:pt x="852196" y="0"/>
-                    <a:pt x="751866" y="0"/>
-                  </a:cubicBezTo>
-                  <a:lnTo>
-                    <a:pt x="172720" y="0"/>
-                  </a:lnTo>
-                  <a:lnTo>
-                    <a:pt x="172720" y="1270"/>
-                  </a:lnTo>
-                  <a:cubicBezTo>
-                    <a:pt x="76200" y="5080"/>
-                    <a:pt x="0" y="83820"/>
-                    <a:pt x="0" y="180340"/>
-                  </a:cubicBezTo>
-                  <a:cubicBezTo>
-                    <a:pt x="0" y="276860"/>
-                    <a:pt x="77470" y="355600"/>
-                    <a:pt x="172720" y="359410"/>
-                  </a:cubicBezTo>
-                  <a:lnTo>
-                    <a:pt x="172720" y="360680"/>
-                  </a:lnTo>
-                  <a:lnTo>
-                    <a:pt x="751866" y="360680"/>
-                  </a:lnTo>
-                  <a:cubicBezTo>
-                    <a:pt x="850926" y="360680"/>
-                    <a:pt x="932206" y="279400"/>
-                    <a:pt x="932206" y="180340"/>
-                  </a:cubicBezTo>
-                  <a:close/>
-                </a:path>
-              </a:pathLst>
-            </a:custGeom>
-            <a:solidFill>
-              <a:srgbClr val="45AF53"/>
-            </a:solidFill>
-          </p:spPr>
-        </p:sp>
-      </p:grpSp>
-      <p:grpSp>
-        <p:nvGrpSpPr>
-          <p:cNvPr id="6" name="Group 6"/>
-          <p:cNvGrpSpPr/>
-          <p:nvPr/>
-        </p:nvGrpSpPr>
-        <p:grpSpPr>
-          <a:xfrm>
-            <a:off x="-1032997" y="4201017"/>
-            <a:ext cx="1518401" cy="644397"/>
-            <a:chOff x="0" y="0"/>
-            <a:chExt cx="957606" cy="406400"/>
-          </a:xfrm>
-        </p:grpSpPr>
-        <p:sp>
-          <p:nvSpPr>
-            <p:cNvPr id="7" name="Freeform 7"/>
-            <p:cNvSpPr/>
-            <p:nvPr/>
-          </p:nvSpPr>
-          <p:spPr>
-            <a:xfrm>
-              <a:off x="17780" y="22860"/>
-              <a:ext cx="932206" cy="360680"/>
-            </a:xfrm>
-            <a:custGeom>
-              <a:avLst/>
-              <a:gdLst/>
-              <a:ahLst/>
-              <a:cxnLst/>
-              <a:rect l="l" t="t" r="r" b="b"/>
-              <a:pathLst>
-                <a:path w="932206" h="360680">
-                  <a:moveTo>
-                    <a:pt x="932206" y="180340"/>
-                  </a:moveTo>
-                  <a:cubicBezTo>
-                    <a:pt x="932206" y="81280"/>
-                    <a:pt x="852196" y="0"/>
-                    <a:pt x="751866" y="0"/>
-                  </a:cubicBezTo>
-                  <a:lnTo>
-                    <a:pt x="172720" y="0"/>
-                  </a:lnTo>
-                  <a:lnTo>
-                    <a:pt x="172720" y="1270"/>
-                  </a:lnTo>
-                  <a:cubicBezTo>
-                    <a:pt x="76200" y="5080"/>
-                    <a:pt x="0" y="83820"/>
-                    <a:pt x="0" y="180340"/>
-                  </a:cubicBezTo>
-                  <a:cubicBezTo>
-                    <a:pt x="0" y="276860"/>
-                    <a:pt x="77470" y="355600"/>
-                    <a:pt x="172720" y="359410"/>
-                  </a:cubicBezTo>
-                  <a:lnTo>
-                    <a:pt x="172720" y="360680"/>
-                  </a:lnTo>
-                  <a:lnTo>
-                    <a:pt x="751866" y="360680"/>
-                  </a:lnTo>
-                  <a:cubicBezTo>
-                    <a:pt x="850926" y="360680"/>
-                    <a:pt x="932206" y="279400"/>
-                    <a:pt x="932206" y="180340"/>
-                  </a:cubicBezTo>
-                  <a:close/>
-                </a:path>
-              </a:pathLst>
-            </a:custGeom>
-            <a:solidFill>
-              <a:srgbClr val="276445"/>
-            </a:solidFill>
-          </p:spPr>
-        </p:sp>
-      </p:grpSp>
-      <p:grpSp>
-        <p:nvGrpSpPr>
-          <p:cNvPr id="8" name="Group 8"/>
-          <p:cNvGrpSpPr/>
-          <p:nvPr/>
-        </p:nvGrpSpPr>
-        <p:grpSpPr>
-          <a:xfrm>
-            <a:off x="-1032997" y="1750965"/>
-            <a:ext cx="1518401" cy="644397"/>
-            <a:chOff x="0" y="0"/>
-            <a:chExt cx="957606" cy="406400"/>
-          </a:xfrm>
-        </p:grpSpPr>
-        <p:sp>
-          <p:nvSpPr>
-            <p:cNvPr id="9" name="Freeform 9"/>
-            <p:cNvSpPr/>
-            <p:nvPr/>
-          </p:nvSpPr>
-          <p:spPr>
-            <a:xfrm>
-              <a:off x="17780" y="22860"/>
-              <a:ext cx="932206" cy="360680"/>
-            </a:xfrm>
-            <a:custGeom>
-              <a:avLst/>
-              <a:gdLst/>
-              <a:ahLst/>
-              <a:cxnLst/>
-              <a:rect l="l" t="t" r="r" b="b"/>
-              <a:pathLst>
-                <a:path w="932206" h="360680">
-                  <a:moveTo>
-                    <a:pt x="932206" y="180340"/>
-                  </a:moveTo>
-                  <a:cubicBezTo>
-                    <a:pt x="932206" y="81280"/>
-                    <a:pt x="852196" y="0"/>
-                    <a:pt x="751866" y="0"/>
-                  </a:cubicBezTo>
-                  <a:lnTo>
-                    <a:pt x="172720" y="0"/>
-                  </a:lnTo>
-                  <a:lnTo>
-                    <a:pt x="172720" y="1270"/>
-                  </a:lnTo>
-                  <a:cubicBezTo>
-                    <a:pt x="76200" y="5080"/>
-                    <a:pt x="0" y="83820"/>
-                    <a:pt x="0" y="180340"/>
-                  </a:cubicBezTo>
-                  <a:cubicBezTo>
-                    <a:pt x="0" y="276860"/>
-                    <a:pt x="77470" y="355600"/>
-                    <a:pt x="172720" y="359410"/>
-                  </a:cubicBezTo>
-                  <a:lnTo>
-                    <a:pt x="172720" y="360680"/>
-                  </a:lnTo>
-                  <a:lnTo>
-                    <a:pt x="751866" y="360680"/>
-                  </a:lnTo>
-                  <a:cubicBezTo>
-                    <a:pt x="850926" y="360680"/>
-                    <a:pt x="932206" y="279400"/>
-                    <a:pt x="932206" y="180340"/>
-                  </a:cubicBezTo>
-                  <a:close/>
-                </a:path>
-              </a:pathLst>
-            </a:custGeom>
-            <a:solidFill>
-              <a:srgbClr val="276445"/>
-            </a:solidFill>
-          </p:spPr>
-        </p:sp>
-      </p:grpSp>
-      <p:grpSp>
-        <p:nvGrpSpPr>
-          <p:cNvPr id="10" name="Group 10"/>
-          <p:cNvGrpSpPr/>
-          <p:nvPr/>
-        </p:nvGrpSpPr>
-        <p:grpSpPr>
-          <a:xfrm>
-            <a:off x="1476880" y="1970097"/>
-            <a:ext cx="3048213" cy="913162"/>
-            <a:chOff x="0" y="0"/>
-            <a:chExt cx="4064285" cy="1217549"/>
-          </a:xfrm>
-        </p:grpSpPr>
-        <p:sp>
-          <p:nvSpPr>
-            <p:cNvPr id="11" name="TextBox 11"/>
-            <p:cNvSpPr txBox="1"/>
-            <p:nvPr/>
-          </p:nvSpPr>
-          <p:spPr>
-            <a:xfrm>
-              <a:off x="0" y="0"/>
-              <a:ext cx="4064285" cy="466725"/>
-            </a:xfrm>
-            <a:prstGeom prst="rect">
-              <a:avLst/>
-            </a:prstGeom>
-          </p:spPr>
-          <p:txBody>
-            <a:bodyPr lIns="0" tIns="0" rIns="0" bIns="0" rtlCol="0" anchor="t">
-              <a:spAutoFit/>
-            </a:bodyPr>
-            <a:lstStyle/>
-            <a:p>
-              <a:pPr>
-                <a:lnSpc>
-                  <a:spcPts val="2760"/>
-                </a:lnSpc>
-              </a:pPr>
-              <a:r>
-                <a:rPr lang="en-US" sz="2300" spc="161" dirty="0">
-                  <a:solidFill>
-                    <a:srgbClr val="61C2A2"/>
-                  </a:solidFill>
-                  <a:latin typeface="Poppins Bold Italics"/>
-                </a:rPr>
-                <a:t>INTRODUCTIONS</a:t>
-              </a:r>
-            </a:p>
-          </p:txBody>
-        </p:sp>
-        <p:sp>
-          <p:nvSpPr>
-            <p:cNvPr id="12" name="TextBox 12"/>
-            <p:cNvSpPr txBox="1"/>
-            <p:nvPr/>
-          </p:nvSpPr>
-          <p:spPr>
-            <a:xfrm>
-              <a:off x="0" y="564092"/>
-              <a:ext cx="4064285" cy="653457"/>
-            </a:xfrm>
-            <a:prstGeom prst="rect">
-              <a:avLst/>
-            </a:prstGeom>
-          </p:spPr>
-          <p:txBody>
-            <a:bodyPr lIns="0" tIns="0" rIns="0" bIns="0" rtlCol="0" anchor="t">
-              <a:spAutoFit/>
-            </a:bodyPr>
-            <a:lstStyle/>
-            <a:p>
-              <a:pPr>
-                <a:lnSpc>
-                  <a:spcPts val="2080"/>
-                </a:lnSpc>
-              </a:pPr>
-              <a:r>
-                <a:rPr lang="en-US" sz="1386" dirty="0">
-                  <a:solidFill>
-                    <a:srgbClr val="1D617A"/>
-                  </a:solidFill>
-                  <a:latin typeface="Poppins Light"/>
-                </a:rPr>
-                <a:t>Presentations are communication tools that can be used as lectures.</a:t>
-              </a:r>
-            </a:p>
-          </p:txBody>
-        </p:sp>
-      </p:grpSp>
-      <p:grpSp>
-        <p:nvGrpSpPr>
-          <p:cNvPr id="13" name="Group 13"/>
-          <p:cNvGrpSpPr/>
-          <p:nvPr/>
-        </p:nvGrpSpPr>
-        <p:grpSpPr>
-          <a:xfrm>
-            <a:off x="5234289" y="1795075"/>
-            <a:ext cx="3048213" cy="1263206"/>
-            <a:chOff x="0" y="0"/>
-            <a:chExt cx="4064285" cy="1684274"/>
-          </a:xfrm>
-        </p:grpSpPr>
-        <p:sp>
-          <p:nvSpPr>
-            <p:cNvPr id="14" name="TextBox 14"/>
-            <p:cNvSpPr txBox="1"/>
-            <p:nvPr/>
-          </p:nvSpPr>
-          <p:spPr>
-            <a:xfrm>
-              <a:off x="0" y="0"/>
-              <a:ext cx="4064285" cy="933450"/>
-            </a:xfrm>
-            <a:prstGeom prst="rect">
-              <a:avLst/>
-            </a:prstGeom>
-          </p:spPr>
-          <p:txBody>
-            <a:bodyPr lIns="0" tIns="0" rIns="0" bIns="0" rtlCol="0" anchor="t">
-              <a:spAutoFit/>
-            </a:bodyPr>
-            <a:lstStyle/>
-            <a:p>
-              <a:pPr algn="r">
-                <a:lnSpc>
-                  <a:spcPts val="2760"/>
-                </a:lnSpc>
-              </a:pPr>
-              <a:r>
-                <a:rPr lang="en-US" sz="2300" spc="161">
-                  <a:solidFill>
-                    <a:srgbClr val="61C2A2"/>
-                  </a:solidFill>
-                  <a:latin typeface="Poppins Bold Italics"/>
-                </a:rPr>
-                <a:t>OFFICE MATERIALS</a:t>
-              </a:r>
-            </a:p>
-          </p:txBody>
-        </p:sp>
-        <p:sp>
-          <p:nvSpPr>
-            <p:cNvPr id="15" name="TextBox 15"/>
-            <p:cNvSpPr txBox="1"/>
-            <p:nvPr/>
-          </p:nvSpPr>
-          <p:spPr>
-            <a:xfrm>
-              <a:off x="0" y="1030817"/>
-              <a:ext cx="4064285" cy="653457"/>
-            </a:xfrm>
-            <a:prstGeom prst="rect">
-              <a:avLst/>
-            </a:prstGeom>
-          </p:spPr>
-          <p:txBody>
-            <a:bodyPr lIns="0" tIns="0" rIns="0" bIns="0" rtlCol="0" anchor="t">
-              <a:spAutoFit/>
-            </a:bodyPr>
-            <a:lstStyle/>
-            <a:p>
-              <a:pPr algn="r">
-                <a:lnSpc>
-                  <a:spcPts val="2080"/>
-                </a:lnSpc>
-              </a:pPr>
-              <a:r>
-                <a:rPr lang="en-US" sz="1386">
-                  <a:solidFill>
-                    <a:srgbClr val="1D617A"/>
-                  </a:solidFill>
-                  <a:latin typeface="Poppins Light"/>
-                </a:rPr>
-                <a:t>Presentations are communication tools that can be used as lectures.</a:t>
-              </a:r>
-            </a:p>
-          </p:txBody>
-        </p:sp>
-      </p:grpSp>
-      <p:grpSp>
-        <p:nvGrpSpPr>
-          <p:cNvPr id="16" name="Group 16"/>
-          <p:cNvGrpSpPr/>
-          <p:nvPr/>
-        </p:nvGrpSpPr>
-        <p:grpSpPr>
-          <a:xfrm>
-            <a:off x="5234289" y="4301029"/>
-            <a:ext cx="3048213" cy="1263206"/>
-            <a:chOff x="0" y="0"/>
-            <a:chExt cx="4064285" cy="1684274"/>
-          </a:xfrm>
-        </p:grpSpPr>
-        <p:sp>
-          <p:nvSpPr>
-            <p:cNvPr id="17" name="TextBox 17"/>
-            <p:cNvSpPr txBox="1"/>
-            <p:nvPr/>
-          </p:nvSpPr>
-          <p:spPr>
-            <a:xfrm>
-              <a:off x="0" y="0"/>
-              <a:ext cx="4064285" cy="933450"/>
-            </a:xfrm>
-            <a:prstGeom prst="rect">
-              <a:avLst/>
-            </a:prstGeom>
-          </p:spPr>
-          <p:txBody>
-            <a:bodyPr lIns="0" tIns="0" rIns="0" bIns="0" rtlCol="0" anchor="t">
-              <a:spAutoFit/>
-            </a:bodyPr>
-            <a:lstStyle/>
-            <a:p>
-              <a:pPr algn="r">
-                <a:lnSpc>
-                  <a:spcPts val="2760"/>
-                </a:lnSpc>
-              </a:pPr>
-              <a:r>
-                <a:rPr lang="en-US" sz="2300" spc="161">
-                  <a:solidFill>
-                    <a:srgbClr val="61C2A2"/>
-                  </a:solidFill>
-                  <a:latin typeface="Poppins Bold Italics"/>
-                </a:rPr>
-                <a:t>TEAM-SPECIFIC PROTOCOL</a:t>
-              </a:r>
-            </a:p>
-          </p:txBody>
-        </p:sp>
-        <p:sp>
-          <p:nvSpPr>
-            <p:cNvPr id="18" name="TextBox 18"/>
-            <p:cNvSpPr txBox="1"/>
-            <p:nvPr/>
-          </p:nvSpPr>
-          <p:spPr>
-            <a:xfrm>
-              <a:off x="0" y="1030817"/>
-              <a:ext cx="4064285" cy="653457"/>
-            </a:xfrm>
-            <a:prstGeom prst="rect">
-              <a:avLst/>
-            </a:prstGeom>
-          </p:spPr>
-          <p:txBody>
-            <a:bodyPr lIns="0" tIns="0" rIns="0" bIns="0" rtlCol="0" anchor="t">
-              <a:spAutoFit/>
-            </a:bodyPr>
-            <a:lstStyle/>
-            <a:p>
-              <a:pPr algn="r">
-                <a:lnSpc>
-                  <a:spcPts val="2080"/>
-                </a:lnSpc>
-              </a:pPr>
-              <a:r>
-                <a:rPr lang="en-US" sz="1386" dirty="0">
-                  <a:solidFill>
-                    <a:srgbClr val="1D617A"/>
-                  </a:solidFill>
-                  <a:latin typeface="Poppins Light"/>
-                </a:rPr>
-                <a:t>Presentations are communication tools that can be used as lectures.</a:t>
-              </a:r>
-            </a:p>
-          </p:txBody>
-        </p:sp>
-      </p:grpSp>
-      <p:grpSp>
-        <p:nvGrpSpPr>
-          <p:cNvPr id="19" name="Group 19"/>
-          <p:cNvGrpSpPr/>
-          <p:nvPr/>
-        </p:nvGrpSpPr>
-        <p:grpSpPr>
-          <a:xfrm>
-            <a:off x="1476880" y="4301029"/>
-            <a:ext cx="3048213" cy="1263206"/>
-            <a:chOff x="0" y="0"/>
-            <a:chExt cx="4064285" cy="1684274"/>
-          </a:xfrm>
-        </p:grpSpPr>
-        <p:sp>
-          <p:nvSpPr>
-            <p:cNvPr id="20" name="TextBox 20"/>
-            <p:cNvSpPr txBox="1"/>
-            <p:nvPr/>
-          </p:nvSpPr>
-          <p:spPr>
-            <a:xfrm>
-              <a:off x="0" y="0"/>
-              <a:ext cx="4064285" cy="933450"/>
-            </a:xfrm>
-            <a:prstGeom prst="rect">
-              <a:avLst/>
-            </a:prstGeom>
-          </p:spPr>
-          <p:txBody>
-            <a:bodyPr lIns="0" tIns="0" rIns="0" bIns="0" rtlCol="0" anchor="t">
-              <a:spAutoFit/>
-            </a:bodyPr>
-            <a:lstStyle/>
-            <a:p>
-              <a:pPr>
-                <a:lnSpc>
-                  <a:spcPts val="2760"/>
-                </a:lnSpc>
-              </a:pPr>
-              <a:r>
-                <a:rPr lang="en-US" sz="2300" spc="161">
-                  <a:solidFill>
-                    <a:srgbClr val="61C2A2"/>
-                  </a:solidFill>
-                  <a:latin typeface="Poppins Bold Italics"/>
-                </a:rPr>
-                <a:t>TEAM FILES AND PROJECTS</a:t>
-              </a:r>
-            </a:p>
-          </p:txBody>
-        </p:sp>
-        <p:sp>
-          <p:nvSpPr>
-            <p:cNvPr id="21" name="TextBox 21"/>
-            <p:cNvSpPr txBox="1"/>
-            <p:nvPr/>
-          </p:nvSpPr>
-          <p:spPr>
-            <a:xfrm>
-              <a:off x="0" y="1030817"/>
-              <a:ext cx="4064285" cy="653457"/>
-            </a:xfrm>
-            <a:prstGeom prst="rect">
-              <a:avLst/>
-            </a:prstGeom>
-          </p:spPr>
-          <p:txBody>
-            <a:bodyPr lIns="0" tIns="0" rIns="0" bIns="0" rtlCol="0" anchor="t">
-              <a:spAutoFit/>
-            </a:bodyPr>
-            <a:lstStyle/>
-            <a:p>
-              <a:pPr>
-                <a:lnSpc>
-                  <a:spcPts val="2080"/>
-                </a:lnSpc>
-              </a:pPr>
-              <a:r>
-                <a:rPr lang="en-US" sz="1386" dirty="0">
-                  <a:solidFill>
-                    <a:srgbClr val="1D617A"/>
-                  </a:solidFill>
-                  <a:latin typeface="Poppins Light"/>
-                </a:rPr>
-                <a:t>Presentations are communication tools that can be used as lectures.</a:t>
-              </a:r>
-            </a:p>
-          </p:txBody>
-        </p:sp>
-      </p:grpSp>
-      <p:grpSp>
-        <p:nvGrpSpPr>
-          <p:cNvPr id="22" name="Group 22"/>
-          <p:cNvGrpSpPr/>
-          <p:nvPr/>
-        </p:nvGrpSpPr>
-        <p:grpSpPr>
-          <a:xfrm>
-            <a:off x="8848836" y="2073164"/>
-            <a:ext cx="1518401" cy="644397"/>
-            <a:chOff x="0" y="0"/>
-            <a:chExt cx="957606" cy="406400"/>
-          </a:xfrm>
-        </p:grpSpPr>
-        <p:sp>
-          <p:nvSpPr>
-            <p:cNvPr id="23" name="Freeform 23"/>
-            <p:cNvSpPr/>
-            <p:nvPr/>
-          </p:nvSpPr>
-          <p:spPr>
-            <a:xfrm>
-              <a:off x="17780" y="22860"/>
-              <a:ext cx="932206" cy="360680"/>
-            </a:xfrm>
-            <a:custGeom>
-              <a:avLst/>
-              <a:gdLst/>
-              <a:ahLst/>
-              <a:cxnLst/>
-              <a:rect l="l" t="t" r="r" b="b"/>
-              <a:pathLst>
-                <a:path w="932206" h="360680">
-                  <a:moveTo>
-                    <a:pt x="932206" y="180340"/>
-                  </a:moveTo>
-                  <a:cubicBezTo>
-                    <a:pt x="932206" y="81280"/>
-                    <a:pt x="852196" y="0"/>
-                    <a:pt x="751866" y="0"/>
-                  </a:cubicBezTo>
-                  <a:lnTo>
-                    <a:pt x="172720" y="0"/>
-                  </a:lnTo>
-                  <a:lnTo>
-                    <a:pt x="172720" y="1270"/>
-                  </a:lnTo>
-                  <a:cubicBezTo>
-                    <a:pt x="76200" y="5080"/>
-                    <a:pt x="0" y="83820"/>
-                    <a:pt x="0" y="180340"/>
-                  </a:cubicBezTo>
-                  <a:cubicBezTo>
-                    <a:pt x="0" y="276860"/>
-                    <a:pt x="77470" y="355600"/>
-                    <a:pt x="172720" y="359410"/>
-                  </a:cubicBezTo>
-                  <a:lnTo>
-                    <a:pt x="172720" y="360680"/>
-                  </a:lnTo>
-                  <a:lnTo>
-                    <a:pt x="751866" y="360680"/>
-                  </a:lnTo>
-                  <a:cubicBezTo>
-                    <a:pt x="850926" y="360680"/>
-                    <a:pt x="932206" y="279400"/>
-                    <a:pt x="932206" y="180340"/>
-                  </a:cubicBezTo>
-                  <a:close/>
-                </a:path>
-              </a:pathLst>
-            </a:custGeom>
-            <a:solidFill>
-              <a:srgbClr val="45AF53"/>
-            </a:solidFill>
-          </p:spPr>
-        </p:sp>
-      </p:grpSp>
-      <p:grpSp>
-        <p:nvGrpSpPr>
-          <p:cNvPr id="24" name="Group 24"/>
-          <p:cNvGrpSpPr/>
-          <p:nvPr/>
-        </p:nvGrpSpPr>
-        <p:grpSpPr>
-          <a:xfrm>
-            <a:off x="9268196" y="1750965"/>
-            <a:ext cx="1518401" cy="644397"/>
-            <a:chOff x="0" y="0"/>
-            <a:chExt cx="957606" cy="406400"/>
-          </a:xfrm>
-        </p:grpSpPr>
-        <p:sp>
-          <p:nvSpPr>
-            <p:cNvPr id="25" name="Freeform 25"/>
-            <p:cNvSpPr/>
-            <p:nvPr/>
-          </p:nvSpPr>
-          <p:spPr>
-            <a:xfrm>
-              <a:off x="17780" y="22860"/>
-              <a:ext cx="932206" cy="360680"/>
-            </a:xfrm>
-            <a:custGeom>
-              <a:avLst/>
-              <a:gdLst/>
-              <a:ahLst/>
-              <a:cxnLst/>
-              <a:rect l="l" t="t" r="r" b="b"/>
-              <a:pathLst>
-                <a:path w="932206" h="360680">
-                  <a:moveTo>
-                    <a:pt x="932206" y="180340"/>
-                  </a:moveTo>
-                  <a:cubicBezTo>
-                    <a:pt x="932206" y="81280"/>
-                    <a:pt x="852196" y="0"/>
-                    <a:pt x="751866" y="0"/>
-                  </a:cubicBezTo>
-                  <a:lnTo>
-                    <a:pt x="172720" y="0"/>
-                  </a:lnTo>
-                  <a:lnTo>
-                    <a:pt x="172720" y="1270"/>
-                  </a:lnTo>
-                  <a:cubicBezTo>
-                    <a:pt x="76200" y="5080"/>
-                    <a:pt x="0" y="83820"/>
-                    <a:pt x="0" y="180340"/>
-                  </a:cubicBezTo>
-                  <a:cubicBezTo>
-                    <a:pt x="0" y="276860"/>
-                    <a:pt x="77470" y="355600"/>
-                    <a:pt x="172720" y="359410"/>
-                  </a:cubicBezTo>
-                  <a:lnTo>
-                    <a:pt x="172720" y="360680"/>
-                  </a:lnTo>
-                  <a:lnTo>
-                    <a:pt x="751866" y="360680"/>
-                  </a:lnTo>
-                  <a:cubicBezTo>
-                    <a:pt x="850926" y="360680"/>
-                    <a:pt x="932206" y="279400"/>
-                    <a:pt x="932206" y="180340"/>
-                  </a:cubicBezTo>
-                  <a:close/>
-                </a:path>
-              </a:pathLst>
-            </a:custGeom>
-            <a:solidFill>
-              <a:srgbClr val="276445"/>
-            </a:solidFill>
-          </p:spPr>
-        </p:sp>
-      </p:grpSp>
-      <p:grpSp>
-        <p:nvGrpSpPr>
-          <p:cNvPr id="26" name="Group 26"/>
-          <p:cNvGrpSpPr/>
-          <p:nvPr/>
-        </p:nvGrpSpPr>
-        <p:grpSpPr>
-          <a:xfrm>
-            <a:off x="8848836" y="4610434"/>
-            <a:ext cx="1518401" cy="644397"/>
-            <a:chOff x="0" y="0"/>
-            <a:chExt cx="957606" cy="406400"/>
-          </a:xfrm>
-        </p:grpSpPr>
-        <p:sp>
-          <p:nvSpPr>
-            <p:cNvPr id="27" name="Freeform 27"/>
-            <p:cNvSpPr/>
-            <p:nvPr/>
-          </p:nvSpPr>
-          <p:spPr>
-            <a:xfrm>
-              <a:off x="17780" y="22860"/>
-              <a:ext cx="932206" cy="360680"/>
-            </a:xfrm>
-            <a:custGeom>
-              <a:avLst/>
-              <a:gdLst/>
-              <a:ahLst/>
-              <a:cxnLst/>
-              <a:rect l="l" t="t" r="r" b="b"/>
-              <a:pathLst>
-                <a:path w="932206" h="360680">
-                  <a:moveTo>
-                    <a:pt x="932206" y="180340"/>
-                  </a:moveTo>
-                  <a:cubicBezTo>
-                    <a:pt x="932206" y="81280"/>
-                    <a:pt x="852196" y="0"/>
-                    <a:pt x="751866" y="0"/>
-                  </a:cubicBezTo>
-                  <a:lnTo>
-                    <a:pt x="172720" y="0"/>
-                  </a:lnTo>
-                  <a:lnTo>
-                    <a:pt x="172720" y="1270"/>
-                  </a:lnTo>
-                  <a:cubicBezTo>
-                    <a:pt x="76200" y="5080"/>
-                    <a:pt x="0" y="83820"/>
-                    <a:pt x="0" y="180340"/>
-                  </a:cubicBezTo>
-                  <a:cubicBezTo>
-                    <a:pt x="0" y="276860"/>
-                    <a:pt x="77470" y="355600"/>
-                    <a:pt x="172720" y="359410"/>
-                  </a:cubicBezTo>
-                  <a:lnTo>
-                    <a:pt x="172720" y="360680"/>
-                  </a:lnTo>
-                  <a:lnTo>
-                    <a:pt x="751866" y="360680"/>
-                  </a:lnTo>
-                  <a:cubicBezTo>
-                    <a:pt x="850926" y="360680"/>
-                    <a:pt x="932206" y="279400"/>
-                    <a:pt x="932206" y="180340"/>
-                  </a:cubicBezTo>
-                  <a:close/>
-                </a:path>
-              </a:pathLst>
-            </a:custGeom>
-            <a:solidFill>
-              <a:srgbClr val="45AF53"/>
-            </a:solidFill>
-          </p:spPr>
-        </p:sp>
-      </p:grpSp>
-      <p:grpSp>
-        <p:nvGrpSpPr>
-          <p:cNvPr id="28" name="Group 28"/>
-          <p:cNvGrpSpPr/>
-          <p:nvPr/>
-        </p:nvGrpSpPr>
-        <p:grpSpPr>
-          <a:xfrm>
-            <a:off x="9268196" y="4201017"/>
-            <a:ext cx="1518401" cy="644397"/>
-            <a:chOff x="0" y="0"/>
-            <a:chExt cx="957606" cy="406400"/>
-          </a:xfrm>
-        </p:grpSpPr>
-        <p:sp>
-          <p:nvSpPr>
-            <p:cNvPr id="29" name="Freeform 29"/>
-            <p:cNvSpPr/>
-            <p:nvPr/>
-          </p:nvSpPr>
-          <p:spPr>
-            <a:xfrm>
-              <a:off x="17780" y="22860"/>
-              <a:ext cx="932206" cy="360680"/>
-            </a:xfrm>
-            <a:custGeom>
-              <a:avLst/>
-              <a:gdLst/>
-              <a:ahLst/>
-              <a:cxnLst/>
-              <a:rect l="l" t="t" r="r" b="b"/>
-              <a:pathLst>
-                <a:path w="932206" h="360680">
-                  <a:moveTo>
-                    <a:pt x="932206" y="180340"/>
-                  </a:moveTo>
-                  <a:cubicBezTo>
-                    <a:pt x="932206" y="81280"/>
-                    <a:pt x="852196" y="0"/>
-                    <a:pt x="751866" y="0"/>
-                  </a:cubicBezTo>
-                  <a:lnTo>
-                    <a:pt x="172720" y="0"/>
-                  </a:lnTo>
-                  <a:lnTo>
-                    <a:pt x="172720" y="1270"/>
-                  </a:lnTo>
-                  <a:cubicBezTo>
-                    <a:pt x="76200" y="5080"/>
-                    <a:pt x="0" y="83820"/>
-                    <a:pt x="0" y="180340"/>
-                  </a:cubicBezTo>
-                  <a:cubicBezTo>
-                    <a:pt x="0" y="276860"/>
-                    <a:pt x="77470" y="355600"/>
-                    <a:pt x="172720" y="359410"/>
-                  </a:cubicBezTo>
-                  <a:lnTo>
-                    <a:pt x="172720" y="360680"/>
-                  </a:lnTo>
-                  <a:lnTo>
-                    <a:pt x="751866" y="360680"/>
-                  </a:lnTo>
-                  <a:cubicBezTo>
-                    <a:pt x="850926" y="360680"/>
-                    <a:pt x="932206" y="279400"/>
-                    <a:pt x="932206" y="180340"/>
-                  </a:cubicBezTo>
-                  <a:close/>
-                </a:path>
-              </a:pathLst>
-            </a:custGeom>
-            <a:solidFill>
-              <a:srgbClr val="276445"/>
-            </a:solidFill>
-          </p:spPr>
-        </p:sp>
-      </p:grpSp>
       <p:pic>
         <p:nvPicPr>
-          <p:cNvPr id="30" name="Picture 30"/>
+          <p:cNvPr id="3" name="Imagem 2">
+            <a:extLst>
+              <a:ext uri="{FF2B5EF4-FFF2-40B4-BE49-F238E27FC236}">
+                <a16:creationId xmlns:a16="http://schemas.microsoft.com/office/drawing/2014/main" id="{017E1B08-DB3A-4C61-A806-4BD4A4E1FB18}"/>
+              </a:ext>
+            </a:extLst>
+          </p:cNvPr>
           <p:cNvPicPr>
             <a:picLocks noChangeAspect="1"/>
           </p:cNvPicPr>
@@ -11857,2608 +10873,79 @@
         </p:nvPicPr>
         <p:blipFill>
           <a:blip r:embed="rId2"/>
-          <a:srcRect/>
           <a:stretch>
             <a:fillRect/>
           </a:stretch>
         </p:blipFill>
         <p:spPr>
           <a:xfrm>
-            <a:off x="146473" y="6000379"/>
-            <a:ext cx="1170095" cy="1166602"/>
+            <a:off x="1658299" y="0"/>
+            <a:ext cx="6437002" cy="7315200"/>
           </a:xfrm>
           <a:prstGeom prst="rect">
             <a:avLst/>
           </a:prstGeom>
         </p:spPr>
       </p:pic>
-    </p:spTree>
-  </p:cSld>
-  <p:clrMapOvr>
-    <a:masterClrMapping/>
-  </p:clrMapOvr>
-</p:sld>
-</file>
-
-<file path=ppt/slides/slide11.xml><?xml version="1.0" encoding="utf-8"?>
-<p:sld xmlns:a="http://schemas.openxmlformats.org/drawingml/2006/main" xmlns:r="http://schemas.openxmlformats.org/officeDocument/2006/relationships" xmlns:p="http://schemas.openxmlformats.org/presentationml/2006/main">
-  <p:cSld>
-    <p:spTree>
-      <p:nvGrpSpPr>
-        <p:cNvPr id="1" name=""/>
-        <p:cNvGrpSpPr/>
-        <p:nvPr/>
-      </p:nvGrpSpPr>
-      <p:grpSpPr>
-        <a:xfrm>
-          <a:off x="0" y="0"/>
-          <a:ext cx="0" cy="0"/>
-          <a:chOff x="0" y="0"/>
-          <a:chExt cx="0" cy="0"/>
-        </a:xfrm>
-      </p:grpSpPr>
-      <p:grpSp>
-        <p:nvGrpSpPr>
-          <p:cNvPr id="2" name="Group 2"/>
-          <p:cNvGrpSpPr/>
-          <p:nvPr/>
-        </p:nvGrpSpPr>
-        <p:grpSpPr>
-          <a:xfrm>
-            <a:off x="7789940" y="3657600"/>
-            <a:ext cx="3502697" cy="4227834"/>
-            <a:chOff x="0" y="0"/>
-            <a:chExt cx="4670263" cy="5637112"/>
-          </a:xfrm>
-        </p:grpSpPr>
-        <p:grpSp>
-          <p:nvGrpSpPr>
-            <p:cNvPr id="3" name="Group 3"/>
-            <p:cNvGrpSpPr/>
-            <p:nvPr/>
-          </p:nvGrpSpPr>
-          <p:grpSpPr>
-            <a:xfrm rot="-2700000">
-              <a:off x="-80497" y="2625971"/>
-              <a:ext cx="4533230" cy="1650045"/>
-              <a:chOff x="0" y="0"/>
-              <a:chExt cx="1116518" cy="406400"/>
-            </a:xfrm>
-          </p:grpSpPr>
-          <p:sp>
-            <p:nvSpPr>
-              <p:cNvPr id="4" name="Freeform 4"/>
-              <p:cNvSpPr/>
-              <p:nvPr/>
-            </p:nvSpPr>
-            <p:spPr>
-              <a:xfrm>
-                <a:off x="17780" y="22860"/>
-                <a:ext cx="1091118" cy="360680"/>
-              </a:xfrm>
-              <a:custGeom>
-                <a:avLst/>
-                <a:gdLst/>
-                <a:ahLst/>
-                <a:cxnLst/>
-                <a:rect l="l" t="t" r="r" b="b"/>
-                <a:pathLst>
-                  <a:path w="1091118" h="360680">
-                    <a:moveTo>
-                      <a:pt x="1091118" y="180340"/>
-                    </a:moveTo>
-                    <a:cubicBezTo>
-                      <a:pt x="1091118" y="81280"/>
-                      <a:pt x="1011108" y="0"/>
-                      <a:pt x="910778" y="0"/>
-                    </a:cubicBezTo>
-                    <a:lnTo>
-                      <a:pt x="172720" y="0"/>
-                    </a:lnTo>
-                    <a:lnTo>
-                      <a:pt x="172720" y="1270"/>
-                    </a:lnTo>
-                    <a:cubicBezTo>
-                      <a:pt x="76200" y="5080"/>
-                      <a:pt x="0" y="83820"/>
-                      <a:pt x="0" y="180340"/>
-                    </a:cubicBezTo>
-                    <a:cubicBezTo>
-                      <a:pt x="0" y="276860"/>
-                      <a:pt x="77470" y="355600"/>
-                      <a:pt x="172720" y="359410"/>
-                    </a:cubicBezTo>
-                    <a:lnTo>
-                      <a:pt x="172720" y="360680"/>
-                    </a:lnTo>
-                    <a:lnTo>
-                      <a:pt x="910778" y="360680"/>
-                    </a:lnTo>
-                    <a:cubicBezTo>
-                      <a:pt x="1009838" y="360680"/>
-                      <a:pt x="1091118" y="279400"/>
-                      <a:pt x="1091118" y="180340"/>
-                    </a:cubicBezTo>
-                    <a:close/>
-                  </a:path>
-                </a:pathLst>
-              </a:custGeom>
-              <a:solidFill>
-                <a:srgbClr val="45AF53">
-                  <a:alpha val="33725"/>
-                </a:srgbClr>
-              </a:solidFill>
-            </p:spPr>
-          </p:sp>
-        </p:grpSp>
-        <p:grpSp>
-          <p:nvGrpSpPr>
-            <p:cNvPr id="5" name="Group 5"/>
-            <p:cNvGrpSpPr/>
-            <p:nvPr/>
-          </p:nvGrpSpPr>
-          <p:grpSpPr>
-            <a:xfrm rot="-2700000">
-              <a:off x="301647" y="1326253"/>
-              <a:ext cx="4434681" cy="1650045"/>
-              <a:chOff x="0" y="0"/>
-              <a:chExt cx="1092245" cy="406400"/>
-            </a:xfrm>
-          </p:grpSpPr>
-          <p:sp>
-            <p:nvSpPr>
-              <p:cNvPr id="6" name="Freeform 6"/>
-              <p:cNvSpPr/>
-              <p:nvPr/>
-            </p:nvSpPr>
-            <p:spPr>
-              <a:xfrm>
-                <a:off x="17780" y="22860"/>
-                <a:ext cx="1066845" cy="360680"/>
-              </a:xfrm>
-              <a:custGeom>
-                <a:avLst/>
-                <a:gdLst/>
-                <a:ahLst/>
-                <a:cxnLst/>
-                <a:rect l="l" t="t" r="r" b="b"/>
-                <a:pathLst>
-                  <a:path w="1066845" h="360680">
-                    <a:moveTo>
-                      <a:pt x="1066845" y="180340"/>
-                    </a:moveTo>
-                    <a:cubicBezTo>
-                      <a:pt x="1066845" y="81280"/>
-                      <a:pt x="986835" y="0"/>
-                      <a:pt x="886506" y="0"/>
-                    </a:cubicBezTo>
-                    <a:lnTo>
-                      <a:pt x="172720" y="0"/>
-                    </a:lnTo>
-                    <a:lnTo>
-                      <a:pt x="172720" y="1270"/>
-                    </a:lnTo>
-                    <a:cubicBezTo>
-                      <a:pt x="76200" y="5080"/>
-                      <a:pt x="0" y="83820"/>
-                      <a:pt x="0" y="180340"/>
-                    </a:cubicBezTo>
-                    <a:cubicBezTo>
-                      <a:pt x="0" y="276860"/>
-                      <a:pt x="77470" y="355600"/>
-                      <a:pt x="172720" y="359410"/>
-                    </a:cubicBezTo>
-                    <a:lnTo>
-                      <a:pt x="172720" y="360680"/>
-                    </a:lnTo>
-                    <a:lnTo>
-                      <a:pt x="886505" y="360680"/>
-                    </a:lnTo>
-                    <a:cubicBezTo>
-                      <a:pt x="985565" y="360680"/>
-                      <a:pt x="1066845" y="279400"/>
-                      <a:pt x="1066845" y="180340"/>
-                    </a:cubicBezTo>
-                    <a:close/>
-                  </a:path>
-                </a:pathLst>
-              </a:custGeom>
-              <a:solidFill>
-                <a:srgbClr val="3E662C">
-                  <a:alpha val="33725"/>
-                </a:srgbClr>
-              </a:solidFill>
-            </p:spPr>
-          </p:sp>
-        </p:grpSp>
-      </p:grpSp>
-      <p:grpSp>
-        <p:nvGrpSpPr>
-          <p:cNvPr id="7" name="Group 7"/>
-          <p:cNvGrpSpPr/>
-          <p:nvPr/>
-        </p:nvGrpSpPr>
-        <p:grpSpPr>
-          <a:xfrm>
-            <a:off x="4596459" y="767239"/>
-            <a:ext cx="4673813" cy="1452759"/>
-            <a:chOff x="0" y="47625"/>
-            <a:chExt cx="6231751" cy="1937013"/>
-          </a:xfrm>
-        </p:grpSpPr>
-        <p:sp>
-          <p:nvSpPr>
-            <p:cNvPr id="8" name="TextBox 8"/>
-            <p:cNvSpPr txBox="1"/>
-            <p:nvPr/>
-          </p:nvSpPr>
-          <p:spPr>
-            <a:xfrm>
-              <a:off x="3" y="47625"/>
-              <a:ext cx="6231748" cy="1002453"/>
-            </a:xfrm>
-            <a:prstGeom prst="rect">
-              <a:avLst/>
-            </a:prstGeom>
-          </p:spPr>
-          <p:txBody>
-            <a:bodyPr lIns="0" tIns="0" rIns="0" bIns="0" rtlCol="0" anchor="t">
-              <a:spAutoFit/>
-            </a:bodyPr>
-            <a:lstStyle/>
-            <a:p>
-              <a:pPr algn="r">
-                <a:lnSpc>
-                  <a:spcPts val="5720"/>
-                </a:lnSpc>
-              </a:pPr>
-              <a:r>
-                <a:rPr lang="en-US" sz="5200" spc="-155">
-                  <a:solidFill>
-                    <a:srgbClr val="276445"/>
-                  </a:solidFill>
-                  <a:latin typeface="Poppins" panose="00000500000000000000" pitchFamily="2" charset="0"/>
-                  <a:cs typeface="Poppins" panose="00000500000000000000" pitchFamily="2" charset="0"/>
-                </a:rPr>
-                <a:t>96%</a:t>
-              </a:r>
-            </a:p>
-          </p:txBody>
-        </p:sp>
-        <p:sp>
-          <p:nvSpPr>
-            <p:cNvPr id="9" name="TextBox 9"/>
-            <p:cNvSpPr txBox="1"/>
-            <p:nvPr/>
-          </p:nvSpPr>
-          <p:spPr>
-            <a:xfrm>
-              <a:off x="0" y="1076184"/>
-              <a:ext cx="6231751" cy="908454"/>
-            </a:xfrm>
-            <a:prstGeom prst="rect">
-              <a:avLst/>
-            </a:prstGeom>
-          </p:spPr>
-          <p:txBody>
-            <a:bodyPr lIns="0" tIns="0" rIns="0" bIns="0" rtlCol="0" anchor="t">
-              <a:spAutoFit/>
-            </a:bodyPr>
-            <a:lstStyle/>
-            <a:p>
-              <a:pPr algn="r">
-                <a:lnSpc>
-                  <a:spcPts val="2730"/>
-                </a:lnSpc>
-              </a:pPr>
-              <a:r>
-                <a:rPr lang="en-US" sz="2100" spc="210" dirty="0">
-                  <a:solidFill>
-                    <a:srgbClr val="3E662C"/>
-                  </a:solidFill>
-                  <a:latin typeface="Poppins" panose="00000500000000000000" pitchFamily="2" charset="0"/>
-                  <a:cs typeface="Poppins" panose="00000500000000000000" pitchFamily="2" charset="0"/>
-                </a:rPr>
-                <a:t>AVERAGE EMPLOYEE SATISFACTION RATE</a:t>
-              </a:r>
-            </a:p>
-          </p:txBody>
-        </p:sp>
-      </p:grpSp>
-      <p:grpSp>
-        <p:nvGrpSpPr>
-          <p:cNvPr id="10" name="Group 10"/>
-          <p:cNvGrpSpPr/>
-          <p:nvPr/>
-        </p:nvGrpSpPr>
-        <p:grpSpPr>
-          <a:xfrm>
-            <a:off x="-1464109" y="-570234"/>
-            <a:ext cx="3502697" cy="4227834"/>
-            <a:chOff x="0" y="0"/>
-            <a:chExt cx="4670263" cy="5637112"/>
-          </a:xfrm>
-        </p:grpSpPr>
-        <p:grpSp>
-          <p:nvGrpSpPr>
-            <p:cNvPr id="11" name="Group 11"/>
-            <p:cNvGrpSpPr/>
-            <p:nvPr/>
-          </p:nvGrpSpPr>
-          <p:grpSpPr>
-            <a:xfrm rot="-2700000">
-              <a:off x="301647" y="1326253"/>
-              <a:ext cx="4434681" cy="1650045"/>
-              <a:chOff x="0" y="0"/>
-              <a:chExt cx="1092245" cy="406400"/>
-            </a:xfrm>
-          </p:grpSpPr>
-          <p:sp>
-            <p:nvSpPr>
-              <p:cNvPr id="12" name="Freeform 12"/>
-              <p:cNvSpPr/>
-              <p:nvPr/>
-            </p:nvSpPr>
-            <p:spPr>
-              <a:xfrm>
-                <a:off x="17780" y="22860"/>
-                <a:ext cx="1066845" cy="360680"/>
-              </a:xfrm>
-              <a:custGeom>
-                <a:avLst/>
-                <a:gdLst/>
-                <a:ahLst/>
-                <a:cxnLst/>
-                <a:rect l="l" t="t" r="r" b="b"/>
-                <a:pathLst>
-                  <a:path w="1066845" h="360680">
-                    <a:moveTo>
-                      <a:pt x="1066845" y="180340"/>
-                    </a:moveTo>
-                    <a:cubicBezTo>
-                      <a:pt x="1066845" y="81280"/>
-                      <a:pt x="986835" y="0"/>
-                      <a:pt x="886506" y="0"/>
-                    </a:cubicBezTo>
-                    <a:lnTo>
-                      <a:pt x="172720" y="0"/>
-                    </a:lnTo>
-                    <a:lnTo>
-                      <a:pt x="172720" y="1270"/>
-                    </a:lnTo>
-                    <a:cubicBezTo>
-                      <a:pt x="76200" y="5080"/>
-                      <a:pt x="0" y="83820"/>
-                      <a:pt x="0" y="180340"/>
-                    </a:cubicBezTo>
-                    <a:cubicBezTo>
-                      <a:pt x="0" y="276860"/>
-                      <a:pt x="77470" y="355600"/>
-                      <a:pt x="172720" y="359410"/>
-                    </a:cubicBezTo>
-                    <a:lnTo>
-                      <a:pt x="172720" y="360680"/>
-                    </a:lnTo>
-                    <a:lnTo>
-                      <a:pt x="886505" y="360680"/>
-                    </a:lnTo>
-                    <a:cubicBezTo>
-                      <a:pt x="985565" y="360680"/>
-                      <a:pt x="1066845" y="279400"/>
-                      <a:pt x="1066845" y="180340"/>
-                    </a:cubicBezTo>
-                    <a:close/>
-                  </a:path>
-                </a:pathLst>
-              </a:custGeom>
-              <a:solidFill>
-                <a:srgbClr val="3E662C">
-                  <a:alpha val="58823"/>
-                </a:srgbClr>
-              </a:solidFill>
-            </p:spPr>
-          </p:sp>
-        </p:grpSp>
-        <p:grpSp>
-          <p:nvGrpSpPr>
-            <p:cNvPr id="13" name="Group 13"/>
-            <p:cNvGrpSpPr/>
-            <p:nvPr/>
-          </p:nvGrpSpPr>
-          <p:grpSpPr>
-            <a:xfrm rot="-2700000">
-              <a:off x="-80497" y="2625971"/>
-              <a:ext cx="4533230" cy="1650045"/>
-              <a:chOff x="0" y="0"/>
-              <a:chExt cx="1116518" cy="406400"/>
-            </a:xfrm>
-          </p:grpSpPr>
-          <p:sp>
-            <p:nvSpPr>
-              <p:cNvPr id="14" name="Freeform 14"/>
-              <p:cNvSpPr/>
-              <p:nvPr/>
-            </p:nvSpPr>
-            <p:spPr>
-              <a:xfrm>
-                <a:off x="17780" y="22860"/>
-                <a:ext cx="1091118" cy="360680"/>
-              </a:xfrm>
-              <a:custGeom>
-                <a:avLst/>
-                <a:gdLst/>
-                <a:ahLst/>
-                <a:cxnLst/>
-                <a:rect l="l" t="t" r="r" b="b"/>
-                <a:pathLst>
-                  <a:path w="1091118" h="360680">
-                    <a:moveTo>
-                      <a:pt x="1091118" y="180340"/>
-                    </a:moveTo>
-                    <a:cubicBezTo>
-                      <a:pt x="1091118" y="81280"/>
-                      <a:pt x="1011108" y="0"/>
-                      <a:pt x="910778" y="0"/>
-                    </a:cubicBezTo>
-                    <a:lnTo>
-                      <a:pt x="172720" y="0"/>
-                    </a:lnTo>
-                    <a:lnTo>
-                      <a:pt x="172720" y="1270"/>
-                    </a:lnTo>
-                    <a:cubicBezTo>
-                      <a:pt x="76200" y="5080"/>
-                      <a:pt x="0" y="83820"/>
-                      <a:pt x="0" y="180340"/>
-                    </a:cubicBezTo>
-                    <a:cubicBezTo>
-                      <a:pt x="0" y="276860"/>
-                      <a:pt x="77470" y="355600"/>
-                      <a:pt x="172720" y="359410"/>
-                    </a:cubicBezTo>
-                    <a:lnTo>
-                      <a:pt x="172720" y="360680"/>
-                    </a:lnTo>
-                    <a:lnTo>
-                      <a:pt x="910778" y="360680"/>
-                    </a:lnTo>
-                    <a:cubicBezTo>
-                      <a:pt x="1009838" y="360680"/>
-                      <a:pt x="1091118" y="279400"/>
-                      <a:pt x="1091118" y="180340"/>
-                    </a:cubicBezTo>
-                    <a:close/>
-                  </a:path>
-                </a:pathLst>
-              </a:custGeom>
-              <a:solidFill>
-                <a:srgbClr val="45AF53">
-                  <a:alpha val="58823"/>
-                </a:srgbClr>
-              </a:solidFill>
-            </p:spPr>
-          </p:sp>
-        </p:grpSp>
-      </p:grpSp>
-      <p:pic>
-        <p:nvPicPr>
-          <p:cNvPr id="15" name="Picture 15"/>
-          <p:cNvPicPr>
-            <a:picLocks noChangeAspect="1"/>
-          </p:cNvPicPr>
-          <p:nvPr/>
-        </p:nvPicPr>
-        <p:blipFill>
-          <a:blip r:embed="rId2"/>
-          <a:srcRect/>
-          <a:stretch>
-            <a:fillRect/>
-          </a:stretch>
-        </p:blipFill>
-        <p:spPr>
-          <a:xfrm>
-            <a:off x="146473" y="6000379"/>
-            <a:ext cx="1170095" cy="1166602"/>
-          </a:xfrm>
-          <a:prstGeom prst="rect">
-            <a:avLst/>
-          </a:prstGeom>
-        </p:spPr>
-      </p:pic>
-    </p:spTree>
-  </p:cSld>
-  <p:clrMapOvr>
-    <a:masterClrMapping/>
-  </p:clrMapOvr>
-</p:sld>
-</file>
-
-<file path=ppt/slides/slide12.xml><?xml version="1.0" encoding="utf-8"?>
-<p:sld xmlns:a="http://schemas.openxmlformats.org/drawingml/2006/main" xmlns:r="http://schemas.openxmlformats.org/officeDocument/2006/relationships" xmlns:p="http://schemas.openxmlformats.org/presentationml/2006/main">
-  <p:cSld>
-    <p:bg>
-      <p:bgPr>
-        <a:solidFill>
-          <a:srgbClr val="F8F8F8"/>
-        </a:solidFill>
-        <a:effectLst/>
-      </p:bgPr>
-    </p:bg>
-    <p:spTree>
-      <p:nvGrpSpPr>
-        <p:cNvPr id="1" name=""/>
-        <p:cNvGrpSpPr/>
-        <p:nvPr/>
-      </p:nvGrpSpPr>
-      <p:grpSpPr>
-        <a:xfrm>
-          <a:off x="0" y="0"/>
-          <a:ext cx="0" cy="0"/>
-          <a:chOff x="0" y="0"/>
-          <a:chExt cx="0" cy="0"/>
-        </a:xfrm>
-      </p:grpSpPr>
-      <p:grpSp>
-        <p:nvGrpSpPr>
-          <p:cNvPr id="2" name="Group 2"/>
-          <p:cNvGrpSpPr/>
-          <p:nvPr/>
-        </p:nvGrpSpPr>
-        <p:grpSpPr>
-          <a:xfrm rot="-2700000">
-            <a:off x="2946960" y="1340480"/>
-            <a:ext cx="7042547" cy="915143"/>
-            <a:chOff x="0" y="0"/>
-            <a:chExt cx="3127481" cy="406400"/>
-          </a:xfrm>
-        </p:grpSpPr>
-        <p:sp>
-          <p:nvSpPr>
-            <p:cNvPr id="3" name="Freeform 3"/>
-            <p:cNvSpPr/>
-            <p:nvPr/>
-          </p:nvSpPr>
-          <p:spPr>
-            <a:xfrm>
-              <a:off x="17780" y="22860"/>
-              <a:ext cx="3102081" cy="360680"/>
-            </a:xfrm>
-            <a:custGeom>
-              <a:avLst/>
-              <a:gdLst/>
-              <a:ahLst/>
-              <a:cxnLst/>
-              <a:rect l="l" t="t" r="r" b="b"/>
-              <a:pathLst>
-                <a:path w="3102081" h="360680">
-                  <a:moveTo>
-                    <a:pt x="3102081" y="180340"/>
-                  </a:moveTo>
-                  <a:cubicBezTo>
-                    <a:pt x="3102081" y="81280"/>
-                    <a:pt x="3022071" y="0"/>
-                    <a:pt x="2921741" y="0"/>
-                  </a:cubicBezTo>
-                  <a:lnTo>
-                    <a:pt x="172720" y="0"/>
-                  </a:lnTo>
-                  <a:lnTo>
-                    <a:pt x="172720" y="1270"/>
-                  </a:lnTo>
-                  <a:cubicBezTo>
-                    <a:pt x="76200" y="5080"/>
-                    <a:pt x="0" y="83820"/>
-                    <a:pt x="0" y="180340"/>
-                  </a:cubicBezTo>
-                  <a:cubicBezTo>
-                    <a:pt x="0" y="276860"/>
-                    <a:pt x="77470" y="355600"/>
-                    <a:pt x="172720" y="359410"/>
-                  </a:cubicBezTo>
-                  <a:lnTo>
-                    <a:pt x="172720" y="360680"/>
-                  </a:lnTo>
-                  <a:lnTo>
-                    <a:pt x="2921741" y="360680"/>
-                  </a:lnTo>
-                  <a:cubicBezTo>
-                    <a:pt x="3020801" y="360680"/>
-                    <a:pt x="3102081" y="279400"/>
-                    <a:pt x="3102081" y="180340"/>
-                  </a:cubicBezTo>
-                  <a:close/>
-                </a:path>
-              </a:pathLst>
-            </a:custGeom>
-            <a:solidFill>
-              <a:srgbClr val="45AF53"/>
-            </a:solidFill>
-          </p:spPr>
-        </p:sp>
-      </p:grpSp>
-      <p:grpSp>
-        <p:nvGrpSpPr>
-          <p:cNvPr id="4" name="Group 4"/>
-          <p:cNvGrpSpPr/>
-          <p:nvPr/>
-        </p:nvGrpSpPr>
-        <p:grpSpPr>
-          <a:xfrm rot="-2700000">
-            <a:off x="38117" y="4993868"/>
-            <a:ext cx="6625917" cy="915143"/>
-            <a:chOff x="0" y="0"/>
-            <a:chExt cx="2942462" cy="406400"/>
-          </a:xfrm>
-        </p:grpSpPr>
-        <p:sp>
-          <p:nvSpPr>
-            <p:cNvPr id="5" name="Freeform 5"/>
-            <p:cNvSpPr/>
-            <p:nvPr/>
-          </p:nvSpPr>
-          <p:spPr>
-            <a:xfrm>
-              <a:off x="17780" y="22860"/>
-              <a:ext cx="2917063" cy="360680"/>
-            </a:xfrm>
-            <a:custGeom>
-              <a:avLst/>
-              <a:gdLst/>
-              <a:ahLst/>
-              <a:cxnLst/>
-              <a:rect l="l" t="t" r="r" b="b"/>
-              <a:pathLst>
-                <a:path w="2917063" h="360680">
-                  <a:moveTo>
-                    <a:pt x="2917063" y="180340"/>
-                  </a:moveTo>
-                  <a:cubicBezTo>
-                    <a:pt x="2917063" y="81280"/>
-                    <a:pt x="2837053" y="0"/>
-                    <a:pt x="2736723" y="0"/>
-                  </a:cubicBezTo>
-                  <a:lnTo>
-                    <a:pt x="172720" y="0"/>
-                  </a:lnTo>
-                  <a:lnTo>
-                    <a:pt x="172720" y="1270"/>
-                  </a:lnTo>
-                  <a:cubicBezTo>
-                    <a:pt x="76200" y="5080"/>
-                    <a:pt x="0" y="83820"/>
-                    <a:pt x="0" y="180340"/>
-                  </a:cubicBezTo>
-                  <a:cubicBezTo>
-                    <a:pt x="0" y="276860"/>
-                    <a:pt x="77470" y="355600"/>
-                    <a:pt x="172720" y="359410"/>
-                  </a:cubicBezTo>
-                  <a:lnTo>
-                    <a:pt x="172720" y="360680"/>
-                  </a:lnTo>
-                  <a:lnTo>
-                    <a:pt x="2736722" y="360680"/>
-                  </a:lnTo>
-                  <a:cubicBezTo>
-                    <a:pt x="2835782" y="360680"/>
-                    <a:pt x="2917062" y="279400"/>
-                    <a:pt x="2917062" y="180340"/>
-                  </a:cubicBezTo>
-                  <a:close/>
-                </a:path>
-              </a:pathLst>
-            </a:custGeom>
-            <a:solidFill>
-              <a:srgbClr val="276445"/>
-            </a:solidFill>
-          </p:spPr>
-        </p:sp>
-      </p:grpSp>
-      <p:grpSp>
-        <p:nvGrpSpPr>
-          <p:cNvPr id="6" name="Group 6"/>
-          <p:cNvGrpSpPr/>
-          <p:nvPr/>
-        </p:nvGrpSpPr>
-        <p:grpSpPr>
-          <a:xfrm>
-            <a:off x="684909" y="1373508"/>
-            <a:ext cx="3657813" cy="1432742"/>
-            <a:chOff x="0" y="0"/>
-            <a:chExt cx="4877085" cy="1910323"/>
-          </a:xfrm>
-        </p:grpSpPr>
-        <p:sp>
-          <p:nvSpPr>
-            <p:cNvPr id="7" name="TextBox 7"/>
-            <p:cNvSpPr txBox="1"/>
-            <p:nvPr/>
-          </p:nvSpPr>
-          <p:spPr>
-            <a:xfrm>
-              <a:off x="0" y="0"/>
-              <a:ext cx="4877085" cy="466725"/>
-            </a:xfrm>
-            <a:prstGeom prst="rect">
-              <a:avLst/>
-            </a:prstGeom>
-          </p:spPr>
-          <p:txBody>
-            <a:bodyPr lIns="0" tIns="0" rIns="0" bIns="0" rtlCol="0" anchor="t">
-              <a:spAutoFit/>
-            </a:bodyPr>
-            <a:lstStyle/>
-            <a:p>
-              <a:pPr algn="ctr">
-                <a:lnSpc>
-                  <a:spcPts val="2760"/>
-                </a:lnSpc>
-              </a:pPr>
-              <a:r>
-                <a:rPr lang="en-US" sz="2300" spc="161">
-                  <a:solidFill>
-                    <a:srgbClr val="61C2A2"/>
-                  </a:solidFill>
-                  <a:latin typeface="Poppins" panose="00000500000000000000" pitchFamily="2" charset="0"/>
-                  <a:cs typeface="Poppins" panose="00000500000000000000" pitchFamily="2" charset="0"/>
-                </a:rPr>
-                <a:t>LAST YEAR'S RESULTS</a:t>
-              </a:r>
-            </a:p>
-          </p:txBody>
-        </p:sp>
-        <p:sp>
-          <p:nvSpPr>
-            <p:cNvPr id="8" name="TextBox 8"/>
-            <p:cNvSpPr txBox="1"/>
-            <p:nvPr/>
-          </p:nvSpPr>
-          <p:spPr>
-            <a:xfrm>
-              <a:off x="0" y="554567"/>
-              <a:ext cx="4877085" cy="1355756"/>
-            </a:xfrm>
-            <a:prstGeom prst="rect">
-              <a:avLst/>
-            </a:prstGeom>
-          </p:spPr>
-          <p:txBody>
-            <a:bodyPr lIns="0" tIns="0" rIns="0" bIns="0" rtlCol="0" anchor="t">
-              <a:spAutoFit/>
-            </a:bodyPr>
-            <a:lstStyle/>
-            <a:p>
-              <a:pPr algn="ctr">
-                <a:lnSpc>
-                  <a:spcPts val="2700"/>
-                </a:lnSpc>
-              </a:pPr>
-              <a:r>
-                <a:rPr lang="en-US" sz="1800" dirty="0">
-                  <a:solidFill>
-                    <a:srgbClr val="1D617A"/>
-                  </a:solidFill>
-                  <a:latin typeface="Poppins" panose="00000500000000000000" pitchFamily="2" charset="0"/>
-                  <a:cs typeface="Poppins" panose="00000500000000000000" pitchFamily="2" charset="0"/>
-                </a:rPr>
-                <a:t>Presentations are communication tools that can be used as lectures.</a:t>
-              </a:r>
-            </a:p>
-          </p:txBody>
-        </p:sp>
-      </p:grpSp>
-      <p:grpSp>
-        <p:nvGrpSpPr>
-          <p:cNvPr id="9" name="Group 9"/>
-          <p:cNvGrpSpPr/>
-          <p:nvPr/>
-        </p:nvGrpSpPr>
-        <p:grpSpPr>
-          <a:xfrm>
-            <a:off x="5623888" y="4039676"/>
-            <a:ext cx="3657813" cy="1432742"/>
-            <a:chOff x="0" y="0"/>
-            <a:chExt cx="4877085" cy="1910323"/>
-          </a:xfrm>
-        </p:grpSpPr>
-        <p:sp>
-          <p:nvSpPr>
-            <p:cNvPr id="10" name="TextBox 10"/>
-            <p:cNvSpPr txBox="1"/>
-            <p:nvPr/>
-          </p:nvSpPr>
-          <p:spPr>
-            <a:xfrm>
-              <a:off x="0" y="0"/>
-              <a:ext cx="4877085" cy="466725"/>
-            </a:xfrm>
-            <a:prstGeom prst="rect">
-              <a:avLst/>
-            </a:prstGeom>
-          </p:spPr>
-          <p:txBody>
-            <a:bodyPr lIns="0" tIns="0" rIns="0" bIns="0" rtlCol="0" anchor="t">
-              <a:spAutoFit/>
-            </a:bodyPr>
-            <a:lstStyle/>
-            <a:p>
-              <a:pPr algn="ctr">
-                <a:lnSpc>
-                  <a:spcPts val="2760"/>
-                </a:lnSpc>
-              </a:pPr>
-              <a:r>
-                <a:rPr lang="en-US" sz="2300" spc="161">
-                  <a:solidFill>
-                    <a:srgbClr val="61C2A2"/>
-                  </a:solidFill>
-                  <a:latin typeface="Poppins" panose="00000500000000000000" pitchFamily="2" charset="0"/>
-                  <a:cs typeface="Poppins" panose="00000500000000000000" pitchFamily="2" charset="0"/>
-                </a:rPr>
-                <a:t>THIS YEAR'S RESULTS</a:t>
-              </a:r>
-            </a:p>
-          </p:txBody>
-        </p:sp>
-        <p:sp>
-          <p:nvSpPr>
-            <p:cNvPr id="11" name="TextBox 11"/>
-            <p:cNvSpPr txBox="1"/>
-            <p:nvPr/>
-          </p:nvSpPr>
-          <p:spPr>
-            <a:xfrm>
-              <a:off x="0" y="554567"/>
-              <a:ext cx="4877085" cy="1355756"/>
-            </a:xfrm>
-            <a:prstGeom prst="rect">
-              <a:avLst/>
-            </a:prstGeom>
-          </p:spPr>
-          <p:txBody>
-            <a:bodyPr lIns="0" tIns="0" rIns="0" bIns="0" rtlCol="0" anchor="t">
-              <a:spAutoFit/>
-            </a:bodyPr>
-            <a:lstStyle/>
-            <a:p>
-              <a:pPr algn="ctr">
-                <a:lnSpc>
-                  <a:spcPts val="2700"/>
-                </a:lnSpc>
-              </a:pPr>
-              <a:r>
-                <a:rPr lang="en-US" sz="1800">
-                  <a:solidFill>
-                    <a:srgbClr val="1D617A"/>
-                  </a:solidFill>
-                  <a:latin typeface="Poppins" panose="00000500000000000000" pitchFamily="2" charset="0"/>
-                  <a:cs typeface="Poppins" panose="00000500000000000000" pitchFamily="2" charset="0"/>
-                </a:rPr>
-                <a:t>Presentations are communication tools that can be used as lectures.</a:t>
-              </a:r>
-            </a:p>
-          </p:txBody>
-        </p:sp>
-      </p:grpSp>
-      <p:pic>
-        <p:nvPicPr>
-          <p:cNvPr id="12" name="Picture 12"/>
-          <p:cNvPicPr>
-            <a:picLocks noChangeAspect="1"/>
-          </p:cNvPicPr>
-          <p:nvPr/>
-        </p:nvPicPr>
-        <p:blipFill>
-          <a:blip r:embed="rId2"/>
-          <a:srcRect/>
-          <a:stretch>
-            <a:fillRect/>
-          </a:stretch>
-        </p:blipFill>
-        <p:spPr>
-          <a:xfrm>
-            <a:off x="8240776" y="5899753"/>
-            <a:ext cx="1170095" cy="1166602"/>
-          </a:xfrm>
-          <a:prstGeom prst="rect">
-            <a:avLst/>
-          </a:prstGeom>
-        </p:spPr>
-      </p:pic>
-    </p:spTree>
-  </p:cSld>
-  <p:clrMapOvr>
-    <a:masterClrMapping/>
-  </p:clrMapOvr>
-</p:sld>
-</file>
-
-<file path=ppt/slides/slide13.xml><?xml version="1.0" encoding="utf-8"?>
-<p:sld xmlns:a="http://schemas.openxmlformats.org/drawingml/2006/main" xmlns:r="http://schemas.openxmlformats.org/officeDocument/2006/relationships" xmlns:p="http://schemas.openxmlformats.org/presentationml/2006/main">
-  <p:cSld>
-    <p:bg>
-      <p:bgPr>
-        <a:solidFill>
-          <a:srgbClr val="7A8674"/>
-        </a:solidFill>
-        <a:effectLst/>
-      </p:bgPr>
-    </p:bg>
-    <p:spTree>
-      <p:nvGrpSpPr>
-        <p:cNvPr id="1" name=""/>
-        <p:cNvGrpSpPr/>
-        <p:nvPr/>
-      </p:nvGrpSpPr>
-      <p:grpSpPr>
-        <a:xfrm>
-          <a:off x="0" y="0"/>
-          <a:ext cx="0" cy="0"/>
-          <a:chOff x="0" y="0"/>
-          <a:chExt cx="0" cy="0"/>
-        </a:xfrm>
-      </p:grpSpPr>
-      <p:grpSp>
-        <p:nvGrpSpPr>
-          <p:cNvPr id="2" name="Group 2"/>
-          <p:cNvGrpSpPr/>
-          <p:nvPr/>
-        </p:nvGrpSpPr>
-        <p:grpSpPr>
-          <a:xfrm>
-            <a:off x="7298671" y="4061987"/>
-            <a:ext cx="3446817" cy="4171954"/>
-            <a:chOff x="0" y="0"/>
-            <a:chExt cx="4595756" cy="5562605"/>
-          </a:xfrm>
-        </p:grpSpPr>
-        <p:grpSp>
-          <p:nvGrpSpPr>
-            <p:cNvPr id="3" name="Group 3"/>
-            <p:cNvGrpSpPr/>
-            <p:nvPr/>
-          </p:nvGrpSpPr>
-          <p:grpSpPr>
-            <a:xfrm rot="-2700000">
-              <a:off x="-126790" y="2439704"/>
-              <a:ext cx="4849335" cy="1650045"/>
-              <a:chOff x="0" y="0"/>
-              <a:chExt cx="1194373" cy="406400"/>
-            </a:xfrm>
-          </p:grpSpPr>
-          <p:sp>
-            <p:nvSpPr>
-              <p:cNvPr id="4" name="Freeform 4"/>
-              <p:cNvSpPr/>
-              <p:nvPr/>
-            </p:nvSpPr>
-            <p:spPr>
-              <a:xfrm>
-                <a:off x="17780" y="22860"/>
-                <a:ext cx="1168973" cy="360680"/>
-              </a:xfrm>
-              <a:custGeom>
-                <a:avLst/>
-                <a:gdLst/>
-                <a:ahLst/>
-                <a:cxnLst/>
-                <a:rect l="l" t="t" r="r" b="b"/>
-                <a:pathLst>
-                  <a:path w="1168973" h="360680">
-                    <a:moveTo>
-                      <a:pt x="1168973" y="180340"/>
-                    </a:moveTo>
-                    <a:cubicBezTo>
-                      <a:pt x="1168973" y="81280"/>
-                      <a:pt x="1088963" y="0"/>
-                      <a:pt x="988633" y="0"/>
-                    </a:cubicBezTo>
-                    <a:lnTo>
-                      <a:pt x="172720" y="0"/>
-                    </a:lnTo>
-                    <a:lnTo>
-                      <a:pt x="172720" y="1270"/>
-                    </a:lnTo>
-                    <a:cubicBezTo>
-                      <a:pt x="76200" y="5080"/>
-                      <a:pt x="0" y="83820"/>
-                      <a:pt x="0" y="180340"/>
-                    </a:cubicBezTo>
-                    <a:cubicBezTo>
-                      <a:pt x="0" y="276860"/>
-                      <a:pt x="77470" y="355600"/>
-                      <a:pt x="172720" y="359410"/>
-                    </a:cubicBezTo>
-                    <a:lnTo>
-                      <a:pt x="172720" y="360680"/>
-                    </a:lnTo>
-                    <a:lnTo>
-                      <a:pt x="988633" y="360680"/>
-                    </a:lnTo>
-                    <a:cubicBezTo>
-                      <a:pt x="1087693" y="360680"/>
-                      <a:pt x="1168973" y="279400"/>
-                      <a:pt x="1168973" y="180340"/>
-                    </a:cubicBezTo>
-                    <a:close/>
-                  </a:path>
-                </a:pathLst>
-              </a:custGeom>
-              <a:solidFill>
-                <a:srgbClr val="45AF53">
-                  <a:alpha val="46666"/>
-                </a:srgbClr>
-              </a:solidFill>
-            </p:spPr>
-          </p:sp>
-        </p:grpSp>
-        <p:grpSp>
-          <p:nvGrpSpPr>
-            <p:cNvPr id="5" name="Group 5"/>
-            <p:cNvGrpSpPr/>
-            <p:nvPr/>
-          </p:nvGrpSpPr>
-          <p:grpSpPr>
-            <a:xfrm rot="-2700000">
-              <a:off x="758589" y="1106120"/>
-              <a:ext cx="3812050" cy="1650045"/>
-              <a:chOff x="0" y="0"/>
-              <a:chExt cx="938894" cy="406400"/>
-            </a:xfrm>
-          </p:grpSpPr>
-          <p:sp>
-            <p:nvSpPr>
-              <p:cNvPr id="6" name="Freeform 6"/>
-              <p:cNvSpPr/>
-              <p:nvPr/>
-            </p:nvSpPr>
-            <p:spPr>
-              <a:xfrm>
-                <a:off x="17780" y="22860"/>
-                <a:ext cx="913494" cy="360680"/>
-              </a:xfrm>
-              <a:custGeom>
-                <a:avLst/>
-                <a:gdLst/>
-                <a:ahLst/>
-                <a:cxnLst/>
-                <a:rect l="l" t="t" r="r" b="b"/>
-                <a:pathLst>
-                  <a:path w="913494" h="360680">
-                    <a:moveTo>
-                      <a:pt x="913494" y="180340"/>
-                    </a:moveTo>
-                    <a:cubicBezTo>
-                      <a:pt x="913494" y="81280"/>
-                      <a:pt x="833484" y="0"/>
-                      <a:pt x="733154" y="0"/>
-                    </a:cubicBezTo>
-                    <a:lnTo>
-                      <a:pt x="172720" y="0"/>
-                    </a:lnTo>
-                    <a:lnTo>
-                      <a:pt x="172720" y="1270"/>
-                    </a:lnTo>
-                    <a:cubicBezTo>
-                      <a:pt x="76200" y="5080"/>
-                      <a:pt x="0" y="83820"/>
-                      <a:pt x="0" y="180340"/>
-                    </a:cubicBezTo>
-                    <a:cubicBezTo>
-                      <a:pt x="0" y="276860"/>
-                      <a:pt x="77470" y="355600"/>
-                      <a:pt x="172720" y="359410"/>
-                    </a:cubicBezTo>
-                    <a:lnTo>
-                      <a:pt x="172720" y="360680"/>
-                    </a:lnTo>
-                    <a:lnTo>
-                      <a:pt x="733154" y="360680"/>
-                    </a:lnTo>
-                    <a:cubicBezTo>
-                      <a:pt x="832214" y="360680"/>
-                      <a:pt x="913494" y="279400"/>
-                      <a:pt x="913494" y="180340"/>
-                    </a:cubicBezTo>
-                    <a:close/>
-                  </a:path>
-                </a:pathLst>
-              </a:custGeom>
-              <a:solidFill>
-                <a:srgbClr val="3E662C">
-                  <a:alpha val="46666"/>
-                </a:srgbClr>
-              </a:solidFill>
-            </p:spPr>
-          </p:sp>
-        </p:grpSp>
-      </p:grpSp>
-      <p:grpSp>
-        <p:nvGrpSpPr>
-          <p:cNvPr id="7" name="Group 7"/>
-          <p:cNvGrpSpPr/>
-          <p:nvPr/>
-        </p:nvGrpSpPr>
-        <p:grpSpPr>
-          <a:xfrm>
-            <a:off x="-672944" y="-556296"/>
-            <a:ext cx="2146038" cy="2575631"/>
-            <a:chOff x="0" y="0"/>
-            <a:chExt cx="2861383" cy="3434175"/>
-          </a:xfrm>
-        </p:grpSpPr>
-        <p:grpSp>
-          <p:nvGrpSpPr>
-            <p:cNvPr id="8" name="Group 8"/>
-            <p:cNvGrpSpPr/>
-            <p:nvPr/>
-          </p:nvGrpSpPr>
-          <p:grpSpPr>
-            <a:xfrm rot="-2700000">
-              <a:off x="123010" y="847957"/>
-              <a:ext cx="2803294" cy="977539"/>
-              <a:chOff x="0" y="0"/>
-              <a:chExt cx="1165436" cy="406400"/>
-            </a:xfrm>
-          </p:grpSpPr>
-          <p:sp>
-            <p:nvSpPr>
-              <p:cNvPr id="9" name="Freeform 9"/>
-              <p:cNvSpPr/>
-              <p:nvPr/>
-            </p:nvSpPr>
-            <p:spPr>
-              <a:xfrm>
-                <a:off x="17780" y="22860"/>
-                <a:ext cx="1140036" cy="360680"/>
-              </a:xfrm>
-              <a:custGeom>
-                <a:avLst/>
-                <a:gdLst/>
-                <a:ahLst/>
-                <a:cxnLst/>
-                <a:rect l="l" t="t" r="r" b="b"/>
-                <a:pathLst>
-                  <a:path w="1140036" h="360680">
-                    <a:moveTo>
-                      <a:pt x="1140036" y="180340"/>
-                    </a:moveTo>
-                    <a:cubicBezTo>
-                      <a:pt x="1140036" y="81280"/>
-                      <a:pt x="1060026" y="0"/>
-                      <a:pt x="959696" y="0"/>
-                    </a:cubicBezTo>
-                    <a:lnTo>
-                      <a:pt x="172720" y="0"/>
-                    </a:lnTo>
-                    <a:lnTo>
-                      <a:pt x="172720" y="1270"/>
-                    </a:lnTo>
-                    <a:cubicBezTo>
-                      <a:pt x="76200" y="5080"/>
-                      <a:pt x="0" y="83820"/>
-                      <a:pt x="0" y="180340"/>
-                    </a:cubicBezTo>
-                    <a:cubicBezTo>
-                      <a:pt x="0" y="276860"/>
-                      <a:pt x="77470" y="355600"/>
-                      <a:pt x="172720" y="359410"/>
-                    </a:cubicBezTo>
-                    <a:lnTo>
-                      <a:pt x="172720" y="360680"/>
-                    </a:lnTo>
-                    <a:lnTo>
-                      <a:pt x="959696" y="360680"/>
-                    </a:lnTo>
-                    <a:cubicBezTo>
-                      <a:pt x="1058756" y="360680"/>
-                      <a:pt x="1140036" y="279400"/>
-                      <a:pt x="1140036" y="180340"/>
-                    </a:cubicBezTo>
-                    <a:close/>
-                  </a:path>
-                </a:pathLst>
-              </a:custGeom>
-              <a:solidFill>
-                <a:srgbClr val="3E662C">
-                  <a:alpha val="44705"/>
-                </a:srgbClr>
-              </a:solidFill>
-            </p:spPr>
-          </p:sp>
-        </p:grpSp>
-        <p:grpSp>
-          <p:nvGrpSpPr>
-            <p:cNvPr id="10" name="Group 10"/>
-            <p:cNvGrpSpPr/>
-            <p:nvPr/>
-          </p:nvGrpSpPr>
-          <p:grpSpPr>
-            <a:xfrm rot="-2700000">
-              <a:off x="-63942" y="1611042"/>
-              <a:ext cx="2796611" cy="977539"/>
-              <a:chOff x="0" y="0"/>
-              <a:chExt cx="1162657" cy="406400"/>
-            </a:xfrm>
-          </p:grpSpPr>
-          <p:sp>
-            <p:nvSpPr>
-              <p:cNvPr id="11" name="Freeform 11"/>
-              <p:cNvSpPr/>
-              <p:nvPr/>
-            </p:nvSpPr>
-            <p:spPr>
-              <a:xfrm>
-                <a:off x="17780" y="22860"/>
-                <a:ext cx="1137257" cy="360680"/>
-              </a:xfrm>
-              <a:custGeom>
-                <a:avLst/>
-                <a:gdLst/>
-                <a:ahLst/>
-                <a:cxnLst/>
-                <a:rect l="l" t="t" r="r" b="b"/>
-                <a:pathLst>
-                  <a:path w="1137257" h="360680">
-                    <a:moveTo>
-                      <a:pt x="1137257" y="180340"/>
-                    </a:moveTo>
-                    <a:cubicBezTo>
-                      <a:pt x="1137257" y="81280"/>
-                      <a:pt x="1057247" y="0"/>
-                      <a:pt x="956917" y="0"/>
-                    </a:cubicBezTo>
-                    <a:lnTo>
-                      <a:pt x="172720" y="0"/>
-                    </a:lnTo>
-                    <a:lnTo>
-                      <a:pt x="172720" y="1270"/>
-                    </a:lnTo>
-                    <a:cubicBezTo>
-                      <a:pt x="76200" y="5080"/>
-                      <a:pt x="0" y="83820"/>
-                      <a:pt x="0" y="180340"/>
-                    </a:cubicBezTo>
-                    <a:cubicBezTo>
-                      <a:pt x="0" y="276860"/>
-                      <a:pt x="77470" y="355600"/>
-                      <a:pt x="172720" y="359410"/>
-                    </a:cubicBezTo>
-                    <a:lnTo>
-                      <a:pt x="172720" y="360680"/>
-                    </a:lnTo>
-                    <a:lnTo>
-                      <a:pt x="956917" y="360680"/>
-                    </a:lnTo>
-                    <a:cubicBezTo>
-                      <a:pt x="1055977" y="360680"/>
-                      <a:pt x="1137257" y="279400"/>
-                      <a:pt x="1137257" y="180340"/>
-                    </a:cubicBezTo>
-                    <a:close/>
-                  </a:path>
-                </a:pathLst>
-              </a:custGeom>
-              <a:solidFill>
-                <a:srgbClr val="45AF53">
-                  <a:alpha val="44705"/>
-                </a:srgbClr>
-              </a:solidFill>
-            </p:spPr>
-          </p:sp>
-        </p:grpSp>
-      </p:grpSp>
       <p:sp>
         <p:nvSpPr>
-          <p:cNvPr id="12" name="TextBox 12"/>
+          <p:cNvPr id="5" name="CaixaDeTexto 4">
+            <a:extLst>
+              <a:ext uri="{FF2B5EF4-FFF2-40B4-BE49-F238E27FC236}">
+                <a16:creationId xmlns:a16="http://schemas.microsoft.com/office/drawing/2014/main" id="{4D9D428E-94DD-4AFB-8156-792CBADDA22D}"/>
+              </a:ext>
+            </a:extLst>
+          </p:cNvPr>
           <p:cNvSpPr txBox="1"/>
           <p:nvPr/>
         </p:nvSpPr>
         <p:spPr>
           <a:xfrm>
-            <a:off x="1473093" y="3301365"/>
-            <a:ext cx="6807413" cy="664845"/>
+            <a:off x="228600" y="4419600"/>
+            <a:ext cx="6040876" cy="338554"/>
           </a:xfrm>
           <a:prstGeom prst="rect">
             <a:avLst/>
           </a:prstGeom>
+          <a:noFill/>
         </p:spPr>
         <p:txBody>
-          <a:bodyPr lIns="0" tIns="0" rIns="0" bIns="0" rtlCol="0" anchor="t">
+          <a:bodyPr wrap="square">
             <a:spAutoFit/>
           </a:bodyPr>
           <a:lstStyle/>
           <a:p>
-            <a:pPr algn="ctr">
-              <a:lnSpc>
-                <a:spcPts val="2700"/>
-              </a:lnSpc>
-            </a:pPr>
-            <a:r>
-              <a:rPr lang="en-US" sz="1800">
-                <a:solidFill>
-                  <a:srgbClr val="DBEFE1"/>
-                </a:solidFill>
-                <a:latin typeface="Poppins Light"/>
+            <a:pPr algn="l"/>
+            <a:r>
+              <a:rPr lang="pt-BR" sz="800" b="0" i="0" u="none" strike="noStrike" baseline="0" dirty="0">
+                <a:latin typeface="Poppins" panose="00000500000000000000" pitchFamily="2" charset="0"/>
+                <a:cs typeface="Poppins" panose="00000500000000000000" pitchFamily="2" charset="0"/>
               </a:rPr>
-              <a:t>Presentations are communication tools that can be used as demonstrations, lectures, speeches, reports, and more.</a:t>
+              <a:t>Fonte: IBGE, Diretoria de Pesquisas, Coordenação de Serviços e</a:t>
             </a:r>
           </a:p>
-        </p:txBody>
-      </p:sp>
-      <p:pic>
-        <p:nvPicPr>
-          <p:cNvPr id="13" name="Picture 13"/>
-          <p:cNvPicPr>
-            <a:picLocks noChangeAspect="1"/>
-          </p:cNvPicPr>
-          <p:nvPr/>
-        </p:nvPicPr>
-        <p:blipFill>
-          <a:blip r:embed="rId2"/>
-          <a:srcRect/>
-          <a:stretch>
-            <a:fillRect/>
-          </a:stretch>
-        </p:blipFill>
-        <p:spPr>
-          <a:xfrm>
-            <a:off x="146473" y="6000379"/>
-            <a:ext cx="1170095" cy="1166602"/>
-          </a:xfrm>
-          <a:prstGeom prst="rect">
-            <a:avLst/>
-          </a:prstGeom>
-        </p:spPr>
-      </p:pic>
-    </p:spTree>
-  </p:cSld>
-  <p:clrMapOvr>
-    <a:masterClrMapping/>
-  </p:clrMapOvr>
-</p:sld>
-</file>
-
-<file path=ppt/slides/slide14.xml><?xml version="1.0" encoding="utf-8"?>
-<p:sld xmlns:a="http://schemas.openxmlformats.org/drawingml/2006/main" xmlns:r="http://schemas.openxmlformats.org/officeDocument/2006/relationships" xmlns:p="http://schemas.openxmlformats.org/presentationml/2006/main">
-  <p:cSld>
-    <p:bg>
-      <p:bgPr>
-        <a:solidFill>
-          <a:srgbClr val="F8F8F8"/>
-        </a:solidFill>
-        <a:effectLst/>
-      </p:bgPr>
-    </p:bg>
-    <p:spTree>
-      <p:nvGrpSpPr>
-        <p:cNvPr id="1" name=""/>
-        <p:cNvGrpSpPr/>
-        <p:nvPr/>
-      </p:nvGrpSpPr>
-      <p:grpSpPr>
-        <a:xfrm>
-          <a:off x="0" y="0"/>
-          <a:ext cx="0" cy="0"/>
-          <a:chOff x="0" y="0"/>
-          <a:chExt cx="0" cy="0"/>
-        </a:xfrm>
-      </p:grpSpPr>
-      <p:grpSp>
-        <p:nvGrpSpPr>
-          <p:cNvPr id="2" name="Group 2"/>
-          <p:cNvGrpSpPr/>
-          <p:nvPr/>
-        </p:nvGrpSpPr>
-        <p:grpSpPr>
-          <a:xfrm>
-            <a:off x="-3562321" y="-1236592"/>
-            <a:ext cx="8587681" cy="10092824"/>
-            <a:chOff x="0" y="0"/>
-            <a:chExt cx="11450242" cy="13457099"/>
-          </a:xfrm>
-        </p:grpSpPr>
-        <p:grpSp>
-          <p:nvGrpSpPr>
-            <p:cNvPr id="3" name="Group 3"/>
-            <p:cNvGrpSpPr/>
-            <p:nvPr/>
-          </p:nvGrpSpPr>
-          <p:grpSpPr>
-            <a:xfrm rot="-2700000">
-              <a:off x="1798048" y="2994926"/>
-              <a:ext cx="9889589" cy="3424946"/>
-              <a:chOff x="0" y="0"/>
-              <a:chExt cx="1173487" cy="406400"/>
-            </a:xfrm>
-          </p:grpSpPr>
-          <p:sp>
-            <p:nvSpPr>
-              <p:cNvPr id="4" name="Freeform 4"/>
-              <p:cNvSpPr/>
-              <p:nvPr/>
-            </p:nvSpPr>
-            <p:spPr>
-              <a:xfrm>
-                <a:off x="17780" y="22860"/>
-                <a:ext cx="1148087" cy="360680"/>
-              </a:xfrm>
-              <a:custGeom>
-                <a:avLst/>
-                <a:gdLst/>
-                <a:ahLst/>
-                <a:cxnLst/>
-                <a:rect l="l" t="t" r="r" b="b"/>
-                <a:pathLst>
-                  <a:path w="1148087" h="360680">
-                    <a:moveTo>
-                      <a:pt x="1148087" y="180340"/>
-                    </a:moveTo>
-                    <a:cubicBezTo>
-                      <a:pt x="1148087" y="81280"/>
-                      <a:pt x="1068077" y="0"/>
-                      <a:pt x="967747" y="0"/>
-                    </a:cubicBezTo>
-                    <a:lnTo>
-                      <a:pt x="172720" y="0"/>
-                    </a:lnTo>
-                    <a:lnTo>
-                      <a:pt x="172720" y="1270"/>
-                    </a:lnTo>
-                    <a:cubicBezTo>
-                      <a:pt x="76200" y="5080"/>
-                      <a:pt x="0" y="83820"/>
-                      <a:pt x="0" y="180340"/>
-                    </a:cubicBezTo>
-                    <a:cubicBezTo>
-                      <a:pt x="0" y="276860"/>
-                      <a:pt x="77470" y="355600"/>
-                      <a:pt x="172720" y="359410"/>
-                    </a:cubicBezTo>
-                    <a:lnTo>
-                      <a:pt x="172720" y="360680"/>
-                    </a:lnTo>
-                    <a:lnTo>
-                      <a:pt x="967747" y="360680"/>
-                    </a:lnTo>
-                    <a:cubicBezTo>
-                      <a:pt x="1066807" y="360680"/>
-                      <a:pt x="1148087" y="279400"/>
-                      <a:pt x="1148087" y="180340"/>
-                    </a:cubicBezTo>
-                    <a:close/>
-                  </a:path>
-                </a:pathLst>
-              </a:custGeom>
-              <a:solidFill>
-                <a:srgbClr val="C9E265">
-                  <a:alpha val="14901"/>
-                </a:srgbClr>
-              </a:solidFill>
-            </p:spPr>
-          </p:sp>
-        </p:grpSp>
-        <p:grpSp>
-          <p:nvGrpSpPr>
-            <p:cNvPr id="5" name="Group 5"/>
-            <p:cNvGrpSpPr/>
-            <p:nvPr/>
-          </p:nvGrpSpPr>
-          <p:grpSpPr>
-            <a:xfrm rot="-2700000">
-              <a:off x="-495778" y="6413435"/>
-              <a:ext cx="11653938" cy="3424946"/>
-              <a:chOff x="0" y="0"/>
-              <a:chExt cx="1382842" cy="406400"/>
-            </a:xfrm>
-          </p:grpSpPr>
-          <p:sp>
-            <p:nvSpPr>
-              <p:cNvPr id="6" name="Freeform 6"/>
-              <p:cNvSpPr/>
-              <p:nvPr/>
-            </p:nvSpPr>
-            <p:spPr>
-              <a:xfrm>
-                <a:off x="17780" y="22860"/>
-                <a:ext cx="1357443" cy="360680"/>
-              </a:xfrm>
-              <a:custGeom>
-                <a:avLst/>
-                <a:gdLst/>
-                <a:ahLst/>
-                <a:cxnLst/>
-                <a:rect l="l" t="t" r="r" b="b"/>
-                <a:pathLst>
-                  <a:path w="1357443" h="360680">
-                    <a:moveTo>
-                      <a:pt x="1357443" y="180340"/>
-                    </a:moveTo>
-                    <a:cubicBezTo>
-                      <a:pt x="1357443" y="81280"/>
-                      <a:pt x="1277433" y="0"/>
-                      <a:pt x="1177103" y="0"/>
-                    </a:cubicBezTo>
-                    <a:lnTo>
-                      <a:pt x="172720" y="0"/>
-                    </a:lnTo>
-                    <a:lnTo>
-                      <a:pt x="172720" y="1270"/>
-                    </a:lnTo>
-                    <a:cubicBezTo>
-                      <a:pt x="76200" y="5080"/>
-                      <a:pt x="0" y="83820"/>
-                      <a:pt x="0" y="180340"/>
-                    </a:cubicBezTo>
-                    <a:cubicBezTo>
-                      <a:pt x="0" y="276860"/>
-                      <a:pt x="77470" y="355600"/>
-                      <a:pt x="172720" y="359410"/>
-                    </a:cubicBezTo>
-                    <a:lnTo>
-                      <a:pt x="172720" y="360680"/>
-                    </a:lnTo>
-                    <a:lnTo>
-                      <a:pt x="1177102" y="360680"/>
-                    </a:lnTo>
-                    <a:cubicBezTo>
-                      <a:pt x="1276162" y="360680"/>
-                      <a:pt x="1357442" y="279400"/>
-                      <a:pt x="1357442" y="180340"/>
-                    </a:cubicBezTo>
-                    <a:close/>
-                  </a:path>
-                </a:pathLst>
-              </a:custGeom>
-              <a:solidFill>
-                <a:srgbClr val="7ED957">
-                  <a:alpha val="14901"/>
-                </a:srgbClr>
-              </a:solidFill>
-            </p:spPr>
-          </p:sp>
-        </p:grpSp>
-      </p:grpSp>
-      <p:grpSp>
-        <p:nvGrpSpPr>
-          <p:cNvPr id="7" name="Group 7"/>
-          <p:cNvGrpSpPr/>
-          <p:nvPr/>
-        </p:nvGrpSpPr>
-        <p:grpSpPr>
-          <a:xfrm>
-            <a:off x="8067879" y="6227496"/>
-            <a:ext cx="1908403" cy="2175409"/>
-            <a:chOff x="0" y="0"/>
-            <a:chExt cx="2544537" cy="2900545"/>
-          </a:xfrm>
-        </p:grpSpPr>
-        <p:grpSp>
-          <p:nvGrpSpPr>
-            <p:cNvPr id="8" name="Group 8"/>
-            <p:cNvGrpSpPr/>
-            <p:nvPr/>
-          </p:nvGrpSpPr>
-          <p:grpSpPr>
-            <a:xfrm rot="-2700000">
-              <a:off x="-126744" y="872022"/>
-              <a:ext cx="2798026" cy="800493"/>
-              <a:chOff x="0" y="0"/>
-              <a:chExt cx="1420522" cy="406400"/>
-            </a:xfrm>
-          </p:grpSpPr>
-          <p:sp>
-            <p:nvSpPr>
-              <p:cNvPr id="9" name="Freeform 9"/>
-              <p:cNvSpPr/>
-              <p:nvPr/>
-            </p:nvSpPr>
-            <p:spPr>
-              <a:xfrm>
-                <a:off x="17780" y="22860"/>
-                <a:ext cx="1395122" cy="360680"/>
-              </a:xfrm>
-              <a:custGeom>
-                <a:avLst/>
-                <a:gdLst/>
-                <a:ahLst/>
-                <a:cxnLst/>
-                <a:rect l="l" t="t" r="r" b="b"/>
-                <a:pathLst>
-                  <a:path w="1395122" h="360680">
-                    <a:moveTo>
-                      <a:pt x="1395122" y="180340"/>
-                    </a:moveTo>
-                    <a:cubicBezTo>
-                      <a:pt x="1395122" y="81280"/>
-                      <a:pt x="1315112" y="0"/>
-                      <a:pt x="1214782" y="0"/>
-                    </a:cubicBezTo>
-                    <a:lnTo>
-                      <a:pt x="172720" y="0"/>
-                    </a:lnTo>
-                    <a:lnTo>
-                      <a:pt x="172720" y="1270"/>
-                    </a:lnTo>
-                    <a:cubicBezTo>
-                      <a:pt x="76200" y="5080"/>
-                      <a:pt x="0" y="83820"/>
-                      <a:pt x="0" y="180340"/>
-                    </a:cubicBezTo>
-                    <a:cubicBezTo>
-                      <a:pt x="0" y="276860"/>
-                      <a:pt x="77470" y="355600"/>
-                      <a:pt x="172720" y="359410"/>
-                    </a:cubicBezTo>
-                    <a:lnTo>
-                      <a:pt x="172720" y="360680"/>
-                    </a:lnTo>
-                    <a:lnTo>
-                      <a:pt x="1214782" y="360680"/>
-                    </a:lnTo>
-                    <a:cubicBezTo>
-                      <a:pt x="1313842" y="360680"/>
-                      <a:pt x="1395122" y="279400"/>
-                      <a:pt x="1395122" y="180340"/>
-                    </a:cubicBezTo>
-                    <a:close/>
-                  </a:path>
-                </a:pathLst>
-              </a:custGeom>
-              <a:solidFill>
-                <a:srgbClr val="45AF53">
-                  <a:alpha val="70980"/>
-                </a:srgbClr>
-              </a:solidFill>
-            </p:spPr>
-          </p:sp>
-        </p:grpSp>
-        <p:grpSp>
-          <p:nvGrpSpPr>
-            <p:cNvPr id="10" name="Group 10"/>
-            <p:cNvGrpSpPr/>
-            <p:nvPr/>
-          </p:nvGrpSpPr>
-          <p:grpSpPr>
-            <a:xfrm rot="-2700000">
-              <a:off x="60681" y="1407608"/>
-              <a:ext cx="2290105" cy="800493"/>
-              <a:chOff x="0" y="0"/>
-              <a:chExt cx="1162657" cy="406400"/>
-            </a:xfrm>
-          </p:grpSpPr>
-          <p:sp>
-            <p:nvSpPr>
-              <p:cNvPr id="11" name="Freeform 11"/>
-              <p:cNvSpPr/>
-              <p:nvPr/>
-            </p:nvSpPr>
-            <p:spPr>
-              <a:xfrm>
-                <a:off x="17780" y="22860"/>
-                <a:ext cx="1137257" cy="360680"/>
-              </a:xfrm>
-              <a:custGeom>
-                <a:avLst/>
-                <a:gdLst/>
-                <a:ahLst/>
-                <a:cxnLst/>
-                <a:rect l="l" t="t" r="r" b="b"/>
-                <a:pathLst>
-                  <a:path w="1137257" h="360680">
-                    <a:moveTo>
-                      <a:pt x="1137257" y="180340"/>
-                    </a:moveTo>
-                    <a:cubicBezTo>
-                      <a:pt x="1137257" y="81280"/>
-                      <a:pt x="1057247" y="0"/>
-                      <a:pt x="956917" y="0"/>
-                    </a:cubicBezTo>
-                    <a:lnTo>
-                      <a:pt x="172720" y="0"/>
-                    </a:lnTo>
-                    <a:lnTo>
-                      <a:pt x="172720" y="1270"/>
-                    </a:lnTo>
-                    <a:cubicBezTo>
-                      <a:pt x="76200" y="5080"/>
-                      <a:pt x="0" y="83820"/>
-                      <a:pt x="0" y="180340"/>
-                    </a:cubicBezTo>
-                    <a:cubicBezTo>
-                      <a:pt x="0" y="276860"/>
-                      <a:pt x="77470" y="355600"/>
-                      <a:pt x="172720" y="359410"/>
-                    </a:cubicBezTo>
-                    <a:lnTo>
-                      <a:pt x="172720" y="360680"/>
-                    </a:lnTo>
-                    <a:lnTo>
-                      <a:pt x="956917" y="360680"/>
-                    </a:lnTo>
-                    <a:cubicBezTo>
-                      <a:pt x="1055977" y="360680"/>
-                      <a:pt x="1137257" y="279400"/>
-                      <a:pt x="1137257" y="180340"/>
-                    </a:cubicBezTo>
-                    <a:close/>
-                  </a:path>
-                </a:pathLst>
-              </a:custGeom>
-              <a:solidFill>
-                <a:srgbClr val="276445">
-                  <a:alpha val="70980"/>
-                </a:srgbClr>
-              </a:solidFill>
-            </p:spPr>
-          </p:sp>
-        </p:grpSp>
-      </p:grpSp>
-      <p:grpSp>
-        <p:nvGrpSpPr>
-          <p:cNvPr id="12" name="Group 12"/>
-          <p:cNvGrpSpPr/>
-          <p:nvPr/>
-        </p:nvGrpSpPr>
-        <p:grpSpPr>
-          <a:xfrm>
-            <a:off x="8412838" y="-782751"/>
-            <a:ext cx="1908403" cy="1908403"/>
-            <a:chOff x="0" y="0"/>
-            <a:chExt cx="2544537" cy="2544537"/>
-          </a:xfrm>
-        </p:grpSpPr>
-        <p:grpSp>
-          <p:nvGrpSpPr>
-            <p:cNvPr id="13" name="Group 13"/>
-            <p:cNvGrpSpPr/>
-            <p:nvPr/>
-          </p:nvGrpSpPr>
-          <p:grpSpPr>
-            <a:xfrm rot="-2700000">
-              <a:off x="-126744" y="872022"/>
-              <a:ext cx="2798026" cy="800493"/>
-              <a:chOff x="0" y="0"/>
-              <a:chExt cx="1420522" cy="406400"/>
-            </a:xfrm>
-          </p:grpSpPr>
-          <p:sp>
-            <p:nvSpPr>
-              <p:cNvPr id="14" name="Freeform 14"/>
-              <p:cNvSpPr/>
-              <p:nvPr/>
-            </p:nvSpPr>
-            <p:spPr>
-              <a:xfrm>
-                <a:off x="17780" y="22860"/>
-                <a:ext cx="1395122" cy="360680"/>
-              </a:xfrm>
-              <a:custGeom>
-                <a:avLst/>
-                <a:gdLst/>
-                <a:ahLst/>
-                <a:cxnLst/>
-                <a:rect l="l" t="t" r="r" b="b"/>
-                <a:pathLst>
-                  <a:path w="1395122" h="360680">
-                    <a:moveTo>
-                      <a:pt x="1395122" y="180340"/>
-                    </a:moveTo>
-                    <a:cubicBezTo>
-                      <a:pt x="1395122" y="81280"/>
-                      <a:pt x="1315112" y="0"/>
-                      <a:pt x="1214782" y="0"/>
-                    </a:cubicBezTo>
-                    <a:lnTo>
-                      <a:pt x="172720" y="0"/>
-                    </a:lnTo>
-                    <a:lnTo>
-                      <a:pt x="172720" y="1270"/>
-                    </a:lnTo>
-                    <a:cubicBezTo>
-                      <a:pt x="76200" y="5080"/>
-                      <a:pt x="0" y="83820"/>
-                      <a:pt x="0" y="180340"/>
-                    </a:cubicBezTo>
-                    <a:cubicBezTo>
-                      <a:pt x="0" y="276860"/>
-                      <a:pt x="77470" y="355600"/>
-                      <a:pt x="172720" y="359410"/>
-                    </a:cubicBezTo>
-                    <a:lnTo>
-                      <a:pt x="172720" y="360680"/>
-                    </a:lnTo>
-                    <a:lnTo>
-                      <a:pt x="1214782" y="360680"/>
-                    </a:lnTo>
-                    <a:cubicBezTo>
-                      <a:pt x="1313842" y="360680"/>
-                      <a:pt x="1395122" y="279400"/>
-                      <a:pt x="1395122" y="180340"/>
-                    </a:cubicBezTo>
-                    <a:close/>
-                  </a:path>
-                </a:pathLst>
-              </a:custGeom>
-              <a:solidFill>
-                <a:srgbClr val="45AF53">
-                  <a:alpha val="36862"/>
-                </a:srgbClr>
-              </a:solidFill>
-            </p:spPr>
-          </p:sp>
-        </p:grpSp>
-        <p:grpSp>
-          <p:nvGrpSpPr>
-            <p:cNvPr id="15" name="Group 15"/>
-            <p:cNvGrpSpPr/>
-            <p:nvPr/>
-          </p:nvGrpSpPr>
-          <p:grpSpPr>
-            <a:xfrm rot="-2700000">
-              <a:off x="616659" y="1177314"/>
-              <a:ext cx="1638737" cy="800493"/>
-              <a:chOff x="0" y="0"/>
-              <a:chExt cx="831966" cy="406400"/>
-            </a:xfrm>
-          </p:grpSpPr>
-          <p:sp>
-            <p:nvSpPr>
-              <p:cNvPr id="16" name="Freeform 16"/>
-              <p:cNvSpPr/>
-              <p:nvPr/>
-            </p:nvSpPr>
-            <p:spPr>
-              <a:xfrm>
-                <a:off x="17780" y="22860"/>
-                <a:ext cx="806566" cy="360680"/>
-              </a:xfrm>
-              <a:custGeom>
-                <a:avLst/>
-                <a:gdLst/>
-                <a:ahLst/>
-                <a:cxnLst/>
-                <a:rect l="l" t="t" r="r" b="b"/>
-                <a:pathLst>
-                  <a:path w="806566" h="360680">
-                    <a:moveTo>
-                      <a:pt x="806566" y="180340"/>
-                    </a:moveTo>
-                    <a:cubicBezTo>
-                      <a:pt x="806566" y="81280"/>
-                      <a:pt x="726556" y="0"/>
-                      <a:pt x="626226" y="0"/>
-                    </a:cubicBezTo>
-                    <a:lnTo>
-                      <a:pt x="172720" y="0"/>
-                    </a:lnTo>
-                    <a:lnTo>
-                      <a:pt x="172720" y="1270"/>
-                    </a:lnTo>
-                    <a:cubicBezTo>
-                      <a:pt x="76200" y="5080"/>
-                      <a:pt x="0" y="83820"/>
-                      <a:pt x="0" y="180340"/>
-                    </a:cubicBezTo>
-                    <a:cubicBezTo>
-                      <a:pt x="0" y="276860"/>
-                      <a:pt x="77470" y="355600"/>
-                      <a:pt x="172720" y="359410"/>
-                    </a:cubicBezTo>
-                    <a:lnTo>
-                      <a:pt x="172720" y="360680"/>
-                    </a:lnTo>
-                    <a:lnTo>
-                      <a:pt x="626226" y="360680"/>
-                    </a:lnTo>
-                    <a:cubicBezTo>
-                      <a:pt x="725286" y="360680"/>
-                      <a:pt x="806566" y="279400"/>
-                      <a:pt x="806566" y="180340"/>
-                    </a:cubicBezTo>
-                    <a:close/>
-                  </a:path>
-                </a:pathLst>
-              </a:custGeom>
-              <a:solidFill>
-                <a:srgbClr val="3E662C">
-                  <a:alpha val="36862"/>
-                </a:srgbClr>
-              </a:solidFill>
-            </p:spPr>
-          </p:sp>
-        </p:grpSp>
-      </p:grpSp>
-      <p:pic>
-        <p:nvPicPr>
-          <p:cNvPr id="17" name="Picture 17"/>
-          <p:cNvPicPr>
-            <a:picLocks noChangeAspect="1"/>
-          </p:cNvPicPr>
-          <p:nvPr/>
-        </p:nvPicPr>
-        <p:blipFill>
-          <a:blip r:embed="rId2"/>
-          <a:srcRect/>
-          <a:stretch>
-            <a:fillRect/>
-          </a:stretch>
-        </p:blipFill>
-        <p:spPr>
-          <a:xfrm>
-            <a:off x="146473" y="6000379"/>
-            <a:ext cx="1170095" cy="1166602"/>
-          </a:xfrm>
-          <a:prstGeom prst="rect">
-            <a:avLst/>
-          </a:prstGeom>
-        </p:spPr>
-      </p:pic>
-    </p:spTree>
-  </p:cSld>
-  <p:clrMapOvr>
-    <a:masterClrMapping/>
-  </p:clrMapOvr>
-</p:sld>
-</file>
-
-<file path=ppt/slides/slide15.xml><?xml version="1.0" encoding="utf-8"?>
-<p:sld xmlns:a="http://schemas.openxmlformats.org/drawingml/2006/main" xmlns:r="http://schemas.openxmlformats.org/officeDocument/2006/relationships" xmlns:p="http://schemas.openxmlformats.org/presentationml/2006/main">
-  <p:cSld>
-    <p:bg>
-      <p:bgPr>
-        <a:solidFill>
-          <a:srgbClr val="F8F8F8"/>
-        </a:solidFill>
-        <a:effectLst/>
-      </p:bgPr>
-    </p:bg>
-    <p:spTree>
-      <p:nvGrpSpPr>
-        <p:cNvPr id="1" name=""/>
-        <p:cNvGrpSpPr/>
-        <p:nvPr/>
-      </p:nvGrpSpPr>
-      <p:grpSpPr>
-        <a:xfrm>
-          <a:off x="0" y="0"/>
-          <a:ext cx="0" cy="0"/>
-          <a:chOff x="0" y="0"/>
-          <a:chExt cx="0" cy="0"/>
-        </a:xfrm>
-      </p:grpSpPr>
-      <p:grpSp>
-        <p:nvGrpSpPr>
-          <p:cNvPr id="2" name="Group 2"/>
-          <p:cNvGrpSpPr/>
-          <p:nvPr/>
-        </p:nvGrpSpPr>
-        <p:grpSpPr>
-          <a:xfrm>
-            <a:off x="4327947" y="3884207"/>
-            <a:ext cx="4877013" cy="2699473"/>
-            <a:chOff x="0" y="0"/>
-            <a:chExt cx="6502685" cy="3599297"/>
-          </a:xfrm>
-        </p:grpSpPr>
-        <p:sp>
-          <p:nvSpPr>
-            <p:cNvPr id="3" name="TextBox 3"/>
-            <p:cNvSpPr txBox="1"/>
-            <p:nvPr/>
-          </p:nvSpPr>
-          <p:spPr>
-            <a:xfrm>
-              <a:off x="0" y="-19050"/>
-              <a:ext cx="6502685" cy="440690"/>
-            </a:xfrm>
-            <a:prstGeom prst="rect">
-              <a:avLst/>
-            </a:prstGeom>
-          </p:spPr>
-          <p:txBody>
-            <a:bodyPr lIns="0" tIns="0" rIns="0" bIns="0" rtlCol="0" anchor="t">
-              <a:spAutoFit/>
-            </a:bodyPr>
-            <a:lstStyle/>
-            <a:p>
-              <a:pPr algn="r">
-                <a:lnSpc>
-                  <a:spcPts val="2730"/>
-                </a:lnSpc>
-              </a:pPr>
-              <a:r>
-                <a:rPr lang="en-US" sz="2100" spc="210">
-                  <a:solidFill>
-                    <a:srgbClr val="61C2A2"/>
-                  </a:solidFill>
-                  <a:latin typeface="Poppins Light Bold"/>
-                </a:rPr>
-                <a:t>ADDRESS</a:t>
-              </a:r>
-            </a:p>
-          </p:txBody>
-        </p:sp>
-        <p:sp>
-          <p:nvSpPr>
-            <p:cNvPr id="4" name="TextBox 4"/>
-            <p:cNvSpPr txBox="1"/>
-            <p:nvPr/>
-          </p:nvSpPr>
-          <p:spPr>
-            <a:xfrm>
-              <a:off x="0" y="515447"/>
-              <a:ext cx="6502685" cy="413385"/>
-            </a:xfrm>
-            <a:prstGeom prst="rect">
-              <a:avLst/>
-            </a:prstGeom>
-          </p:spPr>
-          <p:txBody>
-            <a:bodyPr lIns="0" tIns="0" rIns="0" bIns="0" rtlCol="0" anchor="t">
-              <a:spAutoFit/>
-            </a:bodyPr>
-            <a:lstStyle/>
-            <a:p>
-              <a:pPr algn="r">
-                <a:lnSpc>
-                  <a:spcPts val="2700"/>
-                </a:lnSpc>
-              </a:pPr>
-              <a:r>
-                <a:rPr lang="en-US" sz="1800">
-                  <a:solidFill>
-                    <a:srgbClr val="1D617A"/>
-                  </a:solidFill>
-                  <a:latin typeface="Poppins Light"/>
-                </a:rPr>
-                <a:t>123 Anywhere St., Any City, State</a:t>
-              </a:r>
-            </a:p>
-          </p:txBody>
-        </p:sp>
-        <p:sp>
-          <p:nvSpPr>
-            <p:cNvPr id="5" name="TextBox 5"/>
-            <p:cNvSpPr txBox="1"/>
-            <p:nvPr/>
-          </p:nvSpPr>
-          <p:spPr>
-            <a:xfrm>
-              <a:off x="0" y="1316182"/>
-              <a:ext cx="6502685" cy="440690"/>
-            </a:xfrm>
-            <a:prstGeom prst="rect">
-              <a:avLst/>
-            </a:prstGeom>
-          </p:spPr>
-          <p:txBody>
-            <a:bodyPr lIns="0" tIns="0" rIns="0" bIns="0" rtlCol="0" anchor="t">
-              <a:spAutoFit/>
-            </a:bodyPr>
-            <a:lstStyle/>
-            <a:p>
-              <a:pPr algn="r">
-                <a:lnSpc>
-                  <a:spcPts val="2730"/>
-                </a:lnSpc>
-              </a:pPr>
-              <a:r>
-                <a:rPr lang="en-US" sz="2100" spc="210">
-                  <a:solidFill>
-                    <a:srgbClr val="61C2A2"/>
-                  </a:solidFill>
-                  <a:latin typeface="Poppins Light Bold"/>
-                </a:rPr>
-                <a:t>PHONE</a:t>
-              </a:r>
-            </a:p>
-          </p:txBody>
-        </p:sp>
-        <p:sp>
-          <p:nvSpPr>
-            <p:cNvPr id="6" name="TextBox 6"/>
-            <p:cNvSpPr txBox="1"/>
-            <p:nvPr/>
-          </p:nvSpPr>
-          <p:spPr>
-            <a:xfrm>
-              <a:off x="0" y="2651415"/>
-              <a:ext cx="6502685" cy="440690"/>
-            </a:xfrm>
-            <a:prstGeom prst="rect">
-              <a:avLst/>
-            </a:prstGeom>
-          </p:spPr>
-          <p:txBody>
-            <a:bodyPr lIns="0" tIns="0" rIns="0" bIns="0" rtlCol="0" anchor="t">
-              <a:spAutoFit/>
-            </a:bodyPr>
-            <a:lstStyle/>
-            <a:p>
-              <a:pPr algn="r">
-                <a:lnSpc>
-                  <a:spcPts val="2730"/>
-                </a:lnSpc>
-              </a:pPr>
-              <a:r>
-                <a:rPr lang="en-US" sz="2100" spc="210">
-                  <a:solidFill>
-                    <a:srgbClr val="61C2A2"/>
-                  </a:solidFill>
-                  <a:latin typeface="Poppins Light Bold"/>
-                </a:rPr>
-                <a:t>EMAIL</a:t>
-              </a:r>
-            </a:p>
-          </p:txBody>
-        </p:sp>
-        <p:sp>
-          <p:nvSpPr>
-            <p:cNvPr id="7" name="TextBox 7"/>
-            <p:cNvSpPr txBox="1"/>
-            <p:nvPr/>
-          </p:nvSpPr>
-          <p:spPr>
-            <a:xfrm>
-              <a:off x="0" y="1850680"/>
-              <a:ext cx="6502685" cy="413385"/>
-            </a:xfrm>
-            <a:prstGeom prst="rect">
-              <a:avLst/>
-            </a:prstGeom>
-          </p:spPr>
-          <p:txBody>
-            <a:bodyPr lIns="0" tIns="0" rIns="0" bIns="0" rtlCol="0" anchor="t">
-              <a:spAutoFit/>
-            </a:bodyPr>
-            <a:lstStyle/>
-            <a:p>
-              <a:pPr algn="r">
-                <a:lnSpc>
-                  <a:spcPts val="2700"/>
-                </a:lnSpc>
-              </a:pPr>
-              <a:r>
-                <a:rPr lang="en-US" sz="1800">
-                  <a:solidFill>
-                    <a:srgbClr val="1D617A"/>
-                  </a:solidFill>
-                  <a:latin typeface="Poppins Light"/>
-                </a:rPr>
-                <a:t>123 456 7890</a:t>
-              </a:r>
-            </a:p>
-          </p:txBody>
-        </p:sp>
-        <p:sp>
-          <p:nvSpPr>
-            <p:cNvPr id="8" name="TextBox 8"/>
-            <p:cNvSpPr txBox="1"/>
-            <p:nvPr/>
-          </p:nvSpPr>
-          <p:spPr>
-            <a:xfrm>
-              <a:off x="0" y="3185912"/>
-              <a:ext cx="6502685" cy="413385"/>
-            </a:xfrm>
-            <a:prstGeom prst="rect">
-              <a:avLst/>
-            </a:prstGeom>
-          </p:spPr>
-          <p:txBody>
-            <a:bodyPr lIns="0" tIns="0" rIns="0" bIns="0" rtlCol="0" anchor="t">
-              <a:spAutoFit/>
-            </a:bodyPr>
-            <a:lstStyle/>
-            <a:p>
-              <a:pPr algn="r">
-                <a:lnSpc>
-                  <a:spcPts val="2700"/>
-                </a:lnSpc>
-              </a:pPr>
-              <a:r>
-                <a:rPr lang="en-US" sz="1800">
-                  <a:solidFill>
-                    <a:srgbClr val="1D617A"/>
-                  </a:solidFill>
-                  <a:latin typeface="Poppins Light"/>
-                </a:rPr>
-                <a:t>hello@reallygreatsite.com</a:t>
-              </a:r>
-            </a:p>
-          </p:txBody>
-        </p:sp>
-      </p:grpSp>
-      <p:grpSp>
-        <p:nvGrpSpPr>
-          <p:cNvPr id="9" name="Group 9"/>
-          <p:cNvGrpSpPr/>
-          <p:nvPr/>
-        </p:nvGrpSpPr>
-        <p:grpSpPr>
-          <a:xfrm>
-            <a:off x="8142017" y="-796223"/>
-            <a:ext cx="2125887" cy="2535984"/>
-            <a:chOff x="0" y="0"/>
-            <a:chExt cx="2834516" cy="3381312"/>
-          </a:xfrm>
-        </p:grpSpPr>
-        <p:grpSp>
-          <p:nvGrpSpPr>
-            <p:cNvPr id="10" name="Group 10"/>
-            <p:cNvGrpSpPr/>
-            <p:nvPr/>
-          </p:nvGrpSpPr>
-          <p:grpSpPr>
-            <a:xfrm rot="-2700000">
-              <a:off x="-61040" y="1640919"/>
-              <a:ext cx="2669691" cy="933175"/>
-              <a:chOff x="0" y="0"/>
-              <a:chExt cx="1162657" cy="406400"/>
-            </a:xfrm>
-          </p:grpSpPr>
-          <p:sp>
-            <p:nvSpPr>
-              <p:cNvPr id="11" name="Freeform 11"/>
-              <p:cNvSpPr/>
-              <p:nvPr/>
-            </p:nvSpPr>
-            <p:spPr>
-              <a:xfrm>
-                <a:off x="17780" y="22860"/>
-                <a:ext cx="1137257" cy="360680"/>
-              </a:xfrm>
-              <a:custGeom>
-                <a:avLst/>
-                <a:gdLst/>
-                <a:ahLst/>
-                <a:cxnLst/>
-                <a:rect l="l" t="t" r="r" b="b"/>
-                <a:pathLst>
-                  <a:path w="1137257" h="360680">
-                    <a:moveTo>
-                      <a:pt x="1137257" y="180340"/>
-                    </a:moveTo>
-                    <a:cubicBezTo>
-                      <a:pt x="1137257" y="81280"/>
-                      <a:pt x="1057247" y="0"/>
-                      <a:pt x="956917" y="0"/>
-                    </a:cubicBezTo>
-                    <a:lnTo>
-                      <a:pt x="172720" y="0"/>
-                    </a:lnTo>
-                    <a:lnTo>
-                      <a:pt x="172720" y="1270"/>
-                    </a:lnTo>
-                    <a:cubicBezTo>
-                      <a:pt x="76200" y="5080"/>
-                      <a:pt x="0" y="83820"/>
-                      <a:pt x="0" y="180340"/>
-                    </a:cubicBezTo>
-                    <a:cubicBezTo>
-                      <a:pt x="0" y="276860"/>
-                      <a:pt x="77470" y="355600"/>
-                      <a:pt x="172720" y="359410"/>
-                    </a:cubicBezTo>
-                    <a:lnTo>
-                      <a:pt x="172720" y="360680"/>
-                    </a:lnTo>
-                    <a:lnTo>
-                      <a:pt x="956917" y="360680"/>
-                    </a:lnTo>
-                    <a:cubicBezTo>
-                      <a:pt x="1055977" y="360680"/>
-                      <a:pt x="1137257" y="279400"/>
-                      <a:pt x="1137257" y="180340"/>
-                    </a:cubicBezTo>
-                    <a:close/>
-                  </a:path>
-                </a:pathLst>
-              </a:custGeom>
-              <a:solidFill>
-                <a:srgbClr val="45AF53">
-                  <a:alpha val="61960"/>
-                </a:srgbClr>
-              </a:solidFill>
-            </p:spPr>
-          </p:sp>
-        </p:grpSp>
-        <p:grpSp>
-          <p:nvGrpSpPr>
-            <p:cNvPr id="12" name="Group 12"/>
-            <p:cNvGrpSpPr/>
-            <p:nvPr/>
-          </p:nvGrpSpPr>
-          <p:grpSpPr>
-            <a:xfrm rot="-2700000">
-              <a:off x="266534" y="790372"/>
-              <a:ext cx="2622045" cy="933175"/>
-              <a:chOff x="0" y="0"/>
-              <a:chExt cx="1141907" cy="406400"/>
-            </a:xfrm>
-          </p:grpSpPr>
-          <p:sp>
-            <p:nvSpPr>
-              <p:cNvPr id="13" name="Freeform 13"/>
-              <p:cNvSpPr/>
-              <p:nvPr/>
-            </p:nvSpPr>
-            <p:spPr>
-              <a:xfrm>
-                <a:off x="17780" y="22860"/>
-                <a:ext cx="1116507" cy="360680"/>
-              </a:xfrm>
-              <a:custGeom>
-                <a:avLst/>
-                <a:gdLst/>
-                <a:ahLst/>
-                <a:cxnLst/>
-                <a:rect l="l" t="t" r="r" b="b"/>
-                <a:pathLst>
-                  <a:path w="1116507" h="360680">
-                    <a:moveTo>
-                      <a:pt x="1116507" y="180340"/>
-                    </a:moveTo>
-                    <a:cubicBezTo>
-                      <a:pt x="1116507" y="81280"/>
-                      <a:pt x="1036497" y="0"/>
-                      <a:pt x="936167" y="0"/>
-                    </a:cubicBezTo>
-                    <a:lnTo>
-                      <a:pt x="172720" y="0"/>
-                    </a:lnTo>
-                    <a:lnTo>
-                      <a:pt x="172720" y="1270"/>
-                    </a:lnTo>
-                    <a:cubicBezTo>
-                      <a:pt x="76200" y="5080"/>
-                      <a:pt x="0" y="83820"/>
-                      <a:pt x="0" y="180340"/>
-                    </a:cubicBezTo>
-                    <a:cubicBezTo>
-                      <a:pt x="0" y="276860"/>
-                      <a:pt x="77470" y="355600"/>
-                      <a:pt x="172720" y="359410"/>
-                    </a:cubicBezTo>
-                    <a:lnTo>
-                      <a:pt x="172720" y="360680"/>
-                    </a:lnTo>
-                    <a:lnTo>
-                      <a:pt x="936167" y="360680"/>
-                    </a:lnTo>
-                    <a:cubicBezTo>
-                      <a:pt x="1035227" y="360680"/>
-                      <a:pt x="1116507" y="279400"/>
-                      <a:pt x="1116507" y="180340"/>
-                    </a:cubicBezTo>
-                    <a:close/>
-                  </a:path>
-                </a:pathLst>
-              </a:custGeom>
-              <a:solidFill>
-                <a:srgbClr val="3E662C">
-                  <a:alpha val="61960"/>
-                </a:srgbClr>
-              </a:solidFill>
-            </p:spPr>
-          </p:sp>
-        </p:grpSp>
-      </p:grpSp>
-      <p:grpSp>
-        <p:nvGrpSpPr>
-          <p:cNvPr id="14" name="Group 14"/>
-          <p:cNvGrpSpPr/>
-          <p:nvPr/>
-        </p:nvGrpSpPr>
-        <p:grpSpPr>
-          <a:xfrm>
-            <a:off x="-2033986" y="1943677"/>
-            <a:ext cx="6684314" cy="7916212"/>
-            <a:chOff x="0" y="0"/>
-            <a:chExt cx="8912419" cy="10554950"/>
-          </a:xfrm>
-        </p:grpSpPr>
-        <p:grpSp>
-          <p:nvGrpSpPr>
-            <p:cNvPr id="15" name="Group 15"/>
-            <p:cNvGrpSpPr/>
-            <p:nvPr/>
-          </p:nvGrpSpPr>
-          <p:grpSpPr>
-            <a:xfrm rot="-2700000">
-              <a:off x="863572" y="2512910"/>
-              <a:ext cx="8268696" cy="2803179"/>
-              <a:chOff x="0" y="0"/>
-              <a:chExt cx="1198781" cy="406400"/>
-            </a:xfrm>
-          </p:grpSpPr>
-          <p:sp>
-            <p:nvSpPr>
-              <p:cNvPr id="16" name="Freeform 16"/>
-              <p:cNvSpPr/>
-              <p:nvPr/>
-            </p:nvSpPr>
-            <p:spPr>
-              <a:xfrm>
-                <a:off x="17780" y="22860"/>
-                <a:ext cx="1173381" cy="360680"/>
-              </a:xfrm>
-              <a:custGeom>
-                <a:avLst/>
-                <a:gdLst/>
-                <a:ahLst/>
-                <a:cxnLst/>
-                <a:rect l="l" t="t" r="r" b="b"/>
-                <a:pathLst>
-                  <a:path w="1173381" h="360680">
-                    <a:moveTo>
-                      <a:pt x="1173381" y="180340"/>
-                    </a:moveTo>
-                    <a:cubicBezTo>
-                      <a:pt x="1173381" y="81280"/>
-                      <a:pt x="1093371" y="0"/>
-                      <a:pt x="993041" y="0"/>
-                    </a:cubicBezTo>
-                    <a:lnTo>
-                      <a:pt x="172720" y="0"/>
-                    </a:lnTo>
-                    <a:lnTo>
-                      <a:pt x="172720" y="1270"/>
-                    </a:lnTo>
-                    <a:cubicBezTo>
-                      <a:pt x="76200" y="5080"/>
-                      <a:pt x="0" y="83820"/>
-                      <a:pt x="0" y="180340"/>
-                    </a:cubicBezTo>
-                    <a:cubicBezTo>
-                      <a:pt x="0" y="276860"/>
-                      <a:pt x="77470" y="355600"/>
-                      <a:pt x="172720" y="359410"/>
-                    </a:cubicBezTo>
-                    <a:lnTo>
-                      <a:pt x="172720" y="360680"/>
-                    </a:lnTo>
-                    <a:lnTo>
-                      <a:pt x="993041" y="360680"/>
-                    </a:lnTo>
-                    <a:cubicBezTo>
-                      <a:pt x="1092101" y="360680"/>
-                      <a:pt x="1173381" y="279400"/>
-                      <a:pt x="1173381" y="180340"/>
-                    </a:cubicBezTo>
-                    <a:close/>
-                  </a:path>
-                </a:pathLst>
-              </a:custGeom>
-              <a:solidFill>
-                <a:srgbClr val="45AF53">
-                  <a:alpha val="14901"/>
-                </a:srgbClr>
-              </a:solidFill>
-            </p:spPr>
-          </p:sp>
-        </p:grpSp>
-        <p:grpSp>
-          <p:nvGrpSpPr>
-            <p:cNvPr id="17" name="Group 17"/>
-            <p:cNvGrpSpPr/>
-            <p:nvPr/>
-          </p:nvGrpSpPr>
-          <p:grpSpPr>
-            <a:xfrm rot="-2700000">
-              <a:off x="-334862" y="4961196"/>
-              <a:ext cx="9054054" cy="2803179"/>
-              <a:chOff x="0" y="0"/>
-              <a:chExt cx="1312641" cy="406400"/>
-            </a:xfrm>
-          </p:grpSpPr>
-          <p:sp>
-            <p:nvSpPr>
-              <p:cNvPr id="18" name="Freeform 18"/>
-              <p:cNvSpPr/>
-              <p:nvPr/>
-            </p:nvSpPr>
-            <p:spPr>
-              <a:xfrm>
-                <a:off x="17780" y="22860"/>
-                <a:ext cx="1287241" cy="360680"/>
-              </a:xfrm>
-              <a:custGeom>
-                <a:avLst/>
-                <a:gdLst/>
-                <a:ahLst/>
-                <a:cxnLst/>
-                <a:rect l="l" t="t" r="r" b="b"/>
-                <a:pathLst>
-                  <a:path w="1287241" h="360680">
-                    <a:moveTo>
-                      <a:pt x="1287241" y="180340"/>
-                    </a:moveTo>
-                    <a:cubicBezTo>
-                      <a:pt x="1287241" y="81280"/>
-                      <a:pt x="1207231" y="0"/>
-                      <a:pt x="1106901" y="0"/>
-                    </a:cubicBezTo>
-                    <a:lnTo>
-                      <a:pt x="172720" y="0"/>
-                    </a:lnTo>
-                    <a:lnTo>
-                      <a:pt x="172720" y="1270"/>
-                    </a:lnTo>
-                    <a:cubicBezTo>
-                      <a:pt x="76200" y="5080"/>
-                      <a:pt x="0" y="83820"/>
-                      <a:pt x="0" y="180340"/>
-                    </a:cubicBezTo>
-                    <a:cubicBezTo>
-                      <a:pt x="0" y="276860"/>
-                      <a:pt x="77470" y="355600"/>
-                      <a:pt x="172720" y="359410"/>
-                    </a:cubicBezTo>
-                    <a:lnTo>
-                      <a:pt x="172720" y="360680"/>
-                    </a:lnTo>
-                    <a:lnTo>
-                      <a:pt x="1106901" y="360680"/>
-                    </a:lnTo>
-                    <a:cubicBezTo>
-                      <a:pt x="1205961" y="360680"/>
-                      <a:pt x="1287241" y="279400"/>
-                      <a:pt x="1287241" y="180340"/>
-                    </a:cubicBezTo>
-                    <a:close/>
-                  </a:path>
-                </a:pathLst>
-              </a:custGeom>
-              <a:solidFill>
-                <a:srgbClr val="3E662C">
-                  <a:alpha val="14901"/>
-                </a:srgbClr>
-              </a:solidFill>
-            </p:spPr>
-          </p:sp>
-        </p:grpSp>
-      </p:grpSp>
-      <p:sp>
-        <p:nvSpPr>
-          <p:cNvPr id="19" name="TextBox 19"/>
-          <p:cNvSpPr txBox="1"/>
-          <p:nvPr/>
-        </p:nvSpPr>
-        <p:spPr>
-          <a:xfrm rot="-5400000">
-            <a:off x="-1246302" y="4029208"/>
-            <a:ext cx="4369011" cy="739934"/>
-          </a:xfrm>
-          <a:prstGeom prst="rect">
-            <a:avLst/>
-          </a:prstGeom>
-        </p:spPr>
-        <p:txBody>
-          <a:bodyPr lIns="0" tIns="0" rIns="0" bIns="0" rtlCol="0" anchor="t">
-            <a:spAutoFit/>
-          </a:bodyPr>
-          <a:lstStyle/>
           <a:p>
-            <a:pPr>
-              <a:lnSpc>
-                <a:spcPts val="5720"/>
-              </a:lnSpc>
-            </a:pPr>
-            <a:r>
-              <a:rPr lang="en-US" sz="5200" spc="-155">
-                <a:solidFill>
-                  <a:srgbClr val="1D617A"/>
-                </a:solidFill>
-                <a:latin typeface="Poppins Bold Bold Italics"/>
+            <a:pPr algn="l"/>
+            <a:r>
+              <a:rPr lang="pt-BR" sz="800" b="0" i="0" u="none" strike="noStrike" baseline="0" dirty="0">
+                <a:latin typeface="Poppins" panose="00000500000000000000" pitchFamily="2" charset="0"/>
+                <a:cs typeface="Poppins" panose="00000500000000000000" pitchFamily="2" charset="0"/>
               </a:rPr>
-              <a:t>CONTATOS</a:t>
-            </a:r>
+              <a:t>Comércio, Pesquisa de Inovação 2011/2017.</a:t>
+            </a:r>
+            <a:endParaRPr lang="pt-BR" dirty="0">
+              <a:latin typeface="Poppins" panose="00000500000000000000" pitchFamily="2" charset="0"/>
+              <a:cs typeface="Poppins" panose="00000500000000000000" pitchFamily="2" charset="0"/>
+            </a:endParaRPr>
           </a:p>
         </p:txBody>
       </p:sp>
     </p:spTree>
+    <p:extLst>
+      <p:ext uri="{BB962C8B-B14F-4D97-AF65-F5344CB8AC3E}">
+        <p14:creationId xmlns:p14="http://schemas.microsoft.com/office/powerpoint/2010/main" val="1653088542"/>
+      </p:ext>
+    </p:extLst>
   </p:cSld>
   <p:clrMapOvr>
     <a:masterClrMapping/>
@@ -14467,992 +10954,6 @@
 </file>
 
 <file path=ppt/slides/slide2.xml><?xml version="1.0" encoding="utf-8"?>
-<p:sld xmlns:a="http://schemas.openxmlformats.org/drawingml/2006/main" xmlns:r="http://schemas.openxmlformats.org/officeDocument/2006/relationships" xmlns:p="http://schemas.openxmlformats.org/presentationml/2006/main">
-  <p:cSld>
-    <p:bg>
-      <p:bgPr>
-        <a:solidFill>
-          <a:srgbClr val="F8F8F8"/>
-        </a:solidFill>
-        <a:effectLst/>
-      </p:bgPr>
-    </p:bg>
-    <p:spTree>
-      <p:nvGrpSpPr>
-        <p:cNvPr id="1" name=""/>
-        <p:cNvGrpSpPr/>
-        <p:nvPr/>
-      </p:nvGrpSpPr>
-      <p:grpSpPr>
-        <a:xfrm>
-          <a:off x="0" y="0"/>
-          <a:ext cx="0" cy="0"/>
-          <a:chOff x="0" y="0"/>
-          <a:chExt cx="0" cy="0"/>
-        </a:xfrm>
-      </p:grpSpPr>
-      <p:grpSp>
-        <p:nvGrpSpPr>
-          <p:cNvPr id="2" name="Group 2"/>
-          <p:cNvGrpSpPr/>
-          <p:nvPr/>
-        </p:nvGrpSpPr>
-        <p:grpSpPr>
-          <a:xfrm>
-            <a:off x="7527096" y="4209131"/>
-            <a:ext cx="3446817" cy="4171954"/>
-            <a:chOff x="0" y="0"/>
-            <a:chExt cx="4595756" cy="5562605"/>
-          </a:xfrm>
-        </p:grpSpPr>
-        <p:grpSp>
-          <p:nvGrpSpPr>
-            <p:cNvPr id="3" name="Group 3"/>
-            <p:cNvGrpSpPr/>
-            <p:nvPr/>
-          </p:nvGrpSpPr>
-          <p:grpSpPr>
-            <a:xfrm rot="-2700000">
-              <a:off x="-126790" y="2439704"/>
-              <a:ext cx="4849335" cy="1650045"/>
-              <a:chOff x="0" y="0"/>
-              <a:chExt cx="1194373" cy="406400"/>
-            </a:xfrm>
-          </p:grpSpPr>
-          <p:sp>
-            <p:nvSpPr>
-              <p:cNvPr id="4" name="Freeform 4"/>
-              <p:cNvSpPr/>
-              <p:nvPr/>
-            </p:nvSpPr>
-            <p:spPr>
-              <a:xfrm>
-                <a:off x="17780" y="22860"/>
-                <a:ext cx="1168973" cy="360680"/>
-              </a:xfrm>
-              <a:custGeom>
-                <a:avLst/>
-                <a:gdLst/>
-                <a:ahLst/>
-                <a:cxnLst/>
-                <a:rect l="l" t="t" r="r" b="b"/>
-                <a:pathLst>
-                  <a:path w="1168973" h="360680">
-                    <a:moveTo>
-                      <a:pt x="1168973" y="180340"/>
-                    </a:moveTo>
-                    <a:cubicBezTo>
-                      <a:pt x="1168973" y="81280"/>
-                      <a:pt x="1088963" y="0"/>
-                      <a:pt x="988633" y="0"/>
-                    </a:cubicBezTo>
-                    <a:lnTo>
-                      <a:pt x="172720" y="0"/>
-                    </a:lnTo>
-                    <a:lnTo>
-                      <a:pt x="172720" y="1270"/>
-                    </a:lnTo>
-                    <a:cubicBezTo>
-                      <a:pt x="76200" y="5080"/>
-                      <a:pt x="0" y="83820"/>
-                      <a:pt x="0" y="180340"/>
-                    </a:cubicBezTo>
-                    <a:cubicBezTo>
-                      <a:pt x="0" y="276860"/>
-                      <a:pt x="77470" y="355600"/>
-                      <a:pt x="172720" y="359410"/>
-                    </a:cubicBezTo>
-                    <a:lnTo>
-                      <a:pt x="172720" y="360680"/>
-                    </a:lnTo>
-                    <a:lnTo>
-                      <a:pt x="988633" y="360680"/>
-                    </a:lnTo>
-                    <a:cubicBezTo>
-                      <a:pt x="1087693" y="360680"/>
-                      <a:pt x="1168973" y="279400"/>
-                      <a:pt x="1168973" y="180340"/>
-                    </a:cubicBezTo>
-                    <a:close/>
-                  </a:path>
-                </a:pathLst>
-              </a:custGeom>
-              <a:solidFill>
-                <a:srgbClr val="3E662C">
-                  <a:alpha val="61960"/>
-                </a:srgbClr>
-              </a:solidFill>
-            </p:spPr>
-          </p:sp>
-        </p:grpSp>
-        <p:grpSp>
-          <p:nvGrpSpPr>
-            <p:cNvPr id="5" name="Group 5"/>
-            <p:cNvGrpSpPr/>
-            <p:nvPr/>
-          </p:nvGrpSpPr>
-          <p:grpSpPr>
-            <a:xfrm rot="-2700000">
-              <a:off x="758589" y="1106120"/>
-              <a:ext cx="3812050" cy="1650045"/>
-              <a:chOff x="0" y="0"/>
-              <a:chExt cx="938894" cy="406400"/>
-            </a:xfrm>
-          </p:grpSpPr>
-          <p:sp>
-            <p:nvSpPr>
-              <p:cNvPr id="6" name="Freeform 6"/>
-              <p:cNvSpPr/>
-              <p:nvPr/>
-            </p:nvSpPr>
-            <p:spPr>
-              <a:xfrm>
-                <a:off x="17780" y="22860"/>
-                <a:ext cx="913494" cy="360680"/>
-              </a:xfrm>
-              <a:custGeom>
-                <a:avLst/>
-                <a:gdLst/>
-                <a:ahLst/>
-                <a:cxnLst/>
-                <a:rect l="l" t="t" r="r" b="b"/>
-                <a:pathLst>
-                  <a:path w="913494" h="360680">
-                    <a:moveTo>
-                      <a:pt x="913494" y="180340"/>
-                    </a:moveTo>
-                    <a:cubicBezTo>
-                      <a:pt x="913494" y="81280"/>
-                      <a:pt x="833484" y="0"/>
-                      <a:pt x="733154" y="0"/>
-                    </a:cubicBezTo>
-                    <a:lnTo>
-                      <a:pt x="172720" y="0"/>
-                    </a:lnTo>
-                    <a:lnTo>
-                      <a:pt x="172720" y="1270"/>
-                    </a:lnTo>
-                    <a:cubicBezTo>
-                      <a:pt x="76200" y="5080"/>
-                      <a:pt x="0" y="83820"/>
-                      <a:pt x="0" y="180340"/>
-                    </a:cubicBezTo>
-                    <a:cubicBezTo>
-                      <a:pt x="0" y="276860"/>
-                      <a:pt x="77470" y="355600"/>
-                      <a:pt x="172720" y="359410"/>
-                    </a:cubicBezTo>
-                    <a:lnTo>
-                      <a:pt x="172720" y="360680"/>
-                    </a:lnTo>
-                    <a:lnTo>
-                      <a:pt x="733154" y="360680"/>
-                    </a:lnTo>
-                    <a:cubicBezTo>
-                      <a:pt x="832214" y="360680"/>
-                      <a:pt x="913494" y="279400"/>
-                      <a:pt x="913494" y="180340"/>
-                    </a:cubicBezTo>
-                    <a:close/>
-                  </a:path>
-                </a:pathLst>
-              </a:custGeom>
-              <a:solidFill>
-                <a:srgbClr val="45AF53">
-                  <a:alpha val="61960"/>
-                </a:srgbClr>
-              </a:solidFill>
-            </p:spPr>
-          </p:sp>
-        </p:grpSp>
-      </p:grpSp>
-      <p:grpSp>
-        <p:nvGrpSpPr>
-          <p:cNvPr id="7" name="Group 7"/>
-          <p:cNvGrpSpPr/>
-          <p:nvPr/>
-        </p:nvGrpSpPr>
-        <p:grpSpPr>
-          <a:xfrm>
-            <a:off x="1104531" y="1585516"/>
-            <a:ext cx="7917549" cy="4229045"/>
-            <a:chOff x="0" y="38100"/>
-            <a:chExt cx="10556732" cy="5638726"/>
-          </a:xfrm>
-        </p:grpSpPr>
-        <p:sp>
-          <p:nvSpPr>
-            <p:cNvPr id="8" name="TextBox 8"/>
-            <p:cNvSpPr txBox="1"/>
-            <p:nvPr/>
-          </p:nvSpPr>
-          <p:spPr>
-            <a:xfrm>
-              <a:off x="0" y="1768687"/>
-              <a:ext cx="10556732" cy="466725"/>
-            </a:xfrm>
-            <a:prstGeom prst="rect">
-              <a:avLst/>
-            </a:prstGeom>
-          </p:spPr>
-          <p:txBody>
-            <a:bodyPr lIns="0" tIns="0" rIns="0" bIns="0" rtlCol="0" anchor="t">
-              <a:spAutoFit/>
-            </a:bodyPr>
-            <a:lstStyle/>
-            <a:p>
-              <a:pPr algn="ctr">
-                <a:lnSpc>
-                  <a:spcPts val="2760"/>
-                </a:lnSpc>
-              </a:pPr>
-              <a:r>
-                <a:rPr lang="en-US" sz="2300" spc="161" dirty="0" err="1">
-                  <a:solidFill>
-                    <a:srgbClr val="61C2A2"/>
-                  </a:solidFill>
-                  <a:latin typeface="Poppins Bold Italics"/>
-                </a:rPr>
-                <a:t>Inovação</a:t>
-              </a:r>
-              <a:r>
-                <a:rPr lang="en-US" sz="2300" spc="161" dirty="0">
-                  <a:solidFill>
-                    <a:srgbClr val="61C2A2"/>
-                  </a:solidFill>
-                  <a:latin typeface="Poppins Bold Italics"/>
-                </a:rPr>
-                <a:t> </a:t>
-              </a:r>
-              <a:r>
-                <a:rPr lang="en-US" sz="2300" spc="161" dirty="0" err="1">
-                  <a:solidFill>
-                    <a:srgbClr val="61C2A2"/>
-                  </a:solidFill>
-                  <a:latin typeface="Poppins Bold Italics"/>
-                </a:rPr>
-                <a:t>Tecnológica</a:t>
-              </a:r>
-              <a:r>
-                <a:rPr lang="en-US" sz="2300" spc="161" dirty="0">
-                  <a:solidFill>
-                    <a:srgbClr val="61C2A2"/>
-                  </a:solidFill>
-                  <a:latin typeface="Poppins Bold Italics"/>
-                </a:rPr>
-                <a:t> da </a:t>
-              </a:r>
-              <a:r>
-                <a:rPr lang="en-US" sz="2300" spc="161" dirty="0" err="1">
-                  <a:solidFill>
-                    <a:srgbClr val="61C2A2"/>
-                  </a:solidFill>
-                  <a:latin typeface="Poppins Bold Italics"/>
-                </a:rPr>
-                <a:t>Saúde</a:t>
-              </a:r>
-              <a:endParaRPr lang="en-US" sz="2300" spc="161" dirty="0">
-                <a:solidFill>
-                  <a:srgbClr val="61C2A2"/>
-                </a:solidFill>
-                <a:latin typeface="Poppins Bold Italics"/>
-              </a:endParaRPr>
-            </a:p>
-          </p:txBody>
-        </p:sp>
-        <p:sp>
-          <p:nvSpPr>
-            <p:cNvPr id="9" name="TextBox 9"/>
-            <p:cNvSpPr txBox="1"/>
-            <p:nvPr/>
-          </p:nvSpPr>
-          <p:spPr>
-            <a:xfrm>
-              <a:off x="0" y="2445173"/>
-              <a:ext cx="10556732" cy="3231653"/>
-            </a:xfrm>
-            <a:prstGeom prst="rect">
-              <a:avLst/>
-            </a:prstGeom>
-          </p:spPr>
-          <p:txBody>
-            <a:bodyPr lIns="0" tIns="0" rIns="0" bIns="0" rtlCol="0" anchor="t">
-              <a:spAutoFit/>
-            </a:bodyPr>
-            <a:lstStyle/>
-            <a:p>
-              <a:pPr algn="ctr">
-                <a:lnSpc>
-                  <a:spcPts val="2700"/>
-                </a:lnSpc>
-              </a:pPr>
-              <a:r>
-                <a:rPr lang="en-US" dirty="0" err="1">
-                  <a:solidFill>
-                    <a:srgbClr val="1D617A"/>
-                  </a:solidFill>
-                  <a:latin typeface="Poppins Light"/>
-                </a:rPr>
-                <a:t>Médico</a:t>
-              </a:r>
-              <a:r>
-                <a:rPr lang="en-US" dirty="0">
-                  <a:solidFill>
-                    <a:srgbClr val="1D617A"/>
-                  </a:solidFill>
-                  <a:latin typeface="Poppins Light"/>
-                </a:rPr>
-                <a:t> </a:t>
-              </a:r>
-              <a:r>
-                <a:rPr lang="en-US" dirty="0" err="1">
-                  <a:solidFill>
-                    <a:srgbClr val="1D617A"/>
-                  </a:solidFill>
-                  <a:latin typeface="Poppins Light"/>
-                </a:rPr>
-                <a:t>graduado</a:t>
-              </a:r>
-              <a:r>
-                <a:rPr lang="en-US" dirty="0">
-                  <a:solidFill>
-                    <a:srgbClr val="1D617A"/>
-                  </a:solidFill>
-                  <a:latin typeface="Poppins Light"/>
-                </a:rPr>
-                <a:t> pela </a:t>
-              </a:r>
-              <a:r>
-                <a:rPr lang="en-US" dirty="0" err="1">
-                  <a:solidFill>
-                    <a:srgbClr val="1D617A"/>
-                  </a:solidFill>
-                  <a:latin typeface="Poppins Light"/>
-                </a:rPr>
-                <a:t>Faculdade</a:t>
-              </a:r>
-              <a:r>
-                <a:rPr lang="en-US" dirty="0">
-                  <a:solidFill>
-                    <a:srgbClr val="1D617A"/>
-                  </a:solidFill>
-                  <a:latin typeface="Poppins Light"/>
-                </a:rPr>
-                <a:t> de </a:t>
-              </a:r>
-              <a:r>
-                <a:rPr lang="en-US" dirty="0" err="1">
-                  <a:solidFill>
-                    <a:srgbClr val="1D617A"/>
-                  </a:solidFill>
-                  <a:latin typeface="Poppins Light"/>
-                </a:rPr>
-                <a:t>Medicina</a:t>
-              </a:r>
-              <a:r>
-                <a:rPr lang="en-US" dirty="0">
-                  <a:solidFill>
-                    <a:srgbClr val="1D617A"/>
-                  </a:solidFill>
-                  <a:latin typeface="Poppins Light"/>
-                </a:rPr>
-                <a:t> da UFMG - 1988</a:t>
-              </a:r>
-              <a:endParaRPr lang="en-US" sz="1800" dirty="0">
-                <a:solidFill>
-                  <a:srgbClr val="1D617A"/>
-                </a:solidFill>
-                <a:latin typeface="Poppins Light"/>
-              </a:endParaRPr>
-            </a:p>
-            <a:p>
-              <a:pPr algn="ctr">
-                <a:lnSpc>
-                  <a:spcPts val="2700"/>
-                </a:lnSpc>
-              </a:pPr>
-              <a:r>
-                <a:rPr lang="en-US" sz="1800" dirty="0" err="1">
-                  <a:solidFill>
-                    <a:srgbClr val="1D617A"/>
-                  </a:solidFill>
-                  <a:latin typeface="Poppins Light"/>
-                </a:rPr>
-                <a:t>Pós-graduado</a:t>
-              </a:r>
-              <a:r>
-                <a:rPr lang="en-US" sz="1800" dirty="0">
-                  <a:solidFill>
-                    <a:srgbClr val="1D617A"/>
-                  </a:solidFill>
-                  <a:latin typeface="Poppins Light"/>
-                </a:rPr>
-                <a:t> </a:t>
-              </a:r>
-              <a:r>
-                <a:rPr lang="en-US" sz="1800" dirty="0" err="1">
-                  <a:solidFill>
-                    <a:srgbClr val="1D617A"/>
-                  </a:solidFill>
-                  <a:latin typeface="Poppins Light"/>
-                </a:rPr>
-                <a:t>em</a:t>
-              </a:r>
-              <a:r>
-                <a:rPr lang="en-US" sz="1800" dirty="0">
-                  <a:solidFill>
-                    <a:srgbClr val="1D617A"/>
-                  </a:solidFill>
-                  <a:latin typeface="Poppins Light"/>
-                </a:rPr>
-                <a:t> </a:t>
-              </a:r>
-              <a:r>
-                <a:rPr lang="en-US" sz="1800" dirty="0" err="1">
-                  <a:solidFill>
-                    <a:srgbClr val="1D617A"/>
-                  </a:solidFill>
-                  <a:latin typeface="Poppins Light"/>
-                </a:rPr>
-                <a:t>Geriatrira</a:t>
-              </a:r>
-              <a:r>
-                <a:rPr lang="en-US" sz="1800" dirty="0">
-                  <a:solidFill>
-                    <a:srgbClr val="1D617A"/>
-                  </a:solidFill>
-                  <a:latin typeface="Poppins Light"/>
-                </a:rPr>
-                <a:t> e </a:t>
-              </a:r>
-              <a:r>
-                <a:rPr lang="en-US" sz="1800" dirty="0" err="1">
-                  <a:solidFill>
-                    <a:srgbClr val="1D617A"/>
-                  </a:solidFill>
-                  <a:latin typeface="Poppins Light"/>
-                </a:rPr>
-                <a:t>Gerontologia</a:t>
-              </a:r>
-              <a:r>
-                <a:rPr lang="en-US" sz="1800" dirty="0">
-                  <a:solidFill>
-                    <a:srgbClr val="1D617A"/>
-                  </a:solidFill>
-                  <a:latin typeface="Poppins Light"/>
-                </a:rPr>
-                <a:t>  - PUCRS – 2002</a:t>
-              </a:r>
-            </a:p>
-            <a:p>
-              <a:pPr algn="ctr">
-                <a:lnSpc>
-                  <a:spcPts val="2700"/>
-                </a:lnSpc>
-              </a:pPr>
-              <a:r>
-                <a:rPr lang="en-US" dirty="0">
-                  <a:solidFill>
-                    <a:srgbClr val="1D617A"/>
-                  </a:solidFill>
-                  <a:latin typeface="Poppins Light"/>
-                </a:rPr>
-                <a:t>MBA </a:t>
-              </a:r>
-              <a:r>
-                <a:rPr lang="en-US" dirty="0" err="1">
-                  <a:solidFill>
-                    <a:srgbClr val="1D617A"/>
-                  </a:solidFill>
-                  <a:latin typeface="Poppins Light"/>
-                </a:rPr>
-                <a:t>Gerenciamento</a:t>
-              </a:r>
-              <a:r>
-                <a:rPr lang="en-US" dirty="0">
-                  <a:solidFill>
-                    <a:srgbClr val="1D617A"/>
-                  </a:solidFill>
-                  <a:latin typeface="Poppins Light"/>
-                </a:rPr>
-                <a:t> de </a:t>
-              </a:r>
-              <a:r>
-                <a:rPr lang="en-US" dirty="0" err="1">
-                  <a:solidFill>
-                    <a:srgbClr val="1D617A"/>
-                  </a:solidFill>
-                  <a:latin typeface="Poppins Light"/>
-                </a:rPr>
-                <a:t>Projetos</a:t>
-              </a:r>
-              <a:r>
-                <a:rPr lang="en-US" dirty="0">
-                  <a:solidFill>
-                    <a:srgbClr val="1D617A"/>
-                  </a:solidFill>
-                  <a:latin typeface="Poppins Light"/>
-                </a:rPr>
-                <a:t> – UFU – 2012</a:t>
-              </a:r>
-            </a:p>
-            <a:p>
-              <a:pPr algn="ctr">
-                <a:lnSpc>
-                  <a:spcPts val="2700"/>
-                </a:lnSpc>
-              </a:pPr>
-              <a:r>
-                <a:rPr lang="en-US" sz="1800" dirty="0">
-                  <a:solidFill>
-                    <a:srgbClr val="1D617A"/>
-                  </a:solidFill>
-                  <a:latin typeface="Poppins Light"/>
-                </a:rPr>
-                <a:t>MS </a:t>
-              </a:r>
-              <a:r>
-                <a:rPr lang="en-US" sz="1800" dirty="0" err="1">
-                  <a:solidFill>
-                    <a:srgbClr val="1D617A"/>
-                  </a:solidFill>
-                  <a:latin typeface="Poppins Light"/>
-                </a:rPr>
-                <a:t>em</a:t>
-              </a:r>
-              <a:r>
-                <a:rPr lang="en-US" sz="1800" dirty="0">
-                  <a:solidFill>
-                    <a:srgbClr val="1D617A"/>
-                  </a:solidFill>
-                  <a:latin typeface="Poppins Light"/>
-                </a:rPr>
-                <a:t> </a:t>
-              </a:r>
-              <a:r>
-                <a:rPr lang="en-US" sz="1800" dirty="0" err="1">
-                  <a:solidFill>
-                    <a:srgbClr val="1D617A"/>
-                  </a:solidFill>
-                  <a:latin typeface="Poppins Light"/>
-                </a:rPr>
-                <a:t>Ciências</a:t>
-              </a:r>
-              <a:r>
-                <a:rPr lang="en-US" dirty="0">
-                  <a:solidFill>
-                    <a:srgbClr val="1D617A"/>
-                  </a:solidFill>
-                  <a:latin typeface="Poppins Light"/>
-                </a:rPr>
-                <a:t> – </a:t>
-              </a:r>
-              <a:r>
-                <a:rPr lang="en-US" dirty="0" err="1">
-                  <a:solidFill>
-                    <a:srgbClr val="1D617A"/>
-                  </a:solidFill>
-                  <a:latin typeface="Poppins Light"/>
-                </a:rPr>
-                <a:t>Engenharia</a:t>
-              </a:r>
-              <a:r>
-                <a:rPr lang="en-US" dirty="0">
-                  <a:solidFill>
-                    <a:srgbClr val="1D617A"/>
-                  </a:solidFill>
-                  <a:latin typeface="Poppins Light"/>
-                </a:rPr>
-                <a:t> de </a:t>
-              </a:r>
-              <a:r>
-                <a:rPr lang="en-US" dirty="0" err="1">
-                  <a:solidFill>
-                    <a:srgbClr val="1D617A"/>
-                  </a:solidFill>
-                  <a:latin typeface="Poppins Light"/>
-                </a:rPr>
-                <a:t>Sistemas</a:t>
-              </a:r>
-              <a:r>
-                <a:rPr lang="en-US" dirty="0">
-                  <a:solidFill>
-                    <a:srgbClr val="1D617A"/>
-                  </a:solidFill>
-                  <a:latin typeface="Poppins Light"/>
-                </a:rPr>
-                <a:t> de </a:t>
-              </a:r>
-              <a:r>
-                <a:rPr lang="en-US" dirty="0" err="1">
-                  <a:solidFill>
-                    <a:srgbClr val="1D617A"/>
-                  </a:solidFill>
-                  <a:latin typeface="Poppins Light"/>
-                </a:rPr>
-                <a:t>Saúde</a:t>
-              </a:r>
-              <a:r>
-                <a:rPr lang="en-US" dirty="0">
-                  <a:solidFill>
-                    <a:srgbClr val="1D617A"/>
-                  </a:solidFill>
-                  <a:latin typeface="Poppins Light"/>
-                </a:rPr>
-                <a:t> - PPGEB – UFU – 2020</a:t>
-              </a:r>
-            </a:p>
-            <a:p>
-              <a:pPr algn="ctr">
-                <a:lnSpc>
-                  <a:spcPts val="2700"/>
-                </a:lnSpc>
-              </a:pPr>
-              <a:r>
-                <a:rPr lang="en-US" sz="1800" dirty="0" err="1">
-                  <a:solidFill>
-                    <a:srgbClr val="1D617A"/>
-                  </a:solidFill>
-                  <a:latin typeface="Poppins Light"/>
-                </a:rPr>
-                <a:t>Sócio</a:t>
-              </a:r>
-              <a:r>
-                <a:rPr lang="en-US" sz="1800" dirty="0">
-                  <a:solidFill>
-                    <a:srgbClr val="1D617A"/>
-                  </a:solidFill>
-                  <a:latin typeface="Poppins Light"/>
-                </a:rPr>
-                <a:t> SBGTEC</a:t>
-              </a:r>
-            </a:p>
-            <a:p>
-              <a:pPr algn="ctr">
-                <a:lnSpc>
-                  <a:spcPts val="2700"/>
-                </a:lnSpc>
-              </a:pPr>
-              <a:r>
-                <a:rPr lang="en-US" sz="1800" dirty="0" err="1">
-                  <a:solidFill>
-                    <a:srgbClr val="1D617A"/>
-                  </a:solidFill>
-                  <a:latin typeface="Poppins Light"/>
-                </a:rPr>
-                <a:t>Perito</a:t>
-              </a:r>
-              <a:r>
-                <a:rPr lang="en-US" sz="1800" dirty="0">
-                  <a:solidFill>
-                    <a:srgbClr val="1D617A"/>
-                  </a:solidFill>
-                  <a:latin typeface="Poppins Light"/>
-                </a:rPr>
-                <a:t> </a:t>
-              </a:r>
-              <a:r>
-                <a:rPr lang="en-US" sz="1800" dirty="0" err="1">
-                  <a:solidFill>
-                    <a:srgbClr val="1D617A"/>
-                  </a:solidFill>
-                  <a:latin typeface="Poppins Light"/>
-                </a:rPr>
-                <a:t>Médico</a:t>
-              </a:r>
-              <a:r>
-                <a:rPr lang="en-US" sz="1800" dirty="0">
-                  <a:solidFill>
-                    <a:srgbClr val="1D617A"/>
-                  </a:solidFill>
-                  <a:latin typeface="Poppins Light"/>
-                </a:rPr>
-                <a:t> Federal – </a:t>
-              </a:r>
-              <a:r>
-                <a:rPr lang="en-US" sz="1800" dirty="0" err="1">
-                  <a:solidFill>
-                    <a:srgbClr val="1D617A"/>
-                  </a:solidFill>
-                  <a:latin typeface="Poppins Light"/>
-                </a:rPr>
-                <a:t>Ministério</a:t>
-              </a:r>
-              <a:r>
-                <a:rPr lang="en-US" sz="1800" dirty="0">
-                  <a:solidFill>
-                    <a:srgbClr val="1D617A"/>
-                  </a:solidFill>
-                  <a:latin typeface="Poppins Light"/>
-                </a:rPr>
-                <a:t> da Economia do </a:t>
-              </a:r>
-              <a:r>
-                <a:rPr lang="en-US" sz="1800" dirty="0" err="1">
-                  <a:solidFill>
-                    <a:srgbClr val="1D617A"/>
-                  </a:solidFill>
-                  <a:latin typeface="Poppins Light"/>
-                </a:rPr>
-                <a:t>Brasil</a:t>
-              </a:r>
-              <a:endParaRPr lang="en-US" sz="1800" dirty="0">
-                <a:solidFill>
-                  <a:srgbClr val="1D617A"/>
-                </a:solidFill>
-                <a:latin typeface="Poppins Light"/>
-              </a:endParaRPr>
-            </a:p>
-          </p:txBody>
-        </p:sp>
-        <p:sp>
-          <p:nvSpPr>
-            <p:cNvPr id="10" name="TextBox 10"/>
-            <p:cNvSpPr txBox="1"/>
-            <p:nvPr/>
-          </p:nvSpPr>
-          <p:spPr>
-            <a:xfrm>
-              <a:off x="0" y="38100"/>
-              <a:ext cx="10556732" cy="786540"/>
-            </a:xfrm>
-            <a:prstGeom prst="rect">
-              <a:avLst/>
-            </a:prstGeom>
-          </p:spPr>
-          <p:txBody>
-            <a:bodyPr lIns="0" tIns="0" rIns="0" bIns="0" rtlCol="0" anchor="t">
-              <a:spAutoFit/>
-            </a:bodyPr>
-            <a:lstStyle/>
-            <a:p>
-              <a:pPr algn="ctr">
-                <a:lnSpc>
-                  <a:spcPts val="4620"/>
-                </a:lnSpc>
-              </a:pPr>
-              <a:r>
-                <a:rPr lang="en-US" sz="4200" spc="-126" dirty="0">
-                  <a:solidFill>
-                    <a:srgbClr val="276445"/>
-                  </a:solidFill>
-                  <a:latin typeface="Poppins Bold Bold Italics"/>
-                </a:rPr>
-                <a:t>José Flávio Viana Guimarães</a:t>
-              </a:r>
-            </a:p>
-          </p:txBody>
-        </p:sp>
-      </p:grpSp>
-      <p:grpSp>
-        <p:nvGrpSpPr>
-          <p:cNvPr id="11" name="Group 11"/>
-          <p:cNvGrpSpPr/>
-          <p:nvPr/>
-        </p:nvGrpSpPr>
-        <p:grpSpPr>
-          <a:xfrm>
-            <a:off x="-636661" y="-512150"/>
-            <a:ext cx="2109754" cy="2487340"/>
-            <a:chOff x="0" y="0"/>
-            <a:chExt cx="2813005" cy="3316453"/>
-          </a:xfrm>
-        </p:grpSpPr>
-        <p:grpSp>
-          <p:nvGrpSpPr>
-            <p:cNvPr id="12" name="Group 12"/>
-            <p:cNvGrpSpPr/>
-            <p:nvPr/>
-          </p:nvGrpSpPr>
-          <p:grpSpPr>
-            <a:xfrm rot="-2700000">
-              <a:off x="-43542" y="931568"/>
-              <a:ext cx="2990763" cy="859196"/>
-              <a:chOff x="0" y="0"/>
-              <a:chExt cx="1414632" cy="406400"/>
-            </a:xfrm>
-          </p:grpSpPr>
-          <p:sp>
-            <p:nvSpPr>
-              <p:cNvPr id="13" name="Freeform 13"/>
-              <p:cNvSpPr/>
-              <p:nvPr/>
-            </p:nvSpPr>
-            <p:spPr>
-              <a:xfrm>
-                <a:off x="17780" y="22860"/>
-                <a:ext cx="1389232" cy="360680"/>
-              </a:xfrm>
-              <a:custGeom>
-                <a:avLst/>
-                <a:gdLst/>
-                <a:ahLst/>
-                <a:cxnLst/>
-                <a:rect l="l" t="t" r="r" b="b"/>
-                <a:pathLst>
-                  <a:path w="1389232" h="360680">
-                    <a:moveTo>
-                      <a:pt x="1389232" y="180340"/>
-                    </a:moveTo>
-                    <a:cubicBezTo>
-                      <a:pt x="1389232" y="81280"/>
-                      <a:pt x="1309222" y="0"/>
-                      <a:pt x="1208892" y="0"/>
-                    </a:cubicBezTo>
-                    <a:lnTo>
-                      <a:pt x="172720" y="0"/>
-                    </a:lnTo>
-                    <a:lnTo>
-                      <a:pt x="172720" y="1270"/>
-                    </a:lnTo>
-                    <a:cubicBezTo>
-                      <a:pt x="76200" y="5080"/>
-                      <a:pt x="0" y="83820"/>
-                      <a:pt x="0" y="180340"/>
-                    </a:cubicBezTo>
-                    <a:cubicBezTo>
-                      <a:pt x="0" y="276860"/>
-                      <a:pt x="77470" y="355600"/>
-                      <a:pt x="172720" y="359410"/>
-                    </a:cubicBezTo>
-                    <a:lnTo>
-                      <a:pt x="172720" y="360680"/>
-                    </a:lnTo>
-                    <a:lnTo>
-                      <a:pt x="1208892" y="360680"/>
-                    </a:lnTo>
-                    <a:cubicBezTo>
-                      <a:pt x="1307952" y="360680"/>
-                      <a:pt x="1389232" y="279400"/>
-                      <a:pt x="1389232" y="180340"/>
-                    </a:cubicBezTo>
-                    <a:close/>
-                  </a:path>
-                </a:pathLst>
-              </a:custGeom>
-              <a:solidFill>
-                <a:srgbClr val="45AF53">
-                  <a:alpha val="41960"/>
-                </a:srgbClr>
-              </a:solidFill>
-            </p:spPr>
-          </p:sp>
-        </p:grpSp>
-        <p:grpSp>
-          <p:nvGrpSpPr>
-            <p:cNvPr id="14" name="Group 14"/>
-            <p:cNvGrpSpPr/>
-            <p:nvPr/>
-          </p:nvGrpSpPr>
-          <p:grpSpPr>
-            <a:xfrm rot="-2700000">
-              <a:off x="-51993" y="1724193"/>
-              <a:ext cx="2429310" cy="859196"/>
-              <a:chOff x="0" y="0"/>
-              <a:chExt cx="1149065" cy="406400"/>
-            </a:xfrm>
-          </p:grpSpPr>
-          <p:sp>
-            <p:nvSpPr>
-              <p:cNvPr id="15" name="Freeform 15"/>
-              <p:cNvSpPr/>
-              <p:nvPr/>
-            </p:nvSpPr>
-            <p:spPr>
-              <a:xfrm>
-                <a:off x="17780" y="22860"/>
-                <a:ext cx="1123665" cy="360680"/>
-              </a:xfrm>
-              <a:custGeom>
-                <a:avLst/>
-                <a:gdLst/>
-                <a:ahLst/>
-                <a:cxnLst/>
-                <a:rect l="l" t="t" r="r" b="b"/>
-                <a:pathLst>
-                  <a:path w="1123665" h="360680">
-                    <a:moveTo>
-                      <a:pt x="1123665" y="180340"/>
-                    </a:moveTo>
-                    <a:cubicBezTo>
-                      <a:pt x="1123665" y="81280"/>
-                      <a:pt x="1043655" y="0"/>
-                      <a:pt x="943325" y="0"/>
-                    </a:cubicBezTo>
-                    <a:lnTo>
-                      <a:pt x="172720" y="0"/>
-                    </a:lnTo>
-                    <a:lnTo>
-                      <a:pt x="172720" y="1270"/>
-                    </a:lnTo>
-                    <a:cubicBezTo>
-                      <a:pt x="76200" y="5080"/>
-                      <a:pt x="0" y="83820"/>
-                      <a:pt x="0" y="180340"/>
-                    </a:cubicBezTo>
-                    <a:cubicBezTo>
-                      <a:pt x="0" y="276860"/>
-                      <a:pt x="77470" y="355600"/>
-                      <a:pt x="172720" y="359410"/>
-                    </a:cubicBezTo>
-                    <a:lnTo>
-                      <a:pt x="172720" y="360680"/>
-                    </a:lnTo>
-                    <a:lnTo>
-                      <a:pt x="943325" y="360680"/>
-                    </a:lnTo>
-                    <a:cubicBezTo>
-                      <a:pt x="1042385" y="360680"/>
-                      <a:pt x="1123665" y="279400"/>
-                      <a:pt x="1123665" y="180340"/>
-                    </a:cubicBezTo>
-                    <a:close/>
-                  </a:path>
-                </a:pathLst>
-              </a:custGeom>
-              <a:solidFill>
-                <a:srgbClr val="3E662C">
-                  <a:alpha val="41960"/>
-                </a:srgbClr>
-              </a:solidFill>
-            </p:spPr>
-          </p:sp>
-        </p:grpSp>
-      </p:grpSp>
-      <p:pic>
-        <p:nvPicPr>
-          <p:cNvPr id="16" name="Picture 16"/>
-          <p:cNvPicPr>
-            <a:picLocks noChangeAspect="1"/>
-          </p:cNvPicPr>
-          <p:nvPr/>
-        </p:nvPicPr>
-        <p:blipFill>
-          <a:blip r:embed="rId2"/>
-          <a:srcRect/>
-          <a:stretch>
-            <a:fillRect/>
-          </a:stretch>
-        </p:blipFill>
-        <p:spPr>
-          <a:xfrm>
-            <a:off x="146473" y="6000379"/>
-            <a:ext cx="1170095" cy="1166602"/>
-          </a:xfrm>
-          <a:prstGeom prst="rect">
-            <a:avLst/>
-          </a:prstGeom>
-        </p:spPr>
-      </p:pic>
-    </p:spTree>
-  </p:cSld>
-  <p:clrMapOvr>
-    <a:masterClrMapping/>
-  </p:clrMapOvr>
-</p:sld>
-</file>
-
-<file path=ppt/slides/slide3.xml><?xml version="1.0" encoding="utf-8"?>
 <p:sld xmlns:a="http://schemas.openxmlformats.org/drawingml/2006/main" xmlns:r="http://schemas.openxmlformats.org/officeDocument/2006/relationships" xmlns:p="http://schemas.openxmlformats.org/presentationml/2006/main">
   <p:cSld>
     <p:spTree>
@@ -15759,7 +11260,7 @@
 </p:sld>
 </file>
 
-<file path=ppt/slides/slide4.xml><?xml version="1.0" encoding="utf-8"?>
+<file path=ppt/slides/slide3.xml><?xml version="1.0" encoding="utf-8"?>
 <p:sld xmlns:a="http://schemas.openxmlformats.org/drawingml/2006/main" xmlns:r="http://schemas.openxmlformats.org/officeDocument/2006/relationships" xmlns:p="http://schemas.openxmlformats.org/presentationml/2006/main">
   <p:cSld>
     <p:spTree>
@@ -15798,24 +11299,32 @@
           <a:lstStyle/>
           <a:p>
             <a:r>
-              <a:rPr lang="en-US"/>
-              <a:t>Os Desafios</a:t>
+              <a:rPr lang="en-US" dirty="0" err="1"/>
+              <a:t>Os</a:t>
             </a:r>
             <a:r>
               <a:rPr lang="en-US" dirty="0"/>
               <a:t> </a:t>
             </a:r>
             <a:r>
-              <a:rPr lang="en-US"/>
-              <a:t>e Oportunidades</a:t>
+              <a:rPr lang="en-US" dirty="0" err="1"/>
+              <a:t>Desafios</a:t>
             </a:r>
             <a:r>
               <a:rPr lang="en-US" dirty="0"/>
-              <a:t> </a:t>
-            </a:r>
-            <a:r>
-              <a:rPr lang="en-US"/>
-              <a:t>da Gerontecnologia</a:t>
+              <a:t> e </a:t>
+            </a:r>
+            <a:r>
+              <a:rPr lang="en-US" dirty="0" err="1"/>
+              <a:t>Oportunidades</a:t>
+            </a:r>
+            <a:r>
+              <a:rPr lang="en-US" dirty="0"/>
+              <a:t> da </a:t>
+            </a:r>
+            <a:r>
+              <a:rPr lang="en-US" dirty="0" err="1"/>
+              <a:t>Gerontecnologia</a:t>
             </a:r>
             <a:r>
               <a:rPr lang="en-US" dirty="0"/>
@@ -15826,16 +11335,41 @@
             </a:br>
             <a:r>
               <a:rPr lang="en-US" dirty="0"/>
-              <a:t>para </a:t>
-            </a:r>
-            <a:r>
-              <a:rPr lang="en-US"/>
-              <a:t>o Brasil</a:t>
+              <a:t>para o </a:t>
+            </a:r>
+            <a:r>
+              <a:rPr lang="en-US" dirty="0" err="1"/>
+              <a:t>Brasil</a:t>
             </a:r>
             <a:br>
               <a:rPr lang="en-US" dirty="0"/>
             </a:br>
             <a:endParaRPr lang="pt-BR" dirty="0"/>
+          </a:p>
+        </p:txBody>
+      </p:sp>
+      <p:sp>
+        <p:nvSpPr>
+          <p:cNvPr id="4" name="Espaço Reservado para Texto 3">
+            <a:extLst>
+              <a:ext uri="{FF2B5EF4-FFF2-40B4-BE49-F238E27FC236}">
+                <a16:creationId xmlns:a16="http://schemas.microsoft.com/office/drawing/2014/main" id="{AF000675-81D2-4066-AECB-A8750769B7C6}"/>
+              </a:ext>
+            </a:extLst>
+          </p:cNvPr>
+          <p:cNvSpPr>
+            <a:spLocks noGrp="1"/>
+          </p:cNvSpPr>
+          <p:nvPr>
+            <p:ph type="body" idx="1"/>
+          </p:nvPr>
+        </p:nvSpPr>
+        <p:spPr/>
+        <p:txBody>
+          <a:bodyPr/>
+          <a:lstStyle/>
+          <a:p>
+            <a:endParaRPr lang="pt-BR"/>
           </a:p>
         </p:txBody>
       </p:sp>
@@ -15852,7 +11386,7 @@
 </p:sld>
 </file>
 
-<file path=ppt/slides/slide5.xml><?xml version="1.0" encoding="utf-8"?>
+<file path=ppt/slides/slide4.xml><?xml version="1.0" encoding="utf-8"?>
 <p:sld xmlns:a="http://schemas.openxmlformats.org/drawingml/2006/main" xmlns:r="http://schemas.openxmlformats.org/officeDocument/2006/relationships" xmlns:p="http://schemas.openxmlformats.org/presentationml/2006/main">
   <p:cSld>
     <p:spTree>
@@ -15887,9 +11421,7 @@
         </p:nvSpPr>
         <p:spPr/>
         <p:txBody>
-          <a:bodyPr>
-            <a:normAutofit/>
-          </a:bodyPr>
+          <a:bodyPr/>
           <a:lstStyle/>
           <a:p>
             <a:r>
@@ -15915,16 +11447,9 @@
             <p:ph idx="1"/>
           </p:nvPr>
         </p:nvSpPr>
-        <p:spPr>
-          <a:xfrm>
-            <a:off x="2590800" y="2158882"/>
-            <a:ext cx="4572000" cy="4241918"/>
-          </a:xfrm>
-        </p:spPr>
+        <p:spPr/>
         <p:txBody>
-          <a:bodyPr>
-            <a:normAutofit lnSpcReduction="10000"/>
-          </a:bodyPr>
+          <a:bodyPr/>
           <a:lstStyle/>
           <a:p>
             <a:r>
@@ -15968,17 +11493,9 @@
 </p:sld>
 </file>
 
-<file path=ppt/slides/slide6.xml><?xml version="1.0" encoding="utf-8"?>
+<file path=ppt/slides/slide5.xml><?xml version="1.0" encoding="utf-8"?>
 <p:sld xmlns:a="http://schemas.openxmlformats.org/drawingml/2006/main" xmlns:r="http://schemas.openxmlformats.org/officeDocument/2006/relationships" xmlns:p="http://schemas.openxmlformats.org/presentationml/2006/main">
   <p:cSld>
-    <p:bg>
-      <p:bgPr>
-        <a:solidFill>
-          <a:srgbClr val="F8F8F8"/>
-        </a:solidFill>
-        <a:effectLst/>
-      </p:bgPr>
-    </p:bg>
     <p:spTree>
       <p:nvGrpSpPr>
         <p:cNvPr id="1" name=""/>
@@ -15993,382 +11510,106 @@
           <a:chExt cx="0" cy="0"/>
         </a:xfrm>
       </p:grpSpPr>
-      <p:grpSp>
-        <p:nvGrpSpPr>
-          <p:cNvPr id="2" name="Group 2"/>
-          <p:cNvGrpSpPr/>
-          <p:nvPr/>
-        </p:nvGrpSpPr>
-        <p:grpSpPr>
-          <a:xfrm rot="4930306">
-            <a:off x="5605062" y="3569523"/>
-            <a:ext cx="5451896" cy="6456663"/>
-            <a:chOff x="0" y="0"/>
-            <a:chExt cx="7269194" cy="8608884"/>
-          </a:xfrm>
-        </p:grpSpPr>
-        <p:grpSp>
-          <p:nvGrpSpPr>
-            <p:cNvPr id="3" name="Group 3"/>
-            <p:cNvGrpSpPr/>
-            <p:nvPr/>
-          </p:nvGrpSpPr>
-          <p:grpSpPr>
-            <a:xfrm rot="-2700000">
-              <a:off x="1277856" y="1812039"/>
-              <a:ext cx="6072254" cy="2286344"/>
-              <a:chOff x="0" y="0"/>
-              <a:chExt cx="1079350" cy="406400"/>
-            </a:xfrm>
-          </p:grpSpPr>
-          <p:sp>
-            <p:nvSpPr>
-              <p:cNvPr id="4" name="Freeform 4"/>
-              <p:cNvSpPr/>
-              <p:nvPr/>
-            </p:nvSpPr>
-            <p:spPr>
-              <a:xfrm>
-                <a:off x="17780" y="22860"/>
-                <a:ext cx="1053950" cy="360680"/>
-              </a:xfrm>
-              <a:custGeom>
-                <a:avLst/>
-                <a:gdLst/>
-                <a:ahLst/>
-                <a:cxnLst/>
-                <a:rect l="l" t="t" r="r" b="b"/>
-                <a:pathLst>
-                  <a:path w="1053950" h="360680">
-                    <a:moveTo>
-                      <a:pt x="1053950" y="180340"/>
-                    </a:moveTo>
-                    <a:cubicBezTo>
-                      <a:pt x="1053950" y="81280"/>
-                      <a:pt x="973940" y="0"/>
-                      <a:pt x="873610" y="0"/>
-                    </a:cubicBezTo>
-                    <a:lnTo>
-                      <a:pt x="172720" y="0"/>
-                    </a:lnTo>
-                    <a:lnTo>
-                      <a:pt x="172720" y="1270"/>
-                    </a:lnTo>
-                    <a:cubicBezTo>
-                      <a:pt x="76200" y="5080"/>
-                      <a:pt x="0" y="83820"/>
-                      <a:pt x="0" y="180340"/>
-                    </a:cubicBezTo>
-                    <a:cubicBezTo>
-                      <a:pt x="0" y="276860"/>
-                      <a:pt x="77470" y="355600"/>
-                      <a:pt x="172720" y="359410"/>
-                    </a:cubicBezTo>
-                    <a:lnTo>
-                      <a:pt x="172720" y="360680"/>
-                    </a:lnTo>
-                    <a:lnTo>
-                      <a:pt x="873610" y="360680"/>
-                    </a:lnTo>
-                    <a:cubicBezTo>
-                      <a:pt x="972670" y="360680"/>
-                      <a:pt x="1053950" y="279400"/>
-                      <a:pt x="1053950" y="180340"/>
-                    </a:cubicBezTo>
-                    <a:close/>
-                  </a:path>
-                </a:pathLst>
-              </a:custGeom>
-              <a:solidFill>
-                <a:srgbClr val="45AF53">
-                  <a:alpha val="44705"/>
-                </a:srgbClr>
-              </a:solidFill>
-            </p:spPr>
-          </p:sp>
-        </p:grpSp>
-        <p:grpSp>
-          <p:nvGrpSpPr>
-            <p:cNvPr id="5" name="Group 5"/>
-            <p:cNvGrpSpPr/>
-            <p:nvPr/>
-          </p:nvGrpSpPr>
-          <p:grpSpPr>
-            <a:xfrm rot="-2700000">
-              <a:off x="-149552" y="4344800"/>
-              <a:ext cx="6540930" cy="2286344"/>
-              <a:chOff x="0" y="0"/>
-              <a:chExt cx="1162657" cy="406400"/>
-            </a:xfrm>
-          </p:grpSpPr>
-          <p:sp>
-            <p:nvSpPr>
-              <p:cNvPr id="6" name="Freeform 6"/>
-              <p:cNvSpPr/>
-              <p:nvPr/>
-            </p:nvSpPr>
-            <p:spPr>
-              <a:xfrm>
-                <a:off x="17780" y="22860"/>
-                <a:ext cx="1137257" cy="360680"/>
-              </a:xfrm>
-              <a:custGeom>
-                <a:avLst/>
-                <a:gdLst/>
-                <a:ahLst/>
-                <a:cxnLst/>
-                <a:rect l="l" t="t" r="r" b="b"/>
-                <a:pathLst>
-                  <a:path w="1137257" h="360680">
-                    <a:moveTo>
-                      <a:pt x="1137257" y="180340"/>
-                    </a:moveTo>
-                    <a:cubicBezTo>
-                      <a:pt x="1137257" y="81280"/>
-                      <a:pt x="1057247" y="0"/>
-                      <a:pt x="956917" y="0"/>
-                    </a:cubicBezTo>
-                    <a:lnTo>
-                      <a:pt x="172720" y="0"/>
-                    </a:lnTo>
-                    <a:lnTo>
-                      <a:pt x="172720" y="1270"/>
-                    </a:lnTo>
-                    <a:cubicBezTo>
-                      <a:pt x="76200" y="5080"/>
-                      <a:pt x="0" y="83820"/>
-                      <a:pt x="0" y="180340"/>
-                    </a:cubicBezTo>
-                    <a:cubicBezTo>
-                      <a:pt x="0" y="276860"/>
-                      <a:pt x="77470" y="355600"/>
-                      <a:pt x="172720" y="359410"/>
-                    </a:cubicBezTo>
-                    <a:lnTo>
-                      <a:pt x="172720" y="360680"/>
-                    </a:lnTo>
-                    <a:lnTo>
-                      <a:pt x="956917" y="360680"/>
-                    </a:lnTo>
-                    <a:cubicBezTo>
-                      <a:pt x="1055977" y="360680"/>
-                      <a:pt x="1137257" y="279400"/>
-                      <a:pt x="1137257" y="180340"/>
-                    </a:cubicBezTo>
-                    <a:close/>
-                  </a:path>
-                </a:pathLst>
-              </a:custGeom>
-              <a:solidFill>
-                <a:srgbClr val="3E662C">
-                  <a:alpha val="44705"/>
-                </a:srgbClr>
-              </a:solidFill>
-            </p:spPr>
-          </p:sp>
-        </p:grpSp>
-      </p:grpSp>
-      <p:grpSp>
-        <p:nvGrpSpPr>
-          <p:cNvPr id="7" name="Group 7"/>
-          <p:cNvGrpSpPr/>
-          <p:nvPr/>
-        </p:nvGrpSpPr>
-        <p:grpSpPr>
-          <a:xfrm rot="-6592661">
-            <a:off x="-559473" y="121881"/>
-            <a:ext cx="2049966" cy="2551669"/>
-            <a:chOff x="0" y="0"/>
-            <a:chExt cx="2733288" cy="3402226"/>
-          </a:xfrm>
-        </p:grpSpPr>
-        <p:grpSp>
-          <p:nvGrpSpPr>
-            <p:cNvPr id="8" name="Group 8"/>
-            <p:cNvGrpSpPr/>
-            <p:nvPr/>
-          </p:nvGrpSpPr>
-          <p:grpSpPr>
-            <a:xfrm rot="-2700000">
-              <a:off x="16409" y="1541579"/>
-              <a:ext cx="2575327" cy="1113148"/>
-              <a:chOff x="0" y="0"/>
-              <a:chExt cx="940228" cy="406400"/>
-            </a:xfrm>
-          </p:grpSpPr>
-          <p:sp>
-            <p:nvSpPr>
-              <p:cNvPr id="9" name="Freeform 9"/>
-              <p:cNvSpPr/>
-              <p:nvPr/>
-            </p:nvSpPr>
-            <p:spPr>
-              <a:xfrm>
-                <a:off x="17780" y="22860"/>
-                <a:ext cx="914828" cy="360680"/>
-              </a:xfrm>
-              <a:custGeom>
-                <a:avLst/>
-                <a:gdLst/>
-                <a:ahLst/>
-                <a:cxnLst/>
-                <a:rect l="l" t="t" r="r" b="b"/>
-                <a:pathLst>
-                  <a:path w="914828" h="360680">
-                    <a:moveTo>
-                      <a:pt x="914828" y="180340"/>
-                    </a:moveTo>
-                    <a:cubicBezTo>
-                      <a:pt x="914828" y="81280"/>
-                      <a:pt x="834818" y="0"/>
-                      <a:pt x="734488" y="0"/>
-                    </a:cubicBezTo>
-                    <a:lnTo>
-                      <a:pt x="172720" y="0"/>
-                    </a:lnTo>
-                    <a:lnTo>
-                      <a:pt x="172720" y="1270"/>
-                    </a:lnTo>
-                    <a:cubicBezTo>
-                      <a:pt x="76200" y="5080"/>
-                      <a:pt x="0" y="83820"/>
-                      <a:pt x="0" y="180340"/>
-                    </a:cubicBezTo>
-                    <a:cubicBezTo>
-                      <a:pt x="0" y="276860"/>
-                      <a:pt x="77470" y="355600"/>
-                      <a:pt x="172720" y="359410"/>
-                    </a:cubicBezTo>
-                    <a:lnTo>
-                      <a:pt x="172720" y="360680"/>
-                    </a:lnTo>
-                    <a:lnTo>
-                      <a:pt x="734488" y="360680"/>
-                    </a:lnTo>
-                    <a:cubicBezTo>
-                      <a:pt x="833548" y="360680"/>
-                      <a:pt x="914828" y="279400"/>
-                      <a:pt x="914828" y="180340"/>
-                    </a:cubicBezTo>
-                    <a:close/>
-                  </a:path>
-                </a:pathLst>
-              </a:custGeom>
-              <a:solidFill>
-                <a:srgbClr val="3E662C">
-                  <a:alpha val="60784"/>
-                </a:srgbClr>
-              </a:solidFill>
-            </p:spPr>
-          </p:sp>
-        </p:grpSp>
-        <p:grpSp>
-          <p:nvGrpSpPr>
-            <p:cNvPr id="10" name="Group 10"/>
-            <p:cNvGrpSpPr/>
-            <p:nvPr/>
-          </p:nvGrpSpPr>
-          <p:grpSpPr>
-            <a:xfrm rot="-2700000">
-              <a:off x="315874" y="675292"/>
-              <a:ext cx="2371096" cy="1113148"/>
-              <a:chOff x="0" y="0"/>
-              <a:chExt cx="865665" cy="406400"/>
-            </a:xfrm>
-          </p:grpSpPr>
-          <p:sp>
-            <p:nvSpPr>
-              <p:cNvPr id="11" name="Freeform 11"/>
-              <p:cNvSpPr/>
-              <p:nvPr/>
-            </p:nvSpPr>
-            <p:spPr>
-              <a:xfrm>
-                <a:off x="17780" y="22860"/>
-                <a:ext cx="840266" cy="360680"/>
-              </a:xfrm>
-              <a:custGeom>
-                <a:avLst/>
-                <a:gdLst/>
-                <a:ahLst/>
-                <a:cxnLst/>
-                <a:rect l="l" t="t" r="r" b="b"/>
-                <a:pathLst>
-                  <a:path w="840266" h="360680">
-                    <a:moveTo>
-                      <a:pt x="840266" y="180340"/>
-                    </a:moveTo>
-                    <a:cubicBezTo>
-                      <a:pt x="840266" y="81280"/>
-                      <a:pt x="760256" y="0"/>
-                      <a:pt x="659926" y="0"/>
-                    </a:cubicBezTo>
-                    <a:lnTo>
-                      <a:pt x="172720" y="0"/>
-                    </a:lnTo>
-                    <a:lnTo>
-                      <a:pt x="172720" y="1270"/>
-                    </a:lnTo>
-                    <a:cubicBezTo>
-                      <a:pt x="76200" y="5080"/>
-                      <a:pt x="0" y="83820"/>
-                      <a:pt x="0" y="180340"/>
-                    </a:cubicBezTo>
-                    <a:cubicBezTo>
-                      <a:pt x="0" y="276860"/>
-                      <a:pt x="77470" y="355600"/>
-                      <a:pt x="172720" y="359410"/>
-                    </a:cubicBezTo>
-                    <a:lnTo>
-                      <a:pt x="172720" y="360680"/>
-                    </a:lnTo>
-                    <a:lnTo>
-                      <a:pt x="659925" y="360680"/>
-                    </a:lnTo>
-                    <a:cubicBezTo>
-                      <a:pt x="758985" y="360680"/>
-                      <a:pt x="840265" y="279400"/>
-                      <a:pt x="840265" y="180340"/>
-                    </a:cubicBezTo>
-                    <a:close/>
-                  </a:path>
-                </a:pathLst>
-              </a:custGeom>
-              <a:solidFill>
-                <a:srgbClr val="45AF53">
-                  <a:alpha val="60784"/>
-                </a:srgbClr>
-              </a:solidFill>
-            </p:spPr>
-          </p:sp>
-        </p:grpSp>
-      </p:grpSp>
       <p:pic>
         <p:nvPicPr>
-          <p:cNvPr id="12" name="Picture 12"/>
+          <p:cNvPr id="3" name="Imagem 2">
+            <a:extLst>
+              <a:ext uri="{FF2B5EF4-FFF2-40B4-BE49-F238E27FC236}">
+                <a16:creationId xmlns:a16="http://schemas.microsoft.com/office/drawing/2014/main" id="{DC40BC7A-C549-447A-ABD3-9FEF6A115302}"/>
+              </a:ext>
+            </a:extLst>
+          </p:cNvPr>
           <p:cNvPicPr>
             <a:picLocks noChangeAspect="1"/>
           </p:cNvPicPr>
           <p:nvPr/>
         </p:nvPicPr>
         <p:blipFill>
-          <a:blip r:embed="rId2"/>
-          <a:srcRect/>
+          <a:blip r:embed="rId2">
+            <a:clrChange>
+              <a:clrFrom>
+                <a:srgbClr val="FFFFFF"/>
+              </a:clrFrom>
+              <a:clrTo>
+                <a:srgbClr val="FFFFFF">
+                  <a:alpha val="0"/>
+                </a:srgbClr>
+              </a:clrTo>
+            </a:clrChange>
+          </a:blip>
           <a:stretch>
             <a:fillRect/>
           </a:stretch>
         </p:blipFill>
         <p:spPr>
           <a:xfrm>
-            <a:off x="146473" y="6000379"/>
-            <a:ext cx="1170095" cy="1166602"/>
+            <a:off x="1777944" y="571006"/>
+            <a:ext cx="7162800" cy="6134100"/>
           </a:xfrm>
           <a:prstGeom prst="rect">
             <a:avLst/>
           </a:prstGeom>
         </p:spPr>
       </p:pic>
+      <p:sp>
+        <p:nvSpPr>
+          <p:cNvPr id="5" name="CaixaDeTexto 4">
+            <a:extLst>
+              <a:ext uri="{FF2B5EF4-FFF2-40B4-BE49-F238E27FC236}">
+                <a16:creationId xmlns:a16="http://schemas.microsoft.com/office/drawing/2014/main" id="{A68CEA07-E7C2-43CB-9F0E-8CD5E5378D6A}"/>
+              </a:ext>
+            </a:extLst>
+          </p:cNvPr>
+          <p:cNvSpPr txBox="1"/>
+          <p:nvPr/>
+        </p:nvSpPr>
+        <p:spPr>
+          <a:xfrm>
+            <a:off x="1375364" y="6809649"/>
+            <a:ext cx="6040876" cy="338554"/>
+          </a:xfrm>
+          <a:prstGeom prst="rect">
+            <a:avLst/>
+          </a:prstGeom>
+          <a:noFill/>
+        </p:spPr>
+        <p:txBody>
+          <a:bodyPr wrap="square">
+            <a:spAutoFit/>
+          </a:bodyPr>
+          <a:lstStyle/>
+          <a:p>
+            <a:pPr algn="l"/>
+            <a:r>
+              <a:rPr lang="pt-BR" sz="800" b="0" i="0" u="none" strike="noStrike" baseline="0" dirty="0">
+                <a:latin typeface="Poppins" panose="00000500000000000000" pitchFamily="2" charset="0"/>
+                <a:cs typeface="Poppins" panose="00000500000000000000" pitchFamily="2" charset="0"/>
+              </a:rPr>
+              <a:t>Fonte: IBGE, Diretoria de Pesquisas, Coordenação de Serviços e</a:t>
+            </a:r>
+          </a:p>
+          <a:p>
+            <a:pPr algn="l"/>
+            <a:r>
+              <a:rPr lang="pt-BR" sz="800" b="0" i="0" u="none" strike="noStrike" baseline="0" dirty="0">
+                <a:latin typeface="Poppins" panose="00000500000000000000" pitchFamily="2" charset="0"/>
+                <a:cs typeface="Poppins" panose="00000500000000000000" pitchFamily="2" charset="0"/>
+              </a:rPr>
+              <a:t>Comércio, Pesquisa de Inovação 2015-2017.</a:t>
+            </a:r>
+            <a:endParaRPr lang="pt-BR" dirty="0">
+              <a:latin typeface="Poppins" panose="00000500000000000000" pitchFamily="2" charset="0"/>
+              <a:cs typeface="Poppins" panose="00000500000000000000" pitchFamily="2" charset="0"/>
+            </a:endParaRPr>
+          </a:p>
+        </p:txBody>
+      </p:sp>
     </p:spTree>
+    <p:extLst>
+      <p:ext uri="{BB962C8B-B14F-4D97-AF65-F5344CB8AC3E}">
+        <p14:creationId xmlns:p14="http://schemas.microsoft.com/office/powerpoint/2010/main" val="4143457215"/>
+      </p:ext>
+    </p:extLst>
   </p:cSld>
   <p:clrMapOvr>
     <a:masterClrMapping/>
@@ -16376,17 +11617,9 @@
 </p:sld>
 </file>
 
-<file path=ppt/slides/slide7.xml><?xml version="1.0" encoding="utf-8"?>
+<file path=ppt/slides/slide6.xml><?xml version="1.0" encoding="utf-8"?>
 <p:sld xmlns:a="http://schemas.openxmlformats.org/drawingml/2006/main" xmlns:r="http://schemas.openxmlformats.org/officeDocument/2006/relationships" xmlns:p="http://schemas.openxmlformats.org/presentationml/2006/main">
   <p:cSld>
-    <p:bg>
-      <p:bgPr>
-        <a:solidFill>
-          <a:srgbClr val="F8F8F8"/>
-        </a:solidFill>
-        <a:effectLst/>
-      </p:bgPr>
-    </p:bg>
     <p:spTree>
       <p:nvGrpSpPr>
         <p:cNvPr id="1" name=""/>
@@ -16401,663 +11634,106 @@
           <a:chExt cx="0" cy="0"/>
         </a:xfrm>
       </p:grpSpPr>
-      <p:grpSp>
-        <p:nvGrpSpPr>
-          <p:cNvPr id="2" name="Group 2"/>
-          <p:cNvGrpSpPr/>
-          <p:nvPr/>
-        </p:nvGrpSpPr>
-        <p:grpSpPr>
-          <a:xfrm>
-            <a:off x="2678554" y="1981475"/>
-            <a:ext cx="5334213" cy="3728173"/>
-            <a:chOff x="0" y="0"/>
-            <a:chExt cx="7112285" cy="4970897"/>
-          </a:xfrm>
-        </p:grpSpPr>
-        <p:sp>
-          <p:nvSpPr>
-            <p:cNvPr id="3" name="TextBox 3"/>
-            <p:cNvSpPr txBox="1"/>
-            <p:nvPr/>
-          </p:nvSpPr>
-          <p:spPr>
-            <a:xfrm>
-              <a:off x="0" y="-19050"/>
-              <a:ext cx="7112285" cy="440690"/>
-            </a:xfrm>
-            <a:prstGeom prst="rect">
-              <a:avLst/>
-            </a:prstGeom>
-          </p:spPr>
-          <p:txBody>
-            <a:bodyPr lIns="0" tIns="0" rIns="0" bIns="0" rtlCol="0" anchor="t">
-              <a:spAutoFit/>
-            </a:bodyPr>
-            <a:lstStyle/>
-            <a:p>
-              <a:pPr>
-                <a:lnSpc>
-                  <a:spcPts val="2730"/>
-                </a:lnSpc>
-              </a:pPr>
-              <a:r>
-                <a:rPr lang="en-US" sz="2100" spc="210" dirty="0">
-                  <a:solidFill>
-                    <a:srgbClr val="61C2A2"/>
-                  </a:solidFill>
-                  <a:latin typeface="Poppins Light Bold"/>
-                </a:rPr>
-                <a:t>WORK ETHIC</a:t>
-              </a:r>
-            </a:p>
-          </p:txBody>
-        </p:sp>
-        <p:sp>
-          <p:nvSpPr>
-            <p:cNvPr id="4" name="TextBox 4"/>
-            <p:cNvSpPr txBox="1"/>
-            <p:nvPr/>
-          </p:nvSpPr>
-          <p:spPr>
-            <a:xfrm>
-              <a:off x="0" y="515447"/>
-              <a:ext cx="7112285" cy="870585"/>
-            </a:xfrm>
-            <a:prstGeom prst="rect">
-              <a:avLst/>
-            </a:prstGeom>
-          </p:spPr>
-          <p:txBody>
-            <a:bodyPr lIns="0" tIns="0" rIns="0" bIns="0" rtlCol="0" anchor="t">
-              <a:spAutoFit/>
-            </a:bodyPr>
-            <a:lstStyle/>
-            <a:p>
-              <a:pPr algn="just">
-                <a:lnSpc>
-                  <a:spcPts val="2700"/>
-                </a:lnSpc>
-              </a:pPr>
-              <a:r>
-                <a:rPr lang="en-US" sz="1800" dirty="0">
-                  <a:solidFill>
-                    <a:srgbClr val="1D617A"/>
-                  </a:solidFill>
-                  <a:latin typeface="Poppins Light"/>
-                </a:rPr>
-                <a:t>Presentations are communication tools that can be used as lectures.</a:t>
-              </a:r>
-            </a:p>
-          </p:txBody>
-        </p:sp>
-        <p:sp>
-          <p:nvSpPr>
-            <p:cNvPr id="5" name="TextBox 5"/>
-            <p:cNvSpPr txBox="1"/>
-            <p:nvPr/>
-          </p:nvSpPr>
-          <p:spPr>
-            <a:xfrm>
-              <a:off x="0" y="1773382"/>
-              <a:ext cx="7112285" cy="440690"/>
-            </a:xfrm>
-            <a:prstGeom prst="rect">
-              <a:avLst/>
-            </a:prstGeom>
-          </p:spPr>
-          <p:txBody>
-            <a:bodyPr lIns="0" tIns="0" rIns="0" bIns="0" rtlCol="0" anchor="t">
-              <a:spAutoFit/>
-            </a:bodyPr>
-            <a:lstStyle/>
-            <a:p>
-              <a:pPr algn="just">
-                <a:lnSpc>
-                  <a:spcPts val="2730"/>
-                </a:lnSpc>
-              </a:pPr>
-              <a:r>
-                <a:rPr lang="en-US" sz="2100" spc="210">
-                  <a:solidFill>
-                    <a:srgbClr val="61C2A2"/>
-                  </a:solidFill>
-                  <a:latin typeface="Poppins Light Bold"/>
-                </a:rPr>
-                <a:t>PERSONALITY</a:t>
-              </a:r>
-            </a:p>
-          </p:txBody>
-        </p:sp>
-        <p:sp>
-          <p:nvSpPr>
-            <p:cNvPr id="6" name="TextBox 6"/>
-            <p:cNvSpPr txBox="1"/>
-            <p:nvPr/>
-          </p:nvSpPr>
-          <p:spPr>
-            <a:xfrm>
-              <a:off x="0" y="3565815"/>
-              <a:ext cx="7112285" cy="440690"/>
-            </a:xfrm>
-            <a:prstGeom prst="rect">
-              <a:avLst/>
-            </a:prstGeom>
-          </p:spPr>
-          <p:txBody>
-            <a:bodyPr lIns="0" tIns="0" rIns="0" bIns="0" rtlCol="0" anchor="t">
-              <a:spAutoFit/>
-            </a:bodyPr>
-            <a:lstStyle/>
-            <a:p>
-              <a:pPr algn="just">
-                <a:lnSpc>
-                  <a:spcPts val="2730"/>
-                </a:lnSpc>
-              </a:pPr>
-              <a:r>
-                <a:rPr lang="en-US" sz="2100" spc="210" dirty="0">
-                  <a:solidFill>
-                    <a:srgbClr val="61C2A2"/>
-                  </a:solidFill>
-                  <a:latin typeface="Poppins Light Bold"/>
-                </a:rPr>
-                <a:t>GROWTH</a:t>
-              </a:r>
-            </a:p>
-          </p:txBody>
-        </p:sp>
-        <p:sp>
-          <p:nvSpPr>
-            <p:cNvPr id="7" name="TextBox 7"/>
-            <p:cNvSpPr txBox="1"/>
-            <p:nvPr/>
-          </p:nvSpPr>
-          <p:spPr>
-            <a:xfrm>
-              <a:off x="0" y="2307880"/>
-              <a:ext cx="7112285" cy="870585"/>
-            </a:xfrm>
-            <a:prstGeom prst="rect">
-              <a:avLst/>
-            </a:prstGeom>
-          </p:spPr>
-          <p:txBody>
-            <a:bodyPr lIns="0" tIns="0" rIns="0" bIns="0" rtlCol="0" anchor="t">
-              <a:spAutoFit/>
-            </a:bodyPr>
-            <a:lstStyle/>
-            <a:p>
-              <a:pPr algn="just">
-                <a:lnSpc>
-                  <a:spcPts val="2700"/>
-                </a:lnSpc>
-              </a:pPr>
-              <a:r>
-                <a:rPr lang="en-US" sz="1800" dirty="0">
-                  <a:solidFill>
-                    <a:srgbClr val="1D617A"/>
-                  </a:solidFill>
-                  <a:latin typeface="Poppins Light"/>
-                </a:rPr>
-                <a:t>Presentations are communication tools that can be used as lectures.</a:t>
-              </a:r>
-            </a:p>
-          </p:txBody>
-        </p:sp>
-        <p:sp>
-          <p:nvSpPr>
-            <p:cNvPr id="8" name="TextBox 8"/>
-            <p:cNvSpPr txBox="1"/>
-            <p:nvPr/>
-          </p:nvSpPr>
-          <p:spPr>
-            <a:xfrm>
-              <a:off x="0" y="4100312"/>
-              <a:ext cx="7112285" cy="870585"/>
-            </a:xfrm>
-            <a:prstGeom prst="rect">
-              <a:avLst/>
-            </a:prstGeom>
-          </p:spPr>
-          <p:txBody>
-            <a:bodyPr lIns="0" tIns="0" rIns="0" bIns="0" rtlCol="0" anchor="t">
-              <a:spAutoFit/>
-            </a:bodyPr>
-            <a:lstStyle/>
-            <a:p>
-              <a:pPr algn="just">
-                <a:lnSpc>
-                  <a:spcPts val="2700"/>
-                </a:lnSpc>
-              </a:pPr>
-              <a:r>
-                <a:rPr lang="en-US" sz="1800">
-                  <a:solidFill>
-                    <a:srgbClr val="1D617A"/>
-                  </a:solidFill>
-                  <a:latin typeface="Poppins Light"/>
-                </a:rPr>
-                <a:t>Presentations are communication tools that can be used as lectures.</a:t>
-              </a:r>
-            </a:p>
-          </p:txBody>
-        </p:sp>
-      </p:grpSp>
-      <p:sp>
-        <p:nvSpPr>
-          <p:cNvPr id="9" name="TextBox 9"/>
-          <p:cNvSpPr txBox="1"/>
-          <p:nvPr/>
-        </p:nvSpPr>
-        <p:spPr>
-          <a:xfrm rot="-5400000">
-            <a:off x="-698282" y="1913958"/>
-            <a:ext cx="3826327" cy="1461453"/>
-          </a:xfrm>
-          <a:prstGeom prst="rect">
-            <a:avLst/>
-          </a:prstGeom>
-        </p:spPr>
-        <p:txBody>
-          <a:bodyPr lIns="0" tIns="0" rIns="0" bIns="0" rtlCol="0" anchor="t">
-            <a:spAutoFit/>
-          </a:bodyPr>
-          <a:lstStyle/>
-          <a:p>
-            <a:pPr algn="r">
-              <a:lnSpc>
-                <a:spcPts val="5720"/>
-              </a:lnSpc>
-            </a:pPr>
-            <a:r>
-              <a:rPr lang="en-US" sz="5200" spc="-155" dirty="0">
-                <a:solidFill>
-                  <a:srgbClr val="276445"/>
-                </a:solidFill>
-                <a:latin typeface="Poppins Bold Bold Italics"/>
-              </a:rPr>
-              <a:t>THE IDEAL EMPLOYEE</a:t>
-            </a:r>
-          </a:p>
-        </p:txBody>
-      </p:sp>
-      <p:grpSp>
-        <p:nvGrpSpPr>
-          <p:cNvPr id="10" name="Group 10"/>
-          <p:cNvGrpSpPr/>
-          <p:nvPr/>
-        </p:nvGrpSpPr>
-        <p:grpSpPr>
-          <a:xfrm>
-            <a:off x="-1338596" y="4894019"/>
-            <a:ext cx="3550250" cy="4252370"/>
-            <a:chOff x="0" y="0"/>
-            <a:chExt cx="4733667" cy="5669826"/>
-          </a:xfrm>
-        </p:grpSpPr>
-        <p:grpSp>
-          <p:nvGrpSpPr>
-            <p:cNvPr id="11" name="Group 11"/>
-            <p:cNvGrpSpPr/>
-            <p:nvPr/>
-          </p:nvGrpSpPr>
-          <p:grpSpPr>
-            <a:xfrm rot="-2700000">
-              <a:off x="964600" y="1093252"/>
-              <a:ext cx="3753961" cy="1597669"/>
-              <a:chOff x="0" y="0"/>
-              <a:chExt cx="954897" cy="406400"/>
-            </a:xfrm>
-          </p:grpSpPr>
-          <p:sp>
-            <p:nvSpPr>
-              <p:cNvPr id="12" name="Freeform 12"/>
-              <p:cNvSpPr/>
-              <p:nvPr/>
-            </p:nvSpPr>
-            <p:spPr>
-              <a:xfrm>
-                <a:off x="17780" y="22860"/>
-                <a:ext cx="929497" cy="360680"/>
-              </a:xfrm>
-              <a:custGeom>
-                <a:avLst/>
-                <a:gdLst/>
-                <a:ahLst/>
-                <a:cxnLst/>
-                <a:rect l="l" t="t" r="r" b="b"/>
-                <a:pathLst>
-                  <a:path w="929497" h="360680">
-                    <a:moveTo>
-                      <a:pt x="929497" y="180340"/>
-                    </a:moveTo>
-                    <a:cubicBezTo>
-                      <a:pt x="929497" y="81280"/>
-                      <a:pt x="849487" y="0"/>
-                      <a:pt x="749157" y="0"/>
-                    </a:cubicBezTo>
-                    <a:lnTo>
-                      <a:pt x="172720" y="0"/>
-                    </a:lnTo>
-                    <a:lnTo>
-                      <a:pt x="172720" y="1270"/>
-                    </a:lnTo>
-                    <a:cubicBezTo>
-                      <a:pt x="76200" y="5080"/>
-                      <a:pt x="0" y="83820"/>
-                      <a:pt x="0" y="180340"/>
-                    </a:cubicBezTo>
-                    <a:cubicBezTo>
-                      <a:pt x="0" y="276860"/>
-                      <a:pt x="77470" y="355600"/>
-                      <a:pt x="172720" y="359410"/>
-                    </a:cubicBezTo>
-                    <a:lnTo>
-                      <a:pt x="172720" y="360680"/>
-                    </a:lnTo>
-                    <a:lnTo>
-                      <a:pt x="749157" y="360680"/>
-                    </a:lnTo>
-                    <a:cubicBezTo>
-                      <a:pt x="848217" y="360680"/>
-                      <a:pt x="929497" y="279400"/>
-                      <a:pt x="929497" y="180340"/>
-                    </a:cubicBezTo>
-                    <a:close/>
-                  </a:path>
-                </a:pathLst>
-              </a:custGeom>
-              <a:solidFill>
-                <a:srgbClr val="45AF53">
-                  <a:alpha val="60000"/>
-                </a:srgbClr>
-              </a:solidFill>
-            </p:spPr>
-          </p:sp>
-        </p:grpSp>
-        <p:grpSp>
-          <p:nvGrpSpPr>
-            <p:cNvPr id="13" name="Group 13"/>
-            <p:cNvGrpSpPr/>
-            <p:nvPr/>
-          </p:nvGrpSpPr>
-          <p:grpSpPr>
-            <a:xfrm rot="-2700000">
-              <a:off x="-104505" y="2690136"/>
-              <a:ext cx="4570722" cy="1597669"/>
-              <a:chOff x="0" y="0"/>
-              <a:chExt cx="1162657" cy="406400"/>
-            </a:xfrm>
-          </p:grpSpPr>
-          <p:sp>
-            <p:nvSpPr>
-              <p:cNvPr id="14" name="Freeform 14"/>
-              <p:cNvSpPr/>
-              <p:nvPr/>
-            </p:nvSpPr>
-            <p:spPr>
-              <a:xfrm>
-                <a:off x="17780" y="22860"/>
-                <a:ext cx="1137257" cy="360680"/>
-              </a:xfrm>
-              <a:custGeom>
-                <a:avLst/>
-                <a:gdLst/>
-                <a:ahLst/>
-                <a:cxnLst/>
-                <a:rect l="l" t="t" r="r" b="b"/>
-                <a:pathLst>
-                  <a:path w="1137257" h="360680">
-                    <a:moveTo>
-                      <a:pt x="1137257" y="180340"/>
-                    </a:moveTo>
-                    <a:cubicBezTo>
-                      <a:pt x="1137257" y="81280"/>
-                      <a:pt x="1057247" y="0"/>
-                      <a:pt x="956917" y="0"/>
-                    </a:cubicBezTo>
-                    <a:lnTo>
-                      <a:pt x="172720" y="0"/>
-                    </a:lnTo>
-                    <a:lnTo>
-                      <a:pt x="172720" y="1270"/>
-                    </a:lnTo>
-                    <a:cubicBezTo>
-                      <a:pt x="76200" y="5080"/>
-                      <a:pt x="0" y="83820"/>
-                      <a:pt x="0" y="180340"/>
-                    </a:cubicBezTo>
-                    <a:cubicBezTo>
-                      <a:pt x="0" y="276860"/>
-                      <a:pt x="77470" y="355600"/>
-                      <a:pt x="172720" y="359410"/>
-                    </a:cubicBezTo>
-                    <a:lnTo>
-                      <a:pt x="172720" y="360680"/>
-                    </a:lnTo>
-                    <a:lnTo>
-                      <a:pt x="956917" y="360680"/>
-                    </a:lnTo>
-                    <a:cubicBezTo>
-                      <a:pt x="1055977" y="360680"/>
-                      <a:pt x="1137257" y="279400"/>
-                      <a:pt x="1137257" y="180340"/>
-                    </a:cubicBezTo>
-                    <a:close/>
-                  </a:path>
-                </a:pathLst>
-              </a:custGeom>
-              <a:solidFill>
-                <a:srgbClr val="3E662C">
-                  <a:alpha val="60000"/>
-                </a:srgbClr>
-              </a:solidFill>
-            </p:spPr>
-          </p:sp>
-        </p:grpSp>
-      </p:grpSp>
-      <p:grpSp>
-        <p:nvGrpSpPr>
-          <p:cNvPr id="15" name="Group 15"/>
-          <p:cNvGrpSpPr/>
-          <p:nvPr/>
-        </p:nvGrpSpPr>
-        <p:grpSpPr>
-          <a:xfrm>
-            <a:off x="8497124" y="-570141"/>
-            <a:ext cx="1591142" cy="1831552"/>
-            <a:chOff x="0" y="0"/>
-            <a:chExt cx="2121523" cy="2442070"/>
-          </a:xfrm>
-        </p:grpSpPr>
-        <p:grpSp>
-          <p:nvGrpSpPr>
-            <p:cNvPr id="16" name="Group 16"/>
-            <p:cNvGrpSpPr/>
-            <p:nvPr/>
-          </p:nvGrpSpPr>
-          <p:grpSpPr>
-            <a:xfrm rot="-2700000">
-              <a:off x="-26196" y="968122"/>
-              <a:ext cx="2173915" cy="826372"/>
-              <a:chOff x="0" y="0"/>
-              <a:chExt cx="1069106" cy="406400"/>
-            </a:xfrm>
-          </p:grpSpPr>
-          <p:sp>
-            <p:nvSpPr>
-              <p:cNvPr id="17" name="Freeform 17"/>
-              <p:cNvSpPr/>
-              <p:nvPr/>
-            </p:nvSpPr>
-            <p:spPr>
-              <a:xfrm>
-                <a:off x="17780" y="22860"/>
-                <a:ext cx="1043706" cy="360680"/>
-              </a:xfrm>
-              <a:custGeom>
-                <a:avLst/>
-                <a:gdLst/>
-                <a:ahLst/>
-                <a:cxnLst/>
-                <a:rect l="l" t="t" r="r" b="b"/>
-                <a:pathLst>
-                  <a:path w="1043706" h="360680">
-                    <a:moveTo>
-                      <a:pt x="1043706" y="180340"/>
-                    </a:moveTo>
-                    <a:cubicBezTo>
-                      <a:pt x="1043706" y="81280"/>
-                      <a:pt x="963696" y="0"/>
-                      <a:pt x="863366" y="0"/>
-                    </a:cubicBezTo>
-                    <a:lnTo>
-                      <a:pt x="172720" y="0"/>
-                    </a:lnTo>
-                    <a:lnTo>
-                      <a:pt x="172720" y="1270"/>
-                    </a:lnTo>
-                    <a:cubicBezTo>
-                      <a:pt x="76200" y="5080"/>
-                      <a:pt x="0" y="83820"/>
-                      <a:pt x="0" y="180340"/>
-                    </a:cubicBezTo>
-                    <a:cubicBezTo>
-                      <a:pt x="0" y="276860"/>
-                      <a:pt x="77470" y="355600"/>
-                      <a:pt x="172720" y="359410"/>
-                    </a:cubicBezTo>
-                    <a:lnTo>
-                      <a:pt x="172720" y="360680"/>
-                    </a:lnTo>
-                    <a:lnTo>
-                      <a:pt x="863366" y="360680"/>
-                    </a:lnTo>
-                    <a:cubicBezTo>
-                      <a:pt x="962426" y="360680"/>
-                      <a:pt x="1043706" y="279400"/>
-                      <a:pt x="1043706" y="180340"/>
-                    </a:cubicBezTo>
-                    <a:close/>
-                  </a:path>
-                </a:pathLst>
-              </a:custGeom>
-              <a:solidFill>
-                <a:srgbClr val="276445">
-                  <a:alpha val="68627"/>
-                </a:srgbClr>
-              </a:solidFill>
-            </p:spPr>
-          </p:sp>
-        </p:grpSp>
-        <p:grpSp>
-          <p:nvGrpSpPr>
-            <p:cNvPr id="18" name="Group 18"/>
-            <p:cNvGrpSpPr/>
-            <p:nvPr/>
-          </p:nvGrpSpPr>
-          <p:grpSpPr>
-            <a:xfrm rot="-2700000">
-              <a:off x="122971" y="517995"/>
-              <a:ext cx="1807405" cy="826372"/>
-              <a:chOff x="0" y="0"/>
-              <a:chExt cx="888861" cy="406400"/>
-            </a:xfrm>
-          </p:grpSpPr>
-          <p:sp>
-            <p:nvSpPr>
-              <p:cNvPr id="19" name="Freeform 19"/>
-              <p:cNvSpPr/>
-              <p:nvPr/>
-            </p:nvSpPr>
-            <p:spPr>
-              <a:xfrm>
-                <a:off x="17780" y="22860"/>
-                <a:ext cx="863461" cy="360680"/>
-              </a:xfrm>
-              <a:custGeom>
-                <a:avLst/>
-                <a:gdLst/>
-                <a:ahLst/>
-                <a:cxnLst/>
-                <a:rect l="l" t="t" r="r" b="b"/>
-                <a:pathLst>
-                  <a:path w="863461" h="360680">
-                    <a:moveTo>
-                      <a:pt x="863461" y="180340"/>
-                    </a:moveTo>
-                    <a:cubicBezTo>
-                      <a:pt x="863461" y="81280"/>
-                      <a:pt x="783451" y="0"/>
-                      <a:pt x="683121" y="0"/>
-                    </a:cubicBezTo>
-                    <a:lnTo>
-                      <a:pt x="172720" y="0"/>
-                    </a:lnTo>
-                    <a:lnTo>
-                      <a:pt x="172720" y="1270"/>
-                    </a:lnTo>
-                    <a:cubicBezTo>
-                      <a:pt x="76200" y="5080"/>
-                      <a:pt x="0" y="83820"/>
-                      <a:pt x="0" y="180340"/>
-                    </a:cubicBezTo>
-                    <a:cubicBezTo>
-                      <a:pt x="0" y="276860"/>
-                      <a:pt x="77470" y="355600"/>
-                      <a:pt x="172720" y="359410"/>
-                    </a:cubicBezTo>
-                    <a:lnTo>
-                      <a:pt x="172720" y="360680"/>
-                    </a:lnTo>
-                    <a:lnTo>
-                      <a:pt x="683121" y="360680"/>
-                    </a:lnTo>
-                    <a:cubicBezTo>
-                      <a:pt x="782181" y="360680"/>
-                      <a:pt x="863461" y="279400"/>
-                      <a:pt x="863461" y="180340"/>
-                    </a:cubicBezTo>
-                    <a:close/>
-                  </a:path>
-                </a:pathLst>
-              </a:custGeom>
-              <a:solidFill>
-                <a:srgbClr val="45AF53">
-                  <a:alpha val="68627"/>
-                </a:srgbClr>
-              </a:solidFill>
-            </p:spPr>
-          </p:sp>
-        </p:grpSp>
-      </p:grpSp>
       <p:pic>
         <p:nvPicPr>
-          <p:cNvPr id="20" name="Picture 20"/>
+          <p:cNvPr id="3" name="Imagem 2">
+            <a:extLst>
+              <a:ext uri="{FF2B5EF4-FFF2-40B4-BE49-F238E27FC236}">
+                <a16:creationId xmlns:a16="http://schemas.microsoft.com/office/drawing/2014/main" id="{5F759679-CFE7-450A-AB29-8C9E049D80E4}"/>
+              </a:ext>
+            </a:extLst>
+          </p:cNvPr>
           <p:cNvPicPr>
             <a:picLocks noChangeAspect="1"/>
           </p:cNvPicPr>
           <p:nvPr/>
         </p:nvPicPr>
         <p:blipFill>
-          <a:blip r:embed="rId2"/>
-          <a:srcRect/>
+          <a:blip r:embed="rId2">
+            <a:clrChange>
+              <a:clrFrom>
+                <a:srgbClr val="FFFFFF"/>
+              </a:clrFrom>
+              <a:clrTo>
+                <a:srgbClr val="FFFFFF">
+                  <a:alpha val="0"/>
+                </a:srgbClr>
+              </a:clrTo>
+            </a:clrChange>
+          </a:blip>
           <a:stretch>
             <a:fillRect/>
           </a:stretch>
         </p:blipFill>
         <p:spPr>
           <a:xfrm>
-            <a:off x="8240776" y="5899753"/>
-            <a:ext cx="1170095" cy="1166602"/>
+            <a:off x="1285875" y="623887"/>
+            <a:ext cx="7181850" cy="6067425"/>
           </a:xfrm>
           <a:prstGeom prst="rect">
             <a:avLst/>
           </a:prstGeom>
         </p:spPr>
       </p:pic>
+      <p:sp>
+        <p:nvSpPr>
+          <p:cNvPr id="5" name="CaixaDeTexto 4">
+            <a:extLst>
+              <a:ext uri="{FF2B5EF4-FFF2-40B4-BE49-F238E27FC236}">
+                <a16:creationId xmlns:a16="http://schemas.microsoft.com/office/drawing/2014/main" id="{41F9463A-6D42-43C1-BDA5-2372A158F739}"/>
+              </a:ext>
+            </a:extLst>
+          </p:cNvPr>
+          <p:cNvSpPr txBox="1"/>
+          <p:nvPr/>
+        </p:nvSpPr>
+        <p:spPr>
+          <a:xfrm>
+            <a:off x="1371600" y="6691312"/>
+            <a:ext cx="6040876" cy="338554"/>
+          </a:xfrm>
+          <a:prstGeom prst="rect">
+            <a:avLst/>
+          </a:prstGeom>
+          <a:noFill/>
+        </p:spPr>
+        <p:txBody>
+          <a:bodyPr wrap="square">
+            <a:spAutoFit/>
+          </a:bodyPr>
+          <a:lstStyle/>
+          <a:p>
+            <a:pPr algn="l"/>
+            <a:r>
+              <a:rPr lang="pt-BR" sz="800" b="0" i="0" u="none" strike="noStrike" baseline="0" dirty="0">
+                <a:latin typeface="Poppins" panose="00000500000000000000" pitchFamily="2" charset="0"/>
+                <a:cs typeface="Poppins" panose="00000500000000000000" pitchFamily="2" charset="0"/>
+              </a:rPr>
+              <a:t>Fonte: IBGE, Diretoria de Pesquisas, Coordenação de Serviços e</a:t>
+            </a:r>
+          </a:p>
+          <a:p>
+            <a:pPr algn="l"/>
+            <a:r>
+              <a:rPr lang="pt-BR" sz="800" b="0" i="0" u="none" strike="noStrike" baseline="0" dirty="0">
+                <a:latin typeface="Poppins" panose="00000500000000000000" pitchFamily="2" charset="0"/>
+                <a:cs typeface="Poppins" panose="00000500000000000000" pitchFamily="2" charset="0"/>
+              </a:rPr>
+              <a:t>Comércio, Pesquisa de Inovação 2015-2017.</a:t>
+            </a:r>
+            <a:endParaRPr lang="pt-BR" dirty="0">
+              <a:latin typeface="Poppins" panose="00000500000000000000" pitchFamily="2" charset="0"/>
+              <a:cs typeface="Poppins" panose="00000500000000000000" pitchFamily="2" charset="0"/>
+            </a:endParaRPr>
+          </a:p>
+        </p:txBody>
+      </p:sp>
     </p:spTree>
+    <p:extLst>
+      <p:ext uri="{BB962C8B-B14F-4D97-AF65-F5344CB8AC3E}">
+        <p14:creationId xmlns:p14="http://schemas.microsoft.com/office/powerpoint/2010/main" val="1747235394"/>
+      </p:ext>
+    </p:extLst>
   </p:cSld>
   <p:clrMapOvr>
     <a:masterClrMapping/>
@@ -17065,17 +11741,9 @@
 </p:sld>
 </file>
 
-<file path=ppt/slides/slide8.xml><?xml version="1.0" encoding="utf-8"?>
+<file path=ppt/slides/slide7.xml><?xml version="1.0" encoding="utf-8"?>
 <p:sld xmlns:a="http://schemas.openxmlformats.org/drawingml/2006/main" xmlns:r="http://schemas.openxmlformats.org/officeDocument/2006/relationships" xmlns:p="http://schemas.openxmlformats.org/presentationml/2006/main">
   <p:cSld>
-    <p:bg>
-      <p:bgPr>
-        <a:solidFill>
-          <a:srgbClr val="F8F8F8"/>
-        </a:solidFill>
-        <a:effectLst/>
-      </p:bgPr>
-    </p:bg>
     <p:spTree>
       <p:nvGrpSpPr>
         <p:cNvPr id="1" name=""/>
@@ -17090,336 +11758,126 @@
           <a:chExt cx="0" cy="0"/>
         </a:xfrm>
       </p:grpSpPr>
-      <p:grpSp>
-        <p:nvGrpSpPr>
-          <p:cNvPr id="2" name="Group 2"/>
-          <p:cNvGrpSpPr/>
-          <p:nvPr/>
-        </p:nvGrpSpPr>
-        <p:grpSpPr>
-          <a:xfrm>
-            <a:off x="-1910535" y="0"/>
-            <a:ext cx="6787336" cy="7837324"/>
-            <a:chOff x="0" y="0"/>
-            <a:chExt cx="9049781" cy="10449766"/>
-          </a:xfrm>
-        </p:grpSpPr>
-        <p:grpSp>
-          <p:nvGrpSpPr>
-            <p:cNvPr id="3" name="Group 3"/>
-            <p:cNvGrpSpPr/>
-            <p:nvPr/>
-          </p:nvGrpSpPr>
-          <p:grpSpPr>
-            <a:xfrm rot="-2700000">
-              <a:off x="-36935" y="3064048"/>
-              <a:ext cx="9656093" cy="2389244"/>
-              <a:chOff x="0" y="0"/>
-              <a:chExt cx="1642459" cy="406400"/>
-            </a:xfrm>
-          </p:grpSpPr>
-          <p:sp>
-            <p:nvSpPr>
-              <p:cNvPr id="4" name="Freeform 4"/>
-              <p:cNvSpPr/>
-              <p:nvPr/>
-            </p:nvSpPr>
-            <p:spPr>
-              <a:xfrm>
-                <a:off x="17780" y="22860"/>
-                <a:ext cx="1617060" cy="360680"/>
-              </a:xfrm>
-              <a:custGeom>
-                <a:avLst/>
-                <a:gdLst/>
-                <a:ahLst/>
-                <a:cxnLst/>
-                <a:rect l="l" t="t" r="r" b="b"/>
-                <a:pathLst>
-                  <a:path w="1617060" h="360680">
-                    <a:moveTo>
-                      <a:pt x="1617060" y="180340"/>
-                    </a:moveTo>
-                    <a:cubicBezTo>
-                      <a:pt x="1617060" y="81280"/>
-                      <a:pt x="1537050" y="0"/>
-                      <a:pt x="1436720" y="0"/>
-                    </a:cubicBezTo>
-                    <a:lnTo>
-                      <a:pt x="172720" y="0"/>
-                    </a:lnTo>
-                    <a:lnTo>
-                      <a:pt x="172720" y="1270"/>
-                    </a:lnTo>
-                    <a:cubicBezTo>
-                      <a:pt x="76200" y="5080"/>
-                      <a:pt x="0" y="83820"/>
-                      <a:pt x="0" y="180340"/>
-                    </a:cubicBezTo>
-                    <a:cubicBezTo>
-                      <a:pt x="0" y="276860"/>
-                      <a:pt x="77470" y="355600"/>
-                      <a:pt x="172720" y="359410"/>
-                    </a:cubicBezTo>
-                    <a:lnTo>
-                      <a:pt x="172720" y="360680"/>
-                    </a:lnTo>
-                    <a:lnTo>
-                      <a:pt x="1436719" y="360680"/>
-                    </a:lnTo>
-                    <a:cubicBezTo>
-                      <a:pt x="1535779" y="360680"/>
-                      <a:pt x="1617059" y="279400"/>
-                      <a:pt x="1617059" y="180340"/>
-                    </a:cubicBezTo>
-                    <a:close/>
-                  </a:path>
-                </a:pathLst>
-              </a:custGeom>
-              <a:solidFill>
-                <a:srgbClr val="45AF53">
-                  <a:alpha val="34901"/>
-                </a:srgbClr>
-              </a:solidFill>
-            </p:spPr>
-          </p:sp>
-        </p:grpSp>
-        <p:grpSp>
-          <p:nvGrpSpPr>
-            <p:cNvPr id="5" name="Group 5"/>
-            <p:cNvGrpSpPr/>
-            <p:nvPr/>
-          </p:nvGrpSpPr>
-          <p:grpSpPr>
-            <a:xfrm rot="-2700000">
-              <a:off x="-628300" y="4854221"/>
-              <a:ext cx="10058444" cy="2389244"/>
-              <a:chOff x="0" y="0"/>
-              <a:chExt cx="1710897" cy="406400"/>
-            </a:xfrm>
-          </p:grpSpPr>
-          <p:sp>
-            <p:nvSpPr>
-              <p:cNvPr id="6" name="Freeform 6"/>
-              <p:cNvSpPr/>
-              <p:nvPr/>
-            </p:nvSpPr>
-            <p:spPr>
-              <a:xfrm>
-                <a:off x="17780" y="22860"/>
-                <a:ext cx="1685498" cy="360680"/>
-              </a:xfrm>
-              <a:custGeom>
-                <a:avLst/>
-                <a:gdLst/>
-                <a:ahLst/>
-                <a:cxnLst/>
-                <a:rect l="l" t="t" r="r" b="b"/>
-                <a:pathLst>
-                  <a:path w="1685498" h="360680">
-                    <a:moveTo>
-                      <a:pt x="1685498" y="180340"/>
-                    </a:moveTo>
-                    <a:cubicBezTo>
-                      <a:pt x="1685498" y="81280"/>
-                      <a:pt x="1605488" y="0"/>
-                      <a:pt x="1505158" y="0"/>
-                    </a:cubicBezTo>
-                    <a:lnTo>
-                      <a:pt x="172720" y="0"/>
-                    </a:lnTo>
-                    <a:lnTo>
-                      <a:pt x="172720" y="1270"/>
-                    </a:lnTo>
-                    <a:cubicBezTo>
-                      <a:pt x="76200" y="5080"/>
-                      <a:pt x="0" y="83820"/>
-                      <a:pt x="0" y="180340"/>
-                    </a:cubicBezTo>
-                    <a:cubicBezTo>
-                      <a:pt x="0" y="276860"/>
-                      <a:pt x="77470" y="355600"/>
-                      <a:pt x="172720" y="359410"/>
-                    </a:cubicBezTo>
-                    <a:lnTo>
-                      <a:pt x="172720" y="360680"/>
-                    </a:lnTo>
-                    <a:lnTo>
-                      <a:pt x="1505157" y="360680"/>
-                    </a:lnTo>
-                    <a:cubicBezTo>
-                      <a:pt x="1604218" y="360680"/>
-                      <a:pt x="1685497" y="279400"/>
-                      <a:pt x="1685497" y="180340"/>
-                    </a:cubicBezTo>
-                    <a:close/>
-                  </a:path>
-                </a:pathLst>
-              </a:custGeom>
-              <a:solidFill>
-                <a:srgbClr val="3E662C">
-                  <a:alpha val="34901"/>
-                </a:srgbClr>
-              </a:solidFill>
-            </p:spPr>
-          </p:sp>
-        </p:grpSp>
-      </p:grpSp>
-      <p:grpSp>
-        <p:nvGrpSpPr>
-          <p:cNvPr id="7" name="Group 7"/>
-          <p:cNvGrpSpPr/>
-          <p:nvPr/>
-        </p:nvGrpSpPr>
-        <p:grpSpPr>
-          <a:xfrm>
-            <a:off x="4876801" y="1859422"/>
-            <a:ext cx="4165811" cy="3596355"/>
-            <a:chOff x="0" y="0"/>
-            <a:chExt cx="5554415" cy="4795140"/>
-          </a:xfrm>
-        </p:grpSpPr>
-        <p:sp>
-          <p:nvSpPr>
-            <p:cNvPr id="8" name="TextBox 8"/>
-            <p:cNvSpPr txBox="1"/>
-            <p:nvPr/>
-          </p:nvSpPr>
-          <p:spPr>
-            <a:xfrm>
-              <a:off x="6772" y="2254834"/>
-              <a:ext cx="5540871" cy="933450"/>
-            </a:xfrm>
-            <a:prstGeom prst="rect">
-              <a:avLst/>
-            </a:prstGeom>
-          </p:spPr>
-          <p:txBody>
-            <a:bodyPr lIns="0" tIns="0" rIns="0" bIns="0" rtlCol="0" anchor="t">
-              <a:spAutoFit/>
-            </a:bodyPr>
-            <a:lstStyle/>
-            <a:p>
-              <a:pPr algn="ctr">
-                <a:lnSpc>
-                  <a:spcPts val="2760"/>
-                </a:lnSpc>
-              </a:pPr>
-              <a:r>
-                <a:rPr lang="en-US" sz="2300" spc="161" dirty="0">
-                  <a:solidFill>
-                    <a:srgbClr val="61C2A2"/>
-                  </a:solidFill>
-                  <a:latin typeface="Poppins Bold Italics"/>
-                </a:rPr>
-                <a:t>THE FIRST STEP FOR ALL NEW EMPLOYEES</a:t>
-              </a:r>
-            </a:p>
-          </p:txBody>
-        </p:sp>
-        <p:sp>
-          <p:nvSpPr>
-            <p:cNvPr id="9" name="TextBox 9"/>
-            <p:cNvSpPr txBox="1"/>
-            <p:nvPr/>
-          </p:nvSpPr>
-          <p:spPr>
-            <a:xfrm>
-              <a:off x="6772" y="3467355"/>
-              <a:ext cx="5540871" cy="1327785"/>
-            </a:xfrm>
-            <a:prstGeom prst="rect">
-              <a:avLst/>
-            </a:prstGeom>
-          </p:spPr>
-          <p:txBody>
-            <a:bodyPr lIns="0" tIns="0" rIns="0" bIns="0" rtlCol="0" anchor="t">
-              <a:spAutoFit/>
-            </a:bodyPr>
-            <a:lstStyle/>
-            <a:p>
-              <a:pPr algn="ctr">
-                <a:lnSpc>
-                  <a:spcPts val="2700"/>
-                </a:lnSpc>
-              </a:pPr>
-              <a:r>
-                <a:rPr lang="en-US" sz="1800" dirty="0">
-                  <a:solidFill>
-                    <a:srgbClr val="1D617A"/>
-                  </a:solidFill>
-                  <a:latin typeface="Poppins Light"/>
-                </a:rPr>
-                <a:t>Presentations are communication tools that can be used as lectures, reports, and more.</a:t>
-              </a:r>
-            </a:p>
-          </p:txBody>
-        </p:sp>
-        <p:sp>
-          <p:nvSpPr>
-            <p:cNvPr id="10" name="TextBox 10"/>
-            <p:cNvSpPr txBox="1"/>
-            <p:nvPr/>
-          </p:nvSpPr>
-          <p:spPr>
-            <a:xfrm>
-              <a:off x="0" y="47625"/>
-              <a:ext cx="5554415" cy="1964478"/>
-            </a:xfrm>
-            <a:prstGeom prst="rect">
-              <a:avLst/>
-            </a:prstGeom>
-          </p:spPr>
-          <p:txBody>
-            <a:bodyPr lIns="0" tIns="0" rIns="0" bIns="0" rtlCol="0" anchor="t">
-              <a:spAutoFit/>
-            </a:bodyPr>
-            <a:lstStyle/>
-            <a:p>
-              <a:pPr algn="ctr">
-                <a:lnSpc>
-                  <a:spcPts val="5720"/>
-                </a:lnSpc>
-              </a:pPr>
-              <a:r>
-                <a:rPr lang="en-US" sz="5200" spc="-155" dirty="0">
-                  <a:solidFill>
-                    <a:srgbClr val="276445"/>
-                  </a:solidFill>
-                  <a:latin typeface="Poppins Bold Bold Italics"/>
-                </a:rPr>
-                <a:t>THE DIGITAL HANDBOOK</a:t>
-              </a:r>
-            </a:p>
-          </p:txBody>
-        </p:sp>
-      </p:grpSp>
       <p:pic>
         <p:nvPicPr>
-          <p:cNvPr id="11" name="Picture 11"/>
+          <p:cNvPr id="3" name="Imagem 2">
+            <a:extLst>
+              <a:ext uri="{FF2B5EF4-FFF2-40B4-BE49-F238E27FC236}">
+                <a16:creationId xmlns:a16="http://schemas.microsoft.com/office/drawing/2014/main" id="{8A70EFDF-C1EC-4606-9A21-3042C6E06FE6}"/>
+              </a:ext>
+            </a:extLst>
+          </p:cNvPr>
           <p:cNvPicPr>
             <a:picLocks noChangeAspect="1"/>
           </p:cNvPicPr>
           <p:nvPr/>
         </p:nvPicPr>
         <p:blipFill>
-          <a:blip r:embed="rId2"/>
-          <a:srcRect/>
+          <a:blip r:embed="rId2">
+            <a:clrChange>
+              <a:clrFrom>
+                <a:srgbClr val="FFFFFF"/>
+              </a:clrFrom>
+              <a:clrTo>
+                <a:srgbClr val="FFFFFF">
+                  <a:alpha val="0"/>
+                </a:srgbClr>
+              </a:clrTo>
+            </a:clrChange>
+          </a:blip>
           <a:stretch>
             <a:fillRect/>
           </a:stretch>
         </p:blipFill>
         <p:spPr>
           <a:xfrm>
-            <a:off x="8240776" y="5899753"/>
-            <a:ext cx="1170095" cy="1166602"/>
+            <a:off x="2362200" y="63736"/>
+            <a:ext cx="4904096" cy="6705600"/>
           </a:xfrm>
           <a:prstGeom prst="rect">
             <a:avLst/>
           </a:prstGeom>
         </p:spPr>
       </p:pic>
+      <p:sp>
+        <p:nvSpPr>
+          <p:cNvPr id="5" name="CaixaDeTexto 4">
+            <a:extLst>
+              <a:ext uri="{FF2B5EF4-FFF2-40B4-BE49-F238E27FC236}">
+                <a16:creationId xmlns:a16="http://schemas.microsoft.com/office/drawing/2014/main" id="{57392179-FAF0-4A23-BFD7-4191C0F24948}"/>
+              </a:ext>
+            </a:extLst>
+          </p:cNvPr>
+          <p:cNvSpPr txBox="1"/>
+          <p:nvPr/>
+        </p:nvSpPr>
+        <p:spPr>
+          <a:xfrm>
+            <a:off x="1510885" y="6629400"/>
+            <a:ext cx="6040876" cy="584775"/>
+          </a:xfrm>
+          <a:prstGeom prst="rect">
+            <a:avLst/>
+          </a:prstGeom>
+          <a:noFill/>
+        </p:spPr>
+        <p:txBody>
+          <a:bodyPr wrap="square">
+            <a:spAutoFit/>
+          </a:bodyPr>
+          <a:lstStyle/>
+          <a:p>
+            <a:pPr algn="l"/>
+            <a:r>
+              <a:rPr lang="pt-BR" sz="800" b="0" i="0" u="none" strike="noStrike" baseline="0" dirty="0">
+                <a:latin typeface="Poppins" panose="00000500000000000000" pitchFamily="2" charset="0"/>
+                <a:cs typeface="Poppins" panose="00000500000000000000" pitchFamily="2" charset="0"/>
+              </a:rPr>
+              <a:t>Fonte: IBGE, Diretoria de Pesquisas, Coordenação de Serviços e Comércio, Pesquisa de</a:t>
+            </a:r>
+          </a:p>
+          <a:p>
+            <a:pPr algn="l"/>
+            <a:r>
+              <a:rPr lang="pt-BR" sz="800" b="0" i="0" u="none" strike="noStrike" baseline="0" dirty="0">
+                <a:latin typeface="Poppins" panose="00000500000000000000" pitchFamily="2" charset="0"/>
+                <a:cs typeface="Poppins" panose="00000500000000000000" pitchFamily="2" charset="0"/>
+              </a:rPr>
+              <a:t>Inovação 2009-2017.</a:t>
+            </a:r>
+          </a:p>
+          <a:p>
+            <a:pPr algn="l"/>
+            <a:r>
+              <a:rPr lang="pt-BR" sz="800" b="0" i="0" u="none" strike="noStrike" baseline="0" dirty="0">
+                <a:latin typeface="Poppins" panose="00000500000000000000" pitchFamily="2" charset="0"/>
+                <a:cs typeface="Poppins" panose="00000500000000000000" pitchFamily="2" charset="0"/>
+              </a:rPr>
+              <a:t>Nota: A taxa de inovação corresponde ao percentual do número de empresas que</a:t>
+            </a:r>
+          </a:p>
+          <a:p>
+            <a:pPr algn="l"/>
+            <a:r>
+              <a:rPr lang="pt-BR" sz="800" b="0" i="0" u="none" strike="noStrike" baseline="0" dirty="0">
+                <a:latin typeface="Poppins" panose="00000500000000000000" pitchFamily="2" charset="0"/>
+                <a:cs typeface="Poppins" panose="00000500000000000000" pitchFamily="2" charset="0"/>
+              </a:rPr>
+              <a:t>implementaram inovações de produto ou processo sobre o total de empresas.</a:t>
+            </a:r>
+            <a:endParaRPr lang="pt-BR" dirty="0">
+              <a:latin typeface="Poppins" panose="00000500000000000000" pitchFamily="2" charset="0"/>
+              <a:cs typeface="Poppins" panose="00000500000000000000" pitchFamily="2" charset="0"/>
+            </a:endParaRPr>
+          </a:p>
+        </p:txBody>
+      </p:sp>
     </p:spTree>
+    <p:extLst>
+      <p:ext uri="{BB962C8B-B14F-4D97-AF65-F5344CB8AC3E}">
+        <p14:creationId xmlns:p14="http://schemas.microsoft.com/office/powerpoint/2010/main" val="2767060119"/>
+      </p:ext>
+    </p:extLst>
   </p:cSld>
   <p:clrMapOvr>
     <a:masterClrMapping/>
@@ -17427,17 +11885,9 @@
 </p:sld>
 </file>
 
-<file path=ppt/slides/slide9.xml><?xml version="1.0" encoding="utf-8"?>
+<file path=ppt/slides/slide8.xml><?xml version="1.0" encoding="utf-8"?>
 <p:sld xmlns:a="http://schemas.openxmlformats.org/drawingml/2006/main" xmlns:r="http://schemas.openxmlformats.org/officeDocument/2006/relationships" xmlns:p="http://schemas.openxmlformats.org/presentationml/2006/main">
   <p:cSld>
-    <p:bg>
-      <p:bgPr>
-        <a:solidFill>
-          <a:srgbClr val="F8F8F8"/>
-        </a:solidFill>
-        <a:effectLst/>
-      </p:bgPr>
-    </p:bg>
     <p:spTree>
       <p:nvGrpSpPr>
         <p:cNvPr id="1" name=""/>
@@ -17452,495 +11902,15 @@
           <a:chExt cx="0" cy="0"/>
         </a:xfrm>
       </p:grpSpPr>
-      <p:sp>
-        <p:nvSpPr>
-          <p:cNvPr id="2" name="TextBox 2"/>
-          <p:cNvSpPr txBox="1"/>
-          <p:nvPr/>
-        </p:nvSpPr>
-        <p:spPr>
-          <a:xfrm rot="-5400000">
-            <a:off x="-472784" y="1583844"/>
-            <a:ext cx="3218129" cy="1461453"/>
-          </a:xfrm>
-          <a:prstGeom prst="rect">
-            <a:avLst/>
-          </a:prstGeom>
-        </p:spPr>
-        <p:txBody>
-          <a:bodyPr lIns="0" tIns="0" rIns="0" bIns="0" rtlCol="0" anchor="t">
-            <a:spAutoFit/>
-          </a:bodyPr>
-          <a:lstStyle/>
-          <a:p>
-            <a:pPr algn="r">
-              <a:lnSpc>
-                <a:spcPts val="5720"/>
-              </a:lnSpc>
-            </a:pPr>
-            <a:r>
-              <a:rPr lang="en-US" sz="5200" spc="-155" dirty="0">
-                <a:solidFill>
-                  <a:srgbClr val="276445"/>
-                </a:solidFill>
-                <a:latin typeface="Poppins Bold Bold Italics"/>
-              </a:rPr>
-              <a:t>THE FIRST DAY</a:t>
-            </a:r>
-          </a:p>
-        </p:txBody>
-      </p:sp>
-      <p:grpSp>
-        <p:nvGrpSpPr>
-          <p:cNvPr id="3" name="Group 3"/>
-          <p:cNvGrpSpPr/>
-          <p:nvPr/>
-        </p:nvGrpSpPr>
-        <p:grpSpPr>
-          <a:xfrm>
-            <a:off x="7842665" y="-893571"/>
-            <a:ext cx="2724590" cy="3250181"/>
-            <a:chOff x="0" y="0"/>
-            <a:chExt cx="3632787" cy="4333575"/>
-          </a:xfrm>
-        </p:grpSpPr>
-        <p:grpSp>
-          <p:nvGrpSpPr>
-            <p:cNvPr id="4" name="Group 4"/>
-            <p:cNvGrpSpPr/>
-            <p:nvPr/>
-          </p:nvGrpSpPr>
-          <p:grpSpPr>
-            <a:xfrm rot="-2700000">
-              <a:off x="-78231" y="2103044"/>
-              <a:ext cx="3421544" cy="1195980"/>
-              <a:chOff x="0" y="0"/>
-              <a:chExt cx="1162657" cy="406400"/>
-            </a:xfrm>
-          </p:grpSpPr>
-          <p:sp>
-            <p:nvSpPr>
-              <p:cNvPr id="5" name="Freeform 5"/>
-              <p:cNvSpPr/>
-              <p:nvPr/>
-            </p:nvSpPr>
-            <p:spPr>
-              <a:xfrm>
-                <a:off x="17780" y="22860"/>
-                <a:ext cx="1137257" cy="360680"/>
-              </a:xfrm>
-              <a:custGeom>
-                <a:avLst/>
-                <a:gdLst/>
-                <a:ahLst/>
-                <a:cxnLst/>
-                <a:rect l="l" t="t" r="r" b="b"/>
-                <a:pathLst>
-                  <a:path w="1137257" h="360680">
-                    <a:moveTo>
-                      <a:pt x="1137257" y="180340"/>
-                    </a:moveTo>
-                    <a:cubicBezTo>
-                      <a:pt x="1137257" y="81280"/>
-                      <a:pt x="1057247" y="0"/>
-                      <a:pt x="956917" y="0"/>
-                    </a:cubicBezTo>
-                    <a:lnTo>
-                      <a:pt x="172720" y="0"/>
-                    </a:lnTo>
-                    <a:lnTo>
-                      <a:pt x="172720" y="1270"/>
-                    </a:lnTo>
-                    <a:cubicBezTo>
-                      <a:pt x="76200" y="5080"/>
-                      <a:pt x="0" y="83820"/>
-                      <a:pt x="0" y="180340"/>
-                    </a:cubicBezTo>
-                    <a:cubicBezTo>
-                      <a:pt x="0" y="276860"/>
-                      <a:pt x="77470" y="355600"/>
-                      <a:pt x="172720" y="359410"/>
-                    </a:cubicBezTo>
-                    <a:lnTo>
-                      <a:pt x="172720" y="360680"/>
-                    </a:lnTo>
-                    <a:lnTo>
-                      <a:pt x="956917" y="360680"/>
-                    </a:lnTo>
-                    <a:cubicBezTo>
-                      <a:pt x="1055977" y="360680"/>
-                      <a:pt x="1137257" y="279400"/>
-                      <a:pt x="1137257" y="180340"/>
-                    </a:cubicBezTo>
-                    <a:close/>
-                  </a:path>
-                </a:pathLst>
-              </a:custGeom>
-              <a:solidFill>
-                <a:srgbClr val="3E662C">
-                  <a:alpha val="52941"/>
-                </a:srgbClr>
-              </a:solidFill>
-            </p:spPr>
-          </p:sp>
-        </p:grpSp>
-        <p:grpSp>
-          <p:nvGrpSpPr>
-            <p:cNvPr id="6" name="Group 6"/>
-            <p:cNvGrpSpPr/>
-            <p:nvPr/>
-          </p:nvGrpSpPr>
-          <p:grpSpPr>
-            <a:xfrm rot="-2700000">
-              <a:off x="191447" y="1075155"/>
-              <a:ext cx="3536390" cy="1195980"/>
-              <a:chOff x="0" y="0"/>
-              <a:chExt cx="1201682" cy="406400"/>
-            </a:xfrm>
-          </p:grpSpPr>
-          <p:sp>
-            <p:nvSpPr>
-              <p:cNvPr id="7" name="Freeform 7"/>
-              <p:cNvSpPr/>
-              <p:nvPr/>
-            </p:nvSpPr>
-            <p:spPr>
-              <a:xfrm>
-                <a:off x="17780" y="22860"/>
-                <a:ext cx="1176283" cy="360680"/>
-              </a:xfrm>
-              <a:custGeom>
-                <a:avLst/>
-                <a:gdLst/>
-                <a:ahLst/>
-                <a:cxnLst/>
-                <a:rect l="l" t="t" r="r" b="b"/>
-                <a:pathLst>
-                  <a:path w="1176283" h="360680">
-                    <a:moveTo>
-                      <a:pt x="1176283" y="180340"/>
-                    </a:moveTo>
-                    <a:cubicBezTo>
-                      <a:pt x="1176283" y="81280"/>
-                      <a:pt x="1096273" y="0"/>
-                      <a:pt x="995943" y="0"/>
-                    </a:cubicBezTo>
-                    <a:lnTo>
-                      <a:pt x="172720" y="0"/>
-                    </a:lnTo>
-                    <a:lnTo>
-                      <a:pt x="172720" y="1270"/>
-                    </a:lnTo>
-                    <a:cubicBezTo>
-                      <a:pt x="76200" y="5080"/>
-                      <a:pt x="0" y="83820"/>
-                      <a:pt x="0" y="180340"/>
-                    </a:cubicBezTo>
-                    <a:cubicBezTo>
-                      <a:pt x="0" y="276860"/>
-                      <a:pt x="77470" y="355600"/>
-                      <a:pt x="172720" y="359410"/>
-                    </a:cubicBezTo>
-                    <a:lnTo>
-                      <a:pt x="172720" y="360680"/>
-                    </a:lnTo>
-                    <a:lnTo>
-                      <a:pt x="995942" y="360680"/>
-                    </a:lnTo>
-                    <a:cubicBezTo>
-                      <a:pt x="1095002" y="360680"/>
-                      <a:pt x="1176282" y="279400"/>
-                      <a:pt x="1176282" y="180340"/>
-                    </a:cubicBezTo>
-                    <a:close/>
-                  </a:path>
-                </a:pathLst>
-              </a:custGeom>
-              <a:solidFill>
-                <a:srgbClr val="45AF53">
-                  <a:alpha val="52941"/>
-                </a:srgbClr>
-              </a:solidFill>
-            </p:spPr>
-          </p:sp>
-        </p:grpSp>
-      </p:grpSp>
-      <p:grpSp>
-        <p:nvGrpSpPr>
-          <p:cNvPr id="8" name="Group 8"/>
-          <p:cNvGrpSpPr/>
-          <p:nvPr/>
-        </p:nvGrpSpPr>
-        <p:grpSpPr>
-          <a:xfrm>
-            <a:off x="6867947" y="4515456"/>
-            <a:ext cx="2337013" cy="2068224"/>
-            <a:chOff x="0" y="0"/>
-            <a:chExt cx="3116018" cy="2757632"/>
-          </a:xfrm>
-        </p:grpSpPr>
-        <p:sp>
-          <p:nvSpPr>
-            <p:cNvPr id="9" name="TextBox 9"/>
-            <p:cNvSpPr txBox="1"/>
-            <p:nvPr/>
-          </p:nvSpPr>
-          <p:spPr>
-            <a:xfrm>
-              <a:off x="0" y="-19050"/>
-              <a:ext cx="3116018" cy="897890"/>
-            </a:xfrm>
-            <a:prstGeom prst="rect">
-              <a:avLst/>
-            </a:prstGeom>
-          </p:spPr>
-          <p:txBody>
-            <a:bodyPr lIns="0" tIns="0" rIns="0" bIns="0" rtlCol="0" anchor="t">
-              <a:spAutoFit/>
-            </a:bodyPr>
-            <a:lstStyle/>
-            <a:p>
-              <a:pPr algn="r">
-                <a:lnSpc>
-                  <a:spcPts val="2729"/>
-                </a:lnSpc>
-              </a:pPr>
-              <a:r>
-                <a:rPr lang="en-US" sz="2099" spc="209" dirty="0">
-                  <a:solidFill>
-                    <a:srgbClr val="61C2A2"/>
-                  </a:solidFill>
-                  <a:latin typeface="Poppins Light Bold"/>
-                </a:rPr>
-                <a:t>TEAM MEETINGS</a:t>
-              </a:r>
-            </a:p>
-          </p:txBody>
-        </p:sp>
-        <p:sp>
-          <p:nvSpPr>
-            <p:cNvPr id="10" name="TextBox 10"/>
-            <p:cNvSpPr txBox="1"/>
-            <p:nvPr/>
-          </p:nvSpPr>
-          <p:spPr>
-            <a:xfrm>
-              <a:off x="0" y="972647"/>
-              <a:ext cx="3116018" cy="1784985"/>
-            </a:xfrm>
-            <a:prstGeom prst="rect">
-              <a:avLst/>
-            </a:prstGeom>
-          </p:spPr>
-          <p:txBody>
-            <a:bodyPr lIns="0" tIns="0" rIns="0" bIns="0" rtlCol="0" anchor="t">
-              <a:spAutoFit/>
-            </a:bodyPr>
-            <a:lstStyle/>
-            <a:p>
-              <a:pPr algn="r">
-                <a:lnSpc>
-                  <a:spcPts val="2700"/>
-                </a:lnSpc>
-              </a:pPr>
-              <a:r>
-                <a:rPr lang="en-US" sz="1800">
-                  <a:solidFill>
-                    <a:srgbClr val="1D617A"/>
-                  </a:solidFill>
-                  <a:latin typeface="Poppins Light"/>
-                </a:rPr>
-                <a:t>Presentations are communication tools that can be used as lectures.</a:t>
-              </a:r>
-            </a:p>
-          </p:txBody>
-        </p:sp>
-      </p:grpSp>
-      <p:grpSp>
-        <p:nvGrpSpPr>
-          <p:cNvPr id="11" name="Group 11"/>
-          <p:cNvGrpSpPr/>
-          <p:nvPr/>
-        </p:nvGrpSpPr>
-        <p:grpSpPr>
-          <a:xfrm>
-            <a:off x="1584320" y="4515456"/>
-            <a:ext cx="2337013" cy="1725324"/>
-            <a:chOff x="0" y="0"/>
-            <a:chExt cx="3116018" cy="2300432"/>
-          </a:xfrm>
-        </p:grpSpPr>
-        <p:sp>
-          <p:nvSpPr>
-            <p:cNvPr id="12" name="TextBox 12"/>
-            <p:cNvSpPr txBox="1"/>
-            <p:nvPr/>
-          </p:nvSpPr>
-          <p:spPr>
-            <a:xfrm>
-              <a:off x="0" y="-19050"/>
-              <a:ext cx="3116018" cy="440690"/>
-            </a:xfrm>
-            <a:prstGeom prst="rect">
-              <a:avLst/>
-            </a:prstGeom>
-          </p:spPr>
-          <p:txBody>
-            <a:bodyPr lIns="0" tIns="0" rIns="0" bIns="0" rtlCol="0" anchor="t">
-              <a:spAutoFit/>
-            </a:bodyPr>
-            <a:lstStyle/>
-            <a:p>
-              <a:pPr algn="r">
-                <a:lnSpc>
-                  <a:spcPts val="2729"/>
-                </a:lnSpc>
-              </a:pPr>
-              <a:r>
-                <a:rPr lang="en-US" sz="2099" spc="209">
-                  <a:solidFill>
-                    <a:srgbClr val="61C2A2"/>
-                  </a:solidFill>
-                  <a:latin typeface="Poppins Light Bold"/>
-                </a:rPr>
-                <a:t>OFFICE TOUR</a:t>
-              </a:r>
-            </a:p>
-          </p:txBody>
-        </p:sp>
-        <p:sp>
-          <p:nvSpPr>
-            <p:cNvPr id="13" name="TextBox 13"/>
-            <p:cNvSpPr txBox="1"/>
-            <p:nvPr/>
-          </p:nvSpPr>
-          <p:spPr>
-            <a:xfrm>
-              <a:off x="0" y="515447"/>
-              <a:ext cx="3116018" cy="1784985"/>
-            </a:xfrm>
-            <a:prstGeom prst="rect">
-              <a:avLst/>
-            </a:prstGeom>
-          </p:spPr>
-          <p:txBody>
-            <a:bodyPr lIns="0" tIns="0" rIns="0" bIns="0" rtlCol="0" anchor="t">
-              <a:spAutoFit/>
-            </a:bodyPr>
-            <a:lstStyle/>
-            <a:p>
-              <a:pPr algn="r">
-                <a:lnSpc>
-                  <a:spcPts val="2700"/>
-                </a:lnSpc>
-              </a:pPr>
-              <a:r>
-                <a:rPr lang="en-US" sz="1800" dirty="0">
-                  <a:solidFill>
-                    <a:srgbClr val="1D617A"/>
-                  </a:solidFill>
-                  <a:latin typeface="Poppins Light"/>
-                </a:rPr>
-                <a:t>Presentations are communication tools that can be used as lectures.</a:t>
-              </a:r>
-            </a:p>
-          </p:txBody>
-        </p:sp>
-      </p:grpSp>
-      <p:grpSp>
-        <p:nvGrpSpPr>
-          <p:cNvPr id="14" name="Group 14"/>
-          <p:cNvGrpSpPr/>
-          <p:nvPr/>
-        </p:nvGrpSpPr>
-        <p:grpSpPr>
-          <a:xfrm>
-            <a:off x="4226133" y="4515456"/>
-            <a:ext cx="2337013" cy="2068224"/>
-            <a:chOff x="0" y="0"/>
-            <a:chExt cx="3116018" cy="2757632"/>
-          </a:xfrm>
-        </p:grpSpPr>
-        <p:sp>
-          <p:nvSpPr>
-            <p:cNvPr id="15" name="TextBox 15"/>
-            <p:cNvSpPr txBox="1"/>
-            <p:nvPr/>
-          </p:nvSpPr>
-          <p:spPr>
-            <a:xfrm>
-              <a:off x="0" y="-19050"/>
-              <a:ext cx="3116018" cy="897890"/>
-            </a:xfrm>
-            <a:prstGeom prst="rect">
-              <a:avLst/>
-            </a:prstGeom>
-          </p:spPr>
-          <p:txBody>
-            <a:bodyPr lIns="0" tIns="0" rIns="0" bIns="0" rtlCol="0" anchor="t">
-              <a:spAutoFit/>
-            </a:bodyPr>
-            <a:lstStyle/>
-            <a:p>
-              <a:pPr algn="r">
-                <a:lnSpc>
-                  <a:spcPts val="2729"/>
-                </a:lnSpc>
-              </a:pPr>
-              <a:r>
-                <a:rPr lang="en-US" sz="2099" spc="209" dirty="0">
-                  <a:solidFill>
-                    <a:srgbClr val="61C2A2"/>
-                  </a:solidFill>
-                  <a:latin typeface="Poppins Light Bold"/>
-                </a:rPr>
-                <a:t>ID AND EMAIL CREATION</a:t>
-              </a:r>
-            </a:p>
-          </p:txBody>
-        </p:sp>
-        <p:sp>
-          <p:nvSpPr>
-            <p:cNvPr id="16" name="TextBox 16"/>
-            <p:cNvSpPr txBox="1"/>
-            <p:nvPr/>
-          </p:nvSpPr>
-          <p:spPr>
-            <a:xfrm>
-              <a:off x="0" y="972647"/>
-              <a:ext cx="3116018" cy="1784985"/>
-            </a:xfrm>
-            <a:prstGeom prst="rect">
-              <a:avLst/>
-            </a:prstGeom>
-          </p:spPr>
-          <p:txBody>
-            <a:bodyPr lIns="0" tIns="0" rIns="0" bIns="0" rtlCol="0" anchor="t">
-              <a:spAutoFit/>
-            </a:bodyPr>
-            <a:lstStyle/>
-            <a:p>
-              <a:pPr algn="r">
-                <a:lnSpc>
-                  <a:spcPts val="2700"/>
-                </a:lnSpc>
-              </a:pPr>
-              <a:r>
-                <a:rPr lang="en-US" sz="1800">
-                  <a:solidFill>
-                    <a:srgbClr val="1D617A"/>
-                  </a:solidFill>
-                  <a:latin typeface="Poppins Light"/>
-                </a:rPr>
-                <a:t>Presentations are communication tools that can be used as lectures.</a:t>
-              </a:r>
-            </a:p>
-          </p:txBody>
-        </p:sp>
-      </p:grpSp>
       <p:pic>
         <p:nvPicPr>
-          <p:cNvPr id="17" name="Picture 17"/>
+          <p:cNvPr id="3" name="Imagem 2">
+            <a:extLst>
+              <a:ext uri="{FF2B5EF4-FFF2-40B4-BE49-F238E27FC236}">
+                <a16:creationId xmlns:a16="http://schemas.microsoft.com/office/drawing/2014/main" id="{A77ADBF2-F077-4C66-B768-943FD78C10EC}"/>
+              </a:ext>
+            </a:extLst>
+          </p:cNvPr>
           <p:cNvPicPr>
             <a:picLocks noChangeAspect="1"/>
           </p:cNvPicPr>
@@ -17948,22 +11918,192 @@
         </p:nvPicPr>
         <p:blipFill>
           <a:blip r:embed="rId2"/>
-          <a:srcRect/>
           <a:stretch>
             <a:fillRect/>
           </a:stretch>
         </p:blipFill>
         <p:spPr>
           <a:xfrm>
-            <a:off x="146473" y="6000379"/>
-            <a:ext cx="1170095" cy="1166602"/>
+            <a:off x="1823615" y="0"/>
+            <a:ext cx="6106370" cy="7315200"/>
           </a:xfrm>
           <a:prstGeom prst="rect">
             <a:avLst/>
           </a:prstGeom>
         </p:spPr>
       </p:pic>
+      <p:sp>
+        <p:nvSpPr>
+          <p:cNvPr id="5" name="CaixaDeTexto 4">
+            <a:extLst>
+              <a:ext uri="{FF2B5EF4-FFF2-40B4-BE49-F238E27FC236}">
+                <a16:creationId xmlns:a16="http://schemas.microsoft.com/office/drawing/2014/main" id="{084562C0-06BD-410A-AF06-2E5E38321474}"/>
+              </a:ext>
+            </a:extLst>
+          </p:cNvPr>
+          <p:cNvSpPr txBox="1"/>
+          <p:nvPr/>
+        </p:nvSpPr>
+        <p:spPr>
+          <a:xfrm>
+            <a:off x="152400" y="4953000"/>
+            <a:ext cx="6040876" cy="338554"/>
+          </a:xfrm>
+          <a:prstGeom prst="rect">
+            <a:avLst/>
+          </a:prstGeom>
+          <a:noFill/>
+        </p:spPr>
+        <p:txBody>
+          <a:bodyPr wrap="square">
+            <a:spAutoFit/>
+          </a:bodyPr>
+          <a:lstStyle/>
+          <a:p>
+            <a:pPr algn="l"/>
+            <a:r>
+              <a:rPr lang="pt-BR" sz="800" b="0" i="0" u="none" strike="noStrike" baseline="0" dirty="0">
+                <a:latin typeface="Poppins" panose="00000500000000000000" pitchFamily="2" charset="0"/>
+                <a:cs typeface="Poppins" panose="00000500000000000000" pitchFamily="2" charset="0"/>
+              </a:rPr>
+              <a:t>Fonte: IBGE, Diretoria de Pesquisas, Coordenação de Serviços</a:t>
+            </a:r>
+          </a:p>
+          <a:p>
+            <a:pPr algn="l"/>
+            <a:r>
+              <a:rPr lang="pt-BR" sz="800" b="0" i="0" u="none" strike="noStrike" baseline="0" dirty="0">
+                <a:latin typeface="Poppins" panose="00000500000000000000" pitchFamily="2" charset="0"/>
+                <a:cs typeface="Poppins" panose="00000500000000000000" pitchFamily="2" charset="0"/>
+              </a:rPr>
+              <a:t>e Comércio, Pesquisa de Inovação 2011/2017.</a:t>
+            </a:r>
+            <a:endParaRPr lang="pt-BR" dirty="0">
+              <a:latin typeface="Poppins" panose="00000500000000000000" pitchFamily="2" charset="0"/>
+              <a:cs typeface="Poppins" panose="00000500000000000000" pitchFamily="2" charset="0"/>
+            </a:endParaRPr>
+          </a:p>
+        </p:txBody>
+      </p:sp>
     </p:spTree>
+    <p:extLst>
+      <p:ext uri="{BB962C8B-B14F-4D97-AF65-F5344CB8AC3E}">
+        <p14:creationId xmlns:p14="http://schemas.microsoft.com/office/powerpoint/2010/main" val="4280588949"/>
+      </p:ext>
+    </p:extLst>
+  </p:cSld>
+  <p:clrMapOvr>
+    <a:masterClrMapping/>
+  </p:clrMapOvr>
+</p:sld>
+</file>
+
+<file path=ppt/slides/slide9.xml><?xml version="1.0" encoding="utf-8"?>
+<p:sld xmlns:a="http://schemas.openxmlformats.org/drawingml/2006/main" xmlns:r="http://schemas.openxmlformats.org/officeDocument/2006/relationships" xmlns:p="http://schemas.openxmlformats.org/presentationml/2006/main">
+  <p:cSld>
+    <p:spTree>
+      <p:nvGrpSpPr>
+        <p:cNvPr id="1" name=""/>
+        <p:cNvGrpSpPr/>
+        <p:nvPr/>
+      </p:nvGrpSpPr>
+      <p:grpSpPr>
+        <a:xfrm>
+          <a:off x="0" y="0"/>
+          <a:ext cx="0" cy="0"/>
+          <a:chOff x="0" y="0"/>
+          <a:chExt cx="0" cy="0"/>
+        </a:xfrm>
+      </p:grpSpPr>
+      <p:pic>
+        <p:nvPicPr>
+          <p:cNvPr id="3" name="Imagem 2">
+            <a:extLst>
+              <a:ext uri="{FF2B5EF4-FFF2-40B4-BE49-F238E27FC236}">
+                <a16:creationId xmlns:a16="http://schemas.microsoft.com/office/drawing/2014/main" id="{088A29E9-A7B2-4BCC-A8F4-06055C50A050}"/>
+              </a:ext>
+            </a:extLst>
+          </p:cNvPr>
+          <p:cNvPicPr>
+            <a:picLocks noChangeAspect="1"/>
+          </p:cNvPicPr>
+          <p:nvPr/>
+        </p:nvPicPr>
+        <p:blipFill>
+          <a:blip r:embed="rId2"/>
+          <a:stretch>
+            <a:fillRect/>
+          </a:stretch>
+        </p:blipFill>
+        <p:spPr>
+          <a:xfrm>
+            <a:off x="1676400" y="1143000"/>
+            <a:ext cx="6524625" cy="5372100"/>
+          </a:xfrm>
+          <a:prstGeom prst="rect">
+            <a:avLst/>
+          </a:prstGeom>
+        </p:spPr>
+      </p:pic>
+      <p:sp>
+        <p:nvSpPr>
+          <p:cNvPr id="5" name="CaixaDeTexto 4">
+            <a:extLst>
+              <a:ext uri="{FF2B5EF4-FFF2-40B4-BE49-F238E27FC236}">
+                <a16:creationId xmlns:a16="http://schemas.microsoft.com/office/drawing/2014/main" id="{5E33B2A3-CAD5-4061-932A-034289628260}"/>
+              </a:ext>
+            </a:extLst>
+          </p:cNvPr>
+          <p:cNvSpPr txBox="1"/>
+          <p:nvPr/>
+        </p:nvSpPr>
+        <p:spPr>
+          <a:xfrm>
+            <a:off x="1918274" y="6781800"/>
+            <a:ext cx="6040876" cy="338554"/>
+          </a:xfrm>
+          <a:prstGeom prst="rect">
+            <a:avLst/>
+          </a:prstGeom>
+          <a:noFill/>
+        </p:spPr>
+        <p:txBody>
+          <a:bodyPr wrap="square">
+            <a:spAutoFit/>
+          </a:bodyPr>
+          <a:lstStyle/>
+          <a:p>
+            <a:pPr algn="l"/>
+            <a:r>
+              <a:rPr lang="pt-BR" sz="800" b="0" i="0" u="none" strike="noStrike" baseline="0" dirty="0">
+                <a:latin typeface="Poppins" panose="00000500000000000000" pitchFamily="2" charset="0"/>
+                <a:cs typeface="Poppins" panose="00000500000000000000" pitchFamily="2" charset="0"/>
+              </a:rPr>
+              <a:t>Fonte: IBGE, Diretoria de Pesquisas, Coordenação de Serviços</a:t>
+            </a:r>
+          </a:p>
+          <a:p>
+            <a:pPr algn="l"/>
+            <a:r>
+              <a:rPr lang="pt-BR" sz="800" b="0" i="0" u="none" strike="noStrike" baseline="0" dirty="0">
+                <a:latin typeface="Poppins" panose="00000500000000000000" pitchFamily="2" charset="0"/>
+                <a:cs typeface="Poppins" panose="00000500000000000000" pitchFamily="2" charset="0"/>
+              </a:rPr>
+              <a:t>e Comércio, Pesquisa de Inovação 2009-2017.</a:t>
+            </a:r>
+            <a:endParaRPr lang="pt-BR" dirty="0">
+              <a:latin typeface="Poppins" panose="00000500000000000000" pitchFamily="2" charset="0"/>
+              <a:cs typeface="Poppins" panose="00000500000000000000" pitchFamily="2" charset="0"/>
+            </a:endParaRPr>
+          </a:p>
+        </p:txBody>
+      </p:sp>
+    </p:spTree>
+    <p:extLst>
+      <p:ext uri="{BB962C8B-B14F-4D97-AF65-F5344CB8AC3E}">
+        <p14:creationId xmlns:p14="http://schemas.microsoft.com/office/powerpoint/2010/main" val="2495432460"/>
+      </p:ext>
+    </p:extLst>
   </p:cSld>
   <p:clrMapOvr>
     <a:masterClrMapping/>

--- a/apresentacao-sbg-2020.pptx
+++ b/apresentacao-sbg-2020.pptx
@@ -9,31 +9,41 @@
     <p:sldId id="271" r:id="rId3"/>
     <p:sldId id="273" r:id="rId4"/>
     <p:sldId id="272" r:id="rId5"/>
-    <p:sldId id="279" r:id="rId6"/>
-    <p:sldId id="274" r:id="rId7"/>
-    <p:sldId id="275" r:id="rId8"/>
-    <p:sldId id="276" r:id="rId9"/>
-    <p:sldId id="277" r:id="rId10"/>
-    <p:sldId id="278" r:id="rId11"/>
+    <p:sldId id="280" r:id="rId6"/>
+    <p:sldId id="279" r:id="rId7"/>
+    <p:sldId id="274" r:id="rId8"/>
+    <p:sldId id="275" r:id="rId9"/>
+    <p:sldId id="276" r:id="rId10"/>
+    <p:sldId id="277" r:id="rId11"/>
+    <p:sldId id="278" r:id="rId12"/>
+    <p:sldId id="281" r:id="rId13"/>
+    <p:sldId id="282" r:id="rId14"/>
   </p:sldIdLst>
   <p:sldSz cx="9753600" cy="7315200"/>
   <p:notesSz cx="6858000" cy="9144000"/>
   <p:embeddedFontLst>
     <p:embeddedFont>
+      <p:font typeface="Calibri" panose="020F0502020204030204" pitchFamily="34" charset="0"/>
+      <p:regular r:id="rId15"/>
+      <p:bold r:id="rId16"/>
+      <p:italic r:id="rId17"/>
+      <p:boldItalic r:id="rId18"/>
+    </p:embeddedFont>
+    <p:embeddedFont>
       <p:font typeface="Josefin Sans Regular Bold" panose="020B0604020202020204" charset="0"/>
-      <p:regular r:id="rId12"/>
+      <p:regular r:id="rId19"/>
     </p:embeddedFont>
     <p:embeddedFont>
       <p:font typeface="Poppins" panose="00000500000000000000" pitchFamily="2" charset="0"/>
-      <p:regular r:id="rId13"/>
-      <p:bold r:id="rId14"/>
-      <p:italic r:id="rId15"/>
-      <p:boldItalic r:id="rId16"/>
+      <p:regular r:id="rId20"/>
+      <p:bold r:id="rId21"/>
+      <p:italic r:id="rId22"/>
+      <p:boldItalic r:id="rId23"/>
     </p:embeddedFont>
     <p:embeddedFont>
       <p:font typeface="Poppins Light" panose="00000400000000000000" pitchFamily="2" charset="0"/>
-      <p:regular r:id="rId17"/>
-      <p:italic r:id="rId18"/>
+      <p:regular r:id="rId24"/>
+      <p:italic r:id="rId25"/>
     </p:embeddedFont>
   </p:embeddedFontLst>
   <p:defaultTextStyle>
@@ -10862,6 +10872,119 @@
           <p:cNvPr id="3" name="Imagem 2">
             <a:extLst>
               <a:ext uri="{FF2B5EF4-FFF2-40B4-BE49-F238E27FC236}">
+                <a16:creationId xmlns:a16="http://schemas.microsoft.com/office/drawing/2014/main" id="{088A29E9-A7B2-4BCC-A8F4-06055C50A050}"/>
+              </a:ext>
+            </a:extLst>
+          </p:cNvPr>
+          <p:cNvPicPr>
+            <a:picLocks noChangeAspect="1"/>
+          </p:cNvPicPr>
+          <p:nvPr/>
+        </p:nvPicPr>
+        <p:blipFill>
+          <a:blip r:embed="rId2"/>
+          <a:stretch>
+            <a:fillRect/>
+          </a:stretch>
+        </p:blipFill>
+        <p:spPr>
+          <a:xfrm>
+            <a:off x="1676400" y="1143000"/>
+            <a:ext cx="6524625" cy="5372100"/>
+          </a:xfrm>
+          <a:prstGeom prst="rect">
+            <a:avLst/>
+          </a:prstGeom>
+        </p:spPr>
+      </p:pic>
+      <p:sp>
+        <p:nvSpPr>
+          <p:cNvPr id="5" name="CaixaDeTexto 4">
+            <a:extLst>
+              <a:ext uri="{FF2B5EF4-FFF2-40B4-BE49-F238E27FC236}">
+                <a16:creationId xmlns:a16="http://schemas.microsoft.com/office/drawing/2014/main" id="{5E33B2A3-CAD5-4061-932A-034289628260}"/>
+              </a:ext>
+            </a:extLst>
+          </p:cNvPr>
+          <p:cNvSpPr txBox="1"/>
+          <p:nvPr/>
+        </p:nvSpPr>
+        <p:spPr>
+          <a:xfrm>
+            <a:off x="1918274" y="6781800"/>
+            <a:ext cx="6040876" cy="338554"/>
+          </a:xfrm>
+          <a:prstGeom prst="rect">
+            <a:avLst/>
+          </a:prstGeom>
+          <a:noFill/>
+        </p:spPr>
+        <p:txBody>
+          <a:bodyPr wrap="square">
+            <a:spAutoFit/>
+          </a:bodyPr>
+          <a:lstStyle/>
+          <a:p>
+            <a:pPr algn="l"/>
+            <a:r>
+              <a:rPr lang="pt-BR" sz="800" b="0" i="0" u="none" strike="noStrike" baseline="0" dirty="0">
+                <a:latin typeface="Poppins" panose="00000500000000000000" pitchFamily="2" charset="0"/>
+                <a:cs typeface="Poppins" panose="00000500000000000000" pitchFamily="2" charset="0"/>
+              </a:rPr>
+              <a:t>Fonte: IBGE, Diretoria de Pesquisas, Coordenação de Serviços</a:t>
+            </a:r>
+          </a:p>
+          <a:p>
+            <a:pPr algn="l"/>
+            <a:r>
+              <a:rPr lang="pt-BR" sz="800" b="0" i="0" u="none" strike="noStrike" baseline="0" dirty="0">
+                <a:latin typeface="Poppins" panose="00000500000000000000" pitchFamily="2" charset="0"/>
+                <a:cs typeface="Poppins" panose="00000500000000000000" pitchFamily="2" charset="0"/>
+              </a:rPr>
+              <a:t>e Comércio, Pesquisa de Inovação 2009-2017.</a:t>
+            </a:r>
+            <a:endParaRPr lang="pt-BR" dirty="0">
+              <a:latin typeface="Poppins" panose="00000500000000000000" pitchFamily="2" charset="0"/>
+              <a:cs typeface="Poppins" panose="00000500000000000000" pitchFamily="2" charset="0"/>
+            </a:endParaRPr>
+          </a:p>
+        </p:txBody>
+      </p:sp>
+    </p:spTree>
+    <p:extLst>
+      <p:ext uri="{BB962C8B-B14F-4D97-AF65-F5344CB8AC3E}">
+        <p14:creationId xmlns:p14="http://schemas.microsoft.com/office/powerpoint/2010/main" val="2495432460"/>
+      </p:ext>
+    </p:extLst>
+  </p:cSld>
+  <p:clrMapOvr>
+    <a:masterClrMapping/>
+  </p:clrMapOvr>
+</p:sld>
+</file>
+
+<file path=ppt/slides/slide11.xml><?xml version="1.0" encoding="utf-8"?>
+<p:sld xmlns:a="http://schemas.openxmlformats.org/drawingml/2006/main" xmlns:r="http://schemas.openxmlformats.org/officeDocument/2006/relationships" xmlns:p="http://schemas.openxmlformats.org/presentationml/2006/main">
+  <p:cSld>
+    <p:spTree>
+      <p:nvGrpSpPr>
+        <p:cNvPr id="1" name=""/>
+        <p:cNvGrpSpPr/>
+        <p:nvPr/>
+      </p:nvGrpSpPr>
+      <p:grpSpPr>
+        <a:xfrm>
+          <a:off x="0" y="0"/>
+          <a:ext cx="0" cy="0"/>
+          <a:chOff x="0" y="0"/>
+          <a:chExt cx="0" cy="0"/>
+        </a:xfrm>
+      </p:grpSpPr>
+      <p:pic>
+        <p:nvPicPr>
+          <p:cNvPr id="3" name="Imagem 2">
+            <a:extLst>
+              <a:ext uri="{FF2B5EF4-FFF2-40B4-BE49-F238E27FC236}">
                 <a16:creationId xmlns:a16="http://schemas.microsoft.com/office/drawing/2014/main" id="{017E1B08-DB3A-4C61-A806-4BD4A4E1FB18}"/>
               </a:ext>
             </a:extLst>
@@ -10944,6 +11067,134 @@
     <p:extLst>
       <p:ext uri="{BB962C8B-B14F-4D97-AF65-F5344CB8AC3E}">
         <p14:creationId xmlns:p14="http://schemas.microsoft.com/office/powerpoint/2010/main" val="1653088542"/>
+      </p:ext>
+    </p:extLst>
+  </p:cSld>
+  <p:clrMapOvr>
+    <a:masterClrMapping/>
+  </p:clrMapOvr>
+</p:sld>
+</file>
+
+<file path=ppt/slides/slide12.xml><?xml version="1.0" encoding="utf-8"?>
+<p:sld xmlns:a="http://schemas.openxmlformats.org/drawingml/2006/main" xmlns:r="http://schemas.openxmlformats.org/officeDocument/2006/relationships" xmlns:p="http://schemas.openxmlformats.org/presentationml/2006/main">
+  <p:cSld>
+    <p:spTree>
+      <p:nvGrpSpPr>
+        <p:cNvPr id="1" name=""/>
+        <p:cNvGrpSpPr/>
+        <p:nvPr/>
+      </p:nvGrpSpPr>
+      <p:grpSpPr>
+        <a:xfrm>
+          <a:off x="0" y="0"/>
+          <a:ext cx="0" cy="0"/>
+          <a:chOff x="0" y="0"/>
+          <a:chExt cx="0" cy="0"/>
+        </a:xfrm>
+      </p:grpSpPr>
+      <p:sp>
+        <p:nvSpPr>
+          <p:cNvPr id="2" name="Título 1">
+            <a:extLst>
+              <a:ext uri="{FF2B5EF4-FFF2-40B4-BE49-F238E27FC236}">
+                <a16:creationId xmlns:a16="http://schemas.microsoft.com/office/drawing/2014/main" id="{B04E7774-7D4A-4F74-B33E-EBD461F07DB6}"/>
+              </a:ext>
+            </a:extLst>
+          </p:cNvPr>
+          <p:cNvSpPr>
+            <a:spLocks noGrp="1"/>
+          </p:cNvSpPr>
+          <p:nvPr>
+            <p:ph type="title"/>
+          </p:nvPr>
+        </p:nvSpPr>
+        <p:spPr/>
+        <p:txBody>
+          <a:bodyPr/>
+          <a:lstStyle/>
+          <a:p>
+            <a:r>
+              <a:rPr lang="pt-BR" sz="1800" b="1" dirty="0">
+                <a:effectLst/>
+                <a:latin typeface="Calibri" panose="020F0502020204030204" pitchFamily="34" charset="0"/>
+                <a:ea typeface="Calibri" panose="020F0502020204030204" pitchFamily="34" charset="0"/>
+                <a:cs typeface="Times New Roman" panose="02020603050405020304" pitchFamily="18" charset="0"/>
+              </a:rPr>
+              <a:t>Índice Global de Inovação 2019</a:t>
+            </a:r>
+            <a:endParaRPr lang="pt-BR" dirty="0"/>
+          </a:p>
+        </p:txBody>
+      </p:sp>
+    </p:spTree>
+    <p:extLst>
+      <p:ext uri="{BB962C8B-B14F-4D97-AF65-F5344CB8AC3E}">
+        <p14:creationId xmlns:p14="http://schemas.microsoft.com/office/powerpoint/2010/main" val="2821038028"/>
+      </p:ext>
+    </p:extLst>
+  </p:cSld>
+  <p:clrMapOvr>
+    <a:masterClrMapping/>
+  </p:clrMapOvr>
+</p:sld>
+</file>
+
+<file path=ppt/slides/slide13.xml><?xml version="1.0" encoding="utf-8"?>
+<p:sld xmlns:a="http://schemas.openxmlformats.org/drawingml/2006/main" xmlns:r="http://schemas.openxmlformats.org/officeDocument/2006/relationships" xmlns:p="http://schemas.openxmlformats.org/presentationml/2006/main">
+  <p:cSld>
+    <p:spTree>
+      <p:nvGrpSpPr>
+        <p:cNvPr id="1" name=""/>
+        <p:cNvGrpSpPr/>
+        <p:nvPr/>
+      </p:nvGrpSpPr>
+      <p:grpSpPr>
+        <a:xfrm>
+          <a:off x="0" y="0"/>
+          <a:ext cx="0" cy="0"/>
+          <a:chOff x="0" y="0"/>
+          <a:chExt cx="0" cy="0"/>
+        </a:xfrm>
+      </p:grpSpPr>
+      <p:sp>
+        <p:nvSpPr>
+          <p:cNvPr id="2" name="Título 1">
+            <a:extLst>
+              <a:ext uri="{FF2B5EF4-FFF2-40B4-BE49-F238E27FC236}">
+                <a16:creationId xmlns:a16="http://schemas.microsoft.com/office/drawing/2014/main" id="{3438147E-AC69-42F8-8FAF-747C320F62BE}"/>
+              </a:ext>
+            </a:extLst>
+          </p:cNvPr>
+          <p:cNvSpPr>
+            <a:spLocks noGrp="1"/>
+          </p:cNvSpPr>
+          <p:nvPr>
+            <p:ph type="title"/>
+          </p:nvPr>
+        </p:nvSpPr>
+        <p:spPr/>
+        <p:txBody>
+          <a:bodyPr/>
+          <a:lstStyle/>
+          <a:p>
+            <a:r>
+              <a:rPr lang="pt-BR" sz="1800" b="1" dirty="0">
+                <a:effectLst/>
+                <a:latin typeface="Calibri" panose="020F0502020204030204" pitchFamily="34" charset="0"/>
+                <a:ea typeface="Calibri" panose="020F0502020204030204" pitchFamily="34" charset="0"/>
+                <a:cs typeface="Times New Roman" panose="02020603050405020304" pitchFamily="18" charset="0"/>
+              </a:rPr>
+              <a:t>Indicadores Nacionais de Ciência e Tecnologia e Inovação 2019</a:t>
+            </a:r>
+            <a:endParaRPr lang="pt-BR" dirty="0"/>
+          </a:p>
+        </p:txBody>
+      </p:sp>
+    </p:spTree>
+    <p:extLst>
+      <p:ext uri="{BB962C8B-B14F-4D97-AF65-F5344CB8AC3E}">
+        <p14:creationId xmlns:p14="http://schemas.microsoft.com/office/powerpoint/2010/main" val="1387175423"/>
       </p:ext>
     </p:extLst>
   </p:cSld>
@@ -11510,6 +11761,70 @@
           <a:chExt cx="0" cy="0"/>
         </a:xfrm>
       </p:grpSpPr>
+      <p:sp>
+        <p:nvSpPr>
+          <p:cNvPr id="4" name="Título 3">
+            <a:extLst>
+              <a:ext uri="{FF2B5EF4-FFF2-40B4-BE49-F238E27FC236}">
+                <a16:creationId xmlns:a16="http://schemas.microsoft.com/office/drawing/2014/main" id="{BDA5AA84-2FD4-42C1-A252-B96CA0A4164D}"/>
+              </a:ext>
+            </a:extLst>
+          </p:cNvPr>
+          <p:cNvSpPr>
+            <a:spLocks noGrp="1"/>
+          </p:cNvSpPr>
+          <p:nvPr>
+            <p:ph type="title"/>
+          </p:nvPr>
+        </p:nvSpPr>
+        <p:spPr/>
+        <p:txBody>
+          <a:bodyPr/>
+          <a:lstStyle/>
+          <a:p>
+            <a:r>
+              <a:rPr lang="pt-BR" sz="1800" b="1" dirty="0">
+                <a:effectLst/>
+                <a:latin typeface="Calibri" panose="020F0502020204030204" pitchFamily="34" charset="0"/>
+                <a:ea typeface="Calibri" panose="020F0502020204030204" pitchFamily="34" charset="0"/>
+                <a:cs typeface="Times New Roman" panose="02020603050405020304" pitchFamily="18" charset="0"/>
+              </a:rPr>
+              <a:t>PINTEC 2017</a:t>
+            </a:r>
+            <a:endParaRPr lang="pt-BR" dirty="0"/>
+          </a:p>
+        </p:txBody>
+      </p:sp>
+    </p:spTree>
+    <p:extLst>
+      <p:ext uri="{BB962C8B-B14F-4D97-AF65-F5344CB8AC3E}">
+        <p14:creationId xmlns:p14="http://schemas.microsoft.com/office/powerpoint/2010/main" val="586104128"/>
+      </p:ext>
+    </p:extLst>
+  </p:cSld>
+  <p:clrMapOvr>
+    <a:masterClrMapping/>
+  </p:clrMapOvr>
+</p:sld>
+</file>
+
+<file path=ppt/slides/slide6.xml><?xml version="1.0" encoding="utf-8"?>
+<p:sld xmlns:a="http://schemas.openxmlformats.org/drawingml/2006/main" xmlns:r="http://schemas.openxmlformats.org/officeDocument/2006/relationships" xmlns:p="http://schemas.openxmlformats.org/presentationml/2006/main">
+  <p:cSld>
+    <p:spTree>
+      <p:nvGrpSpPr>
+        <p:cNvPr id="1" name=""/>
+        <p:cNvGrpSpPr/>
+        <p:nvPr/>
+      </p:nvGrpSpPr>
+      <p:grpSpPr>
+        <a:xfrm>
+          <a:off x="0" y="0"/>
+          <a:ext cx="0" cy="0"/>
+          <a:chOff x="0" y="0"/>
+          <a:chExt cx="0" cy="0"/>
+        </a:xfrm>
+      </p:grpSpPr>
       <p:pic>
         <p:nvPicPr>
           <p:cNvPr id="3" name="Imagem 2">
@@ -11617,7 +11932,7 @@
 </p:sld>
 </file>
 
-<file path=ppt/slides/slide6.xml><?xml version="1.0" encoding="utf-8"?>
+<file path=ppt/slides/slide7.xml><?xml version="1.0" encoding="utf-8"?>
 <p:sld xmlns:a="http://schemas.openxmlformats.org/drawingml/2006/main" xmlns:r="http://schemas.openxmlformats.org/officeDocument/2006/relationships" xmlns:p="http://schemas.openxmlformats.org/presentationml/2006/main">
   <p:cSld>
     <p:spTree>
@@ -11741,7 +12056,7 @@
 </p:sld>
 </file>
 
-<file path=ppt/slides/slide7.xml><?xml version="1.0" encoding="utf-8"?>
+<file path=ppt/slides/slide8.xml><?xml version="1.0" encoding="utf-8"?>
 <p:sld xmlns:a="http://schemas.openxmlformats.org/drawingml/2006/main" xmlns:r="http://schemas.openxmlformats.org/officeDocument/2006/relationships" xmlns:p="http://schemas.openxmlformats.org/presentationml/2006/main">
   <p:cSld>
     <p:spTree>
@@ -11885,7 +12200,7 @@
 </p:sld>
 </file>
 
-<file path=ppt/slides/slide8.xml><?xml version="1.0" encoding="utf-8"?>
+<file path=ppt/slides/slide9.xml><?xml version="1.0" encoding="utf-8"?>
 <p:sld xmlns:a="http://schemas.openxmlformats.org/drawingml/2006/main" xmlns:r="http://schemas.openxmlformats.org/officeDocument/2006/relationships" xmlns:p="http://schemas.openxmlformats.org/presentationml/2006/main">
   <p:cSld>
     <p:spTree>
@@ -11989,119 +12304,6 @@
     <p:extLst>
       <p:ext uri="{BB962C8B-B14F-4D97-AF65-F5344CB8AC3E}">
         <p14:creationId xmlns:p14="http://schemas.microsoft.com/office/powerpoint/2010/main" val="4280588949"/>
-      </p:ext>
-    </p:extLst>
-  </p:cSld>
-  <p:clrMapOvr>
-    <a:masterClrMapping/>
-  </p:clrMapOvr>
-</p:sld>
-</file>
-
-<file path=ppt/slides/slide9.xml><?xml version="1.0" encoding="utf-8"?>
-<p:sld xmlns:a="http://schemas.openxmlformats.org/drawingml/2006/main" xmlns:r="http://schemas.openxmlformats.org/officeDocument/2006/relationships" xmlns:p="http://schemas.openxmlformats.org/presentationml/2006/main">
-  <p:cSld>
-    <p:spTree>
-      <p:nvGrpSpPr>
-        <p:cNvPr id="1" name=""/>
-        <p:cNvGrpSpPr/>
-        <p:nvPr/>
-      </p:nvGrpSpPr>
-      <p:grpSpPr>
-        <a:xfrm>
-          <a:off x="0" y="0"/>
-          <a:ext cx="0" cy="0"/>
-          <a:chOff x="0" y="0"/>
-          <a:chExt cx="0" cy="0"/>
-        </a:xfrm>
-      </p:grpSpPr>
-      <p:pic>
-        <p:nvPicPr>
-          <p:cNvPr id="3" name="Imagem 2">
-            <a:extLst>
-              <a:ext uri="{FF2B5EF4-FFF2-40B4-BE49-F238E27FC236}">
-                <a16:creationId xmlns:a16="http://schemas.microsoft.com/office/drawing/2014/main" id="{088A29E9-A7B2-4BCC-A8F4-06055C50A050}"/>
-              </a:ext>
-            </a:extLst>
-          </p:cNvPr>
-          <p:cNvPicPr>
-            <a:picLocks noChangeAspect="1"/>
-          </p:cNvPicPr>
-          <p:nvPr/>
-        </p:nvPicPr>
-        <p:blipFill>
-          <a:blip r:embed="rId2"/>
-          <a:stretch>
-            <a:fillRect/>
-          </a:stretch>
-        </p:blipFill>
-        <p:spPr>
-          <a:xfrm>
-            <a:off x="1676400" y="1143000"/>
-            <a:ext cx="6524625" cy="5372100"/>
-          </a:xfrm>
-          <a:prstGeom prst="rect">
-            <a:avLst/>
-          </a:prstGeom>
-        </p:spPr>
-      </p:pic>
-      <p:sp>
-        <p:nvSpPr>
-          <p:cNvPr id="5" name="CaixaDeTexto 4">
-            <a:extLst>
-              <a:ext uri="{FF2B5EF4-FFF2-40B4-BE49-F238E27FC236}">
-                <a16:creationId xmlns:a16="http://schemas.microsoft.com/office/drawing/2014/main" id="{5E33B2A3-CAD5-4061-932A-034289628260}"/>
-              </a:ext>
-            </a:extLst>
-          </p:cNvPr>
-          <p:cNvSpPr txBox="1"/>
-          <p:nvPr/>
-        </p:nvSpPr>
-        <p:spPr>
-          <a:xfrm>
-            <a:off x="1918274" y="6781800"/>
-            <a:ext cx="6040876" cy="338554"/>
-          </a:xfrm>
-          <a:prstGeom prst="rect">
-            <a:avLst/>
-          </a:prstGeom>
-          <a:noFill/>
-        </p:spPr>
-        <p:txBody>
-          <a:bodyPr wrap="square">
-            <a:spAutoFit/>
-          </a:bodyPr>
-          <a:lstStyle/>
-          <a:p>
-            <a:pPr algn="l"/>
-            <a:r>
-              <a:rPr lang="pt-BR" sz="800" b="0" i="0" u="none" strike="noStrike" baseline="0" dirty="0">
-                <a:latin typeface="Poppins" panose="00000500000000000000" pitchFamily="2" charset="0"/>
-                <a:cs typeface="Poppins" panose="00000500000000000000" pitchFamily="2" charset="0"/>
-              </a:rPr>
-              <a:t>Fonte: IBGE, Diretoria de Pesquisas, Coordenação de Serviços</a:t>
-            </a:r>
-          </a:p>
-          <a:p>
-            <a:pPr algn="l"/>
-            <a:r>
-              <a:rPr lang="pt-BR" sz="800" b="0" i="0" u="none" strike="noStrike" baseline="0" dirty="0">
-                <a:latin typeface="Poppins" panose="00000500000000000000" pitchFamily="2" charset="0"/>
-                <a:cs typeface="Poppins" panose="00000500000000000000" pitchFamily="2" charset="0"/>
-              </a:rPr>
-              <a:t>e Comércio, Pesquisa de Inovação 2009-2017.</a:t>
-            </a:r>
-            <a:endParaRPr lang="pt-BR" dirty="0">
-              <a:latin typeface="Poppins" panose="00000500000000000000" pitchFamily="2" charset="0"/>
-              <a:cs typeface="Poppins" panose="00000500000000000000" pitchFamily="2" charset="0"/>
-            </a:endParaRPr>
-          </a:p>
-        </p:txBody>
-      </p:sp>
-    </p:spTree>
-    <p:extLst>
-      <p:ext uri="{BB962C8B-B14F-4D97-AF65-F5344CB8AC3E}">
-        <p14:creationId xmlns:p14="http://schemas.microsoft.com/office/powerpoint/2010/main" val="2495432460"/>
       </p:ext>
     </p:extLst>
   </p:cSld>

--- a/apresentacao-sbg-2020.pptx
+++ b/apresentacao-sbg-2020.pptx
@@ -17,33 +17,39 @@
     <p:sldId id="277" r:id="rId11"/>
     <p:sldId id="278" r:id="rId12"/>
     <p:sldId id="281" r:id="rId13"/>
-    <p:sldId id="282" r:id="rId14"/>
+    <p:sldId id="283" r:id="rId14"/>
+    <p:sldId id="284" r:id="rId15"/>
+    <p:sldId id="285" r:id="rId16"/>
+    <p:sldId id="286" r:id="rId17"/>
+    <p:sldId id="287" r:id="rId18"/>
+    <p:sldId id="288" r:id="rId19"/>
+    <p:sldId id="282" r:id="rId20"/>
   </p:sldIdLst>
   <p:sldSz cx="9753600" cy="7315200"/>
   <p:notesSz cx="6858000" cy="9144000"/>
   <p:embeddedFontLst>
     <p:embeddedFont>
       <p:font typeface="Calibri" panose="020F0502020204030204" pitchFamily="34" charset="0"/>
-      <p:regular r:id="rId15"/>
-      <p:bold r:id="rId16"/>
-      <p:italic r:id="rId17"/>
-      <p:boldItalic r:id="rId18"/>
+      <p:regular r:id="rId21"/>
+      <p:bold r:id="rId22"/>
+      <p:italic r:id="rId23"/>
+      <p:boldItalic r:id="rId24"/>
     </p:embeddedFont>
     <p:embeddedFont>
       <p:font typeface="Josefin Sans Regular Bold" panose="020B0604020202020204" charset="0"/>
-      <p:regular r:id="rId19"/>
+      <p:regular r:id="rId25"/>
     </p:embeddedFont>
     <p:embeddedFont>
       <p:font typeface="Poppins" panose="00000500000000000000" pitchFamily="2" charset="0"/>
-      <p:regular r:id="rId20"/>
-      <p:bold r:id="rId21"/>
-      <p:italic r:id="rId22"/>
-      <p:boldItalic r:id="rId23"/>
+      <p:regular r:id="rId26"/>
+      <p:bold r:id="rId27"/>
+      <p:italic r:id="rId28"/>
+      <p:boldItalic r:id="rId29"/>
     </p:embeddedFont>
     <p:embeddedFont>
       <p:font typeface="Poppins Light" panose="00000400000000000000" pitchFamily="2" charset="0"/>
-      <p:regular r:id="rId24"/>
-      <p:italic r:id="rId25"/>
+      <p:regular r:id="rId30"/>
+      <p:italic r:id="rId31"/>
     </p:embeddedFont>
   </p:embeddedFontLst>
   <p:defaultTextStyle>
@@ -11159,6 +11165,1751 @@
       </p:grpSpPr>
       <p:sp>
         <p:nvSpPr>
+          <p:cNvPr id="5" name="Título 4">
+            <a:extLst>
+              <a:ext uri="{FF2B5EF4-FFF2-40B4-BE49-F238E27FC236}">
+                <a16:creationId xmlns:a16="http://schemas.microsoft.com/office/drawing/2014/main" id="{5DC841AD-A50F-498A-BC63-3C68D84A2962}"/>
+              </a:ext>
+            </a:extLst>
+          </p:cNvPr>
+          <p:cNvSpPr>
+            <a:spLocks noGrp="1"/>
+          </p:cNvSpPr>
+          <p:nvPr>
+            <p:ph type="title"/>
+          </p:nvPr>
+        </p:nvSpPr>
+        <p:spPr/>
+        <p:txBody>
+          <a:bodyPr>
+            <a:normAutofit fontScale="90000"/>
+          </a:bodyPr>
+          <a:lstStyle/>
+          <a:p>
+            <a:r>
+              <a:rPr lang="pt-BR" dirty="0"/>
+              <a:t>Líderes Globais em Inovação em 2019</a:t>
+            </a:r>
+          </a:p>
+        </p:txBody>
+      </p:sp>
+      <p:sp>
+        <p:nvSpPr>
+          <p:cNvPr id="13" name="Espaço Reservado para Texto 12">
+            <a:extLst>
+              <a:ext uri="{FF2B5EF4-FFF2-40B4-BE49-F238E27FC236}">
+                <a16:creationId xmlns:a16="http://schemas.microsoft.com/office/drawing/2014/main" id="{C9CD8A97-EC2C-40A6-8D21-F3B7BA1B2F43}"/>
+              </a:ext>
+            </a:extLst>
+          </p:cNvPr>
+          <p:cNvSpPr>
+            <a:spLocks noGrp="1"/>
+          </p:cNvSpPr>
+          <p:nvPr>
+            <p:ph type="body" sz="quarter" idx="13"/>
+          </p:nvPr>
+        </p:nvSpPr>
+        <p:spPr/>
+        <p:txBody>
+          <a:bodyPr>
+            <a:normAutofit fontScale="92500" lnSpcReduction="10000"/>
+          </a:bodyPr>
+          <a:lstStyle/>
+          <a:p>
+            <a:r>
+              <a:rPr lang="pt-BR" dirty="0"/>
+              <a:t>As 3 principais economias da inovação por região</a:t>
+            </a:r>
+          </a:p>
+          <a:p>
+            <a:endParaRPr lang="pt-BR" dirty="0"/>
+          </a:p>
+        </p:txBody>
+      </p:sp>
+      <p:pic>
+        <p:nvPicPr>
+          <p:cNvPr id="15" name="Espaço Reservado para Conteúdo 14" descr="Uma imagem contendo texto, screenshot&#10;&#10;Descrição gerada automaticamente">
+            <a:extLst>
+              <a:ext uri="{FF2B5EF4-FFF2-40B4-BE49-F238E27FC236}">
+                <a16:creationId xmlns:a16="http://schemas.microsoft.com/office/drawing/2014/main" id="{769D3350-7D76-4708-AB44-DC043D584D1E}"/>
+              </a:ext>
+            </a:extLst>
+          </p:cNvPr>
+          <p:cNvPicPr>
+            <a:picLocks noGrp="1" noChangeAspect="1"/>
+          </p:cNvPicPr>
+          <p:nvPr>
+            <p:ph idx="1"/>
+          </p:nvPr>
+        </p:nvPicPr>
+        <p:blipFill>
+          <a:blip r:embed="rId2" cstate="print">
+            <a:extLst>
+              <a:ext uri="{28A0092B-C50C-407E-A947-70E740481C1C}">
+                <a14:useLocalDpi xmlns:a14="http://schemas.microsoft.com/office/drawing/2010/main" val="0"/>
+              </a:ext>
+            </a:extLst>
+          </a:blip>
+          <a:stretch>
+            <a:fillRect/>
+          </a:stretch>
+        </p:blipFill>
+        <p:spPr>
+          <a:xfrm>
+            <a:off x="1957963" y="1838325"/>
+            <a:ext cx="5837673" cy="4562475"/>
+          </a:xfrm>
+          <a:prstGeom prst="rect">
+            <a:avLst/>
+          </a:prstGeom>
+        </p:spPr>
+      </p:pic>
+    </p:spTree>
+    <p:extLst>
+      <p:ext uri="{BB962C8B-B14F-4D97-AF65-F5344CB8AC3E}">
+        <p14:creationId xmlns:p14="http://schemas.microsoft.com/office/powerpoint/2010/main" val="160532716"/>
+      </p:ext>
+    </p:extLst>
+  </p:cSld>
+  <p:clrMapOvr>
+    <a:masterClrMapping/>
+  </p:clrMapOvr>
+</p:sld>
+</file>
+
+<file path=ppt/slides/slide14.xml><?xml version="1.0" encoding="utf-8"?>
+<p:sld xmlns:a="http://schemas.openxmlformats.org/drawingml/2006/main" xmlns:r="http://schemas.openxmlformats.org/officeDocument/2006/relationships" xmlns:p="http://schemas.openxmlformats.org/presentationml/2006/main">
+  <p:cSld>
+    <p:spTree>
+      <p:nvGrpSpPr>
+        <p:cNvPr id="1" name=""/>
+        <p:cNvGrpSpPr/>
+        <p:nvPr/>
+      </p:nvGrpSpPr>
+      <p:grpSpPr>
+        <a:xfrm>
+          <a:off x="0" y="0"/>
+          <a:ext cx="0" cy="0"/>
+          <a:chOff x="0" y="0"/>
+          <a:chExt cx="0" cy="0"/>
+        </a:xfrm>
+      </p:grpSpPr>
+      <p:sp>
+        <p:nvSpPr>
+          <p:cNvPr id="2" name="Título 1">
+            <a:extLst>
+              <a:ext uri="{FF2B5EF4-FFF2-40B4-BE49-F238E27FC236}">
+                <a16:creationId xmlns:a16="http://schemas.microsoft.com/office/drawing/2014/main" id="{E0C65614-D626-41D3-80FC-3DF9256618ED}"/>
+              </a:ext>
+            </a:extLst>
+          </p:cNvPr>
+          <p:cNvSpPr>
+            <a:spLocks noGrp="1"/>
+          </p:cNvSpPr>
+          <p:nvPr>
+            <p:ph type="title"/>
+          </p:nvPr>
+        </p:nvSpPr>
+        <p:spPr/>
+        <p:txBody>
+          <a:bodyPr>
+            <a:normAutofit fontScale="90000"/>
+          </a:bodyPr>
+          <a:lstStyle/>
+          <a:p>
+            <a:r>
+              <a:rPr lang="pt-BR" dirty="0"/>
+              <a:t>Líderes Globais em Inovação em 2019</a:t>
+            </a:r>
+          </a:p>
+        </p:txBody>
+      </p:sp>
+      <p:sp>
+        <p:nvSpPr>
+          <p:cNvPr id="4" name="Espaço Reservado para Texto 3">
+            <a:extLst>
+              <a:ext uri="{FF2B5EF4-FFF2-40B4-BE49-F238E27FC236}">
+                <a16:creationId xmlns:a16="http://schemas.microsoft.com/office/drawing/2014/main" id="{E0B6A380-3D54-4A98-95FE-0611BB8420AB}"/>
+              </a:ext>
+            </a:extLst>
+          </p:cNvPr>
+          <p:cNvSpPr>
+            <a:spLocks noGrp="1"/>
+          </p:cNvSpPr>
+          <p:nvPr>
+            <p:ph type="body" sz="quarter" idx="13"/>
+          </p:nvPr>
+        </p:nvSpPr>
+        <p:spPr/>
+        <p:txBody>
+          <a:bodyPr>
+            <a:normAutofit fontScale="77500" lnSpcReduction="20000"/>
+          </a:bodyPr>
+          <a:lstStyle/>
+          <a:p>
+            <a:r>
+              <a:rPr lang="pt-BR" dirty="0"/>
+              <a:t>As 3 principais economias da inovação por grupo de renda</a:t>
+            </a:r>
+          </a:p>
+        </p:txBody>
+      </p:sp>
+      <p:pic>
+        <p:nvPicPr>
+          <p:cNvPr id="12" name="Espaço Reservado para Conteúdo 8" descr="Uma imagem contendo screenshot, texto&#10;&#10;Descrição gerada automaticamente">
+            <a:extLst>
+              <a:ext uri="{FF2B5EF4-FFF2-40B4-BE49-F238E27FC236}">
+                <a16:creationId xmlns:a16="http://schemas.microsoft.com/office/drawing/2014/main" id="{836198E5-6803-46F9-8F5F-66A3B4899A95}"/>
+              </a:ext>
+            </a:extLst>
+          </p:cNvPr>
+          <p:cNvPicPr>
+            <a:picLocks noGrp="1" noChangeAspect="1"/>
+          </p:cNvPicPr>
+          <p:nvPr>
+            <p:ph idx="1"/>
+          </p:nvPr>
+        </p:nvPicPr>
+        <p:blipFill>
+          <a:blip r:embed="rId2" cstate="print">
+            <a:extLst>
+              <a:ext uri="{28A0092B-C50C-407E-A947-70E740481C1C}">
+                <a14:useLocalDpi xmlns:a14="http://schemas.microsoft.com/office/drawing/2010/main" val="0"/>
+              </a:ext>
+            </a:extLst>
+          </a:blip>
+          <a:stretch>
+            <a:fillRect/>
+          </a:stretch>
+        </p:blipFill>
+        <p:spPr>
+          <a:xfrm>
+            <a:off x="533400" y="3164211"/>
+            <a:ext cx="8686800" cy="1910702"/>
+          </a:xfrm>
+        </p:spPr>
+      </p:pic>
+    </p:spTree>
+    <p:extLst>
+      <p:ext uri="{BB962C8B-B14F-4D97-AF65-F5344CB8AC3E}">
+        <p14:creationId xmlns:p14="http://schemas.microsoft.com/office/powerpoint/2010/main" val="2751033370"/>
+      </p:ext>
+    </p:extLst>
+  </p:cSld>
+  <p:clrMapOvr>
+    <a:masterClrMapping/>
+  </p:clrMapOvr>
+</p:sld>
+</file>
+
+<file path=ppt/slides/slide15.xml><?xml version="1.0" encoding="utf-8"?>
+<p:sld xmlns:a="http://schemas.openxmlformats.org/drawingml/2006/main" xmlns:r="http://schemas.openxmlformats.org/officeDocument/2006/relationships" xmlns:p="http://schemas.openxmlformats.org/presentationml/2006/main">
+  <p:cSld>
+    <p:spTree>
+      <p:nvGrpSpPr>
+        <p:cNvPr id="1" name=""/>
+        <p:cNvGrpSpPr/>
+        <p:nvPr/>
+      </p:nvGrpSpPr>
+      <p:grpSpPr>
+        <a:xfrm>
+          <a:off x="0" y="0"/>
+          <a:ext cx="0" cy="0"/>
+          <a:chOff x="0" y="0"/>
+          <a:chExt cx="0" cy="0"/>
+        </a:xfrm>
+      </p:grpSpPr>
+      <p:sp>
+        <p:nvSpPr>
+          <p:cNvPr id="2" name="Título 1">
+            <a:extLst>
+              <a:ext uri="{FF2B5EF4-FFF2-40B4-BE49-F238E27FC236}">
+                <a16:creationId xmlns:a16="http://schemas.microsoft.com/office/drawing/2014/main" id="{B888B434-FCB7-4AB0-A1BA-8C1742AB75F6}"/>
+              </a:ext>
+            </a:extLst>
+          </p:cNvPr>
+          <p:cNvSpPr>
+            <a:spLocks noGrp="1"/>
+          </p:cNvSpPr>
+          <p:nvPr>
+            <p:ph type="title" idx="4294967295"/>
+          </p:nvPr>
+        </p:nvSpPr>
+        <p:spPr>
+          <a:xfrm>
+            <a:off x="533400" y="1981200"/>
+            <a:ext cx="3048000" cy="3505200"/>
+          </a:xfrm>
+        </p:spPr>
+        <p:txBody>
+          <a:bodyPr>
+            <a:normAutofit fontScale="90000"/>
+          </a:bodyPr>
+          <a:lstStyle/>
+          <a:p>
+            <a:r>
+              <a:rPr lang="pt-BR" sz="3600" dirty="0"/>
+              <a:t>Proporções por região e por economia das despesas empresariais mundiais 2017</a:t>
+            </a:r>
+          </a:p>
+        </p:txBody>
+      </p:sp>
+      <p:pic>
+        <p:nvPicPr>
+          <p:cNvPr id="12" name="Espaço Reservado para Conteúdo 8">
+            <a:extLst>
+              <a:ext uri="{FF2B5EF4-FFF2-40B4-BE49-F238E27FC236}">
+                <a16:creationId xmlns:a16="http://schemas.microsoft.com/office/drawing/2014/main" id="{5E905184-88AF-42C7-8F6E-E6E884CCB192}"/>
+              </a:ext>
+            </a:extLst>
+          </p:cNvPr>
+          <p:cNvPicPr>
+            <a:picLocks noGrp="1" noChangeAspect="1"/>
+          </p:cNvPicPr>
+          <p:nvPr>
+            <p:ph idx="4294967295"/>
+          </p:nvPr>
+        </p:nvPicPr>
+        <p:blipFill>
+          <a:blip r:embed="rId2" cstate="print">
+            <a:extLst>
+              <a:ext uri="{28A0092B-C50C-407E-A947-70E740481C1C}">
+                <a14:useLocalDpi xmlns:a14="http://schemas.microsoft.com/office/drawing/2010/main" val="0"/>
+              </a:ext>
+            </a:extLst>
+          </a:blip>
+          <a:stretch>
+            <a:fillRect/>
+          </a:stretch>
+        </p:blipFill>
+        <p:spPr>
+          <a:xfrm>
+            <a:off x="3733800" y="364331"/>
+            <a:ext cx="5730875" cy="6738937"/>
+          </a:xfrm>
+        </p:spPr>
+      </p:pic>
+    </p:spTree>
+    <p:extLst>
+      <p:ext uri="{BB962C8B-B14F-4D97-AF65-F5344CB8AC3E}">
+        <p14:creationId xmlns:p14="http://schemas.microsoft.com/office/powerpoint/2010/main" val="2643616671"/>
+      </p:ext>
+    </p:extLst>
+  </p:cSld>
+  <p:clrMapOvr>
+    <a:masterClrMapping/>
+  </p:clrMapOvr>
+</p:sld>
+</file>
+
+<file path=ppt/slides/slide16.xml><?xml version="1.0" encoding="utf-8"?>
+<p:sld xmlns:a="http://schemas.openxmlformats.org/drawingml/2006/main" xmlns:r="http://schemas.openxmlformats.org/officeDocument/2006/relationships" xmlns:p="http://schemas.openxmlformats.org/presentationml/2006/main">
+  <p:cSld>
+    <p:spTree>
+      <p:nvGrpSpPr>
+        <p:cNvPr id="1" name=""/>
+        <p:cNvGrpSpPr/>
+        <p:nvPr/>
+      </p:nvGrpSpPr>
+      <p:grpSpPr>
+        <a:xfrm>
+          <a:off x="0" y="0"/>
+          <a:ext cx="0" cy="0"/>
+          <a:chOff x="0" y="0"/>
+          <a:chExt cx="0" cy="0"/>
+        </a:xfrm>
+      </p:grpSpPr>
+      <p:sp>
+        <p:nvSpPr>
+          <p:cNvPr id="7" name="Título 6">
+            <a:extLst>
+              <a:ext uri="{FF2B5EF4-FFF2-40B4-BE49-F238E27FC236}">
+                <a16:creationId xmlns:a16="http://schemas.microsoft.com/office/drawing/2014/main" id="{41D52E72-CD7A-4E4A-A4AF-088BB61CFB87}"/>
+              </a:ext>
+            </a:extLst>
+          </p:cNvPr>
+          <p:cNvSpPr>
+            <a:spLocks noGrp="1"/>
+          </p:cNvSpPr>
+          <p:nvPr>
+            <p:ph type="title"/>
+          </p:nvPr>
+        </p:nvSpPr>
+        <p:spPr/>
+        <p:txBody>
+          <a:bodyPr>
+            <a:normAutofit fontScale="90000"/>
+          </a:bodyPr>
+          <a:lstStyle/>
+          <a:p>
+            <a:r>
+              <a:rPr lang="pt-BR" dirty="0"/>
+              <a:t>Desempenho em inovação em diferentes níveis de renda - 2019</a:t>
+            </a:r>
+          </a:p>
+        </p:txBody>
+      </p:sp>
+      <p:pic>
+        <p:nvPicPr>
+          <p:cNvPr id="14" name="Espaço Reservado para Conteúdo 13" descr="Tela de computador com texto preto sobre fundo branco&#10;&#10;Descrição gerada automaticamente">
+            <a:extLst>
+              <a:ext uri="{FF2B5EF4-FFF2-40B4-BE49-F238E27FC236}">
+                <a16:creationId xmlns:a16="http://schemas.microsoft.com/office/drawing/2014/main" id="{3AF8DA1A-2B74-4D20-ACDA-1C131D3E459D}"/>
+              </a:ext>
+            </a:extLst>
+          </p:cNvPr>
+          <p:cNvPicPr>
+            <a:picLocks noGrp="1" noChangeAspect="1"/>
+          </p:cNvPicPr>
+          <p:nvPr>
+            <p:ph idx="1"/>
+          </p:nvPr>
+        </p:nvPicPr>
+        <p:blipFill>
+          <a:blip r:embed="rId2" cstate="print">
+            <a:extLst>
+              <a:ext uri="{28A0092B-C50C-407E-A947-70E740481C1C}">
+                <a14:useLocalDpi xmlns:a14="http://schemas.microsoft.com/office/drawing/2010/main" val="0"/>
+              </a:ext>
+            </a:extLst>
+          </a:blip>
+          <a:stretch>
+            <a:fillRect/>
+          </a:stretch>
+        </p:blipFill>
+        <p:spPr>
+          <a:xfrm>
+            <a:off x="533400" y="1893368"/>
+            <a:ext cx="8686800" cy="4452388"/>
+          </a:xfrm>
+        </p:spPr>
+      </p:pic>
+      <p:sp>
+        <p:nvSpPr>
+          <p:cNvPr id="16" name="CaixaDeTexto 15">
+            <a:extLst>
+              <a:ext uri="{FF2B5EF4-FFF2-40B4-BE49-F238E27FC236}">
+                <a16:creationId xmlns:a16="http://schemas.microsoft.com/office/drawing/2014/main" id="{D362E478-0360-474D-B22D-D15A87FC737E}"/>
+              </a:ext>
+            </a:extLst>
+          </p:cNvPr>
+          <p:cNvSpPr txBox="1"/>
+          <p:nvPr/>
+        </p:nvSpPr>
+        <p:spPr>
+          <a:xfrm>
+            <a:off x="1842259" y="6534400"/>
+            <a:ext cx="2819400" cy="430887"/>
+          </a:xfrm>
+          <a:prstGeom prst="rect">
+            <a:avLst/>
+          </a:prstGeom>
+          <a:noFill/>
+        </p:spPr>
+        <p:txBody>
+          <a:bodyPr wrap="square">
+            <a:spAutoFit/>
+          </a:bodyPr>
+          <a:lstStyle/>
+          <a:p>
+            <a:r>
+              <a:rPr lang="pt-BR" sz="1100" i="0" u="none" strike="noStrike" baseline="0" dirty="0">
+                <a:solidFill>
+                  <a:srgbClr val="48709C"/>
+                </a:solidFill>
+                <a:latin typeface="Poppins" panose="00000500000000000000" pitchFamily="2" charset="0"/>
+                <a:cs typeface="Poppins" panose="00000500000000000000" pitchFamily="2" charset="0"/>
+              </a:rPr>
+              <a:t>Acima das expectativas em relação ao nível de desenvolvimento</a:t>
+            </a:r>
+            <a:endParaRPr lang="pt-BR" sz="1100" dirty="0">
+              <a:solidFill>
+                <a:srgbClr val="48709C"/>
+              </a:solidFill>
+              <a:latin typeface="Poppins" panose="00000500000000000000" pitchFamily="2" charset="0"/>
+              <a:cs typeface="Poppins" panose="00000500000000000000" pitchFamily="2" charset="0"/>
+            </a:endParaRPr>
+          </a:p>
+        </p:txBody>
+      </p:sp>
+      <p:sp>
+        <p:nvSpPr>
+          <p:cNvPr id="18" name="CaixaDeTexto 17">
+            <a:extLst>
+              <a:ext uri="{FF2B5EF4-FFF2-40B4-BE49-F238E27FC236}">
+                <a16:creationId xmlns:a16="http://schemas.microsoft.com/office/drawing/2014/main" id="{894C0AF1-D09D-4DC2-8F52-6BFF271068F2}"/>
+              </a:ext>
+            </a:extLst>
+          </p:cNvPr>
+          <p:cNvSpPr txBox="1"/>
+          <p:nvPr/>
+        </p:nvSpPr>
+        <p:spPr>
+          <a:xfrm>
+            <a:off x="5165469" y="6534400"/>
+            <a:ext cx="3200400" cy="430887"/>
+          </a:xfrm>
+          <a:prstGeom prst="rect">
+            <a:avLst/>
+          </a:prstGeom>
+          <a:noFill/>
+        </p:spPr>
+        <p:txBody>
+          <a:bodyPr wrap="square">
+            <a:spAutoFit/>
+          </a:bodyPr>
+          <a:lstStyle/>
+          <a:p>
+            <a:r>
+              <a:rPr lang="pt-BR" sz="1100" i="0" u="none" strike="noStrike" baseline="0" dirty="0">
+                <a:solidFill>
+                  <a:srgbClr val="B8548E"/>
+                </a:solidFill>
+                <a:latin typeface="Poppins" panose="00000500000000000000" pitchFamily="2" charset="0"/>
+                <a:cs typeface="Poppins" panose="00000500000000000000" pitchFamily="2" charset="0"/>
+              </a:rPr>
+              <a:t>De acordo com as expectativas em relação ao nível de desenvolvimento</a:t>
+            </a:r>
+            <a:endParaRPr lang="pt-BR" sz="1100" dirty="0">
+              <a:solidFill>
+                <a:srgbClr val="B8548E"/>
+              </a:solidFill>
+              <a:latin typeface="Poppins" panose="00000500000000000000" pitchFamily="2" charset="0"/>
+              <a:cs typeface="Poppins" panose="00000500000000000000" pitchFamily="2" charset="0"/>
+            </a:endParaRPr>
+          </a:p>
+        </p:txBody>
+      </p:sp>
+      <p:sp>
+        <p:nvSpPr>
+          <p:cNvPr id="19" name="Elipse 18">
+            <a:extLst>
+              <a:ext uri="{FF2B5EF4-FFF2-40B4-BE49-F238E27FC236}">
+                <a16:creationId xmlns:a16="http://schemas.microsoft.com/office/drawing/2014/main" id="{7096D830-CC54-45D9-A70B-F9B4F39C8369}"/>
+              </a:ext>
+            </a:extLst>
+          </p:cNvPr>
+          <p:cNvSpPr/>
+          <p:nvPr/>
+        </p:nvSpPr>
+        <p:spPr>
+          <a:xfrm>
+            <a:off x="1411691" y="6569843"/>
+            <a:ext cx="360000" cy="360000"/>
+          </a:xfrm>
+          <a:prstGeom prst="ellipse">
+            <a:avLst/>
+          </a:prstGeom>
+          <a:solidFill>
+            <a:srgbClr val="48709C"/>
+          </a:solidFill>
+          <a:ln>
+            <a:noFill/>
+          </a:ln>
+        </p:spPr>
+        <p:style>
+          <a:lnRef idx="2">
+            <a:schemeClr val="accent1">
+              <a:shade val="50000"/>
+            </a:schemeClr>
+          </a:lnRef>
+          <a:fillRef idx="1">
+            <a:schemeClr val="accent1"/>
+          </a:fillRef>
+          <a:effectRef idx="0">
+            <a:schemeClr val="accent1"/>
+          </a:effectRef>
+          <a:fontRef idx="minor">
+            <a:schemeClr val="lt1"/>
+          </a:fontRef>
+        </p:style>
+        <p:txBody>
+          <a:bodyPr rtlCol="0" anchor="ctr"/>
+          <a:lstStyle/>
+          <a:p>
+            <a:pPr algn="ctr"/>
+            <a:endParaRPr lang="pt-BR" dirty="0"/>
+          </a:p>
+        </p:txBody>
+      </p:sp>
+      <p:sp>
+        <p:nvSpPr>
+          <p:cNvPr id="21" name="Elipse 20">
+            <a:extLst>
+              <a:ext uri="{FF2B5EF4-FFF2-40B4-BE49-F238E27FC236}">
+                <a16:creationId xmlns:a16="http://schemas.microsoft.com/office/drawing/2014/main" id="{859BE020-88F6-4A0D-B773-67845288C8E5}"/>
+              </a:ext>
+            </a:extLst>
+          </p:cNvPr>
+          <p:cNvSpPr/>
+          <p:nvPr/>
+        </p:nvSpPr>
+        <p:spPr>
+          <a:xfrm>
+            <a:off x="4733564" y="6569843"/>
+            <a:ext cx="360000" cy="360000"/>
+          </a:xfrm>
+          <a:prstGeom prst="ellipse">
+            <a:avLst/>
+          </a:prstGeom>
+          <a:solidFill>
+            <a:srgbClr val="B8548E"/>
+          </a:solidFill>
+          <a:ln>
+            <a:noFill/>
+          </a:ln>
+        </p:spPr>
+        <p:style>
+          <a:lnRef idx="2">
+            <a:schemeClr val="accent1">
+              <a:shade val="50000"/>
+            </a:schemeClr>
+          </a:lnRef>
+          <a:fillRef idx="1">
+            <a:schemeClr val="accent1"/>
+          </a:fillRef>
+          <a:effectRef idx="0">
+            <a:schemeClr val="accent1"/>
+          </a:effectRef>
+          <a:fontRef idx="minor">
+            <a:schemeClr val="lt1"/>
+          </a:fontRef>
+        </p:style>
+        <p:txBody>
+          <a:bodyPr rtlCol="0" anchor="ctr"/>
+          <a:lstStyle/>
+          <a:p>
+            <a:pPr algn="ctr"/>
+            <a:endParaRPr lang="pt-BR"/>
+          </a:p>
+        </p:txBody>
+      </p:sp>
+    </p:spTree>
+    <p:extLst>
+      <p:ext uri="{BB962C8B-B14F-4D97-AF65-F5344CB8AC3E}">
+        <p14:creationId xmlns:p14="http://schemas.microsoft.com/office/powerpoint/2010/main" val="2717485871"/>
+      </p:ext>
+    </p:extLst>
+  </p:cSld>
+  <p:clrMapOvr>
+    <a:masterClrMapping/>
+  </p:clrMapOvr>
+</p:sld>
+</file>
+
+<file path=ppt/slides/slide17.xml><?xml version="1.0" encoding="utf-8"?>
+<p:sld xmlns:a="http://schemas.openxmlformats.org/drawingml/2006/main" xmlns:r="http://schemas.openxmlformats.org/officeDocument/2006/relationships" xmlns:p="http://schemas.openxmlformats.org/presentationml/2006/main">
+  <p:cSld>
+    <p:spTree>
+      <p:nvGrpSpPr>
+        <p:cNvPr id="1" name=""/>
+        <p:cNvGrpSpPr/>
+        <p:nvPr/>
+      </p:nvGrpSpPr>
+      <p:grpSpPr>
+        <a:xfrm>
+          <a:off x="0" y="0"/>
+          <a:ext cx="0" cy="0"/>
+          <a:chOff x="0" y="0"/>
+          <a:chExt cx="0" cy="0"/>
+        </a:xfrm>
+      </p:grpSpPr>
+      <p:sp>
+        <p:nvSpPr>
+          <p:cNvPr id="2" name="Título 1">
+            <a:extLst>
+              <a:ext uri="{FF2B5EF4-FFF2-40B4-BE49-F238E27FC236}">
+                <a16:creationId xmlns:a16="http://schemas.microsoft.com/office/drawing/2014/main" id="{EA29FF54-393D-4F5B-9810-1E601A88CDCE}"/>
+              </a:ext>
+            </a:extLst>
+          </p:cNvPr>
+          <p:cNvSpPr>
+            <a:spLocks noGrp="1"/>
+          </p:cNvSpPr>
+          <p:nvPr>
+            <p:ph type="title"/>
+          </p:nvPr>
+        </p:nvSpPr>
+        <p:spPr/>
+        <p:txBody>
+          <a:bodyPr>
+            <a:noAutofit/>
+          </a:bodyPr>
+          <a:lstStyle/>
+          <a:p>
+            <a:r>
+              <a:rPr lang="pt-BR" sz="3200" dirty="0"/>
+              <a:t>10 universidades mais bem classificadas em economias de renda média</a:t>
+            </a:r>
+          </a:p>
+        </p:txBody>
+      </p:sp>
+      <p:graphicFrame>
+        <p:nvGraphicFramePr>
+          <p:cNvPr id="5" name="Tabela 5">
+            <a:extLst>
+              <a:ext uri="{FF2B5EF4-FFF2-40B4-BE49-F238E27FC236}">
+                <a16:creationId xmlns:a16="http://schemas.microsoft.com/office/drawing/2014/main" id="{008F0F53-9FD8-4DF5-BA54-FFAF40BF3407}"/>
+              </a:ext>
+            </a:extLst>
+          </p:cNvPr>
+          <p:cNvGraphicFramePr>
+            <a:graphicFrameLocks noGrp="1"/>
+          </p:cNvGraphicFramePr>
+          <p:nvPr>
+            <p:ph idx="1"/>
+            <p:extLst>
+              <p:ext uri="{D42A27DB-BD31-4B8C-83A1-F6EECF244321}">
+                <p14:modId xmlns:p14="http://schemas.microsoft.com/office/powerpoint/2010/main" val="3556625611"/>
+              </p:ext>
+            </p:extLst>
+          </p:nvPr>
+        </p:nvGraphicFramePr>
+        <p:xfrm>
+          <a:off x="533400" y="1838325"/>
+          <a:ext cx="8686800" cy="4079240"/>
+        </p:xfrm>
+        <a:graphic>
+          <a:graphicData uri="http://schemas.openxmlformats.org/drawingml/2006/table">
+            <a:tbl>
+              <a:tblPr firstRow="1" bandRow="1">
+                <a:tableStyleId>{5C22544A-7EE6-4342-B048-85BDC9FD1C3A}</a:tableStyleId>
+              </a:tblPr>
+              <a:tblGrid>
+                <a:gridCol w="2133600">
+                  <a:extLst>
+                    <a:ext uri="{9D8B030D-6E8A-4147-A177-3AD203B41FA5}">
+                      <a16:colId xmlns:a16="http://schemas.microsoft.com/office/drawing/2014/main" val="4217003267"/>
+                    </a:ext>
+                  </a:extLst>
+                </a:gridCol>
+                <a:gridCol w="5334000">
+                  <a:extLst>
+                    <a:ext uri="{9D8B030D-6E8A-4147-A177-3AD203B41FA5}">
+                      <a16:colId xmlns:a16="http://schemas.microsoft.com/office/drawing/2014/main" val="3472894039"/>
+                    </a:ext>
+                  </a:extLst>
+                </a:gridCol>
+                <a:gridCol w="1219200">
+                  <a:extLst>
+                    <a:ext uri="{9D8B030D-6E8A-4147-A177-3AD203B41FA5}">
+                      <a16:colId xmlns:a16="http://schemas.microsoft.com/office/drawing/2014/main" val="843674483"/>
+                    </a:ext>
+                  </a:extLst>
+                </a:gridCol>
+              </a:tblGrid>
+              <a:tr h="370840">
+                <a:tc>
+                  <a:txBody>
+                    <a:bodyPr/>
+                    <a:lstStyle/>
+                    <a:p>
+                      <a:r>
+                        <a:rPr lang="pt-BR" sz="1800" b="0" i="0" u="none" strike="noStrike" kern="1200" baseline="0" dirty="0">
+                          <a:solidFill>
+                            <a:schemeClr val="lt1"/>
+                          </a:solidFill>
+                          <a:latin typeface="+mn-lt"/>
+                          <a:ea typeface="+mn-ea"/>
+                          <a:cs typeface="+mn-cs"/>
+                        </a:rPr>
+                        <a:t>Localização</a:t>
+                      </a:r>
+                      <a:endParaRPr lang="pt-BR" sz="1800" dirty="0"/>
+                    </a:p>
+                  </a:txBody>
+                  <a:tcPr/>
+                </a:tc>
+                <a:tc>
+                  <a:txBody>
+                    <a:bodyPr/>
+                    <a:lstStyle/>
+                    <a:p>
+                      <a:r>
+                        <a:rPr lang="pt-BR" sz="1800" b="0" i="0" u="none" strike="noStrike" kern="1200" baseline="0" dirty="0">
+                          <a:solidFill>
+                            <a:schemeClr val="lt1"/>
+                          </a:solidFill>
+                          <a:latin typeface="+mn-lt"/>
+                          <a:ea typeface="+mn-ea"/>
+                          <a:cs typeface="+mn-cs"/>
+                        </a:rPr>
+                        <a:t>Universidade</a:t>
+                      </a:r>
+                      <a:endParaRPr lang="pt-BR" sz="1800" dirty="0"/>
+                    </a:p>
+                  </a:txBody>
+                  <a:tcPr/>
+                </a:tc>
+                <a:tc>
+                  <a:txBody>
+                    <a:bodyPr/>
+                    <a:lstStyle/>
+                    <a:p>
+                      <a:r>
+                        <a:rPr lang="pt-BR" sz="1800" b="0" i="0" u="none" strike="noStrike" kern="1200" baseline="0" dirty="0">
+                          <a:solidFill>
+                            <a:schemeClr val="lt1"/>
+                          </a:solidFill>
+                          <a:latin typeface="+mn-lt"/>
+                          <a:ea typeface="+mn-ea"/>
+                          <a:cs typeface="+mn-cs"/>
+                        </a:rPr>
+                        <a:t>Pontuação</a:t>
+                      </a:r>
+                      <a:endParaRPr lang="pt-BR" sz="1800" dirty="0"/>
+                    </a:p>
+                  </a:txBody>
+                  <a:tcPr/>
+                </a:tc>
+                <a:extLst>
+                  <a:ext uri="{0D108BD9-81ED-4DB2-BD59-A6C34878D82A}">
+                    <a16:rowId xmlns:a16="http://schemas.microsoft.com/office/drawing/2014/main" val="1696126229"/>
+                  </a:ext>
+                </a:extLst>
+              </a:tr>
+              <a:tr h="370840">
+                <a:tc>
+                  <a:txBody>
+                    <a:bodyPr/>
+                    <a:lstStyle/>
+                    <a:p>
+                      <a:r>
+                        <a:rPr lang="pt-BR" sz="1800" b="0" i="0" u="none" strike="noStrike" kern="1200" baseline="0" dirty="0">
+                          <a:solidFill>
+                            <a:schemeClr val="dk1"/>
+                          </a:solidFill>
+                          <a:latin typeface="+mn-lt"/>
+                          <a:ea typeface="+mn-ea"/>
+                          <a:cs typeface="+mn-cs"/>
+                        </a:rPr>
+                        <a:t>China</a:t>
+                      </a:r>
+                      <a:endParaRPr lang="pt-BR" sz="1800" dirty="0"/>
+                    </a:p>
+                  </a:txBody>
+                  <a:tcPr/>
+                </a:tc>
+                <a:tc>
+                  <a:txBody>
+                    <a:bodyPr/>
+                    <a:lstStyle/>
+                    <a:p>
+                      <a:r>
+                        <a:rPr lang="pt-BR" sz="1800" b="0" i="0" u="none" strike="noStrike" kern="1200" baseline="0" dirty="0">
+                          <a:solidFill>
+                            <a:schemeClr val="dk1"/>
+                          </a:solidFill>
+                          <a:latin typeface="+mn-lt"/>
+                          <a:ea typeface="+mn-ea"/>
+                          <a:cs typeface="+mn-cs"/>
+                        </a:rPr>
+                        <a:t>Universidade de </a:t>
+                      </a:r>
+                      <a:r>
+                        <a:rPr lang="pt-BR" sz="1800" b="0" i="0" u="none" strike="noStrike" kern="1200" baseline="0" dirty="0" err="1">
+                          <a:solidFill>
+                            <a:schemeClr val="dk1"/>
+                          </a:solidFill>
+                          <a:latin typeface="+mn-lt"/>
+                          <a:ea typeface="+mn-ea"/>
+                          <a:cs typeface="+mn-cs"/>
+                        </a:rPr>
+                        <a:t>Tsinghua</a:t>
+                      </a:r>
+                      <a:endParaRPr lang="pt-BR" sz="1800" b="0" i="0" u="none" strike="noStrike" kern="1200" baseline="0" dirty="0">
+                        <a:solidFill>
+                          <a:schemeClr val="dk1"/>
+                        </a:solidFill>
+                        <a:latin typeface="+mn-lt"/>
+                        <a:ea typeface="+mn-ea"/>
+                        <a:cs typeface="+mn-cs"/>
+                      </a:endParaRPr>
+                    </a:p>
+                  </a:txBody>
+                  <a:tcPr/>
+                </a:tc>
+                <a:tc>
+                  <a:txBody>
+                    <a:bodyPr/>
+                    <a:lstStyle/>
+                    <a:p>
+                      <a:pPr algn="r"/>
+                      <a:r>
+                        <a:rPr lang="pt-BR" sz="1800" b="0" i="0" u="none" strike="noStrike" kern="1200" baseline="0" dirty="0">
+                          <a:solidFill>
+                            <a:schemeClr val="dk1"/>
+                          </a:solidFill>
+                          <a:latin typeface="+mn-lt"/>
+                          <a:ea typeface="+mn-ea"/>
+                          <a:cs typeface="+mn-cs"/>
+                        </a:rPr>
+                        <a:t>87,2</a:t>
+                      </a:r>
+                      <a:endParaRPr lang="pt-BR" sz="1800" dirty="0"/>
+                    </a:p>
+                  </a:txBody>
+                  <a:tcPr/>
+                </a:tc>
+                <a:extLst>
+                  <a:ext uri="{0D108BD9-81ED-4DB2-BD59-A6C34878D82A}">
+                    <a16:rowId xmlns:a16="http://schemas.microsoft.com/office/drawing/2014/main" val="1241758123"/>
+                  </a:ext>
+                </a:extLst>
+              </a:tr>
+              <a:tr h="370840">
+                <a:tc>
+                  <a:txBody>
+                    <a:bodyPr/>
+                    <a:lstStyle/>
+                    <a:p>
+                      <a:r>
+                        <a:rPr lang="pt-BR" sz="1800" b="0" i="0" u="none" strike="noStrike" kern="1200" baseline="0" dirty="0">
+                          <a:solidFill>
+                            <a:schemeClr val="dk1"/>
+                          </a:solidFill>
+                          <a:latin typeface="+mn-lt"/>
+                          <a:ea typeface="+mn-ea"/>
+                          <a:cs typeface="+mn-cs"/>
+                        </a:rPr>
+                        <a:t>China</a:t>
+                      </a:r>
+                      <a:endParaRPr lang="pt-BR" sz="1800" dirty="0"/>
+                    </a:p>
+                  </a:txBody>
+                  <a:tcPr/>
+                </a:tc>
+                <a:tc>
+                  <a:txBody>
+                    <a:bodyPr/>
+                    <a:lstStyle/>
+                    <a:p>
+                      <a:r>
+                        <a:rPr lang="pt-BR" sz="1800" b="0" i="0" u="none" strike="noStrike" kern="1200" baseline="0" dirty="0">
+                          <a:solidFill>
+                            <a:schemeClr val="dk1"/>
+                          </a:solidFill>
+                          <a:latin typeface="+mn-lt"/>
+                          <a:ea typeface="+mn-ea"/>
+                          <a:cs typeface="+mn-cs"/>
+                        </a:rPr>
+                        <a:t>Universidade de Pequim</a:t>
+                      </a:r>
+                      <a:endParaRPr lang="pt-BR" sz="1800" dirty="0"/>
+                    </a:p>
+                  </a:txBody>
+                  <a:tcPr/>
+                </a:tc>
+                <a:tc>
+                  <a:txBody>
+                    <a:bodyPr/>
+                    <a:lstStyle/>
+                    <a:p>
+                      <a:pPr algn="r"/>
+                      <a:r>
+                        <a:rPr lang="pt-BR" sz="1800" b="0" i="0" u="none" strike="noStrike" kern="1200" baseline="0" dirty="0">
+                          <a:solidFill>
+                            <a:schemeClr val="dk1"/>
+                          </a:solidFill>
+                          <a:latin typeface="+mn-lt"/>
+                          <a:ea typeface="+mn-ea"/>
+                          <a:cs typeface="+mn-cs"/>
+                        </a:rPr>
+                        <a:t>82,6</a:t>
+                      </a:r>
+                      <a:endParaRPr lang="pt-BR" sz="1800" dirty="0"/>
+                    </a:p>
+                  </a:txBody>
+                  <a:tcPr/>
+                </a:tc>
+                <a:extLst>
+                  <a:ext uri="{0D108BD9-81ED-4DB2-BD59-A6C34878D82A}">
+                    <a16:rowId xmlns:a16="http://schemas.microsoft.com/office/drawing/2014/main" val="1111525409"/>
+                  </a:ext>
+                </a:extLst>
+              </a:tr>
+              <a:tr h="370840">
+                <a:tc>
+                  <a:txBody>
+                    <a:bodyPr/>
+                    <a:lstStyle/>
+                    <a:p>
+                      <a:r>
+                        <a:rPr lang="pt-BR" sz="1800" b="0" i="0" u="none" strike="noStrike" kern="1200" baseline="0" dirty="0">
+                          <a:solidFill>
+                            <a:schemeClr val="dk1"/>
+                          </a:solidFill>
+                          <a:latin typeface="+mn-lt"/>
+                          <a:ea typeface="+mn-ea"/>
+                          <a:cs typeface="+mn-cs"/>
+                        </a:rPr>
+                        <a:t>China</a:t>
+                      </a:r>
+                      <a:endParaRPr lang="pt-BR" sz="1800" dirty="0"/>
+                    </a:p>
+                  </a:txBody>
+                  <a:tcPr/>
+                </a:tc>
+                <a:tc>
+                  <a:txBody>
+                    <a:bodyPr/>
+                    <a:lstStyle/>
+                    <a:p>
+                      <a:r>
+                        <a:rPr lang="pt-BR" sz="1800" b="0" i="0" u="none" strike="noStrike" kern="1200" baseline="0" dirty="0">
+                          <a:solidFill>
+                            <a:schemeClr val="dk1"/>
+                          </a:solidFill>
+                          <a:latin typeface="+mn-lt"/>
+                          <a:ea typeface="+mn-ea"/>
+                          <a:cs typeface="+mn-cs"/>
+                        </a:rPr>
+                        <a:t>Universidade de </a:t>
+                      </a:r>
+                      <a:r>
+                        <a:rPr lang="pt-BR" sz="1800" b="0" i="0" u="none" strike="noStrike" kern="1200" baseline="0" dirty="0" err="1">
+                          <a:solidFill>
+                            <a:schemeClr val="dk1"/>
+                          </a:solidFill>
+                          <a:latin typeface="+mn-lt"/>
+                          <a:ea typeface="+mn-ea"/>
+                          <a:cs typeface="+mn-cs"/>
+                        </a:rPr>
+                        <a:t>Fudan</a:t>
+                      </a:r>
+                      <a:endParaRPr lang="pt-BR" sz="1800" dirty="0"/>
+                    </a:p>
+                  </a:txBody>
+                  <a:tcPr/>
+                </a:tc>
+                <a:tc>
+                  <a:txBody>
+                    <a:bodyPr/>
+                    <a:lstStyle/>
+                    <a:p>
+                      <a:pPr algn="r"/>
+                      <a:r>
+                        <a:rPr lang="pt-BR" sz="1800" b="0" i="0" u="none" strike="noStrike" kern="1200" baseline="0" dirty="0">
+                          <a:solidFill>
+                            <a:schemeClr val="dk1"/>
+                          </a:solidFill>
+                          <a:latin typeface="+mn-lt"/>
+                          <a:ea typeface="+mn-ea"/>
+                          <a:cs typeface="+mn-cs"/>
+                        </a:rPr>
+                        <a:t>77,6</a:t>
+                      </a:r>
+                      <a:endParaRPr lang="pt-BR" sz="1800" dirty="0"/>
+                    </a:p>
+                  </a:txBody>
+                  <a:tcPr/>
+                </a:tc>
+                <a:extLst>
+                  <a:ext uri="{0D108BD9-81ED-4DB2-BD59-A6C34878D82A}">
+                    <a16:rowId xmlns:a16="http://schemas.microsoft.com/office/drawing/2014/main" val="1824253543"/>
+                  </a:ext>
+                </a:extLst>
+              </a:tr>
+              <a:tr h="370840">
+                <a:tc>
+                  <a:txBody>
+                    <a:bodyPr/>
+                    <a:lstStyle/>
+                    <a:p>
+                      <a:r>
+                        <a:rPr lang="pt-BR" sz="1800" b="0" i="0" u="none" strike="noStrike" kern="1200" baseline="0" dirty="0">
+                          <a:solidFill>
+                            <a:schemeClr val="dk1"/>
+                          </a:solidFill>
+                          <a:latin typeface="+mn-lt"/>
+                          <a:ea typeface="+mn-ea"/>
+                          <a:cs typeface="+mn-cs"/>
+                        </a:rPr>
+                        <a:t>Malásia</a:t>
+                      </a:r>
+                      <a:endParaRPr lang="pt-BR" sz="1800" dirty="0"/>
+                    </a:p>
+                  </a:txBody>
+                  <a:tcPr/>
+                </a:tc>
+                <a:tc>
+                  <a:txBody>
+                    <a:bodyPr/>
+                    <a:lstStyle/>
+                    <a:p>
+                      <a:r>
+                        <a:rPr lang="pt-BR" sz="1800" b="0" i="0" u="none" strike="noStrike" kern="1200" baseline="0" dirty="0" err="1">
+                          <a:solidFill>
+                            <a:schemeClr val="dk1"/>
+                          </a:solidFill>
+                          <a:latin typeface="+mn-lt"/>
+                          <a:ea typeface="+mn-ea"/>
+                          <a:cs typeface="+mn-cs"/>
+                        </a:rPr>
+                        <a:t>Universiti</a:t>
+                      </a:r>
+                      <a:r>
+                        <a:rPr lang="pt-BR" sz="1800" b="0" i="0" u="none" strike="noStrike" kern="1200" baseline="0" dirty="0">
+                          <a:solidFill>
+                            <a:schemeClr val="dk1"/>
+                          </a:solidFill>
+                          <a:latin typeface="+mn-lt"/>
+                          <a:ea typeface="+mn-ea"/>
+                          <a:cs typeface="+mn-cs"/>
+                        </a:rPr>
+                        <a:t> </a:t>
+                      </a:r>
+                      <a:r>
+                        <a:rPr lang="pt-BR" sz="1800" b="0" i="0" u="none" strike="noStrike" kern="1200" baseline="0" dirty="0" err="1">
+                          <a:solidFill>
+                            <a:schemeClr val="dk1"/>
+                          </a:solidFill>
+                          <a:latin typeface="+mn-lt"/>
+                          <a:ea typeface="+mn-ea"/>
+                          <a:cs typeface="+mn-cs"/>
+                        </a:rPr>
+                        <a:t>Malaya</a:t>
+                      </a:r>
+                      <a:r>
+                        <a:rPr lang="pt-BR" sz="1800" b="0" i="0" u="none" strike="noStrike" kern="1200" baseline="0" dirty="0">
+                          <a:solidFill>
+                            <a:schemeClr val="dk1"/>
+                          </a:solidFill>
+                          <a:latin typeface="+mn-lt"/>
+                          <a:ea typeface="+mn-ea"/>
+                          <a:cs typeface="+mn-cs"/>
+                        </a:rPr>
+                        <a:t> (UM)</a:t>
+                      </a:r>
+                      <a:endParaRPr lang="pt-BR" sz="1800" dirty="0"/>
+                    </a:p>
+                  </a:txBody>
+                  <a:tcPr/>
+                </a:tc>
+                <a:tc>
+                  <a:txBody>
+                    <a:bodyPr/>
+                    <a:lstStyle/>
+                    <a:p>
+                      <a:pPr algn="r"/>
+                      <a:r>
+                        <a:rPr lang="pt-BR" sz="1800" b="0" i="0" u="none" strike="noStrike" kern="1200" baseline="0" dirty="0">
+                          <a:solidFill>
+                            <a:schemeClr val="dk1"/>
+                          </a:solidFill>
+                          <a:latin typeface="+mn-lt"/>
+                          <a:ea typeface="+mn-ea"/>
+                          <a:cs typeface="+mn-cs"/>
+                        </a:rPr>
+                        <a:t>62,6</a:t>
+                      </a:r>
+                      <a:endParaRPr lang="pt-BR" sz="1800" dirty="0"/>
+                    </a:p>
+                  </a:txBody>
+                  <a:tcPr/>
+                </a:tc>
+                <a:extLst>
+                  <a:ext uri="{0D108BD9-81ED-4DB2-BD59-A6C34878D82A}">
+                    <a16:rowId xmlns:a16="http://schemas.microsoft.com/office/drawing/2014/main" val="3739936730"/>
+                  </a:ext>
+                </a:extLst>
+              </a:tr>
+              <a:tr h="370840">
+                <a:tc>
+                  <a:txBody>
+                    <a:bodyPr/>
+                    <a:lstStyle/>
+                    <a:p>
+                      <a:r>
+                        <a:rPr lang="pt-BR" sz="1800" b="0" i="0" u="none" strike="noStrike" kern="1200" baseline="0" dirty="0">
+                          <a:solidFill>
+                            <a:schemeClr val="dk1"/>
+                          </a:solidFill>
+                          <a:latin typeface="+mn-lt"/>
+                          <a:ea typeface="+mn-ea"/>
+                          <a:cs typeface="+mn-cs"/>
+                        </a:rPr>
+                        <a:t>Federação da Rússia</a:t>
+                      </a:r>
+                      <a:endParaRPr lang="pt-BR" sz="1800" dirty="0"/>
+                    </a:p>
+                  </a:txBody>
+                  <a:tcPr/>
+                </a:tc>
+                <a:tc>
+                  <a:txBody>
+                    <a:bodyPr/>
+                    <a:lstStyle/>
+                    <a:p>
+                      <a:r>
+                        <a:rPr lang="pt-BR" sz="1800" b="0" i="0" u="none" strike="noStrike" kern="1200" baseline="0" dirty="0">
+                          <a:solidFill>
+                            <a:schemeClr val="dk1"/>
+                          </a:solidFill>
+                          <a:latin typeface="+mn-lt"/>
+                          <a:ea typeface="+mn-ea"/>
+                          <a:cs typeface="+mn-cs"/>
+                        </a:rPr>
+                        <a:t>Universidade Estadual de Moscou </a:t>
+                      </a:r>
+                      <a:r>
+                        <a:rPr lang="pt-BR" sz="1800" b="0" i="0" u="none" strike="noStrike" kern="1200" baseline="0" dirty="0" err="1">
+                          <a:solidFill>
+                            <a:schemeClr val="dk1"/>
+                          </a:solidFill>
+                          <a:latin typeface="+mn-lt"/>
+                          <a:ea typeface="+mn-ea"/>
+                          <a:cs typeface="+mn-cs"/>
+                        </a:rPr>
+                        <a:t>Lomonosov</a:t>
+                      </a:r>
+                      <a:endParaRPr lang="pt-BR" sz="1800" dirty="0"/>
+                    </a:p>
+                  </a:txBody>
+                  <a:tcPr/>
+                </a:tc>
+                <a:tc>
+                  <a:txBody>
+                    <a:bodyPr/>
+                    <a:lstStyle/>
+                    <a:p>
+                      <a:pPr algn="r"/>
+                      <a:r>
+                        <a:rPr lang="pt-BR" sz="1800" b="0" i="0" u="none" strike="noStrike" kern="1200" baseline="0" dirty="0">
+                          <a:solidFill>
+                            <a:schemeClr val="dk1"/>
+                          </a:solidFill>
+                          <a:latin typeface="+mn-lt"/>
+                          <a:ea typeface="+mn-ea"/>
+                          <a:cs typeface="+mn-cs"/>
+                        </a:rPr>
+                        <a:t>62,3</a:t>
+                      </a:r>
+                      <a:endParaRPr lang="pt-BR" sz="1800" dirty="0"/>
+                    </a:p>
+                  </a:txBody>
+                  <a:tcPr/>
+                </a:tc>
+                <a:extLst>
+                  <a:ext uri="{0D108BD9-81ED-4DB2-BD59-A6C34878D82A}">
+                    <a16:rowId xmlns:a16="http://schemas.microsoft.com/office/drawing/2014/main" val="1891403128"/>
+                  </a:ext>
+                </a:extLst>
+              </a:tr>
+              <a:tr h="370840">
+                <a:tc>
+                  <a:txBody>
+                    <a:bodyPr/>
+                    <a:lstStyle/>
+                    <a:p>
+                      <a:r>
+                        <a:rPr lang="pt-BR" sz="1800" b="0" i="0" u="none" strike="noStrike" kern="1200" baseline="0" dirty="0">
+                          <a:solidFill>
+                            <a:schemeClr val="dk1"/>
+                          </a:solidFill>
+                          <a:latin typeface="+mn-lt"/>
+                          <a:ea typeface="+mn-ea"/>
+                          <a:cs typeface="+mn-cs"/>
+                        </a:rPr>
+                        <a:t>México</a:t>
+                      </a:r>
+                      <a:endParaRPr lang="pt-BR" sz="1800" dirty="0"/>
+                    </a:p>
+                  </a:txBody>
+                  <a:tcPr/>
+                </a:tc>
+                <a:tc>
+                  <a:txBody>
+                    <a:bodyPr/>
+                    <a:lstStyle/>
+                    <a:p>
+                      <a:r>
+                        <a:rPr lang="pt-BR" sz="1800" b="0" i="0" u="none" strike="noStrike" kern="1200" baseline="0" dirty="0">
+                          <a:solidFill>
+                            <a:schemeClr val="dk1"/>
+                          </a:solidFill>
+                          <a:latin typeface="+mn-lt"/>
+                          <a:ea typeface="+mn-ea"/>
+                          <a:cs typeface="+mn-cs"/>
+                        </a:rPr>
+                        <a:t>Universidade Nacional Autônoma do México (UNAM)</a:t>
+                      </a:r>
+                      <a:endParaRPr lang="pt-BR" sz="1800" dirty="0"/>
+                    </a:p>
+                  </a:txBody>
+                  <a:tcPr/>
+                </a:tc>
+                <a:tc>
+                  <a:txBody>
+                    <a:bodyPr/>
+                    <a:lstStyle/>
+                    <a:p>
+                      <a:pPr algn="r"/>
+                      <a:r>
+                        <a:rPr lang="pt-BR" sz="1800" b="0" i="0" u="none" strike="noStrike" kern="1200" baseline="0" dirty="0">
+                          <a:solidFill>
+                            <a:schemeClr val="dk1"/>
+                          </a:solidFill>
+                          <a:latin typeface="+mn-lt"/>
+                          <a:ea typeface="+mn-ea"/>
+                          <a:cs typeface="+mn-cs"/>
+                        </a:rPr>
+                        <a:t>56,8</a:t>
+                      </a:r>
+                      <a:endParaRPr lang="pt-BR" sz="1800" dirty="0"/>
+                    </a:p>
+                  </a:txBody>
+                  <a:tcPr/>
+                </a:tc>
+                <a:extLst>
+                  <a:ext uri="{0D108BD9-81ED-4DB2-BD59-A6C34878D82A}">
+                    <a16:rowId xmlns:a16="http://schemas.microsoft.com/office/drawing/2014/main" val="956538992"/>
+                  </a:ext>
+                </a:extLst>
+              </a:tr>
+              <a:tr h="370840">
+                <a:tc>
+                  <a:txBody>
+                    <a:bodyPr/>
+                    <a:lstStyle/>
+                    <a:p>
+                      <a:r>
+                        <a:rPr lang="pt-BR" sz="1800" b="0" i="0" u="none" strike="noStrike" kern="1200" baseline="0" dirty="0">
+                          <a:solidFill>
+                            <a:schemeClr val="dk1"/>
+                          </a:solidFill>
+                          <a:latin typeface="+mn-lt"/>
+                          <a:ea typeface="+mn-ea"/>
+                          <a:cs typeface="+mn-cs"/>
+                        </a:rPr>
+                        <a:t>Brasil</a:t>
+                      </a:r>
+                      <a:endParaRPr lang="pt-BR" sz="1800" dirty="0"/>
+                    </a:p>
+                  </a:txBody>
+                  <a:tcPr/>
+                </a:tc>
+                <a:tc>
+                  <a:txBody>
+                    <a:bodyPr/>
+                    <a:lstStyle/>
+                    <a:p>
+                      <a:r>
+                        <a:rPr lang="pt-BR" sz="1800" b="0" i="0" u="none" strike="noStrike" kern="1200" baseline="0" dirty="0">
+                          <a:solidFill>
+                            <a:schemeClr val="dk1"/>
+                          </a:solidFill>
+                          <a:latin typeface="+mn-lt"/>
+                          <a:ea typeface="+mn-ea"/>
+                          <a:cs typeface="+mn-cs"/>
+                        </a:rPr>
+                        <a:t>Universidade de São Paulo (USP)</a:t>
+                      </a:r>
+                      <a:endParaRPr lang="pt-BR" sz="1800" dirty="0"/>
+                    </a:p>
+                  </a:txBody>
+                  <a:tcPr/>
+                </a:tc>
+                <a:tc>
+                  <a:txBody>
+                    <a:bodyPr/>
+                    <a:lstStyle/>
+                    <a:p>
+                      <a:pPr algn="r"/>
+                      <a:r>
+                        <a:rPr lang="pt-BR" sz="1800" b="0" i="0" u="none" strike="noStrike" kern="1200" baseline="0" dirty="0">
+                          <a:solidFill>
+                            <a:schemeClr val="dk1"/>
+                          </a:solidFill>
+                          <a:latin typeface="+mn-lt"/>
+                          <a:ea typeface="+mn-ea"/>
+                          <a:cs typeface="+mn-cs"/>
+                        </a:rPr>
+                        <a:t>55,5</a:t>
+                      </a:r>
+                      <a:endParaRPr lang="pt-BR" sz="1800" dirty="0"/>
+                    </a:p>
+                  </a:txBody>
+                  <a:tcPr/>
+                </a:tc>
+                <a:extLst>
+                  <a:ext uri="{0D108BD9-81ED-4DB2-BD59-A6C34878D82A}">
+                    <a16:rowId xmlns:a16="http://schemas.microsoft.com/office/drawing/2014/main" val="85335842"/>
+                  </a:ext>
+                </a:extLst>
+              </a:tr>
+              <a:tr h="370840">
+                <a:tc>
+                  <a:txBody>
+                    <a:bodyPr/>
+                    <a:lstStyle/>
+                    <a:p>
+                      <a:r>
+                        <a:rPr lang="pt-BR" sz="1800" b="0" i="0" u="none" strike="noStrike" kern="1200" baseline="0" dirty="0">
+                          <a:solidFill>
+                            <a:schemeClr val="dk1"/>
+                          </a:solidFill>
+                          <a:latin typeface="+mn-lt"/>
+                          <a:ea typeface="+mn-ea"/>
+                          <a:cs typeface="+mn-cs"/>
+                        </a:rPr>
+                        <a:t>Índia</a:t>
+                      </a:r>
+                      <a:endParaRPr lang="pt-BR" sz="1800" dirty="0"/>
+                    </a:p>
+                  </a:txBody>
+                  <a:tcPr/>
+                </a:tc>
+                <a:tc>
+                  <a:txBody>
+                    <a:bodyPr/>
+                    <a:lstStyle/>
+                    <a:p>
+                      <a:r>
+                        <a:rPr lang="pt-BR" sz="1800" b="0" i="0" u="none" strike="noStrike" kern="1200" baseline="0" dirty="0">
+                          <a:solidFill>
+                            <a:schemeClr val="dk1"/>
+                          </a:solidFill>
+                          <a:latin typeface="+mn-lt"/>
+                          <a:ea typeface="+mn-ea"/>
+                          <a:cs typeface="+mn-cs"/>
+                        </a:rPr>
+                        <a:t>Instituto Indiano de Tecnologia de Bombaim (IITB) </a:t>
+                      </a:r>
+                      <a:endParaRPr lang="pt-BR" sz="1800" dirty="0"/>
+                    </a:p>
+                  </a:txBody>
+                  <a:tcPr/>
+                </a:tc>
+                <a:tc>
+                  <a:txBody>
+                    <a:bodyPr/>
+                    <a:lstStyle/>
+                    <a:p>
+                      <a:pPr algn="r"/>
+                      <a:r>
+                        <a:rPr lang="pt-BR" sz="1800" b="0" i="0" u="none" strike="noStrike" kern="1200" baseline="0" dirty="0">
+                          <a:solidFill>
+                            <a:schemeClr val="dk1"/>
+                          </a:solidFill>
+                          <a:latin typeface="+mn-lt"/>
+                          <a:ea typeface="+mn-ea"/>
+                          <a:cs typeface="+mn-cs"/>
+                        </a:rPr>
+                        <a:t>48,2</a:t>
+                      </a:r>
+                      <a:endParaRPr lang="pt-BR" sz="1800" dirty="0"/>
+                    </a:p>
+                  </a:txBody>
+                  <a:tcPr/>
+                </a:tc>
+                <a:extLst>
+                  <a:ext uri="{0D108BD9-81ED-4DB2-BD59-A6C34878D82A}">
+                    <a16:rowId xmlns:a16="http://schemas.microsoft.com/office/drawing/2014/main" val="2086496288"/>
+                  </a:ext>
+                </a:extLst>
+              </a:tr>
+              <a:tr h="370840">
+                <a:tc>
+                  <a:txBody>
+                    <a:bodyPr/>
+                    <a:lstStyle/>
+                    <a:p>
+                      <a:r>
+                        <a:rPr lang="pt-BR" sz="1800" b="0" i="0" u="none" strike="noStrike" kern="1200" baseline="0" dirty="0">
+                          <a:solidFill>
+                            <a:schemeClr val="dk1"/>
+                          </a:solidFill>
+                          <a:latin typeface="+mn-lt"/>
+                          <a:ea typeface="+mn-ea"/>
+                          <a:cs typeface="+mn-cs"/>
+                        </a:rPr>
+                        <a:t>Índia</a:t>
+                      </a:r>
+                      <a:endParaRPr lang="pt-BR" sz="1800" dirty="0"/>
+                    </a:p>
+                  </a:txBody>
+                  <a:tcPr/>
+                </a:tc>
+                <a:tc>
+                  <a:txBody>
+                    <a:bodyPr/>
+                    <a:lstStyle/>
+                    <a:p>
+                      <a:r>
+                        <a:rPr lang="pt-BR" sz="1800" b="0" i="0" u="none" strike="noStrike" kern="1200" baseline="0" dirty="0">
+                          <a:solidFill>
+                            <a:schemeClr val="dk1"/>
+                          </a:solidFill>
+                          <a:latin typeface="+mn-lt"/>
+                          <a:ea typeface="+mn-ea"/>
+                          <a:cs typeface="+mn-cs"/>
+                        </a:rPr>
+                        <a:t>Instituto Indiano de Ciência de Bangalore (IISC) </a:t>
+                      </a:r>
+                      <a:endParaRPr lang="pt-BR" sz="1800" dirty="0"/>
+                    </a:p>
+                  </a:txBody>
+                  <a:tcPr/>
+                </a:tc>
+                <a:tc>
+                  <a:txBody>
+                    <a:bodyPr/>
+                    <a:lstStyle/>
+                    <a:p>
+                      <a:pPr algn="r"/>
+                      <a:r>
+                        <a:rPr lang="pt-BR" sz="1800" b="0" i="0" u="none" strike="noStrike" kern="1200" baseline="0" dirty="0">
+                          <a:solidFill>
+                            <a:schemeClr val="dk1"/>
+                          </a:solidFill>
+                          <a:latin typeface="+mn-lt"/>
+                          <a:ea typeface="+mn-ea"/>
+                          <a:cs typeface="+mn-cs"/>
+                        </a:rPr>
+                        <a:t>47,1</a:t>
+                      </a:r>
+                      <a:endParaRPr lang="pt-BR" sz="1800" dirty="0"/>
+                    </a:p>
+                  </a:txBody>
+                  <a:tcPr/>
+                </a:tc>
+                <a:extLst>
+                  <a:ext uri="{0D108BD9-81ED-4DB2-BD59-A6C34878D82A}">
+                    <a16:rowId xmlns:a16="http://schemas.microsoft.com/office/drawing/2014/main" val="710024213"/>
+                  </a:ext>
+                </a:extLst>
+              </a:tr>
+              <a:tr h="370840">
+                <a:tc>
+                  <a:txBody>
+                    <a:bodyPr/>
+                    <a:lstStyle/>
+                    <a:p>
+                      <a:r>
+                        <a:rPr lang="pt-BR" sz="1800" b="0" i="0" u="none" strike="noStrike" kern="1200" baseline="0" dirty="0">
+                          <a:solidFill>
+                            <a:schemeClr val="dk1"/>
+                          </a:solidFill>
+                          <a:latin typeface="+mn-lt"/>
+                          <a:ea typeface="+mn-ea"/>
+                          <a:cs typeface="+mn-cs"/>
+                        </a:rPr>
+                        <a:t>Índia</a:t>
+                      </a:r>
+                      <a:endParaRPr lang="pt-BR" sz="1800" dirty="0"/>
+                    </a:p>
+                  </a:txBody>
+                  <a:tcPr/>
+                </a:tc>
+                <a:tc>
+                  <a:txBody>
+                    <a:bodyPr/>
+                    <a:lstStyle/>
+                    <a:p>
+                      <a:r>
+                        <a:rPr lang="pt-BR" sz="1800" b="0" i="0" u="none" strike="noStrike" kern="1200" baseline="0" dirty="0">
+                          <a:solidFill>
+                            <a:schemeClr val="dk1"/>
+                          </a:solidFill>
+                          <a:latin typeface="+mn-lt"/>
+                          <a:ea typeface="+mn-ea"/>
+                          <a:cs typeface="+mn-cs"/>
+                        </a:rPr>
+                        <a:t>Instituto Indiano de Tecnologia de Nova Déli (IITD) </a:t>
+                      </a:r>
+                      <a:endParaRPr lang="pt-BR" sz="1800" dirty="0"/>
+                    </a:p>
+                  </a:txBody>
+                  <a:tcPr/>
+                </a:tc>
+                <a:tc>
+                  <a:txBody>
+                    <a:bodyPr/>
+                    <a:lstStyle/>
+                    <a:p>
+                      <a:pPr algn="r"/>
+                      <a:r>
+                        <a:rPr lang="pt-BR" sz="1800" b="0" i="0" u="none" strike="noStrike" kern="1200" baseline="0" dirty="0">
+                          <a:solidFill>
+                            <a:schemeClr val="dk1"/>
+                          </a:solidFill>
+                          <a:latin typeface="+mn-lt"/>
+                          <a:ea typeface="+mn-ea"/>
+                          <a:cs typeface="+mn-cs"/>
+                        </a:rPr>
+                        <a:t>46,6</a:t>
+                      </a:r>
+                      <a:endParaRPr lang="pt-BR" sz="1800" dirty="0"/>
+                    </a:p>
+                  </a:txBody>
+                  <a:tcPr/>
+                </a:tc>
+                <a:extLst>
+                  <a:ext uri="{0D108BD9-81ED-4DB2-BD59-A6C34878D82A}">
+                    <a16:rowId xmlns:a16="http://schemas.microsoft.com/office/drawing/2014/main" val="1554020242"/>
+                  </a:ext>
+                </a:extLst>
+              </a:tr>
+            </a:tbl>
+          </a:graphicData>
+        </a:graphic>
+      </p:graphicFrame>
+    </p:spTree>
+    <p:extLst>
+      <p:ext uri="{BB962C8B-B14F-4D97-AF65-F5344CB8AC3E}">
+        <p14:creationId xmlns:p14="http://schemas.microsoft.com/office/powerpoint/2010/main" val="990005224"/>
+      </p:ext>
+    </p:extLst>
+  </p:cSld>
+  <p:clrMapOvr>
+    <a:masterClrMapping/>
+  </p:clrMapOvr>
+</p:sld>
+</file>
+
+<file path=ppt/slides/slide18.xml><?xml version="1.0" encoding="utf-8"?>
+<p:sld xmlns:a="http://schemas.openxmlformats.org/drawingml/2006/main" xmlns:r="http://schemas.openxmlformats.org/officeDocument/2006/relationships" xmlns:p="http://schemas.openxmlformats.org/presentationml/2006/main">
+  <p:cSld>
+    <p:spTree>
+      <p:nvGrpSpPr>
+        <p:cNvPr id="1" name=""/>
+        <p:cNvGrpSpPr/>
+        <p:nvPr/>
+      </p:nvGrpSpPr>
+      <p:grpSpPr>
+        <a:xfrm>
+          <a:off x="0" y="0"/>
+          <a:ext cx="0" cy="0"/>
+          <a:chOff x="0" y="0"/>
+          <a:chExt cx="0" cy="0"/>
+        </a:xfrm>
+      </p:grpSpPr>
+      <p:sp>
+        <p:nvSpPr>
+          <p:cNvPr id="2" name="Título 1">
+            <a:extLst>
+              <a:ext uri="{FF2B5EF4-FFF2-40B4-BE49-F238E27FC236}">
+                <a16:creationId xmlns:a16="http://schemas.microsoft.com/office/drawing/2014/main" id="{BB39F4BA-0D13-482F-9C6E-58347D3C9BF4}"/>
+              </a:ext>
+            </a:extLst>
+          </p:cNvPr>
+          <p:cNvSpPr>
+            <a:spLocks noGrp="1"/>
+          </p:cNvSpPr>
+          <p:nvPr>
+            <p:ph type="title"/>
+          </p:nvPr>
+        </p:nvSpPr>
+        <p:spPr/>
+        <p:txBody>
+          <a:bodyPr>
+            <a:noAutofit/>
+          </a:bodyPr>
+          <a:lstStyle/>
+          <a:p>
+            <a:r>
+              <a:rPr lang="pt-BR" sz="2800" dirty="0"/>
+              <a:t>Indicadores de qualidade de inovação: 10 principais economias de renda elevada e média - 2019</a:t>
+            </a:r>
+          </a:p>
+        </p:txBody>
+      </p:sp>
+      <p:sp>
+        <p:nvSpPr>
+          <p:cNvPr id="7" name="Espaço Reservado para Texto 6">
+            <a:extLst>
+              <a:ext uri="{FF2B5EF4-FFF2-40B4-BE49-F238E27FC236}">
+                <a16:creationId xmlns:a16="http://schemas.microsoft.com/office/drawing/2014/main" id="{028921C2-0F9A-4238-8725-D9C57CB5652F}"/>
+              </a:ext>
+            </a:extLst>
+          </p:cNvPr>
+          <p:cNvSpPr>
+            <a:spLocks noGrp="1"/>
+          </p:cNvSpPr>
+          <p:nvPr>
+            <p:ph type="body" sz="quarter" idx="13"/>
+          </p:nvPr>
+        </p:nvSpPr>
+        <p:spPr/>
+        <p:txBody>
+          <a:bodyPr/>
+          <a:lstStyle/>
+          <a:p>
+            <a:r>
+              <a:rPr lang="pt-BR" dirty="0"/>
+              <a:t>Economias de renda média</a:t>
+            </a:r>
+          </a:p>
+        </p:txBody>
+      </p:sp>
+      <p:pic>
+        <p:nvPicPr>
+          <p:cNvPr id="12" name="Espaço Reservado para Conteúdo 8" descr="Tela de celular com texto preto sobre fundo branco&#10;&#10;Descrição gerada automaticamente">
+            <a:extLst>
+              <a:ext uri="{FF2B5EF4-FFF2-40B4-BE49-F238E27FC236}">
+                <a16:creationId xmlns:a16="http://schemas.microsoft.com/office/drawing/2014/main" id="{9BE25869-AD03-4376-81AD-60675FC679BC}"/>
+              </a:ext>
+            </a:extLst>
+          </p:cNvPr>
+          <p:cNvPicPr>
+            <a:picLocks noGrp="1" noChangeAspect="1"/>
+          </p:cNvPicPr>
+          <p:nvPr>
+            <p:ph idx="1"/>
+          </p:nvPr>
+        </p:nvPicPr>
+        <p:blipFill>
+          <a:blip r:embed="rId2" cstate="print">
+            <a:extLst>
+              <a:ext uri="{28A0092B-C50C-407E-A947-70E740481C1C}">
+                <a14:useLocalDpi xmlns:a14="http://schemas.microsoft.com/office/drawing/2010/main" val="0"/>
+              </a:ext>
+            </a:extLst>
+          </a:blip>
+          <a:stretch>
+            <a:fillRect/>
+          </a:stretch>
+        </p:blipFill>
+        <p:spPr>
+          <a:xfrm>
+            <a:off x="1132828" y="1838325"/>
+            <a:ext cx="7487944" cy="4562475"/>
+          </a:xfrm>
+        </p:spPr>
+      </p:pic>
+    </p:spTree>
+    <p:extLst>
+      <p:ext uri="{BB962C8B-B14F-4D97-AF65-F5344CB8AC3E}">
+        <p14:creationId xmlns:p14="http://schemas.microsoft.com/office/powerpoint/2010/main" val="3646596493"/>
+      </p:ext>
+    </p:extLst>
+  </p:cSld>
+  <p:clrMapOvr>
+    <a:masterClrMapping/>
+  </p:clrMapOvr>
+</p:sld>
+</file>
+
+<file path=ppt/slides/slide19.xml><?xml version="1.0" encoding="utf-8"?>
+<p:sld xmlns:a="http://schemas.openxmlformats.org/drawingml/2006/main" xmlns:r="http://schemas.openxmlformats.org/officeDocument/2006/relationships" xmlns:p="http://schemas.openxmlformats.org/presentationml/2006/main">
+  <p:cSld>
+    <p:spTree>
+      <p:nvGrpSpPr>
+        <p:cNvPr id="1" name=""/>
+        <p:cNvGrpSpPr/>
+        <p:nvPr/>
+      </p:nvGrpSpPr>
+      <p:grpSpPr>
+        <a:xfrm>
+          <a:off x="0" y="0"/>
+          <a:ext cx="0" cy="0"/>
+          <a:chOff x="0" y="0"/>
+          <a:chExt cx="0" cy="0"/>
+        </a:xfrm>
+      </p:grpSpPr>
+      <p:sp>
+        <p:nvSpPr>
           <p:cNvPr id="2" name="Título 1">
             <a:extLst>
               <a:ext uri="{FF2B5EF4-FFF2-40B4-BE49-F238E27FC236}">

--- a/apresentacao-sbg-2020.pptx
+++ b/apresentacao-sbg-2020.pptx
@@ -23,33 +23,34 @@
     <p:sldId id="286" r:id="rId17"/>
     <p:sldId id="287" r:id="rId18"/>
     <p:sldId id="288" r:id="rId19"/>
-    <p:sldId id="282" r:id="rId20"/>
+    <p:sldId id="289" r:id="rId20"/>
+    <p:sldId id="282" r:id="rId21"/>
   </p:sldIdLst>
   <p:sldSz cx="9753600" cy="7315200"/>
   <p:notesSz cx="6858000" cy="9144000"/>
   <p:embeddedFontLst>
     <p:embeddedFont>
       <p:font typeface="Calibri" panose="020F0502020204030204" pitchFamily="34" charset="0"/>
-      <p:regular r:id="rId21"/>
-      <p:bold r:id="rId22"/>
-      <p:italic r:id="rId23"/>
-      <p:boldItalic r:id="rId24"/>
+      <p:regular r:id="rId22"/>
+      <p:bold r:id="rId23"/>
+      <p:italic r:id="rId24"/>
+      <p:boldItalic r:id="rId25"/>
     </p:embeddedFont>
     <p:embeddedFont>
       <p:font typeface="Josefin Sans Regular Bold" panose="020B0604020202020204" charset="0"/>
-      <p:regular r:id="rId25"/>
+      <p:regular r:id="rId26"/>
     </p:embeddedFont>
     <p:embeddedFont>
       <p:font typeface="Poppins" panose="00000500000000000000" pitchFamily="2" charset="0"/>
-      <p:regular r:id="rId26"/>
-      <p:bold r:id="rId27"/>
-      <p:italic r:id="rId28"/>
-      <p:boldItalic r:id="rId29"/>
+      <p:regular r:id="rId27"/>
+      <p:bold r:id="rId28"/>
+      <p:italic r:id="rId29"/>
+      <p:boldItalic r:id="rId30"/>
     </p:embeddedFont>
     <p:embeddedFont>
       <p:font typeface="Poppins Light" panose="00000400000000000000" pitchFamily="2" charset="0"/>
-      <p:regular r:id="rId30"/>
-      <p:italic r:id="rId31"/>
+      <p:regular r:id="rId31"/>
+      <p:italic r:id="rId32"/>
     </p:embeddedFont>
   </p:embeddedFontLst>
   <p:defaultTextStyle>
@@ -12913,7 +12914,7 @@
           <p:cNvPr id="2" name="Título 1">
             <a:extLst>
               <a:ext uri="{FF2B5EF4-FFF2-40B4-BE49-F238E27FC236}">
-                <a16:creationId xmlns:a16="http://schemas.microsoft.com/office/drawing/2014/main" id="{3438147E-AC69-42F8-8FAF-747C320F62BE}"/>
+                <a16:creationId xmlns:a16="http://schemas.microsoft.com/office/drawing/2014/main" id="{219DFD83-3C16-44E4-B9CE-4B7CE8856E3F}"/>
               </a:ext>
             </a:extLst>
           </p:cNvPr>
@@ -12926,26 +12927,2148 @@
         </p:nvSpPr>
         <p:spPr/>
         <p:txBody>
-          <a:bodyPr/>
+          <a:bodyPr>
+            <a:noAutofit/>
+          </a:bodyPr>
           <a:lstStyle/>
           <a:p>
             <a:r>
-              <a:rPr lang="pt-BR" sz="1800" b="1" dirty="0">
-                <a:effectLst/>
-                <a:latin typeface="Calibri" panose="020F0502020204030204" pitchFamily="34" charset="0"/>
-                <a:ea typeface="Calibri" panose="020F0502020204030204" pitchFamily="34" charset="0"/>
-                <a:cs typeface="Times New Roman" panose="02020603050405020304" pitchFamily="18" charset="0"/>
-              </a:rPr>
-              <a:t>Indicadores Nacionais de Ciência e Tecnologia e Inovação 2019</a:t>
+              <a:rPr lang="pt-BR" sz="2600" dirty="0"/>
+              <a:t>Principal cluster de economias ou regiões transfronteiriças entre os 50 mais importantes - 2019</a:t>
             </a:r>
-            <a:endParaRPr lang="pt-BR" dirty="0"/>
           </a:p>
         </p:txBody>
       </p:sp>
+      <p:graphicFrame>
+        <p:nvGraphicFramePr>
+          <p:cNvPr id="13" name="Espaço Reservado para Conteúdo 12">
+            <a:extLst>
+              <a:ext uri="{FF2B5EF4-FFF2-40B4-BE49-F238E27FC236}">
+                <a16:creationId xmlns:a16="http://schemas.microsoft.com/office/drawing/2014/main" id="{6B30771C-A425-452C-98E4-387DB7557511}"/>
+              </a:ext>
+            </a:extLst>
+          </p:cNvPr>
+          <p:cNvGraphicFramePr>
+            <a:graphicFrameLocks noGrp="1"/>
+          </p:cNvGraphicFramePr>
+          <p:nvPr>
+            <p:ph idx="1"/>
+            <p:extLst>
+              <p:ext uri="{D42A27DB-BD31-4B8C-83A1-F6EECF244321}">
+                <p14:modId xmlns:p14="http://schemas.microsoft.com/office/powerpoint/2010/main" val="130115055"/>
+              </p:ext>
+            </p:extLst>
+          </p:nvPr>
+        </p:nvGraphicFramePr>
+        <p:xfrm>
+          <a:off x="1479278" y="1934754"/>
+          <a:ext cx="6795045" cy="4846292"/>
+        </p:xfrm>
+        <a:graphic>
+          <a:graphicData uri="http://schemas.openxmlformats.org/drawingml/2006/table">
+            <a:tbl>
+              <a:tblPr firstRow="1" firstCol="1" bandRow="1">
+                <a:tableStyleId>{5C22544A-7EE6-4342-B048-85BDC9FD1C3A}</a:tableStyleId>
+              </a:tblPr>
+              <a:tblGrid>
+                <a:gridCol w="882922">
+                  <a:extLst>
+                    <a:ext uri="{9D8B030D-6E8A-4147-A177-3AD203B41FA5}">
+                      <a16:colId xmlns:a16="http://schemas.microsoft.com/office/drawing/2014/main" val="3279378572"/>
+                    </a:ext>
+                  </a:extLst>
+                </a:gridCol>
+                <a:gridCol w="3646574">
+                  <a:extLst>
+                    <a:ext uri="{9D8B030D-6E8A-4147-A177-3AD203B41FA5}">
+                      <a16:colId xmlns:a16="http://schemas.microsoft.com/office/drawing/2014/main" val="543386224"/>
+                    </a:ext>
+                  </a:extLst>
+                </a:gridCol>
+                <a:gridCol w="2265549">
+                  <a:extLst>
+                    <a:ext uri="{9D8B030D-6E8A-4147-A177-3AD203B41FA5}">
+                      <a16:colId xmlns:a16="http://schemas.microsoft.com/office/drawing/2014/main" val="3710249960"/>
+                    </a:ext>
+                  </a:extLst>
+                </a:gridCol>
+              </a:tblGrid>
+              <a:tr h="220286">
+                <a:tc>
+                  <a:txBody>
+                    <a:bodyPr/>
+                    <a:lstStyle/>
+                    <a:p>
+                      <a:pPr>
+                        <a:lnSpc>
+                          <a:spcPct val="107000"/>
+                        </a:lnSpc>
+                        <a:spcAft>
+                          <a:spcPts val="800"/>
+                        </a:spcAft>
+                      </a:pPr>
+                      <a:r>
+                        <a:rPr lang="pt-BR" sz="1400">
+                          <a:effectLst/>
+                        </a:rPr>
+                        <a:t>Posição</a:t>
+                      </a:r>
+                      <a:endParaRPr lang="pt-BR" sz="1400">
+                        <a:effectLst/>
+                        <a:latin typeface="Calibri" panose="020F0502020204030204" pitchFamily="34" charset="0"/>
+                        <a:ea typeface="Calibri" panose="020F0502020204030204" pitchFamily="34" charset="0"/>
+                        <a:cs typeface="Times New Roman" panose="02020603050405020304" pitchFamily="18" charset="0"/>
+                      </a:endParaRPr>
+                    </a:p>
+                  </a:txBody>
+                  <a:tcPr marL="86399" marR="86399" marT="0" marB="0"/>
+                </a:tc>
+                <a:tc>
+                  <a:txBody>
+                    <a:bodyPr/>
+                    <a:lstStyle/>
+                    <a:p>
+                      <a:pPr>
+                        <a:lnSpc>
+                          <a:spcPct val="107000"/>
+                        </a:lnSpc>
+                        <a:spcAft>
+                          <a:spcPts val="800"/>
+                        </a:spcAft>
+                      </a:pPr>
+                      <a:r>
+                        <a:rPr lang="pt-BR" sz="1400">
+                          <a:effectLst/>
+                        </a:rPr>
+                        <a:t>Nome do cluster</a:t>
+                      </a:r>
+                      <a:endParaRPr lang="pt-BR" sz="1400">
+                        <a:effectLst/>
+                        <a:latin typeface="Calibri" panose="020F0502020204030204" pitchFamily="34" charset="0"/>
+                        <a:ea typeface="Calibri" panose="020F0502020204030204" pitchFamily="34" charset="0"/>
+                        <a:cs typeface="Times New Roman" panose="02020603050405020304" pitchFamily="18" charset="0"/>
+                      </a:endParaRPr>
+                    </a:p>
+                  </a:txBody>
+                  <a:tcPr marL="86399" marR="86399" marT="0" marB="0"/>
+                </a:tc>
+                <a:tc>
+                  <a:txBody>
+                    <a:bodyPr/>
+                    <a:lstStyle/>
+                    <a:p>
+                      <a:pPr>
+                        <a:lnSpc>
+                          <a:spcPct val="107000"/>
+                        </a:lnSpc>
+                        <a:spcAft>
+                          <a:spcPts val="800"/>
+                        </a:spcAft>
+                      </a:pPr>
+                      <a:r>
+                        <a:rPr lang="pt-BR" sz="1400">
+                          <a:effectLst/>
+                        </a:rPr>
+                        <a:t>Economia(s)</a:t>
+                      </a:r>
+                      <a:endParaRPr lang="pt-BR" sz="1400">
+                        <a:effectLst/>
+                        <a:latin typeface="Calibri" panose="020F0502020204030204" pitchFamily="34" charset="0"/>
+                        <a:ea typeface="Calibri" panose="020F0502020204030204" pitchFamily="34" charset="0"/>
+                        <a:cs typeface="Times New Roman" panose="02020603050405020304" pitchFamily="18" charset="0"/>
+                      </a:endParaRPr>
+                    </a:p>
+                  </a:txBody>
+                  <a:tcPr marL="86399" marR="86399" marT="0" marB="0"/>
+                </a:tc>
+                <a:extLst>
+                  <a:ext uri="{0D108BD9-81ED-4DB2-BD59-A6C34878D82A}">
+                    <a16:rowId xmlns:a16="http://schemas.microsoft.com/office/drawing/2014/main" val="4122226194"/>
+                  </a:ext>
+                </a:extLst>
+              </a:tr>
+              <a:tr h="220286">
+                <a:tc>
+                  <a:txBody>
+                    <a:bodyPr/>
+                    <a:lstStyle/>
+                    <a:p>
+                      <a:pPr>
+                        <a:lnSpc>
+                          <a:spcPct val="107000"/>
+                        </a:lnSpc>
+                        <a:spcAft>
+                          <a:spcPts val="800"/>
+                        </a:spcAft>
+                      </a:pPr>
+                      <a:r>
+                        <a:rPr lang="pt-BR" sz="1400">
+                          <a:effectLst/>
+                        </a:rPr>
+                        <a:t>1</a:t>
+                      </a:r>
+                      <a:endParaRPr lang="pt-BR" sz="1400">
+                        <a:effectLst/>
+                        <a:latin typeface="Calibri" panose="020F0502020204030204" pitchFamily="34" charset="0"/>
+                        <a:ea typeface="Calibri" panose="020F0502020204030204" pitchFamily="34" charset="0"/>
+                        <a:cs typeface="Times New Roman" panose="02020603050405020304" pitchFamily="18" charset="0"/>
+                      </a:endParaRPr>
+                    </a:p>
+                  </a:txBody>
+                  <a:tcPr marL="86399" marR="86399" marT="0" marB="0"/>
+                </a:tc>
+                <a:tc>
+                  <a:txBody>
+                    <a:bodyPr/>
+                    <a:lstStyle/>
+                    <a:p>
+                      <a:pPr>
+                        <a:lnSpc>
+                          <a:spcPct val="107000"/>
+                        </a:lnSpc>
+                        <a:spcAft>
+                          <a:spcPts val="800"/>
+                        </a:spcAft>
+                      </a:pPr>
+                      <a:r>
+                        <a:rPr lang="pt-BR" sz="1400">
+                          <a:effectLst/>
+                        </a:rPr>
+                        <a:t> Tóquio-Yokohama</a:t>
+                      </a:r>
+                      <a:endParaRPr lang="pt-BR" sz="1400">
+                        <a:effectLst/>
+                        <a:latin typeface="Calibri" panose="020F0502020204030204" pitchFamily="34" charset="0"/>
+                        <a:ea typeface="Calibri" panose="020F0502020204030204" pitchFamily="34" charset="0"/>
+                        <a:cs typeface="Times New Roman" panose="02020603050405020304" pitchFamily="18" charset="0"/>
+                      </a:endParaRPr>
+                    </a:p>
+                  </a:txBody>
+                  <a:tcPr marL="86399" marR="86399" marT="0" marB="0"/>
+                </a:tc>
+                <a:tc>
+                  <a:txBody>
+                    <a:bodyPr/>
+                    <a:lstStyle/>
+                    <a:p>
+                      <a:pPr>
+                        <a:lnSpc>
+                          <a:spcPct val="107000"/>
+                        </a:lnSpc>
+                        <a:spcAft>
+                          <a:spcPts val="800"/>
+                        </a:spcAft>
+                      </a:pPr>
+                      <a:r>
+                        <a:rPr lang="pt-BR" sz="1400">
+                          <a:effectLst/>
+                        </a:rPr>
+                        <a:t> JP</a:t>
+                      </a:r>
+                      <a:endParaRPr lang="pt-BR" sz="1400">
+                        <a:effectLst/>
+                        <a:latin typeface="Calibri" panose="020F0502020204030204" pitchFamily="34" charset="0"/>
+                        <a:ea typeface="Calibri" panose="020F0502020204030204" pitchFamily="34" charset="0"/>
+                        <a:cs typeface="Times New Roman" panose="02020603050405020304" pitchFamily="18" charset="0"/>
+                      </a:endParaRPr>
+                    </a:p>
+                  </a:txBody>
+                  <a:tcPr marL="86399" marR="86399" marT="0" marB="0"/>
+                </a:tc>
+                <a:extLst>
+                  <a:ext uri="{0D108BD9-81ED-4DB2-BD59-A6C34878D82A}">
+                    <a16:rowId xmlns:a16="http://schemas.microsoft.com/office/drawing/2014/main" val="1209567012"/>
+                  </a:ext>
+                </a:extLst>
+              </a:tr>
+              <a:tr h="220286">
+                <a:tc>
+                  <a:txBody>
+                    <a:bodyPr/>
+                    <a:lstStyle/>
+                    <a:p>
+                      <a:pPr>
+                        <a:lnSpc>
+                          <a:spcPct val="107000"/>
+                        </a:lnSpc>
+                        <a:spcAft>
+                          <a:spcPts val="800"/>
+                        </a:spcAft>
+                      </a:pPr>
+                      <a:r>
+                        <a:rPr lang="pt-BR" sz="1400">
+                          <a:effectLst/>
+                        </a:rPr>
+                        <a:t>2</a:t>
+                      </a:r>
+                      <a:endParaRPr lang="pt-BR" sz="1400">
+                        <a:effectLst/>
+                        <a:latin typeface="Calibri" panose="020F0502020204030204" pitchFamily="34" charset="0"/>
+                        <a:ea typeface="Calibri" panose="020F0502020204030204" pitchFamily="34" charset="0"/>
+                        <a:cs typeface="Times New Roman" panose="02020603050405020304" pitchFamily="18" charset="0"/>
+                      </a:endParaRPr>
+                    </a:p>
+                  </a:txBody>
+                  <a:tcPr marL="86399" marR="86399" marT="0" marB="0"/>
+                </a:tc>
+                <a:tc>
+                  <a:txBody>
+                    <a:bodyPr/>
+                    <a:lstStyle/>
+                    <a:p>
+                      <a:pPr>
+                        <a:lnSpc>
+                          <a:spcPct val="107000"/>
+                        </a:lnSpc>
+                        <a:spcAft>
+                          <a:spcPts val="800"/>
+                        </a:spcAft>
+                      </a:pPr>
+                      <a:r>
+                        <a:rPr lang="pt-BR" sz="1400" dirty="0">
+                          <a:effectLst/>
+                        </a:rPr>
+                        <a:t> Shenzhen-Hong Kong </a:t>
+                      </a:r>
+                      <a:endParaRPr lang="pt-BR" sz="1400" dirty="0">
+                        <a:effectLst/>
+                        <a:latin typeface="Calibri" panose="020F0502020204030204" pitchFamily="34" charset="0"/>
+                        <a:ea typeface="Calibri" panose="020F0502020204030204" pitchFamily="34" charset="0"/>
+                        <a:cs typeface="Times New Roman" panose="02020603050405020304" pitchFamily="18" charset="0"/>
+                      </a:endParaRPr>
+                    </a:p>
+                  </a:txBody>
+                  <a:tcPr marL="86399" marR="86399" marT="0" marB="0"/>
+                </a:tc>
+                <a:tc>
+                  <a:txBody>
+                    <a:bodyPr/>
+                    <a:lstStyle/>
+                    <a:p>
+                      <a:pPr>
+                        <a:lnSpc>
+                          <a:spcPct val="107000"/>
+                        </a:lnSpc>
+                        <a:spcAft>
+                          <a:spcPts val="800"/>
+                        </a:spcAft>
+                      </a:pPr>
+                      <a:r>
+                        <a:rPr lang="pt-BR" sz="1400">
+                          <a:effectLst/>
+                        </a:rPr>
+                        <a:t>CN/HK</a:t>
+                      </a:r>
+                      <a:endParaRPr lang="pt-BR" sz="1400">
+                        <a:effectLst/>
+                        <a:latin typeface="Calibri" panose="020F0502020204030204" pitchFamily="34" charset="0"/>
+                        <a:ea typeface="Calibri" panose="020F0502020204030204" pitchFamily="34" charset="0"/>
+                        <a:cs typeface="Times New Roman" panose="02020603050405020304" pitchFamily="18" charset="0"/>
+                      </a:endParaRPr>
+                    </a:p>
+                  </a:txBody>
+                  <a:tcPr marL="86399" marR="86399" marT="0" marB="0"/>
+                </a:tc>
+                <a:extLst>
+                  <a:ext uri="{0D108BD9-81ED-4DB2-BD59-A6C34878D82A}">
+                    <a16:rowId xmlns:a16="http://schemas.microsoft.com/office/drawing/2014/main" val="3135434748"/>
+                  </a:ext>
+                </a:extLst>
+              </a:tr>
+              <a:tr h="220286">
+                <a:tc>
+                  <a:txBody>
+                    <a:bodyPr/>
+                    <a:lstStyle/>
+                    <a:p>
+                      <a:pPr>
+                        <a:lnSpc>
+                          <a:spcPct val="107000"/>
+                        </a:lnSpc>
+                        <a:spcAft>
+                          <a:spcPts val="800"/>
+                        </a:spcAft>
+                      </a:pPr>
+                      <a:r>
+                        <a:rPr lang="pt-BR" sz="1400">
+                          <a:effectLst/>
+                        </a:rPr>
+                        <a:t>3</a:t>
+                      </a:r>
+                      <a:endParaRPr lang="pt-BR" sz="1400">
+                        <a:effectLst/>
+                        <a:latin typeface="Calibri" panose="020F0502020204030204" pitchFamily="34" charset="0"/>
+                        <a:ea typeface="Calibri" panose="020F0502020204030204" pitchFamily="34" charset="0"/>
+                        <a:cs typeface="Times New Roman" panose="02020603050405020304" pitchFamily="18" charset="0"/>
+                      </a:endParaRPr>
+                    </a:p>
+                  </a:txBody>
+                  <a:tcPr marL="86399" marR="86399" marT="0" marB="0"/>
+                </a:tc>
+                <a:tc>
+                  <a:txBody>
+                    <a:bodyPr/>
+                    <a:lstStyle/>
+                    <a:p>
+                      <a:pPr>
+                        <a:lnSpc>
+                          <a:spcPct val="107000"/>
+                        </a:lnSpc>
+                        <a:spcAft>
+                          <a:spcPts val="800"/>
+                        </a:spcAft>
+                      </a:pPr>
+                      <a:r>
+                        <a:rPr lang="pt-BR" sz="1400">
+                          <a:effectLst/>
+                        </a:rPr>
+                        <a:t> Seul </a:t>
+                      </a:r>
+                      <a:endParaRPr lang="pt-BR" sz="1400">
+                        <a:effectLst/>
+                        <a:latin typeface="Calibri" panose="020F0502020204030204" pitchFamily="34" charset="0"/>
+                        <a:ea typeface="Calibri" panose="020F0502020204030204" pitchFamily="34" charset="0"/>
+                        <a:cs typeface="Times New Roman" panose="02020603050405020304" pitchFamily="18" charset="0"/>
+                      </a:endParaRPr>
+                    </a:p>
+                  </a:txBody>
+                  <a:tcPr marL="86399" marR="86399" marT="0" marB="0"/>
+                </a:tc>
+                <a:tc>
+                  <a:txBody>
+                    <a:bodyPr/>
+                    <a:lstStyle/>
+                    <a:p>
+                      <a:pPr>
+                        <a:lnSpc>
+                          <a:spcPct val="107000"/>
+                        </a:lnSpc>
+                        <a:spcAft>
+                          <a:spcPts val="800"/>
+                        </a:spcAft>
+                      </a:pPr>
+                      <a:r>
+                        <a:rPr lang="pt-BR" sz="1400">
+                          <a:effectLst/>
+                        </a:rPr>
+                        <a:t>KR</a:t>
+                      </a:r>
+                      <a:endParaRPr lang="pt-BR" sz="1400">
+                        <a:effectLst/>
+                        <a:latin typeface="Calibri" panose="020F0502020204030204" pitchFamily="34" charset="0"/>
+                        <a:ea typeface="Calibri" panose="020F0502020204030204" pitchFamily="34" charset="0"/>
+                        <a:cs typeface="Times New Roman" panose="02020603050405020304" pitchFamily="18" charset="0"/>
+                      </a:endParaRPr>
+                    </a:p>
+                  </a:txBody>
+                  <a:tcPr marL="86399" marR="86399" marT="0" marB="0"/>
+                </a:tc>
+                <a:extLst>
+                  <a:ext uri="{0D108BD9-81ED-4DB2-BD59-A6C34878D82A}">
+                    <a16:rowId xmlns:a16="http://schemas.microsoft.com/office/drawing/2014/main" val="342147870"/>
+                  </a:ext>
+                </a:extLst>
+              </a:tr>
+              <a:tr h="220286">
+                <a:tc>
+                  <a:txBody>
+                    <a:bodyPr/>
+                    <a:lstStyle/>
+                    <a:p>
+                      <a:pPr>
+                        <a:lnSpc>
+                          <a:spcPct val="107000"/>
+                        </a:lnSpc>
+                        <a:spcAft>
+                          <a:spcPts val="800"/>
+                        </a:spcAft>
+                      </a:pPr>
+                      <a:r>
+                        <a:rPr lang="pt-BR" sz="1400">
+                          <a:effectLst/>
+                        </a:rPr>
+                        <a:t>4</a:t>
+                      </a:r>
+                      <a:endParaRPr lang="pt-BR" sz="1400">
+                        <a:effectLst/>
+                        <a:latin typeface="Calibri" panose="020F0502020204030204" pitchFamily="34" charset="0"/>
+                        <a:ea typeface="Calibri" panose="020F0502020204030204" pitchFamily="34" charset="0"/>
+                        <a:cs typeface="Times New Roman" panose="02020603050405020304" pitchFamily="18" charset="0"/>
+                      </a:endParaRPr>
+                    </a:p>
+                  </a:txBody>
+                  <a:tcPr marL="86399" marR="86399" marT="0" marB="0"/>
+                </a:tc>
+                <a:tc>
+                  <a:txBody>
+                    <a:bodyPr/>
+                    <a:lstStyle/>
+                    <a:p>
+                      <a:pPr>
+                        <a:lnSpc>
+                          <a:spcPct val="107000"/>
+                        </a:lnSpc>
+                        <a:spcAft>
+                          <a:spcPts val="800"/>
+                        </a:spcAft>
+                      </a:pPr>
+                      <a:r>
+                        <a:rPr lang="pt-BR" sz="1400">
+                          <a:effectLst/>
+                        </a:rPr>
+                        <a:t> Pequim </a:t>
+                      </a:r>
+                      <a:endParaRPr lang="pt-BR" sz="1400">
+                        <a:effectLst/>
+                        <a:latin typeface="Calibri" panose="020F0502020204030204" pitchFamily="34" charset="0"/>
+                        <a:ea typeface="Calibri" panose="020F0502020204030204" pitchFamily="34" charset="0"/>
+                        <a:cs typeface="Times New Roman" panose="02020603050405020304" pitchFamily="18" charset="0"/>
+                      </a:endParaRPr>
+                    </a:p>
+                  </a:txBody>
+                  <a:tcPr marL="86399" marR="86399" marT="0" marB="0"/>
+                </a:tc>
+                <a:tc>
+                  <a:txBody>
+                    <a:bodyPr/>
+                    <a:lstStyle/>
+                    <a:p>
+                      <a:pPr>
+                        <a:lnSpc>
+                          <a:spcPct val="107000"/>
+                        </a:lnSpc>
+                        <a:spcAft>
+                          <a:spcPts val="800"/>
+                        </a:spcAft>
+                      </a:pPr>
+                      <a:r>
+                        <a:rPr lang="pt-BR" sz="1400">
+                          <a:effectLst/>
+                        </a:rPr>
+                        <a:t>CN</a:t>
+                      </a:r>
+                      <a:endParaRPr lang="pt-BR" sz="1400">
+                        <a:effectLst/>
+                        <a:latin typeface="Calibri" panose="020F0502020204030204" pitchFamily="34" charset="0"/>
+                        <a:ea typeface="Calibri" panose="020F0502020204030204" pitchFamily="34" charset="0"/>
+                        <a:cs typeface="Times New Roman" panose="02020603050405020304" pitchFamily="18" charset="0"/>
+                      </a:endParaRPr>
+                    </a:p>
+                  </a:txBody>
+                  <a:tcPr marL="86399" marR="86399" marT="0" marB="0"/>
+                </a:tc>
+                <a:extLst>
+                  <a:ext uri="{0D108BD9-81ED-4DB2-BD59-A6C34878D82A}">
+                    <a16:rowId xmlns:a16="http://schemas.microsoft.com/office/drawing/2014/main" val="699820225"/>
+                  </a:ext>
+                </a:extLst>
+              </a:tr>
+              <a:tr h="220286">
+                <a:tc>
+                  <a:txBody>
+                    <a:bodyPr/>
+                    <a:lstStyle/>
+                    <a:p>
+                      <a:pPr>
+                        <a:lnSpc>
+                          <a:spcPct val="107000"/>
+                        </a:lnSpc>
+                        <a:spcAft>
+                          <a:spcPts val="800"/>
+                        </a:spcAft>
+                      </a:pPr>
+                      <a:r>
+                        <a:rPr lang="pt-BR" sz="1400">
+                          <a:effectLst/>
+                        </a:rPr>
+                        <a:t>5</a:t>
+                      </a:r>
+                      <a:endParaRPr lang="pt-BR" sz="1400">
+                        <a:effectLst/>
+                        <a:latin typeface="Calibri" panose="020F0502020204030204" pitchFamily="34" charset="0"/>
+                        <a:ea typeface="Calibri" panose="020F0502020204030204" pitchFamily="34" charset="0"/>
+                        <a:cs typeface="Times New Roman" panose="02020603050405020304" pitchFamily="18" charset="0"/>
+                      </a:endParaRPr>
+                    </a:p>
+                  </a:txBody>
+                  <a:tcPr marL="86399" marR="86399" marT="0" marB="0"/>
+                </a:tc>
+                <a:tc>
+                  <a:txBody>
+                    <a:bodyPr/>
+                    <a:lstStyle/>
+                    <a:p>
+                      <a:pPr>
+                        <a:lnSpc>
+                          <a:spcPct val="107000"/>
+                        </a:lnSpc>
+                        <a:spcAft>
+                          <a:spcPts val="800"/>
+                        </a:spcAft>
+                      </a:pPr>
+                      <a:r>
+                        <a:rPr lang="pt-BR" sz="1400">
+                          <a:effectLst/>
+                        </a:rPr>
+                        <a:t> São José-São Francisco </a:t>
+                      </a:r>
+                      <a:endParaRPr lang="pt-BR" sz="1400">
+                        <a:effectLst/>
+                        <a:latin typeface="Calibri" panose="020F0502020204030204" pitchFamily="34" charset="0"/>
+                        <a:ea typeface="Calibri" panose="020F0502020204030204" pitchFamily="34" charset="0"/>
+                        <a:cs typeface="Times New Roman" panose="02020603050405020304" pitchFamily="18" charset="0"/>
+                      </a:endParaRPr>
+                    </a:p>
+                  </a:txBody>
+                  <a:tcPr marL="86399" marR="86399" marT="0" marB="0"/>
+                </a:tc>
+                <a:tc>
+                  <a:txBody>
+                    <a:bodyPr/>
+                    <a:lstStyle/>
+                    <a:p>
+                      <a:pPr>
+                        <a:lnSpc>
+                          <a:spcPct val="107000"/>
+                        </a:lnSpc>
+                        <a:spcAft>
+                          <a:spcPts val="800"/>
+                        </a:spcAft>
+                      </a:pPr>
+                      <a:r>
+                        <a:rPr lang="pt-BR" sz="1400">
+                          <a:effectLst/>
+                        </a:rPr>
+                        <a:t>CA US</a:t>
+                      </a:r>
+                      <a:endParaRPr lang="pt-BR" sz="1400">
+                        <a:effectLst/>
+                        <a:latin typeface="Calibri" panose="020F0502020204030204" pitchFamily="34" charset="0"/>
+                        <a:ea typeface="Calibri" panose="020F0502020204030204" pitchFamily="34" charset="0"/>
+                        <a:cs typeface="Times New Roman" panose="02020603050405020304" pitchFamily="18" charset="0"/>
+                      </a:endParaRPr>
+                    </a:p>
+                  </a:txBody>
+                  <a:tcPr marL="86399" marR="86399" marT="0" marB="0"/>
+                </a:tc>
+                <a:extLst>
+                  <a:ext uri="{0D108BD9-81ED-4DB2-BD59-A6C34878D82A}">
+                    <a16:rowId xmlns:a16="http://schemas.microsoft.com/office/drawing/2014/main" val="3033673832"/>
+                  </a:ext>
+                </a:extLst>
+              </a:tr>
+              <a:tr h="220286">
+                <a:tc>
+                  <a:txBody>
+                    <a:bodyPr/>
+                    <a:lstStyle/>
+                    <a:p>
+                      <a:pPr>
+                        <a:lnSpc>
+                          <a:spcPct val="107000"/>
+                        </a:lnSpc>
+                        <a:spcAft>
+                          <a:spcPts val="800"/>
+                        </a:spcAft>
+                      </a:pPr>
+                      <a:r>
+                        <a:rPr lang="pt-BR" sz="1400">
+                          <a:effectLst/>
+                        </a:rPr>
+                        <a:t>9</a:t>
+                      </a:r>
+                      <a:endParaRPr lang="pt-BR" sz="1400">
+                        <a:effectLst/>
+                        <a:latin typeface="Calibri" panose="020F0502020204030204" pitchFamily="34" charset="0"/>
+                        <a:ea typeface="Calibri" panose="020F0502020204030204" pitchFamily="34" charset="0"/>
+                        <a:cs typeface="Times New Roman" panose="02020603050405020304" pitchFamily="18" charset="0"/>
+                      </a:endParaRPr>
+                    </a:p>
+                  </a:txBody>
+                  <a:tcPr marL="86399" marR="86399" marT="0" marB="0"/>
+                </a:tc>
+                <a:tc>
+                  <a:txBody>
+                    <a:bodyPr/>
+                    <a:lstStyle/>
+                    <a:p>
+                      <a:pPr>
+                        <a:lnSpc>
+                          <a:spcPct val="107000"/>
+                        </a:lnSpc>
+                        <a:spcAft>
+                          <a:spcPts val="800"/>
+                        </a:spcAft>
+                      </a:pPr>
+                      <a:r>
+                        <a:rPr lang="pt-BR" sz="1400">
+                          <a:effectLst/>
+                        </a:rPr>
+                        <a:t> Paris </a:t>
+                      </a:r>
+                      <a:endParaRPr lang="pt-BR" sz="1400">
+                        <a:effectLst/>
+                        <a:latin typeface="Calibri" panose="020F0502020204030204" pitchFamily="34" charset="0"/>
+                        <a:ea typeface="Calibri" panose="020F0502020204030204" pitchFamily="34" charset="0"/>
+                        <a:cs typeface="Times New Roman" panose="02020603050405020304" pitchFamily="18" charset="0"/>
+                      </a:endParaRPr>
+                    </a:p>
+                  </a:txBody>
+                  <a:tcPr marL="86399" marR="86399" marT="0" marB="0"/>
+                </a:tc>
+                <a:tc>
+                  <a:txBody>
+                    <a:bodyPr/>
+                    <a:lstStyle/>
+                    <a:p>
+                      <a:pPr>
+                        <a:lnSpc>
+                          <a:spcPct val="107000"/>
+                        </a:lnSpc>
+                        <a:spcAft>
+                          <a:spcPts val="800"/>
+                        </a:spcAft>
+                      </a:pPr>
+                      <a:r>
+                        <a:rPr lang="pt-BR" sz="1400">
+                          <a:effectLst/>
+                        </a:rPr>
+                        <a:t>FR</a:t>
+                      </a:r>
+                      <a:endParaRPr lang="pt-BR" sz="1400">
+                        <a:effectLst/>
+                        <a:latin typeface="Calibri" panose="020F0502020204030204" pitchFamily="34" charset="0"/>
+                        <a:ea typeface="Calibri" panose="020F0502020204030204" pitchFamily="34" charset="0"/>
+                        <a:cs typeface="Times New Roman" panose="02020603050405020304" pitchFamily="18" charset="0"/>
+                      </a:endParaRPr>
+                    </a:p>
+                  </a:txBody>
+                  <a:tcPr marL="86399" marR="86399" marT="0" marB="0"/>
+                </a:tc>
+                <a:extLst>
+                  <a:ext uri="{0D108BD9-81ED-4DB2-BD59-A6C34878D82A}">
+                    <a16:rowId xmlns:a16="http://schemas.microsoft.com/office/drawing/2014/main" val="1195105166"/>
+                  </a:ext>
+                </a:extLst>
+              </a:tr>
+              <a:tr h="220286">
+                <a:tc>
+                  <a:txBody>
+                    <a:bodyPr/>
+                    <a:lstStyle/>
+                    <a:p>
+                      <a:pPr>
+                        <a:lnSpc>
+                          <a:spcPct val="107000"/>
+                        </a:lnSpc>
+                        <a:spcAft>
+                          <a:spcPts val="800"/>
+                        </a:spcAft>
+                      </a:pPr>
+                      <a:r>
+                        <a:rPr lang="pt-BR" sz="1400">
+                          <a:effectLst/>
+                        </a:rPr>
+                        <a:t>15</a:t>
+                      </a:r>
+                      <a:endParaRPr lang="pt-BR" sz="1400">
+                        <a:effectLst/>
+                        <a:latin typeface="Calibri" panose="020F0502020204030204" pitchFamily="34" charset="0"/>
+                        <a:ea typeface="Calibri" panose="020F0502020204030204" pitchFamily="34" charset="0"/>
+                        <a:cs typeface="Times New Roman" panose="02020603050405020304" pitchFamily="18" charset="0"/>
+                      </a:endParaRPr>
+                    </a:p>
+                  </a:txBody>
+                  <a:tcPr marL="86399" marR="86399" marT="0" marB="0"/>
+                </a:tc>
+                <a:tc>
+                  <a:txBody>
+                    <a:bodyPr/>
+                    <a:lstStyle/>
+                    <a:p>
+                      <a:pPr>
+                        <a:lnSpc>
+                          <a:spcPct val="107000"/>
+                        </a:lnSpc>
+                        <a:spcAft>
+                          <a:spcPts val="800"/>
+                        </a:spcAft>
+                      </a:pPr>
+                      <a:r>
+                        <a:rPr lang="pt-BR" sz="1400">
+                          <a:effectLst/>
+                        </a:rPr>
+                        <a:t> Londres </a:t>
+                      </a:r>
+                      <a:endParaRPr lang="pt-BR" sz="1400">
+                        <a:effectLst/>
+                        <a:latin typeface="Calibri" panose="020F0502020204030204" pitchFamily="34" charset="0"/>
+                        <a:ea typeface="Calibri" panose="020F0502020204030204" pitchFamily="34" charset="0"/>
+                        <a:cs typeface="Times New Roman" panose="02020603050405020304" pitchFamily="18" charset="0"/>
+                      </a:endParaRPr>
+                    </a:p>
+                  </a:txBody>
+                  <a:tcPr marL="86399" marR="86399" marT="0" marB="0"/>
+                </a:tc>
+                <a:tc>
+                  <a:txBody>
+                    <a:bodyPr/>
+                    <a:lstStyle/>
+                    <a:p>
+                      <a:pPr>
+                        <a:lnSpc>
+                          <a:spcPct val="107000"/>
+                        </a:lnSpc>
+                        <a:spcAft>
+                          <a:spcPts val="800"/>
+                        </a:spcAft>
+                      </a:pPr>
+                      <a:r>
+                        <a:rPr lang="pt-BR" sz="1400">
+                          <a:effectLst/>
+                        </a:rPr>
+                        <a:t>GB</a:t>
+                      </a:r>
+                      <a:endParaRPr lang="pt-BR" sz="1400">
+                        <a:effectLst/>
+                        <a:latin typeface="Calibri" panose="020F0502020204030204" pitchFamily="34" charset="0"/>
+                        <a:ea typeface="Calibri" panose="020F0502020204030204" pitchFamily="34" charset="0"/>
+                        <a:cs typeface="Times New Roman" panose="02020603050405020304" pitchFamily="18" charset="0"/>
+                      </a:endParaRPr>
+                    </a:p>
+                  </a:txBody>
+                  <a:tcPr marL="86399" marR="86399" marT="0" marB="0"/>
+                </a:tc>
+                <a:extLst>
+                  <a:ext uri="{0D108BD9-81ED-4DB2-BD59-A6C34878D82A}">
+                    <a16:rowId xmlns:a16="http://schemas.microsoft.com/office/drawing/2014/main" val="1047993297"/>
+                  </a:ext>
+                </a:extLst>
+              </a:tr>
+              <a:tr h="220286">
+                <a:tc>
+                  <a:txBody>
+                    <a:bodyPr/>
+                    <a:lstStyle/>
+                    <a:p>
+                      <a:pPr>
+                        <a:lnSpc>
+                          <a:spcPct val="107000"/>
+                        </a:lnSpc>
+                        <a:spcAft>
+                          <a:spcPts val="800"/>
+                        </a:spcAft>
+                      </a:pPr>
+                      <a:r>
+                        <a:rPr lang="pt-BR" sz="1400">
+                          <a:effectLst/>
+                        </a:rPr>
+                        <a:t>18</a:t>
+                      </a:r>
+                      <a:endParaRPr lang="pt-BR" sz="1400">
+                        <a:effectLst/>
+                        <a:latin typeface="Calibri" panose="020F0502020204030204" pitchFamily="34" charset="0"/>
+                        <a:ea typeface="Calibri" panose="020F0502020204030204" pitchFamily="34" charset="0"/>
+                        <a:cs typeface="Times New Roman" panose="02020603050405020304" pitchFamily="18" charset="0"/>
+                      </a:endParaRPr>
+                    </a:p>
+                  </a:txBody>
+                  <a:tcPr marL="86399" marR="86399" marT="0" marB="0"/>
+                </a:tc>
+                <a:tc>
+                  <a:txBody>
+                    <a:bodyPr/>
+                    <a:lstStyle/>
+                    <a:p>
+                      <a:pPr>
+                        <a:lnSpc>
+                          <a:spcPct val="107000"/>
+                        </a:lnSpc>
+                        <a:spcAft>
+                          <a:spcPts val="800"/>
+                        </a:spcAft>
+                      </a:pPr>
+                      <a:r>
+                        <a:rPr lang="pt-BR" sz="1400">
+                          <a:effectLst/>
+                        </a:rPr>
+                        <a:t> Amsterdã-Roterdã </a:t>
+                      </a:r>
+                      <a:endParaRPr lang="pt-BR" sz="1400">
+                        <a:effectLst/>
+                        <a:latin typeface="Calibri" panose="020F0502020204030204" pitchFamily="34" charset="0"/>
+                        <a:ea typeface="Calibri" panose="020F0502020204030204" pitchFamily="34" charset="0"/>
+                        <a:cs typeface="Times New Roman" panose="02020603050405020304" pitchFamily="18" charset="0"/>
+                      </a:endParaRPr>
+                    </a:p>
+                  </a:txBody>
+                  <a:tcPr marL="86399" marR="86399" marT="0" marB="0"/>
+                </a:tc>
+                <a:tc>
+                  <a:txBody>
+                    <a:bodyPr/>
+                    <a:lstStyle/>
+                    <a:p>
+                      <a:pPr>
+                        <a:lnSpc>
+                          <a:spcPct val="107000"/>
+                        </a:lnSpc>
+                        <a:spcAft>
+                          <a:spcPts val="800"/>
+                        </a:spcAft>
+                      </a:pPr>
+                      <a:r>
+                        <a:rPr lang="pt-BR" sz="1400">
+                          <a:effectLst/>
+                        </a:rPr>
+                        <a:t>NL</a:t>
+                      </a:r>
+                      <a:endParaRPr lang="pt-BR" sz="1400">
+                        <a:effectLst/>
+                        <a:latin typeface="Calibri" panose="020F0502020204030204" pitchFamily="34" charset="0"/>
+                        <a:ea typeface="Calibri" panose="020F0502020204030204" pitchFamily="34" charset="0"/>
+                        <a:cs typeface="Times New Roman" panose="02020603050405020304" pitchFamily="18" charset="0"/>
+                      </a:endParaRPr>
+                    </a:p>
+                  </a:txBody>
+                  <a:tcPr marL="86399" marR="86399" marT="0" marB="0"/>
+                </a:tc>
+                <a:extLst>
+                  <a:ext uri="{0D108BD9-81ED-4DB2-BD59-A6C34878D82A}">
+                    <a16:rowId xmlns:a16="http://schemas.microsoft.com/office/drawing/2014/main" val="2750308513"/>
+                  </a:ext>
+                </a:extLst>
+              </a:tr>
+              <a:tr h="220286">
+                <a:tc>
+                  <a:txBody>
+                    <a:bodyPr/>
+                    <a:lstStyle/>
+                    <a:p>
+                      <a:pPr>
+                        <a:lnSpc>
+                          <a:spcPct val="107000"/>
+                        </a:lnSpc>
+                        <a:spcAft>
+                          <a:spcPts val="800"/>
+                        </a:spcAft>
+                      </a:pPr>
+                      <a:r>
+                        <a:rPr lang="pt-BR" sz="1400">
+                          <a:effectLst/>
+                        </a:rPr>
+                        <a:t>20</a:t>
+                      </a:r>
+                      <a:endParaRPr lang="pt-BR" sz="1400">
+                        <a:effectLst/>
+                        <a:latin typeface="Calibri" panose="020F0502020204030204" pitchFamily="34" charset="0"/>
+                        <a:ea typeface="Calibri" panose="020F0502020204030204" pitchFamily="34" charset="0"/>
+                        <a:cs typeface="Times New Roman" panose="02020603050405020304" pitchFamily="18" charset="0"/>
+                      </a:endParaRPr>
+                    </a:p>
+                  </a:txBody>
+                  <a:tcPr marL="86399" marR="86399" marT="0" marB="0"/>
+                </a:tc>
+                <a:tc>
+                  <a:txBody>
+                    <a:bodyPr/>
+                    <a:lstStyle/>
+                    <a:p>
+                      <a:pPr>
+                        <a:lnSpc>
+                          <a:spcPct val="107000"/>
+                        </a:lnSpc>
+                        <a:spcAft>
+                          <a:spcPts val="800"/>
+                        </a:spcAft>
+                      </a:pPr>
+                      <a:r>
+                        <a:rPr lang="pt-BR" sz="1400">
+                          <a:effectLst/>
+                        </a:rPr>
+                        <a:t> Colônia </a:t>
+                      </a:r>
+                      <a:endParaRPr lang="pt-BR" sz="1400">
+                        <a:effectLst/>
+                        <a:latin typeface="Calibri" panose="020F0502020204030204" pitchFamily="34" charset="0"/>
+                        <a:ea typeface="Calibri" panose="020F0502020204030204" pitchFamily="34" charset="0"/>
+                        <a:cs typeface="Times New Roman" panose="02020603050405020304" pitchFamily="18" charset="0"/>
+                      </a:endParaRPr>
+                    </a:p>
+                  </a:txBody>
+                  <a:tcPr marL="86399" marR="86399" marT="0" marB="0"/>
+                </a:tc>
+                <a:tc>
+                  <a:txBody>
+                    <a:bodyPr/>
+                    <a:lstStyle/>
+                    <a:p>
+                      <a:pPr>
+                        <a:lnSpc>
+                          <a:spcPct val="107000"/>
+                        </a:lnSpc>
+                        <a:spcAft>
+                          <a:spcPts val="800"/>
+                        </a:spcAft>
+                      </a:pPr>
+                      <a:r>
+                        <a:rPr lang="pt-BR" sz="1400">
+                          <a:effectLst/>
+                        </a:rPr>
+                        <a:t>DE</a:t>
+                      </a:r>
+                      <a:endParaRPr lang="pt-BR" sz="1400">
+                        <a:effectLst/>
+                        <a:latin typeface="Calibri" panose="020F0502020204030204" pitchFamily="34" charset="0"/>
+                        <a:ea typeface="Calibri" panose="020F0502020204030204" pitchFamily="34" charset="0"/>
+                        <a:cs typeface="Times New Roman" panose="02020603050405020304" pitchFamily="18" charset="0"/>
+                      </a:endParaRPr>
+                    </a:p>
+                  </a:txBody>
+                  <a:tcPr marL="86399" marR="86399" marT="0" marB="0"/>
+                </a:tc>
+                <a:extLst>
+                  <a:ext uri="{0D108BD9-81ED-4DB2-BD59-A6C34878D82A}">
+                    <a16:rowId xmlns:a16="http://schemas.microsoft.com/office/drawing/2014/main" val="3868053545"/>
+                  </a:ext>
+                </a:extLst>
+              </a:tr>
+              <a:tr h="220286">
+                <a:tc>
+                  <a:txBody>
+                    <a:bodyPr/>
+                    <a:lstStyle/>
+                    <a:p>
+                      <a:pPr>
+                        <a:lnSpc>
+                          <a:spcPct val="107000"/>
+                        </a:lnSpc>
+                        <a:spcAft>
+                          <a:spcPts val="800"/>
+                        </a:spcAft>
+                      </a:pPr>
+                      <a:r>
+                        <a:rPr lang="pt-BR" sz="1400">
+                          <a:effectLst/>
+                        </a:rPr>
+                        <a:t>23</a:t>
+                      </a:r>
+                      <a:endParaRPr lang="pt-BR" sz="1400">
+                        <a:effectLst/>
+                        <a:latin typeface="Calibri" panose="020F0502020204030204" pitchFamily="34" charset="0"/>
+                        <a:ea typeface="Calibri" panose="020F0502020204030204" pitchFamily="34" charset="0"/>
+                        <a:cs typeface="Times New Roman" panose="02020603050405020304" pitchFamily="18" charset="0"/>
+                      </a:endParaRPr>
+                    </a:p>
+                  </a:txBody>
+                  <a:tcPr marL="86399" marR="86399" marT="0" marB="0"/>
+                </a:tc>
+                <a:tc>
+                  <a:txBody>
+                    <a:bodyPr/>
+                    <a:lstStyle/>
+                    <a:p>
+                      <a:pPr>
+                        <a:lnSpc>
+                          <a:spcPct val="107000"/>
+                        </a:lnSpc>
+                        <a:spcAft>
+                          <a:spcPts val="800"/>
+                        </a:spcAft>
+                      </a:pPr>
+                      <a:r>
+                        <a:rPr lang="pt-BR" sz="1400">
+                          <a:effectLst/>
+                        </a:rPr>
+                        <a:t> Tel Aviv-Jerusalém </a:t>
+                      </a:r>
+                      <a:endParaRPr lang="pt-BR" sz="1400">
+                        <a:effectLst/>
+                        <a:latin typeface="Calibri" panose="020F0502020204030204" pitchFamily="34" charset="0"/>
+                        <a:ea typeface="Calibri" panose="020F0502020204030204" pitchFamily="34" charset="0"/>
+                        <a:cs typeface="Times New Roman" panose="02020603050405020304" pitchFamily="18" charset="0"/>
+                      </a:endParaRPr>
+                    </a:p>
+                  </a:txBody>
+                  <a:tcPr marL="86399" marR="86399" marT="0" marB="0"/>
+                </a:tc>
+                <a:tc>
+                  <a:txBody>
+                    <a:bodyPr/>
+                    <a:lstStyle/>
+                    <a:p>
+                      <a:pPr>
+                        <a:lnSpc>
+                          <a:spcPct val="107000"/>
+                        </a:lnSpc>
+                        <a:spcAft>
+                          <a:spcPts val="800"/>
+                        </a:spcAft>
+                      </a:pPr>
+                      <a:r>
+                        <a:rPr lang="pt-BR" sz="1400">
+                          <a:effectLst/>
+                        </a:rPr>
+                        <a:t>IL</a:t>
+                      </a:r>
+                      <a:endParaRPr lang="pt-BR" sz="1400">
+                        <a:effectLst/>
+                        <a:latin typeface="Calibri" panose="020F0502020204030204" pitchFamily="34" charset="0"/>
+                        <a:ea typeface="Calibri" panose="020F0502020204030204" pitchFamily="34" charset="0"/>
+                        <a:cs typeface="Times New Roman" panose="02020603050405020304" pitchFamily="18" charset="0"/>
+                      </a:endParaRPr>
+                    </a:p>
+                  </a:txBody>
+                  <a:tcPr marL="86399" marR="86399" marT="0" marB="0"/>
+                </a:tc>
+                <a:extLst>
+                  <a:ext uri="{0D108BD9-81ED-4DB2-BD59-A6C34878D82A}">
+                    <a16:rowId xmlns:a16="http://schemas.microsoft.com/office/drawing/2014/main" val="497968183"/>
+                  </a:ext>
+                </a:extLst>
+              </a:tr>
+              <a:tr h="220286">
+                <a:tc>
+                  <a:txBody>
+                    <a:bodyPr/>
+                    <a:lstStyle/>
+                    <a:p>
+                      <a:pPr>
+                        <a:lnSpc>
+                          <a:spcPct val="107000"/>
+                        </a:lnSpc>
+                        <a:spcAft>
+                          <a:spcPts val="800"/>
+                        </a:spcAft>
+                      </a:pPr>
+                      <a:r>
+                        <a:rPr lang="pt-BR" sz="1400">
+                          <a:effectLst/>
+                        </a:rPr>
+                        <a:t>28</a:t>
+                      </a:r>
+                      <a:endParaRPr lang="pt-BR" sz="1400">
+                        <a:effectLst/>
+                        <a:latin typeface="Calibri" panose="020F0502020204030204" pitchFamily="34" charset="0"/>
+                        <a:ea typeface="Calibri" panose="020F0502020204030204" pitchFamily="34" charset="0"/>
+                        <a:cs typeface="Times New Roman" panose="02020603050405020304" pitchFamily="18" charset="0"/>
+                      </a:endParaRPr>
+                    </a:p>
+                  </a:txBody>
+                  <a:tcPr marL="86399" marR="86399" marT="0" marB="0"/>
+                </a:tc>
+                <a:tc>
+                  <a:txBody>
+                    <a:bodyPr/>
+                    <a:lstStyle/>
+                    <a:p>
+                      <a:pPr>
+                        <a:lnSpc>
+                          <a:spcPct val="107000"/>
+                        </a:lnSpc>
+                        <a:spcAft>
+                          <a:spcPts val="800"/>
+                        </a:spcAft>
+                      </a:pPr>
+                      <a:r>
+                        <a:rPr lang="pt-BR" sz="1400">
+                          <a:effectLst/>
+                        </a:rPr>
+                        <a:t> Cingapura </a:t>
+                      </a:r>
+                      <a:endParaRPr lang="pt-BR" sz="1400">
+                        <a:effectLst/>
+                        <a:latin typeface="Calibri" panose="020F0502020204030204" pitchFamily="34" charset="0"/>
+                        <a:ea typeface="Calibri" panose="020F0502020204030204" pitchFamily="34" charset="0"/>
+                        <a:cs typeface="Times New Roman" panose="02020603050405020304" pitchFamily="18" charset="0"/>
+                      </a:endParaRPr>
+                    </a:p>
+                  </a:txBody>
+                  <a:tcPr marL="86399" marR="86399" marT="0" marB="0"/>
+                </a:tc>
+                <a:tc>
+                  <a:txBody>
+                    <a:bodyPr/>
+                    <a:lstStyle/>
+                    <a:p>
+                      <a:pPr>
+                        <a:lnSpc>
+                          <a:spcPct val="107000"/>
+                        </a:lnSpc>
+                        <a:spcAft>
+                          <a:spcPts val="800"/>
+                        </a:spcAft>
+                      </a:pPr>
+                      <a:r>
+                        <a:rPr lang="pt-BR" sz="1400">
+                          <a:effectLst/>
+                        </a:rPr>
+                        <a:t>SG</a:t>
+                      </a:r>
+                      <a:endParaRPr lang="pt-BR" sz="1400">
+                        <a:effectLst/>
+                        <a:latin typeface="Calibri" panose="020F0502020204030204" pitchFamily="34" charset="0"/>
+                        <a:ea typeface="Calibri" panose="020F0502020204030204" pitchFamily="34" charset="0"/>
+                        <a:cs typeface="Times New Roman" panose="02020603050405020304" pitchFamily="18" charset="0"/>
+                      </a:endParaRPr>
+                    </a:p>
+                  </a:txBody>
+                  <a:tcPr marL="86399" marR="86399" marT="0" marB="0"/>
+                </a:tc>
+                <a:extLst>
+                  <a:ext uri="{0D108BD9-81ED-4DB2-BD59-A6C34878D82A}">
+                    <a16:rowId xmlns:a16="http://schemas.microsoft.com/office/drawing/2014/main" val="183043304"/>
+                  </a:ext>
+                </a:extLst>
+              </a:tr>
+              <a:tr h="220286">
+                <a:tc>
+                  <a:txBody>
+                    <a:bodyPr/>
+                    <a:lstStyle/>
+                    <a:p>
+                      <a:pPr>
+                        <a:lnSpc>
+                          <a:spcPct val="107000"/>
+                        </a:lnSpc>
+                        <a:spcAft>
+                          <a:spcPts val="800"/>
+                        </a:spcAft>
+                      </a:pPr>
+                      <a:r>
+                        <a:rPr lang="pt-BR" sz="1400">
+                          <a:effectLst/>
+                        </a:rPr>
+                        <a:t>31</a:t>
+                      </a:r>
+                      <a:endParaRPr lang="pt-BR" sz="1400">
+                        <a:effectLst/>
+                        <a:latin typeface="Calibri" panose="020F0502020204030204" pitchFamily="34" charset="0"/>
+                        <a:ea typeface="Calibri" panose="020F0502020204030204" pitchFamily="34" charset="0"/>
+                        <a:cs typeface="Times New Roman" panose="02020603050405020304" pitchFamily="18" charset="0"/>
+                      </a:endParaRPr>
+                    </a:p>
+                  </a:txBody>
+                  <a:tcPr marL="86399" marR="86399" marT="0" marB="0"/>
+                </a:tc>
+                <a:tc>
+                  <a:txBody>
+                    <a:bodyPr/>
+                    <a:lstStyle/>
+                    <a:p>
+                      <a:pPr>
+                        <a:lnSpc>
+                          <a:spcPct val="107000"/>
+                        </a:lnSpc>
+                        <a:spcAft>
+                          <a:spcPts val="800"/>
+                        </a:spcAft>
+                      </a:pPr>
+                      <a:r>
+                        <a:rPr lang="pt-BR" sz="1400">
+                          <a:effectLst/>
+                        </a:rPr>
+                        <a:t> Eindhoven </a:t>
+                      </a:r>
+                      <a:endParaRPr lang="pt-BR" sz="1400">
+                        <a:effectLst/>
+                        <a:latin typeface="Calibri" panose="020F0502020204030204" pitchFamily="34" charset="0"/>
+                        <a:ea typeface="Calibri" panose="020F0502020204030204" pitchFamily="34" charset="0"/>
+                        <a:cs typeface="Times New Roman" panose="02020603050405020304" pitchFamily="18" charset="0"/>
+                      </a:endParaRPr>
+                    </a:p>
+                  </a:txBody>
+                  <a:tcPr marL="86399" marR="86399" marT="0" marB="0"/>
+                </a:tc>
+                <a:tc>
+                  <a:txBody>
+                    <a:bodyPr/>
+                    <a:lstStyle/>
+                    <a:p>
+                      <a:pPr>
+                        <a:lnSpc>
+                          <a:spcPct val="107000"/>
+                        </a:lnSpc>
+                        <a:spcAft>
+                          <a:spcPts val="800"/>
+                        </a:spcAft>
+                      </a:pPr>
+                      <a:r>
+                        <a:rPr lang="pt-BR" sz="1400">
+                          <a:effectLst/>
+                        </a:rPr>
+                        <a:t>BE/NL</a:t>
+                      </a:r>
+                      <a:endParaRPr lang="pt-BR" sz="1400">
+                        <a:effectLst/>
+                        <a:latin typeface="Calibri" panose="020F0502020204030204" pitchFamily="34" charset="0"/>
+                        <a:ea typeface="Calibri" panose="020F0502020204030204" pitchFamily="34" charset="0"/>
+                        <a:cs typeface="Times New Roman" panose="02020603050405020304" pitchFamily="18" charset="0"/>
+                      </a:endParaRPr>
+                    </a:p>
+                  </a:txBody>
+                  <a:tcPr marL="86399" marR="86399" marT="0" marB="0"/>
+                </a:tc>
+                <a:extLst>
+                  <a:ext uri="{0D108BD9-81ED-4DB2-BD59-A6C34878D82A}">
+                    <a16:rowId xmlns:a16="http://schemas.microsoft.com/office/drawing/2014/main" val="1936036851"/>
+                  </a:ext>
+                </a:extLst>
+              </a:tr>
+              <a:tr h="220286">
+                <a:tc>
+                  <a:txBody>
+                    <a:bodyPr/>
+                    <a:lstStyle/>
+                    <a:p>
+                      <a:pPr>
+                        <a:lnSpc>
+                          <a:spcPct val="107000"/>
+                        </a:lnSpc>
+                        <a:spcAft>
+                          <a:spcPts val="800"/>
+                        </a:spcAft>
+                      </a:pPr>
+                      <a:r>
+                        <a:rPr lang="pt-BR" sz="1400">
+                          <a:effectLst/>
+                        </a:rPr>
+                        <a:t>32</a:t>
+                      </a:r>
+                      <a:endParaRPr lang="pt-BR" sz="1400">
+                        <a:effectLst/>
+                        <a:latin typeface="Calibri" panose="020F0502020204030204" pitchFamily="34" charset="0"/>
+                        <a:ea typeface="Calibri" panose="020F0502020204030204" pitchFamily="34" charset="0"/>
+                        <a:cs typeface="Times New Roman" panose="02020603050405020304" pitchFamily="18" charset="0"/>
+                      </a:endParaRPr>
+                    </a:p>
+                  </a:txBody>
+                  <a:tcPr marL="86399" marR="86399" marT="0" marB="0"/>
+                </a:tc>
+                <a:tc>
+                  <a:txBody>
+                    <a:bodyPr/>
+                    <a:lstStyle/>
+                    <a:p>
+                      <a:pPr>
+                        <a:lnSpc>
+                          <a:spcPct val="107000"/>
+                        </a:lnSpc>
+                        <a:spcAft>
+                          <a:spcPts val="800"/>
+                        </a:spcAft>
+                      </a:pPr>
+                      <a:r>
+                        <a:rPr lang="pt-BR" sz="1400">
+                          <a:effectLst/>
+                        </a:rPr>
+                        <a:t> Estocolmo </a:t>
+                      </a:r>
+                      <a:endParaRPr lang="pt-BR" sz="1400">
+                        <a:effectLst/>
+                        <a:latin typeface="Calibri" panose="020F0502020204030204" pitchFamily="34" charset="0"/>
+                        <a:ea typeface="Calibri" panose="020F0502020204030204" pitchFamily="34" charset="0"/>
+                        <a:cs typeface="Times New Roman" panose="02020603050405020304" pitchFamily="18" charset="0"/>
+                      </a:endParaRPr>
+                    </a:p>
+                  </a:txBody>
+                  <a:tcPr marL="86399" marR="86399" marT="0" marB="0"/>
+                </a:tc>
+                <a:tc>
+                  <a:txBody>
+                    <a:bodyPr/>
+                    <a:lstStyle/>
+                    <a:p>
+                      <a:pPr>
+                        <a:lnSpc>
+                          <a:spcPct val="107000"/>
+                        </a:lnSpc>
+                        <a:spcAft>
+                          <a:spcPts val="800"/>
+                        </a:spcAft>
+                      </a:pPr>
+                      <a:r>
+                        <a:rPr lang="pt-BR" sz="1400">
+                          <a:effectLst/>
+                        </a:rPr>
+                        <a:t>SE</a:t>
+                      </a:r>
+                      <a:endParaRPr lang="pt-BR" sz="1400">
+                        <a:effectLst/>
+                        <a:latin typeface="Calibri" panose="020F0502020204030204" pitchFamily="34" charset="0"/>
+                        <a:ea typeface="Calibri" panose="020F0502020204030204" pitchFamily="34" charset="0"/>
+                        <a:cs typeface="Times New Roman" panose="02020603050405020304" pitchFamily="18" charset="0"/>
+                      </a:endParaRPr>
+                    </a:p>
+                  </a:txBody>
+                  <a:tcPr marL="86399" marR="86399" marT="0" marB="0"/>
+                </a:tc>
+                <a:extLst>
+                  <a:ext uri="{0D108BD9-81ED-4DB2-BD59-A6C34878D82A}">
+                    <a16:rowId xmlns:a16="http://schemas.microsoft.com/office/drawing/2014/main" val="379911949"/>
+                  </a:ext>
+                </a:extLst>
+              </a:tr>
+              <a:tr h="220286">
+                <a:tc>
+                  <a:txBody>
+                    <a:bodyPr/>
+                    <a:lstStyle/>
+                    <a:p>
+                      <a:pPr>
+                        <a:lnSpc>
+                          <a:spcPct val="107000"/>
+                        </a:lnSpc>
+                        <a:spcAft>
+                          <a:spcPts val="800"/>
+                        </a:spcAft>
+                      </a:pPr>
+                      <a:r>
+                        <a:rPr lang="pt-BR" sz="1400">
+                          <a:effectLst/>
+                        </a:rPr>
+                        <a:t>33</a:t>
+                      </a:r>
+                      <a:endParaRPr lang="pt-BR" sz="1400">
+                        <a:effectLst/>
+                        <a:latin typeface="Calibri" panose="020F0502020204030204" pitchFamily="34" charset="0"/>
+                        <a:ea typeface="Calibri" panose="020F0502020204030204" pitchFamily="34" charset="0"/>
+                        <a:cs typeface="Times New Roman" panose="02020603050405020304" pitchFamily="18" charset="0"/>
+                      </a:endParaRPr>
+                    </a:p>
+                  </a:txBody>
+                  <a:tcPr marL="86399" marR="86399" marT="0" marB="0"/>
+                </a:tc>
+                <a:tc>
+                  <a:txBody>
+                    <a:bodyPr/>
+                    <a:lstStyle/>
+                    <a:p>
+                      <a:pPr>
+                        <a:lnSpc>
+                          <a:spcPct val="107000"/>
+                        </a:lnSpc>
+                        <a:spcAft>
+                          <a:spcPts val="800"/>
+                        </a:spcAft>
+                      </a:pPr>
+                      <a:r>
+                        <a:rPr lang="pt-BR" sz="1400">
+                          <a:effectLst/>
+                        </a:rPr>
+                        <a:t> Moscou </a:t>
+                      </a:r>
+                      <a:endParaRPr lang="pt-BR" sz="1400">
+                        <a:effectLst/>
+                        <a:latin typeface="Calibri" panose="020F0502020204030204" pitchFamily="34" charset="0"/>
+                        <a:ea typeface="Calibri" panose="020F0502020204030204" pitchFamily="34" charset="0"/>
+                        <a:cs typeface="Times New Roman" panose="02020603050405020304" pitchFamily="18" charset="0"/>
+                      </a:endParaRPr>
+                    </a:p>
+                  </a:txBody>
+                  <a:tcPr marL="86399" marR="86399" marT="0" marB="0"/>
+                </a:tc>
+                <a:tc>
+                  <a:txBody>
+                    <a:bodyPr/>
+                    <a:lstStyle/>
+                    <a:p>
+                      <a:pPr>
+                        <a:lnSpc>
+                          <a:spcPct val="107000"/>
+                        </a:lnSpc>
+                        <a:spcAft>
+                          <a:spcPts val="800"/>
+                        </a:spcAft>
+                      </a:pPr>
+                      <a:r>
+                        <a:rPr lang="pt-BR" sz="1400">
+                          <a:effectLst/>
+                        </a:rPr>
+                        <a:t>RU</a:t>
+                      </a:r>
+                      <a:endParaRPr lang="pt-BR" sz="1400">
+                        <a:effectLst/>
+                        <a:latin typeface="Calibri" panose="020F0502020204030204" pitchFamily="34" charset="0"/>
+                        <a:ea typeface="Calibri" panose="020F0502020204030204" pitchFamily="34" charset="0"/>
+                        <a:cs typeface="Times New Roman" panose="02020603050405020304" pitchFamily="18" charset="0"/>
+                      </a:endParaRPr>
+                    </a:p>
+                  </a:txBody>
+                  <a:tcPr marL="86399" marR="86399" marT="0" marB="0"/>
+                </a:tc>
+                <a:extLst>
+                  <a:ext uri="{0D108BD9-81ED-4DB2-BD59-A6C34878D82A}">
+                    <a16:rowId xmlns:a16="http://schemas.microsoft.com/office/drawing/2014/main" val="1966483599"/>
+                  </a:ext>
+                </a:extLst>
+              </a:tr>
+              <a:tr h="220286">
+                <a:tc>
+                  <a:txBody>
+                    <a:bodyPr/>
+                    <a:lstStyle/>
+                    <a:p>
+                      <a:pPr>
+                        <a:lnSpc>
+                          <a:spcPct val="107000"/>
+                        </a:lnSpc>
+                        <a:spcAft>
+                          <a:spcPts val="800"/>
+                        </a:spcAft>
+                      </a:pPr>
+                      <a:r>
+                        <a:rPr lang="pt-BR" sz="1400">
+                          <a:effectLst/>
+                        </a:rPr>
+                        <a:t>35</a:t>
+                      </a:r>
+                      <a:endParaRPr lang="pt-BR" sz="1400">
+                        <a:effectLst/>
+                        <a:latin typeface="Calibri" panose="020F0502020204030204" pitchFamily="34" charset="0"/>
+                        <a:ea typeface="Calibri" panose="020F0502020204030204" pitchFamily="34" charset="0"/>
+                        <a:cs typeface="Times New Roman" panose="02020603050405020304" pitchFamily="18" charset="0"/>
+                      </a:endParaRPr>
+                    </a:p>
+                  </a:txBody>
+                  <a:tcPr marL="86399" marR="86399" marT="0" marB="0"/>
+                </a:tc>
+                <a:tc>
+                  <a:txBody>
+                    <a:bodyPr/>
+                    <a:lstStyle/>
+                    <a:p>
+                      <a:pPr>
+                        <a:lnSpc>
+                          <a:spcPct val="107000"/>
+                        </a:lnSpc>
+                        <a:spcAft>
+                          <a:spcPts val="800"/>
+                        </a:spcAft>
+                      </a:pPr>
+                      <a:r>
+                        <a:rPr lang="pt-BR" sz="1400">
+                          <a:effectLst/>
+                        </a:rPr>
+                        <a:t> Melbourne </a:t>
+                      </a:r>
+                      <a:endParaRPr lang="pt-BR" sz="1400">
+                        <a:effectLst/>
+                        <a:latin typeface="Calibri" panose="020F0502020204030204" pitchFamily="34" charset="0"/>
+                        <a:ea typeface="Calibri" panose="020F0502020204030204" pitchFamily="34" charset="0"/>
+                        <a:cs typeface="Times New Roman" panose="02020603050405020304" pitchFamily="18" charset="0"/>
+                      </a:endParaRPr>
+                    </a:p>
+                  </a:txBody>
+                  <a:tcPr marL="86399" marR="86399" marT="0" marB="0"/>
+                </a:tc>
+                <a:tc>
+                  <a:txBody>
+                    <a:bodyPr/>
+                    <a:lstStyle/>
+                    <a:p>
+                      <a:pPr>
+                        <a:lnSpc>
+                          <a:spcPct val="107000"/>
+                        </a:lnSpc>
+                        <a:spcAft>
+                          <a:spcPts val="800"/>
+                        </a:spcAft>
+                      </a:pPr>
+                      <a:r>
+                        <a:rPr lang="pt-BR" sz="1400">
+                          <a:effectLst/>
+                        </a:rPr>
+                        <a:t>AU</a:t>
+                      </a:r>
+                      <a:endParaRPr lang="pt-BR" sz="1400">
+                        <a:effectLst/>
+                        <a:latin typeface="Calibri" panose="020F0502020204030204" pitchFamily="34" charset="0"/>
+                        <a:ea typeface="Calibri" panose="020F0502020204030204" pitchFamily="34" charset="0"/>
+                        <a:cs typeface="Times New Roman" panose="02020603050405020304" pitchFamily="18" charset="0"/>
+                      </a:endParaRPr>
+                    </a:p>
+                  </a:txBody>
+                  <a:tcPr marL="86399" marR="86399" marT="0" marB="0"/>
+                </a:tc>
+                <a:extLst>
+                  <a:ext uri="{0D108BD9-81ED-4DB2-BD59-A6C34878D82A}">
+                    <a16:rowId xmlns:a16="http://schemas.microsoft.com/office/drawing/2014/main" val="1009078190"/>
+                  </a:ext>
+                </a:extLst>
+              </a:tr>
+              <a:tr h="220286">
+                <a:tc>
+                  <a:txBody>
+                    <a:bodyPr/>
+                    <a:lstStyle/>
+                    <a:p>
+                      <a:pPr>
+                        <a:lnSpc>
+                          <a:spcPct val="107000"/>
+                        </a:lnSpc>
+                        <a:spcAft>
+                          <a:spcPts val="800"/>
+                        </a:spcAft>
+                      </a:pPr>
+                      <a:r>
+                        <a:rPr lang="pt-BR" sz="1400">
+                          <a:effectLst/>
+                        </a:rPr>
+                        <a:t>39</a:t>
+                      </a:r>
+                      <a:endParaRPr lang="pt-BR" sz="1400">
+                        <a:effectLst/>
+                        <a:latin typeface="Calibri" panose="020F0502020204030204" pitchFamily="34" charset="0"/>
+                        <a:ea typeface="Calibri" panose="020F0502020204030204" pitchFamily="34" charset="0"/>
+                        <a:cs typeface="Times New Roman" panose="02020603050405020304" pitchFamily="18" charset="0"/>
+                      </a:endParaRPr>
+                    </a:p>
+                  </a:txBody>
+                  <a:tcPr marL="86399" marR="86399" marT="0" marB="0"/>
+                </a:tc>
+                <a:tc>
+                  <a:txBody>
+                    <a:bodyPr/>
+                    <a:lstStyle/>
+                    <a:p>
+                      <a:pPr>
+                        <a:lnSpc>
+                          <a:spcPct val="107000"/>
+                        </a:lnSpc>
+                        <a:spcAft>
+                          <a:spcPts val="800"/>
+                        </a:spcAft>
+                      </a:pPr>
+                      <a:r>
+                        <a:rPr lang="pt-BR" sz="1400">
+                          <a:effectLst/>
+                        </a:rPr>
+                        <a:t> Toronto </a:t>
+                      </a:r>
+                      <a:endParaRPr lang="pt-BR" sz="1400">
+                        <a:effectLst/>
+                        <a:latin typeface="Calibri" panose="020F0502020204030204" pitchFamily="34" charset="0"/>
+                        <a:ea typeface="Calibri" panose="020F0502020204030204" pitchFamily="34" charset="0"/>
+                        <a:cs typeface="Times New Roman" panose="02020603050405020304" pitchFamily="18" charset="0"/>
+                      </a:endParaRPr>
+                    </a:p>
+                  </a:txBody>
+                  <a:tcPr marL="86399" marR="86399" marT="0" marB="0"/>
+                </a:tc>
+                <a:tc>
+                  <a:txBody>
+                    <a:bodyPr/>
+                    <a:lstStyle/>
+                    <a:p>
+                      <a:pPr>
+                        <a:lnSpc>
+                          <a:spcPct val="107000"/>
+                        </a:lnSpc>
+                        <a:spcAft>
+                          <a:spcPts val="800"/>
+                        </a:spcAft>
+                      </a:pPr>
+                      <a:r>
+                        <a:rPr lang="pt-BR" sz="1400">
+                          <a:effectLst/>
+                        </a:rPr>
+                        <a:t>ON CA</a:t>
+                      </a:r>
+                      <a:endParaRPr lang="pt-BR" sz="1400">
+                        <a:effectLst/>
+                        <a:latin typeface="Calibri" panose="020F0502020204030204" pitchFamily="34" charset="0"/>
+                        <a:ea typeface="Calibri" panose="020F0502020204030204" pitchFamily="34" charset="0"/>
+                        <a:cs typeface="Times New Roman" panose="02020603050405020304" pitchFamily="18" charset="0"/>
+                      </a:endParaRPr>
+                    </a:p>
+                  </a:txBody>
+                  <a:tcPr marL="86399" marR="86399" marT="0" marB="0"/>
+                </a:tc>
+                <a:extLst>
+                  <a:ext uri="{0D108BD9-81ED-4DB2-BD59-A6C34878D82A}">
+                    <a16:rowId xmlns:a16="http://schemas.microsoft.com/office/drawing/2014/main" val="1770842998"/>
+                  </a:ext>
+                </a:extLst>
+              </a:tr>
+              <a:tr h="220286">
+                <a:tc>
+                  <a:txBody>
+                    <a:bodyPr/>
+                    <a:lstStyle/>
+                    <a:p>
+                      <a:pPr>
+                        <a:lnSpc>
+                          <a:spcPct val="107000"/>
+                        </a:lnSpc>
+                        <a:spcAft>
+                          <a:spcPts val="800"/>
+                        </a:spcAft>
+                      </a:pPr>
+                      <a:r>
+                        <a:rPr lang="pt-BR" sz="1400">
+                          <a:effectLst/>
+                        </a:rPr>
+                        <a:t>40</a:t>
+                      </a:r>
+                      <a:endParaRPr lang="pt-BR" sz="1400">
+                        <a:effectLst/>
+                        <a:latin typeface="Calibri" panose="020F0502020204030204" pitchFamily="34" charset="0"/>
+                        <a:ea typeface="Calibri" panose="020F0502020204030204" pitchFamily="34" charset="0"/>
+                        <a:cs typeface="Times New Roman" panose="02020603050405020304" pitchFamily="18" charset="0"/>
+                      </a:endParaRPr>
+                    </a:p>
+                  </a:txBody>
+                  <a:tcPr marL="86399" marR="86399" marT="0" marB="0"/>
+                </a:tc>
+                <a:tc>
+                  <a:txBody>
+                    <a:bodyPr/>
+                    <a:lstStyle/>
+                    <a:p>
+                      <a:pPr>
+                        <a:lnSpc>
+                          <a:spcPct val="107000"/>
+                        </a:lnSpc>
+                        <a:spcAft>
+                          <a:spcPts val="800"/>
+                        </a:spcAft>
+                      </a:pPr>
+                      <a:r>
+                        <a:rPr lang="pt-BR" sz="1400">
+                          <a:effectLst/>
+                        </a:rPr>
+                        <a:t> Bruxelas </a:t>
+                      </a:r>
+                      <a:endParaRPr lang="pt-BR" sz="1400">
+                        <a:effectLst/>
+                        <a:latin typeface="Calibri" panose="020F0502020204030204" pitchFamily="34" charset="0"/>
+                        <a:ea typeface="Calibri" panose="020F0502020204030204" pitchFamily="34" charset="0"/>
+                        <a:cs typeface="Times New Roman" panose="02020603050405020304" pitchFamily="18" charset="0"/>
+                      </a:endParaRPr>
+                    </a:p>
+                  </a:txBody>
+                  <a:tcPr marL="86399" marR="86399" marT="0" marB="0"/>
+                </a:tc>
+                <a:tc>
+                  <a:txBody>
+                    <a:bodyPr/>
+                    <a:lstStyle/>
+                    <a:p>
+                      <a:pPr>
+                        <a:lnSpc>
+                          <a:spcPct val="107000"/>
+                        </a:lnSpc>
+                        <a:spcAft>
+                          <a:spcPts val="800"/>
+                        </a:spcAft>
+                      </a:pPr>
+                      <a:r>
+                        <a:rPr lang="pt-BR" sz="1400">
+                          <a:effectLst/>
+                        </a:rPr>
+                        <a:t>BE</a:t>
+                      </a:r>
+                      <a:endParaRPr lang="pt-BR" sz="1400">
+                        <a:effectLst/>
+                        <a:latin typeface="Calibri" panose="020F0502020204030204" pitchFamily="34" charset="0"/>
+                        <a:ea typeface="Calibri" panose="020F0502020204030204" pitchFamily="34" charset="0"/>
+                        <a:cs typeface="Times New Roman" panose="02020603050405020304" pitchFamily="18" charset="0"/>
+                      </a:endParaRPr>
+                    </a:p>
+                  </a:txBody>
+                  <a:tcPr marL="86399" marR="86399" marT="0" marB="0"/>
+                </a:tc>
+                <a:extLst>
+                  <a:ext uri="{0D108BD9-81ED-4DB2-BD59-A6C34878D82A}">
+                    <a16:rowId xmlns:a16="http://schemas.microsoft.com/office/drawing/2014/main" val="704744644"/>
+                  </a:ext>
+                </a:extLst>
+              </a:tr>
+              <a:tr h="220286">
+                <a:tc>
+                  <a:txBody>
+                    <a:bodyPr/>
+                    <a:lstStyle/>
+                    <a:p>
+                      <a:pPr>
+                        <a:lnSpc>
+                          <a:spcPct val="107000"/>
+                        </a:lnSpc>
+                        <a:spcAft>
+                          <a:spcPts val="800"/>
+                        </a:spcAft>
+                      </a:pPr>
+                      <a:r>
+                        <a:rPr lang="pt-BR" sz="1400">
+                          <a:effectLst/>
+                        </a:rPr>
+                        <a:t>42</a:t>
+                      </a:r>
+                      <a:endParaRPr lang="pt-BR" sz="1400">
+                        <a:effectLst/>
+                        <a:latin typeface="Calibri" panose="020F0502020204030204" pitchFamily="34" charset="0"/>
+                        <a:ea typeface="Calibri" panose="020F0502020204030204" pitchFamily="34" charset="0"/>
+                        <a:cs typeface="Times New Roman" panose="02020603050405020304" pitchFamily="18" charset="0"/>
+                      </a:endParaRPr>
+                    </a:p>
+                  </a:txBody>
+                  <a:tcPr marL="86399" marR="86399" marT="0" marB="0"/>
+                </a:tc>
+                <a:tc>
+                  <a:txBody>
+                    <a:bodyPr/>
+                    <a:lstStyle/>
+                    <a:p>
+                      <a:pPr>
+                        <a:lnSpc>
+                          <a:spcPct val="107000"/>
+                        </a:lnSpc>
+                        <a:spcAft>
+                          <a:spcPts val="800"/>
+                        </a:spcAft>
+                      </a:pPr>
+                      <a:r>
+                        <a:rPr lang="pt-BR" sz="1400">
+                          <a:effectLst/>
+                        </a:rPr>
+                        <a:t> Madri </a:t>
+                      </a:r>
+                      <a:endParaRPr lang="pt-BR" sz="1400">
+                        <a:effectLst/>
+                        <a:latin typeface="Calibri" panose="020F0502020204030204" pitchFamily="34" charset="0"/>
+                        <a:ea typeface="Calibri" panose="020F0502020204030204" pitchFamily="34" charset="0"/>
+                        <a:cs typeface="Times New Roman" panose="02020603050405020304" pitchFamily="18" charset="0"/>
+                      </a:endParaRPr>
+                    </a:p>
+                  </a:txBody>
+                  <a:tcPr marL="86399" marR="86399" marT="0" marB="0"/>
+                </a:tc>
+                <a:tc>
+                  <a:txBody>
+                    <a:bodyPr/>
+                    <a:lstStyle/>
+                    <a:p>
+                      <a:pPr>
+                        <a:lnSpc>
+                          <a:spcPct val="107000"/>
+                        </a:lnSpc>
+                        <a:spcAft>
+                          <a:spcPts val="800"/>
+                        </a:spcAft>
+                      </a:pPr>
+                      <a:r>
+                        <a:rPr lang="pt-BR" sz="1400">
+                          <a:effectLst/>
+                        </a:rPr>
+                        <a:t>ES</a:t>
+                      </a:r>
+                      <a:endParaRPr lang="pt-BR" sz="1400">
+                        <a:effectLst/>
+                        <a:latin typeface="Calibri" panose="020F0502020204030204" pitchFamily="34" charset="0"/>
+                        <a:ea typeface="Calibri" panose="020F0502020204030204" pitchFamily="34" charset="0"/>
+                        <a:cs typeface="Times New Roman" panose="02020603050405020304" pitchFamily="18" charset="0"/>
+                      </a:endParaRPr>
+                    </a:p>
+                  </a:txBody>
+                  <a:tcPr marL="86399" marR="86399" marT="0" marB="0"/>
+                </a:tc>
+                <a:extLst>
+                  <a:ext uri="{0D108BD9-81ED-4DB2-BD59-A6C34878D82A}">
+                    <a16:rowId xmlns:a16="http://schemas.microsoft.com/office/drawing/2014/main" val="802611642"/>
+                  </a:ext>
+                </a:extLst>
+              </a:tr>
+              <a:tr h="220286">
+                <a:tc>
+                  <a:txBody>
+                    <a:bodyPr/>
+                    <a:lstStyle/>
+                    <a:p>
+                      <a:pPr>
+                        <a:lnSpc>
+                          <a:spcPct val="107000"/>
+                        </a:lnSpc>
+                        <a:spcAft>
+                          <a:spcPts val="800"/>
+                        </a:spcAft>
+                      </a:pPr>
+                      <a:r>
+                        <a:rPr lang="pt-BR" sz="1400">
+                          <a:effectLst/>
+                        </a:rPr>
+                        <a:t>46</a:t>
+                      </a:r>
+                      <a:endParaRPr lang="pt-BR" sz="1400">
+                        <a:effectLst/>
+                        <a:latin typeface="Calibri" panose="020F0502020204030204" pitchFamily="34" charset="0"/>
+                        <a:ea typeface="Calibri" panose="020F0502020204030204" pitchFamily="34" charset="0"/>
+                        <a:cs typeface="Times New Roman" panose="02020603050405020304" pitchFamily="18" charset="0"/>
+                      </a:endParaRPr>
+                    </a:p>
+                  </a:txBody>
+                  <a:tcPr marL="86399" marR="86399" marT="0" marB="0"/>
+                </a:tc>
+                <a:tc>
+                  <a:txBody>
+                    <a:bodyPr/>
+                    <a:lstStyle/>
+                    <a:p>
+                      <a:pPr>
+                        <a:lnSpc>
+                          <a:spcPct val="107000"/>
+                        </a:lnSpc>
+                        <a:spcAft>
+                          <a:spcPts val="800"/>
+                        </a:spcAft>
+                      </a:pPr>
+                      <a:r>
+                        <a:rPr lang="pt-BR" sz="1400">
+                          <a:effectLst/>
+                        </a:rPr>
+                        <a:t> Teerã </a:t>
+                      </a:r>
+                      <a:endParaRPr lang="pt-BR" sz="1400">
+                        <a:effectLst/>
+                        <a:latin typeface="Calibri" panose="020F0502020204030204" pitchFamily="34" charset="0"/>
+                        <a:ea typeface="Calibri" panose="020F0502020204030204" pitchFamily="34" charset="0"/>
+                        <a:cs typeface="Times New Roman" panose="02020603050405020304" pitchFamily="18" charset="0"/>
+                      </a:endParaRPr>
+                    </a:p>
+                  </a:txBody>
+                  <a:tcPr marL="86399" marR="86399" marT="0" marB="0"/>
+                </a:tc>
+                <a:tc>
+                  <a:txBody>
+                    <a:bodyPr/>
+                    <a:lstStyle/>
+                    <a:p>
+                      <a:pPr>
+                        <a:lnSpc>
+                          <a:spcPct val="107000"/>
+                        </a:lnSpc>
+                        <a:spcAft>
+                          <a:spcPts val="800"/>
+                        </a:spcAft>
+                      </a:pPr>
+                      <a:r>
+                        <a:rPr lang="pt-BR" sz="1400">
+                          <a:effectLst/>
+                        </a:rPr>
+                        <a:t>IR</a:t>
+                      </a:r>
+                      <a:endParaRPr lang="pt-BR" sz="1400">
+                        <a:effectLst/>
+                        <a:latin typeface="Calibri" panose="020F0502020204030204" pitchFamily="34" charset="0"/>
+                        <a:ea typeface="Calibri" panose="020F0502020204030204" pitchFamily="34" charset="0"/>
+                        <a:cs typeface="Times New Roman" panose="02020603050405020304" pitchFamily="18" charset="0"/>
+                      </a:endParaRPr>
+                    </a:p>
+                  </a:txBody>
+                  <a:tcPr marL="86399" marR="86399" marT="0" marB="0"/>
+                </a:tc>
+                <a:extLst>
+                  <a:ext uri="{0D108BD9-81ED-4DB2-BD59-A6C34878D82A}">
+                    <a16:rowId xmlns:a16="http://schemas.microsoft.com/office/drawing/2014/main" val="3917792923"/>
+                  </a:ext>
+                </a:extLst>
+              </a:tr>
+              <a:tr h="220286">
+                <a:tc>
+                  <a:txBody>
+                    <a:bodyPr/>
+                    <a:lstStyle/>
+                    <a:p>
+                      <a:pPr>
+                        <a:lnSpc>
+                          <a:spcPct val="107000"/>
+                        </a:lnSpc>
+                        <a:spcAft>
+                          <a:spcPts val="800"/>
+                        </a:spcAft>
+                      </a:pPr>
+                      <a:r>
+                        <a:rPr lang="pt-BR" sz="1400">
+                          <a:effectLst/>
+                        </a:rPr>
+                        <a:t>48</a:t>
+                      </a:r>
+                      <a:endParaRPr lang="pt-BR" sz="1400">
+                        <a:effectLst/>
+                        <a:latin typeface="Calibri" panose="020F0502020204030204" pitchFamily="34" charset="0"/>
+                        <a:ea typeface="Calibri" panose="020F0502020204030204" pitchFamily="34" charset="0"/>
+                        <a:cs typeface="Times New Roman" panose="02020603050405020304" pitchFamily="18" charset="0"/>
+                      </a:endParaRPr>
+                    </a:p>
+                  </a:txBody>
+                  <a:tcPr marL="86399" marR="86399" marT="0" marB="0"/>
+                </a:tc>
+                <a:tc>
+                  <a:txBody>
+                    <a:bodyPr/>
+                    <a:lstStyle/>
+                    <a:p>
+                      <a:pPr>
+                        <a:lnSpc>
+                          <a:spcPct val="107000"/>
+                        </a:lnSpc>
+                        <a:spcAft>
+                          <a:spcPts val="800"/>
+                        </a:spcAft>
+                      </a:pPr>
+                      <a:r>
+                        <a:rPr lang="pt-BR" sz="1400">
+                          <a:effectLst/>
+                        </a:rPr>
+                        <a:t> Milão </a:t>
+                      </a:r>
+                      <a:endParaRPr lang="pt-BR" sz="1400">
+                        <a:effectLst/>
+                        <a:latin typeface="Calibri" panose="020F0502020204030204" pitchFamily="34" charset="0"/>
+                        <a:ea typeface="Calibri" panose="020F0502020204030204" pitchFamily="34" charset="0"/>
+                        <a:cs typeface="Times New Roman" panose="02020603050405020304" pitchFamily="18" charset="0"/>
+                      </a:endParaRPr>
+                    </a:p>
+                  </a:txBody>
+                  <a:tcPr marL="86399" marR="86399" marT="0" marB="0"/>
+                </a:tc>
+                <a:tc>
+                  <a:txBody>
+                    <a:bodyPr/>
+                    <a:lstStyle/>
+                    <a:p>
+                      <a:pPr>
+                        <a:lnSpc>
+                          <a:spcPct val="107000"/>
+                        </a:lnSpc>
+                        <a:spcAft>
+                          <a:spcPts val="800"/>
+                        </a:spcAft>
+                      </a:pPr>
+                      <a:r>
+                        <a:rPr lang="pt-BR" sz="1400">
+                          <a:effectLst/>
+                        </a:rPr>
+                        <a:t>IT</a:t>
+                      </a:r>
+                      <a:endParaRPr lang="pt-BR" sz="1400">
+                        <a:effectLst/>
+                        <a:latin typeface="Calibri" panose="020F0502020204030204" pitchFamily="34" charset="0"/>
+                        <a:ea typeface="Calibri" panose="020F0502020204030204" pitchFamily="34" charset="0"/>
+                        <a:cs typeface="Times New Roman" panose="02020603050405020304" pitchFamily="18" charset="0"/>
+                      </a:endParaRPr>
+                    </a:p>
+                  </a:txBody>
+                  <a:tcPr marL="86399" marR="86399" marT="0" marB="0"/>
+                </a:tc>
+                <a:extLst>
+                  <a:ext uri="{0D108BD9-81ED-4DB2-BD59-A6C34878D82A}">
+                    <a16:rowId xmlns:a16="http://schemas.microsoft.com/office/drawing/2014/main" val="4255268901"/>
+                  </a:ext>
+                </a:extLst>
+              </a:tr>
+              <a:tr h="220286">
+                <a:tc>
+                  <a:txBody>
+                    <a:bodyPr/>
+                    <a:lstStyle/>
+                    <a:p>
+                      <a:pPr>
+                        <a:lnSpc>
+                          <a:spcPct val="107000"/>
+                        </a:lnSpc>
+                        <a:spcAft>
+                          <a:spcPts val="800"/>
+                        </a:spcAft>
+                      </a:pPr>
+                      <a:r>
+                        <a:rPr lang="pt-BR" sz="1400">
+                          <a:effectLst/>
+                        </a:rPr>
+                        <a:t>50</a:t>
+                      </a:r>
+                      <a:endParaRPr lang="pt-BR" sz="1400">
+                        <a:effectLst/>
+                        <a:latin typeface="Calibri" panose="020F0502020204030204" pitchFamily="34" charset="0"/>
+                        <a:ea typeface="Calibri" panose="020F0502020204030204" pitchFamily="34" charset="0"/>
+                        <a:cs typeface="Times New Roman" panose="02020603050405020304" pitchFamily="18" charset="0"/>
+                      </a:endParaRPr>
+                    </a:p>
+                  </a:txBody>
+                  <a:tcPr marL="86399" marR="86399" marT="0" marB="0"/>
+                </a:tc>
+                <a:tc>
+                  <a:txBody>
+                    <a:bodyPr/>
+                    <a:lstStyle/>
+                    <a:p>
+                      <a:pPr>
+                        <a:lnSpc>
+                          <a:spcPct val="107000"/>
+                        </a:lnSpc>
+                        <a:spcAft>
+                          <a:spcPts val="800"/>
+                        </a:spcAft>
+                      </a:pPr>
+                      <a:r>
+                        <a:rPr lang="pt-BR" sz="1400">
+                          <a:effectLst/>
+                        </a:rPr>
+                        <a:t> Zurique </a:t>
+                      </a:r>
+                      <a:endParaRPr lang="pt-BR" sz="1400">
+                        <a:effectLst/>
+                        <a:latin typeface="Calibri" panose="020F0502020204030204" pitchFamily="34" charset="0"/>
+                        <a:ea typeface="Calibri" panose="020F0502020204030204" pitchFamily="34" charset="0"/>
+                        <a:cs typeface="Times New Roman" panose="02020603050405020304" pitchFamily="18" charset="0"/>
+                      </a:endParaRPr>
+                    </a:p>
+                  </a:txBody>
+                  <a:tcPr marL="86399" marR="86399" marT="0" marB="0"/>
+                </a:tc>
+                <a:tc>
+                  <a:txBody>
+                    <a:bodyPr/>
+                    <a:lstStyle/>
+                    <a:p>
+                      <a:pPr>
+                        <a:lnSpc>
+                          <a:spcPct val="107000"/>
+                        </a:lnSpc>
+                        <a:spcAft>
+                          <a:spcPts val="800"/>
+                        </a:spcAft>
+                      </a:pPr>
+                      <a:r>
+                        <a:rPr lang="pt-BR" sz="1400" dirty="0">
+                          <a:effectLst/>
+                        </a:rPr>
+                        <a:t>CH/DE</a:t>
+                      </a:r>
+                      <a:endParaRPr lang="pt-BR" sz="1400" dirty="0">
+                        <a:effectLst/>
+                        <a:latin typeface="Calibri" panose="020F0502020204030204" pitchFamily="34" charset="0"/>
+                        <a:ea typeface="Calibri" panose="020F0502020204030204" pitchFamily="34" charset="0"/>
+                        <a:cs typeface="Times New Roman" panose="02020603050405020304" pitchFamily="18" charset="0"/>
+                      </a:endParaRPr>
+                    </a:p>
+                  </a:txBody>
+                  <a:tcPr marL="86399" marR="86399" marT="0" marB="0"/>
+                </a:tc>
+                <a:extLst>
+                  <a:ext uri="{0D108BD9-81ED-4DB2-BD59-A6C34878D82A}">
+                    <a16:rowId xmlns:a16="http://schemas.microsoft.com/office/drawing/2014/main" val="3324768410"/>
+                  </a:ext>
+                </a:extLst>
+              </a:tr>
+            </a:tbl>
+          </a:graphicData>
+        </a:graphic>
+      </p:graphicFrame>
     </p:spTree>
     <p:extLst>
       <p:ext uri="{BB962C8B-B14F-4D97-AF65-F5344CB8AC3E}">
-        <p14:creationId xmlns:p14="http://schemas.microsoft.com/office/powerpoint/2010/main" val="1387175423"/>
+        <p14:creationId xmlns:p14="http://schemas.microsoft.com/office/powerpoint/2010/main" val="651522141"/>
       </p:ext>
     </p:extLst>
   </p:cSld>
@@ -13253,6 +15376,70 @@
     <p:extLst>
       <p:ext uri="{BB962C8B-B14F-4D97-AF65-F5344CB8AC3E}">
         <p14:creationId xmlns:p14="http://schemas.microsoft.com/office/powerpoint/2010/main" val="362361806"/>
+      </p:ext>
+    </p:extLst>
+  </p:cSld>
+  <p:clrMapOvr>
+    <a:masterClrMapping/>
+  </p:clrMapOvr>
+</p:sld>
+</file>
+
+<file path=ppt/slides/slide20.xml><?xml version="1.0" encoding="utf-8"?>
+<p:sld xmlns:a="http://schemas.openxmlformats.org/drawingml/2006/main" xmlns:r="http://schemas.openxmlformats.org/officeDocument/2006/relationships" xmlns:p="http://schemas.openxmlformats.org/presentationml/2006/main">
+  <p:cSld>
+    <p:spTree>
+      <p:nvGrpSpPr>
+        <p:cNvPr id="1" name=""/>
+        <p:cNvGrpSpPr/>
+        <p:nvPr/>
+      </p:nvGrpSpPr>
+      <p:grpSpPr>
+        <a:xfrm>
+          <a:off x="0" y="0"/>
+          <a:ext cx="0" cy="0"/>
+          <a:chOff x="0" y="0"/>
+          <a:chExt cx="0" cy="0"/>
+        </a:xfrm>
+      </p:grpSpPr>
+      <p:sp>
+        <p:nvSpPr>
+          <p:cNvPr id="2" name="Título 1">
+            <a:extLst>
+              <a:ext uri="{FF2B5EF4-FFF2-40B4-BE49-F238E27FC236}">
+                <a16:creationId xmlns:a16="http://schemas.microsoft.com/office/drawing/2014/main" id="{3438147E-AC69-42F8-8FAF-747C320F62BE}"/>
+              </a:ext>
+            </a:extLst>
+          </p:cNvPr>
+          <p:cNvSpPr>
+            <a:spLocks noGrp="1"/>
+          </p:cNvSpPr>
+          <p:nvPr>
+            <p:ph type="title"/>
+          </p:nvPr>
+        </p:nvSpPr>
+        <p:spPr/>
+        <p:txBody>
+          <a:bodyPr/>
+          <a:lstStyle/>
+          <a:p>
+            <a:r>
+              <a:rPr lang="pt-BR" sz="1800" b="1" dirty="0">
+                <a:effectLst/>
+                <a:latin typeface="Calibri" panose="020F0502020204030204" pitchFamily="34" charset="0"/>
+                <a:ea typeface="Calibri" panose="020F0502020204030204" pitchFamily="34" charset="0"/>
+                <a:cs typeface="Times New Roman" panose="02020603050405020304" pitchFamily="18" charset="0"/>
+              </a:rPr>
+              <a:t>Indicadores Nacionais de Ciência e Tecnologia e Inovação 2019</a:t>
+            </a:r>
+            <a:endParaRPr lang="pt-BR" dirty="0"/>
+          </a:p>
+        </p:txBody>
+      </p:sp>
+    </p:spTree>
+    <p:extLst>
+      <p:ext uri="{BB962C8B-B14F-4D97-AF65-F5344CB8AC3E}">
+        <p14:creationId xmlns:p14="http://schemas.microsoft.com/office/powerpoint/2010/main" val="1387175423"/>
       </p:ext>
     </p:extLst>
   </p:cSld>

--- a/apresentacao-sbg-2020.pptx
+++ b/apresentacao-sbg-2020.pptx
@@ -25,32 +25,36 @@
     <p:sldId id="288" r:id="rId19"/>
     <p:sldId id="289" r:id="rId20"/>
     <p:sldId id="282" r:id="rId21"/>
+    <p:sldId id="290" r:id="rId22"/>
+    <p:sldId id="291" r:id="rId23"/>
+    <p:sldId id="292" r:id="rId24"/>
+    <p:sldId id="293" r:id="rId25"/>
   </p:sldIdLst>
   <p:sldSz cx="9753600" cy="7315200"/>
   <p:notesSz cx="6858000" cy="9144000"/>
   <p:embeddedFontLst>
     <p:embeddedFont>
       <p:font typeface="Calibri" panose="020F0502020204030204" pitchFamily="34" charset="0"/>
-      <p:regular r:id="rId22"/>
-      <p:bold r:id="rId23"/>
-      <p:italic r:id="rId24"/>
-      <p:boldItalic r:id="rId25"/>
+      <p:regular r:id="rId26"/>
+      <p:bold r:id="rId27"/>
+      <p:italic r:id="rId28"/>
+      <p:boldItalic r:id="rId29"/>
     </p:embeddedFont>
     <p:embeddedFont>
       <p:font typeface="Josefin Sans Regular Bold" panose="020B0604020202020204" charset="0"/>
-      <p:regular r:id="rId26"/>
+      <p:regular r:id="rId30"/>
     </p:embeddedFont>
     <p:embeddedFont>
       <p:font typeface="Poppins" panose="00000500000000000000" pitchFamily="2" charset="0"/>
-      <p:regular r:id="rId27"/>
-      <p:bold r:id="rId28"/>
-      <p:italic r:id="rId29"/>
-      <p:boldItalic r:id="rId30"/>
+      <p:regular r:id="rId31"/>
+      <p:bold r:id="rId32"/>
+      <p:italic r:id="rId33"/>
+      <p:boldItalic r:id="rId34"/>
     </p:embeddedFont>
     <p:embeddedFont>
       <p:font typeface="Poppins Light" panose="00000400000000000000" pitchFamily="2" charset="0"/>
-      <p:regular r:id="rId31"/>
-      <p:italic r:id="rId32"/>
+      <p:regular r:id="rId35"/>
+      <p:italic r:id="rId36"/>
     </p:embeddedFont>
   </p:embeddedFontLst>
   <p:defaultTextStyle>
@@ -15449,6 +15453,499 @@
 </p:sld>
 </file>
 
+<file path=ppt/slides/slide21.xml><?xml version="1.0" encoding="utf-8"?>
+<p:sld xmlns:a="http://schemas.openxmlformats.org/drawingml/2006/main" xmlns:r="http://schemas.openxmlformats.org/officeDocument/2006/relationships" xmlns:p="http://schemas.openxmlformats.org/presentationml/2006/main">
+  <p:cSld>
+    <p:spTree>
+      <p:nvGrpSpPr>
+        <p:cNvPr id="1" name=""/>
+        <p:cNvGrpSpPr/>
+        <p:nvPr/>
+      </p:nvGrpSpPr>
+      <p:grpSpPr>
+        <a:xfrm>
+          <a:off x="0" y="0"/>
+          <a:ext cx="0" cy="0"/>
+          <a:chOff x="0" y="0"/>
+          <a:chExt cx="0" cy="0"/>
+        </a:xfrm>
+      </p:grpSpPr>
+      <p:sp>
+        <p:nvSpPr>
+          <p:cNvPr id="3" name="Título 2">
+            <a:extLst>
+              <a:ext uri="{FF2B5EF4-FFF2-40B4-BE49-F238E27FC236}">
+                <a16:creationId xmlns:a16="http://schemas.microsoft.com/office/drawing/2014/main" id="{B26534A5-42A1-43F1-B430-2F9C785E62C9}"/>
+              </a:ext>
+            </a:extLst>
+          </p:cNvPr>
+          <p:cNvSpPr>
+            <a:spLocks noGrp="1"/>
+          </p:cNvSpPr>
+          <p:nvPr>
+            <p:ph type="title"/>
+          </p:nvPr>
+        </p:nvSpPr>
+        <p:spPr/>
+        <p:txBody>
+          <a:bodyPr>
+            <a:noAutofit/>
+          </a:bodyPr>
+          <a:lstStyle/>
+          <a:p>
+            <a:r>
+              <a:rPr lang="pt-BR" sz="2800" dirty="0"/>
+              <a:t>Dispêndio nacional em ciência e tecnologia (C&amp;T) (em valores de 2017) por atividade</a:t>
+            </a:r>
+          </a:p>
+        </p:txBody>
+      </p:sp>
+      <p:sp>
+        <p:nvSpPr>
+          <p:cNvPr id="5" name="Espaço Reservado para Texto 4">
+            <a:extLst>
+              <a:ext uri="{FF2B5EF4-FFF2-40B4-BE49-F238E27FC236}">
+                <a16:creationId xmlns:a16="http://schemas.microsoft.com/office/drawing/2014/main" id="{520D949C-BC4F-41C9-B5F1-0597BFDDDEF2}"/>
+              </a:ext>
+            </a:extLst>
+          </p:cNvPr>
+          <p:cNvSpPr>
+            <a:spLocks noGrp="1"/>
+          </p:cNvSpPr>
+          <p:nvPr>
+            <p:ph type="body" sz="quarter" idx="13"/>
+          </p:nvPr>
+        </p:nvSpPr>
+        <p:spPr/>
+        <p:txBody>
+          <a:bodyPr/>
+          <a:lstStyle/>
+          <a:p>
+            <a:r>
+              <a:rPr lang="pt-BR" sz="2400" dirty="0"/>
+              <a:t>2000-2017</a:t>
+            </a:r>
+            <a:endParaRPr lang="pt-BR" dirty="0"/>
+          </a:p>
+        </p:txBody>
+      </p:sp>
+      <p:pic>
+        <p:nvPicPr>
+          <p:cNvPr id="10" name="Espaço Reservado para Conteúdo 6" descr="Uma imagem contendo texto, mapa&#10;&#10;Descrição gerada automaticamente">
+            <a:extLst>
+              <a:ext uri="{FF2B5EF4-FFF2-40B4-BE49-F238E27FC236}">
+                <a16:creationId xmlns:a16="http://schemas.microsoft.com/office/drawing/2014/main" id="{BCE9FF5E-A6EB-4AB6-B8F9-1A0B71254680}"/>
+              </a:ext>
+            </a:extLst>
+          </p:cNvPr>
+          <p:cNvPicPr>
+            <a:picLocks noGrp="1" noChangeAspect="1"/>
+          </p:cNvPicPr>
+          <p:nvPr>
+            <p:ph idx="1"/>
+          </p:nvPr>
+        </p:nvPicPr>
+        <p:blipFill>
+          <a:blip r:embed="rId2">
+            <a:extLst>
+              <a:ext uri="{28A0092B-C50C-407E-A947-70E740481C1C}">
+                <a14:useLocalDpi xmlns:a14="http://schemas.microsoft.com/office/drawing/2010/main" val="0"/>
+              </a:ext>
+            </a:extLst>
+          </a:blip>
+          <a:stretch>
+            <a:fillRect/>
+          </a:stretch>
+        </p:blipFill>
+        <p:spPr>
+          <a:xfrm>
+            <a:off x="933655" y="1838325"/>
+            <a:ext cx="7886290" cy="4562475"/>
+          </a:xfrm>
+        </p:spPr>
+      </p:pic>
+    </p:spTree>
+    <p:extLst>
+      <p:ext uri="{BB962C8B-B14F-4D97-AF65-F5344CB8AC3E}">
+        <p14:creationId xmlns:p14="http://schemas.microsoft.com/office/powerpoint/2010/main" val="2900925845"/>
+      </p:ext>
+    </p:extLst>
+  </p:cSld>
+  <p:clrMapOvr>
+    <a:masterClrMapping/>
+  </p:clrMapOvr>
+</p:sld>
+</file>
+
+<file path=ppt/slides/slide22.xml><?xml version="1.0" encoding="utf-8"?>
+<p:sld xmlns:a="http://schemas.openxmlformats.org/drawingml/2006/main" xmlns:r="http://schemas.openxmlformats.org/officeDocument/2006/relationships" xmlns:p="http://schemas.openxmlformats.org/presentationml/2006/main">
+  <p:cSld>
+    <p:spTree>
+      <p:nvGrpSpPr>
+        <p:cNvPr id="1" name=""/>
+        <p:cNvGrpSpPr/>
+        <p:nvPr/>
+      </p:nvGrpSpPr>
+      <p:grpSpPr>
+        <a:xfrm>
+          <a:off x="0" y="0"/>
+          <a:ext cx="0" cy="0"/>
+          <a:chOff x="0" y="0"/>
+          <a:chExt cx="0" cy="0"/>
+        </a:xfrm>
+      </p:grpSpPr>
+      <p:sp>
+        <p:nvSpPr>
+          <p:cNvPr id="2" name="Título 1">
+            <a:extLst>
+              <a:ext uri="{FF2B5EF4-FFF2-40B4-BE49-F238E27FC236}">
+                <a16:creationId xmlns:a16="http://schemas.microsoft.com/office/drawing/2014/main" id="{4CEC0666-11B8-410C-8500-C62BB753B5DD}"/>
+              </a:ext>
+            </a:extLst>
+          </p:cNvPr>
+          <p:cNvSpPr>
+            <a:spLocks noGrp="1"/>
+          </p:cNvSpPr>
+          <p:nvPr>
+            <p:ph type="title"/>
+          </p:nvPr>
+        </p:nvSpPr>
+        <p:spPr/>
+        <p:txBody>
+          <a:bodyPr>
+            <a:noAutofit/>
+          </a:bodyPr>
+          <a:lstStyle/>
+          <a:p>
+            <a:r>
+              <a:rPr lang="pt-BR" sz="2800" dirty="0"/>
+              <a:t>Dispêndio nacional em ciência e tecnologia (C&amp;T) em relação ao produto interno bruto (PIB) por setor</a:t>
+            </a:r>
+          </a:p>
+        </p:txBody>
+      </p:sp>
+      <p:sp>
+        <p:nvSpPr>
+          <p:cNvPr id="4" name="Espaço Reservado para Texto 3">
+            <a:extLst>
+              <a:ext uri="{FF2B5EF4-FFF2-40B4-BE49-F238E27FC236}">
+                <a16:creationId xmlns:a16="http://schemas.microsoft.com/office/drawing/2014/main" id="{590AC66B-C1CF-41B1-8523-8F988CF69D74}"/>
+              </a:ext>
+            </a:extLst>
+          </p:cNvPr>
+          <p:cNvSpPr>
+            <a:spLocks noGrp="1"/>
+          </p:cNvSpPr>
+          <p:nvPr>
+            <p:ph type="body" sz="quarter" idx="13"/>
+          </p:nvPr>
+        </p:nvSpPr>
+        <p:spPr/>
+        <p:txBody>
+          <a:bodyPr/>
+          <a:lstStyle/>
+          <a:p>
+            <a:r>
+              <a:rPr lang="pt-BR" dirty="0"/>
+              <a:t>2000-2017</a:t>
+            </a:r>
+          </a:p>
+        </p:txBody>
+      </p:sp>
+      <p:pic>
+        <p:nvPicPr>
+          <p:cNvPr id="9" name="Espaço Reservado para Conteúdo 5">
+            <a:extLst>
+              <a:ext uri="{FF2B5EF4-FFF2-40B4-BE49-F238E27FC236}">
+                <a16:creationId xmlns:a16="http://schemas.microsoft.com/office/drawing/2014/main" id="{8790572A-AD5C-43BC-9A72-B9C167F1E5A1}"/>
+              </a:ext>
+            </a:extLst>
+          </p:cNvPr>
+          <p:cNvPicPr>
+            <a:picLocks noGrp="1" noChangeAspect="1"/>
+          </p:cNvPicPr>
+          <p:nvPr>
+            <p:ph idx="1"/>
+          </p:nvPr>
+        </p:nvPicPr>
+        <p:blipFill>
+          <a:blip r:embed="rId2" cstate="print">
+            <a:extLst>
+              <a:ext uri="{28A0092B-C50C-407E-A947-70E740481C1C}">
+                <a14:useLocalDpi xmlns:a14="http://schemas.microsoft.com/office/drawing/2010/main" val="0"/>
+              </a:ext>
+            </a:extLst>
+          </a:blip>
+          <a:stretch>
+            <a:fillRect/>
+          </a:stretch>
+        </p:blipFill>
+        <p:spPr>
+          <a:xfrm>
+            <a:off x="895817" y="1838325"/>
+            <a:ext cx="7961966" cy="4562475"/>
+          </a:xfrm>
+        </p:spPr>
+      </p:pic>
+    </p:spTree>
+    <p:extLst>
+      <p:ext uri="{BB962C8B-B14F-4D97-AF65-F5344CB8AC3E}">
+        <p14:creationId xmlns:p14="http://schemas.microsoft.com/office/powerpoint/2010/main" val="4205440663"/>
+      </p:ext>
+    </p:extLst>
+  </p:cSld>
+  <p:clrMapOvr>
+    <a:masterClrMapping/>
+  </p:clrMapOvr>
+</p:sld>
+</file>
+
+<file path=ppt/slides/slide23.xml><?xml version="1.0" encoding="utf-8"?>
+<p:sld xmlns:a="http://schemas.openxmlformats.org/drawingml/2006/main" xmlns:r="http://schemas.openxmlformats.org/officeDocument/2006/relationships" xmlns:p="http://schemas.openxmlformats.org/presentationml/2006/main">
+  <p:cSld>
+    <p:spTree>
+      <p:nvGrpSpPr>
+        <p:cNvPr id="1" name=""/>
+        <p:cNvGrpSpPr/>
+        <p:nvPr/>
+      </p:nvGrpSpPr>
+      <p:grpSpPr>
+        <a:xfrm>
+          <a:off x="0" y="0"/>
+          <a:ext cx="0" cy="0"/>
+          <a:chOff x="0" y="0"/>
+          <a:chExt cx="0" cy="0"/>
+        </a:xfrm>
+      </p:grpSpPr>
+      <p:sp>
+        <p:nvSpPr>
+          <p:cNvPr id="2" name="Título 1">
+            <a:extLst>
+              <a:ext uri="{FF2B5EF4-FFF2-40B4-BE49-F238E27FC236}">
+                <a16:creationId xmlns:a16="http://schemas.microsoft.com/office/drawing/2014/main" id="{79663FC4-424E-4544-8E23-E0599CBADFEF}"/>
+              </a:ext>
+            </a:extLst>
+          </p:cNvPr>
+          <p:cNvSpPr>
+            <a:spLocks noGrp="1"/>
+          </p:cNvSpPr>
+          <p:nvPr>
+            <p:ph type="title"/>
+          </p:nvPr>
+        </p:nvSpPr>
+        <p:spPr/>
+        <p:txBody>
+          <a:bodyPr>
+            <a:noAutofit/>
+          </a:bodyPr>
+          <a:lstStyle/>
+          <a:p>
+            <a:r>
+              <a:rPr lang="pt-BR" sz="2400" dirty="0"/>
+              <a:t>Dispêndio nacional em pesquisa e desenvolvimento (P&amp;D) em relação ao produto interno bruto (PIB) por setor</a:t>
+            </a:r>
+          </a:p>
+        </p:txBody>
+      </p:sp>
+      <p:sp>
+        <p:nvSpPr>
+          <p:cNvPr id="4" name="Espaço Reservado para Texto 3">
+            <a:extLst>
+              <a:ext uri="{FF2B5EF4-FFF2-40B4-BE49-F238E27FC236}">
+                <a16:creationId xmlns:a16="http://schemas.microsoft.com/office/drawing/2014/main" id="{5C776551-9108-44BD-8DC7-876ED40DBC4A}"/>
+              </a:ext>
+            </a:extLst>
+          </p:cNvPr>
+          <p:cNvSpPr>
+            <a:spLocks noGrp="1"/>
+          </p:cNvSpPr>
+          <p:nvPr>
+            <p:ph type="body" sz="quarter" idx="13"/>
+          </p:nvPr>
+        </p:nvSpPr>
+        <p:spPr/>
+        <p:txBody>
+          <a:bodyPr/>
+          <a:lstStyle/>
+          <a:p>
+            <a:r>
+              <a:rPr lang="pt-BR" dirty="0"/>
+              <a:t>2000-2017</a:t>
+            </a:r>
+          </a:p>
+        </p:txBody>
+      </p:sp>
+      <p:pic>
+        <p:nvPicPr>
+          <p:cNvPr id="9" name="Espaço Reservado para Conteúdo 5">
+            <a:extLst>
+              <a:ext uri="{FF2B5EF4-FFF2-40B4-BE49-F238E27FC236}">
+                <a16:creationId xmlns:a16="http://schemas.microsoft.com/office/drawing/2014/main" id="{07D1C5D8-2D4E-43F8-B00D-01AFCC144841}"/>
+              </a:ext>
+            </a:extLst>
+          </p:cNvPr>
+          <p:cNvPicPr>
+            <a:picLocks noGrp="1" noChangeAspect="1"/>
+          </p:cNvPicPr>
+          <p:nvPr>
+            <p:ph idx="1"/>
+          </p:nvPr>
+        </p:nvPicPr>
+        <p:blipFill>
+          <a:blip r:embed="rId2" cstate="print">
+            <a:extLst>
+              <a:ext uri="{28A0092B-C50C-407E-A947-70E740481C1C}">
+                <a14:useLocalDpi xmlns:a14="http://schemas.microsoft.com/office/drawing/2010/main" val="0"/>
+              </a:ext>
+            </a:extLst>
+          </a:blip>
+          <a:stretch>
+            <a:fillRect/>
+          </a:stretch>
+        </p:blipFill>
+        <p:spPr>
+          <a:xfrm>
+            <a:off x="895817" y="1838325"/>
+            <a:ext cx="7961966" cy="4562475"/>
+          </a:xfrm>
+        </p:spPr>
+      </p:pic>
+    </p:spTree>
+    <p:extLst>
+      <p:ext uri="{BB962C8B-B14F-4D97-AF65-F5344CB8AC3E}">
+        <p14:creationId xmlns:p14="http://schemas.microsoft.com/office/powerpoint/2010/main" val="3422659817"/>
+      </p:ext>
+    </p:extLst>
+  </p:cSld>
+  <p:clrMapOvr>
+    <a:masterClrMapping/>
+  </p:clrMapOvr>
+</p:sld>
+</file>
+
+<file path=ppt/slides/slide24.xml><?xml version="1.0" encoding="utf-8"?>
+<p:sld xmlns:a="http://schemas.openxmlformats.org/drawingml/2006/main" xmlns:r="http://schemas.openxmlformats.org/officeDocument/2006/relationships" xmlns:p="http://schemas.openxmlformats.org/presentationml/2006/main">
+  <p:cSld>
+    <p:spTree>
+      <p:nvGrpSpPr>
+        <p:cNvPr id="1" name=""/>
+        <p:cNvGrpSpPr/>
+        <p:nvPr/>
+      </p:nvGrpSpPr>
+      <p:grpSpPr>
+        <a:xfrm>
+          <a:off x="0" y="0"/>
+          <a:ext cx="0" cy="0"/>
+          <a:chOff x="0" y="0"/>
+          <a:chExt cx="0" cy="0"/>
+        </a:xfrm>
+      </p:grpSpPr>
+      <p:sp>
+        <p:nvSpPr>
+          <p:cNvPr id="2" name="Título 1">
+            <a:extLst>
+              <a:ext uri="{FF2B5EF4-FFF2-40B4-BE49-F238E27FC236}">
+                <a16:creationId xmlns:a16="http://schemas.microsoft.com/office/drawing/2014/main" id="{D4E7E92E-77AD-48BA-AFC5-ABBFD88101CB}"/>
+              </a:ext>
+            </a:extLst>
+          </p:cNvPr>
+          <p:cNvSpPr>
+            <a:spLocks noGrp="1"/>
+          </p:cNvSpPr>
+          <p:nvPr>
+            <p:ph type="title"/>
+          </p:nvPr>
+        </p:nvSpPr>
+        <p:spPr/>
+        <p:txBody>
+          <a:bodyPr>
+            <a:noAutofit/>
+          </a:bodyPr>
+          <a:lstStyle/>
+          <a:p>
+            <a:r>
+              <a:rPr lang="pt-BR" sz="2800" dirty="0"/>
+              <a:t>Distribuição percentual do dispêndio nacional em pesquisa e desenvolvimento (P&amp;D) por setor</a:t>
+            </a:r>
+          </a:p>
+        </p:txBody>
+      </p:sp>
+      <p:sp>
+        <p:nvSpPr>
+          <p:cNvPr id="4" name="Espaço Reservado para Texto 3">
+            <a:extLst>
+              <a:ext uri="{FF2B5EF4-FFF2-40B4-BE49-F238E27FC236}">
+                <a16:creationId xmlns:a16="http://schemas.microsoft.com/office/drawing/2014/main" id="{2D87DB7D-78CC-42C7-82BD-E85BA91476A6}"/>
+              </a:ext>
+            </a:extLst>
+          </p:cNvPr>
+          <p:cNvSpPr>
+            <a:spLocks noGrp="1"/>
+          </p:cNvSpPr>
+          <p:nvPr>
+            <p:ph type="body" sz="quarter" idx="13"/>
+          </p:nvPr>
+        </p:nvSpPr>
+        <p:spPr/>
+        <p:txBody>
+          <a:bodyPr/>
+          <a:lstStyle/>
+          <a:p>
+            <a:r>
+              <a:rPr lang="pt-BR" dirty="0"/>
+              <a:t>2000-2017</a:t>
+            </a:r>
+          </a:p>
+        </p:txBody>
+      </p:sp>
+      <p:pic>
+        <p:nvPicPr>
+          <p:cNvPr id="9" name="Espaço Reservado para Conteúdo 5">
+            <a:extLst>
+              <a:ext uri="{FF2B5EF4-FFF2-40B4-BE49-F238E27FC236}">
+                <a16:creationId xmlns:a16="http://schemas.microsoft.com/office/drawing/2014/main" id="{9E60FB7B-B6AE-4108-9B15-2BD868AF10D1}"/>
+              </a:ext>
+            </a:extLst>
+          </p:cNvPr>
+          <p:cNvPicPr>
+            <a:picLocks noGrp="1" noChangeAspect="1"/>
+          </p:cNvPicPr>
+          <p:nvPr>
+            <p:ph idx="1"/>
+          </p:nvPr>
+        </p:nvPicPr>
+        <p:blipFill>
+          <a:blip r:embed="rId2" cstate="print">
+            <a:extLst>
+              <a:ext uri="{28A0092B-C50C-407E-A947-70E740481C1C}">
+                <a14:useLocalDpi xmlns:a14="http://schemas.microsoft.com/office/drawing/2010/main" val="0"/>
+              </a:ext>
+            </a:extLst>
+          </a:blip>
+          <a:stretch>
+            <a:fillRect/>
+          </a:stretch>
+        </p:blipFill>
+        <p:spPr>
+          <a:xfrm>
+            <a:off x="895817" y="1838325"/>
+            <a:ext cx="7961966" cy="4562475"/>
+          </a:xfrm>
+        </p:spPr>
+      </p:pic>
+    </p:spTree>
+    <p:extLst>
+      <p:ext uri="{BB962C8B-B14F-4D97-AF65-F5344CB8AC3E}">
+        <p14:creationId xmlns:p14="http://schemas.microsoft.com/office/powerpoint/2010/main" val="1939033398"/>
+      </p:ext>
+    </p:extLst>
+  </p:cSld>
+  <p:clrMapOvr>
+    <a:masterClrMapping/>
+  </p:clrMapOvr>
+</p:sld>
+</file>
+
 <file path=ppt/slides/slide3.xml><?xml version="1.0" encoding="utf-8"?>
 <p:sld xmlns:a="http://schemas.openxmlformats.org/drawingml/2006/main" xmlns:r="http://schemas.openxmlformats.org/officeDocument/2006/relationships" xmlns:p="http://schemas.openxmlformats.org/presentationml/2006/main">
   <p:cSld>
